--- a/Documents/presentation doc/mid_presentation.pptx
+++ b/Documents/presentation doc/mid_presentation.pptx
@@ -153,6 +153,7 @@
 
 <file path=ppt/charts/chart1.xml><?xml version="1.0" encoding="utf-8"?>
 <c:chartSpace xmlns:c="http://schemas.openxmlformats.org/drawingml/2006/chart" xmlns:a="http://schemas.openxmlformats.org/drawingml/2006/main" xmlns:r="http://schemas.openxmlformats.org/officeDocument/2006/relationships">
+  <c:date1904 val="1"/>
   <c:lang val="ko-KR"/>
   <c:style val="27"/>
   <c:chart>
@@ -163,10 +164,10 @@
           <c:layoutTarget val="inner"/>
           <c:xMode val="edge"/>
           <c:yMode val="edge"/>
-          <c:x val="0.13756541418769597"/>
-          <c:y val="0.31142121774829296"/>
+          <c:x val="0.13756541418769627"/>
+          <c:y val="0.31142121774829334"/>
           <c:w val="0.82290353753797463"/>
-          <c:h val="0.56776310568666899"/>
+          <c:h val="0.56776310568666832"/>
         </c:manualLayout>
       </c:layout>
       <c:barChart>
@@ -261,25 +262,25 @@
           <c:showVal val="1"/>
         </c:dLbls>
         <c:gapWidth val="75"/>
-        <c:axId val="36066048"/>
-        <c:axId val="36067584"/>
+        <c:axId val="63259008"/>
+        <c:axId val="63260544"/>
       </c:barChart>
       <c:catAx>
-        <c:axId val="36066048"/>
+        <c:axId val="63259008"/>
         <c:scaling>
           <c:orientation val="minMax"/>
         </c:scaling>
         <c:axPos val="b"/>
         <c:majorTickMark val="none"/>
         <c:tickLblPos val="nextTo"/>
-        <c:crossAx val="36067584"/>
+        <c:crossAx val="63260544"/>
         <c:crosses val="autoZero"/>
         <c:auto val="1"/>
         <c:lblAlgn val="ctr"/>
         <c:lblOffset val="100"/>
       </c:catAx>
       <c:valAx>
-        <c:axId val="36067584"/>
+        <c:axId val="63260544"/>
         <c:scaling>
           <c:orientation val="minMax"/>
           <c:min val="0"/>
@@ -288,7 +289,7 @@
         <c:numFmt formatCode="General" sourceLinked="1"/>
         <c:majorTickMark val="none"/>
         <c:tickLblPos val="nextTo"/>
-        <c:crossAx val="36066048"/>
+        <c:crossAx val="63259008"/>
         <c:crosses val="autoZero"/>
         <c:crossBetween val="between"/>
         <c:majorUnit val="20"/>
@@ -300,10 +301,10 @@
         <c:manualLayout>
           <c:xMode val="edge"/>
           <c:yMode val="edge"/>
-          <c:x val="0.18942124246731254"/>
-          <c:y val="3.0763248527941409E-2"/>
-          <c:w val="0.681171680158145"/>
-          <c:h val="0.22344660117129897"/>
+          <c:x val="0.1894212424673129"/>
+          <c:y val="3.0763248527941461E-2"/>
+          <c:w val="0.68117168015814633"/>
+          <c:h val="0.22344660117129947"/>
         </c:manualLayout>
       </c:layout>
     </c:legend>
@@ -405,24 +406,24 @@
           </c:val>
         </c:ser>
         <c:marker val="1"/>
-        <c:axId val="36107776"/>
-        <c:axId val="36109312"/>
+        <c:axId val="63304832"/>
+        <c:axId val="63306368"/>
       </c:lineChart>
       <c:catAx>
-        <c:axId val="36107776"/>
+        <c:axId val="63304832"/>
         <c:scaling>
           <c:orientation val="minMax"/>
         </c:scaling>
         <c:axPos val="b"/>
         <c:tickLblPos val="nextTo"/>
-        <c:crossAx val="36109312"/>
+        <c:crossAx val="63306368"/>
         <c:crosses val="autoZero"/>
         <c:auto val="1"/>
         <c:lblAlgn val="ctr"/>
         <c:lblOffset val="100"/>
       </c:catAx>
       <c:valAx>
-        <c:axId val="36109312"/>
+        <c:axId val="63306368"/>
         <c:scaling>
           <c:orientation val="minMax"/>
           <c:max val="2000"/>
@@ -431,7 +432,7 @@
         <c:majorGridlines/>
         <c:numFmt formatCode="General" sourceLinked="1"/>
         <c:tickLblPos val="nextTo"/>
-        <c:crossAx val="36107776"/>
+        <c:crossAx val="63304832"/>
         <c:crosses val="autoZero"/>
         <c:crossBetween val="between"/>
         <c:majorUnit val="500"/>
@@ -1109,7 +1110,207 @@
           <a:bodyPr/>
           <a:lstStyle/>
           <a:p>
-            <a:endParaRPr lang="ru-RU"/>
+            <a:pPr marL="0" marR="0" indent="0" algn="l" defTabSz="914400" rtl="0" eaLnBrk="1" fontAlgn="base" latinLnBrk="0" hangingPunct="1">
+              <a:lnSpc>
+                <a:spcPct val="100000"/>
+              </a:lnSpc>
+              <a:spcBef>
+                <a:spcPct val="30000"/>
+              </a:spcBef>
+              <a:spcAft>
+                <a:spcPct val="0"/>
+              </a:spcAft>
+              <a:buClrTx/>
+              <a:buSzTx/>
+              <a:buFontTx/>
+              <a:buNone/>
+              <a:tabLst/>
+              <a:defRPr/>
+            </a:pPr>
+            <a:r>
+              <a:rPr lang="ko-KR" altLang="en-US" sz="1200" kern="1200" dirty="0" smtClean="0">
+                <a:solidFill>
+                  <a:schemeClr val="tx1"/>
+                </a:solidFill>
+                <a:latin typeface="Arial" charset="0"/>
+                <a:ea typeface="+mn-ea"/>
+                <a:cs typeface="+mn-cs"/>
+              </a:rPr>
+              <a:t>안녕하세요</a:t>
+            </a:r>
+            <a:r>
+              <a:rPr lang="en-US" altLang="ko-KR" sz="1200" kern="1200" dirty="0" smtClean="0">
+                <a:solidFill>
+                  <a:schemeClr val="tx1"/>
+                </a:solidFill>
+                <a:latin typeface="Arial" charset="0"/>
+                <a:ea typeface="+mn-ea"/>
+                <a:cs typeface="+mn-cs"/>
+              </a:rPr>
+              <a:t>. Lemonade </a:t>
+            </a:r>
+            <a:r>
+              <a:rPr lang="ko-KR" altLang="en-US" sz="1200" kern="1200" dirty="0" smtClean="0">
+                <a:solidFill>
+                  <a:schemeClr val="tx1"/>
+                </a:solidFill>
+                <a:latin typeface="Arial" charset="0"/>
+                <a:ea typeface="+mn-ea"/>
+                <a:cs typeface="+mn-cs"/>
+              </a:rPr>
+              <a:t>조 발표 시작 하겠습니다</a:t>
+            </a:r>
+            <a:r>
+              <a:rPr lang="en-US" altLang="ko-KR" sz="1200" kern="1200" dirty="0" smtClean="0">
+                <a:solidFill>
+                  <a:schemeClr val="tx1"/>
+                </a:solidFill>
+                <a:latin typeface="Arial" charset="0"/>
+                <a:ea typeface="+mn-ea"/>
+                <a:cs typeface="+mn-cs"/>
+              </a:rPr>
+              <a:t>. </a:t>
+            </a:r>
+            <a:r>
+              <a:rPr lang="ko-KR" altLang="en-US" sz="1200" kern="1200" dirty="0" smtClean="0">
+                <a:solidFill>
+                  <a:schemeClr val="tx1"/>
+                </a:solidFill>
+                <a:latin typeface="Arial" charset="0"/>
+                <a:ea typeface="+mn-ea"/>
+                <a:cs typeface="+mn-cs"/>
+              </a:rPr>
+              <a:t>저는 발표자 ‘강인구’구요</a:t>
+            </a:r>
+            <a:r>
+              <a:rPr lang="en-US" altLang="ko-KR" sz="1200" kern="1200" dirty="0" smtClean="0">
+                <a:solidFill>
+                  <a:schemeClr val="tx1"/>
+                </a:solidFill>
+                <a:latin typeface="Arial" charset="0"/>
+                <a:ea typeface="+mn-ea"/>
+                <a:cs typeface="+mn-cs"/>
+              </a:rPr>
+              <a:t>, </a:t>
+            </a:r>
+            <a:r>
+              <a:rPr lang="ko-KR" altLang="en-US" sz="1200" kern="1200" dirty="0" smtClean="0">
+                <a:solidFill>
+                  <a:schemeClr val="tx1"/>
+                </a:solidFill>
+                <a:latin typeface="Arial" charset="0"/>
+                <a:ea typeface="+mn-ea"/>
+                <a:cs typeface="+mn-cs"/>
+              </a:rPr>
+              <a:t>저희 조의 프로젝트 명은 </a:t>
+            </a:r>
+            <a:r>
+              <a:rPr lang="en-US" altLang="ko-KR" sz="1200" kern="1200" dirty="0" smtClean="0">
+                <a:solidFill>
+                  <a:schemeClr val="tx1"/>
+                </a:solidFill>
+                <a:latin typeface="Arial" charset="0"/>
+                <a:ea typeface="+mn-ea"/>
+                <a:cs typeface="+mn-cs"/>
+              </a:rPr>
+              <a:t>Android-USB</a:t>
+            </a:r>
+            <a:r>
+              <a:rPr lang="ko-KR" altLang="en-US" sz="1200" kern="1200" dirty="0" smtClean="0">
+                <a:solidFill>
+                  <a:schemeClr val="tx1"/>
+                </a:solidFill>
+                <a:latin typeface="Arial" charset="0"/>
+                <a:ea typeface="+mn-ea"/>
+                <a:cs typeface="+mn-cs"/>
+              </a:rPr>
+              <a:t>입니다</a:t>
+            </a:r>
+            <a:r>
+              <a:rPr lang="en-US" altLang="ko-KR" sz="1200" kern="1200" dirty="0" smtClean="0">
+                <a:solidFill>
+                  <a:schemeClr val="tx1"/>
+                </a:solidFill>
+                <a:latin typeface="Arial" charset="0"/>
+                <a:ea typeface="+mn-ea"/>
+                <a:cs typeface="+mn-cs"/>
+              </a:rPr>
+              <a:t>. </a:t>
+            </a:r>
+            <a:r>
+              <a:rPr lang="ko-KR" altLang="en-US" sz="1200" kern="1200" dirty="0" smtClean="0">
+                <a:solidFill>
+                  <a:schemeClr val="tx1"/>
+                </a:solidFill>
+                <a:latin typeface="Arial" charset="0"/>
+                <a:ea typeface="+mn-ea"/>
+                <a:cs typeface="+mn-cs"/>
+              </a:rPr>
+              <a:t>안드로이드의 어플리케이션들을 </a:t>
+            </a:r>
+            <a:r>
+              <a:rPr lang="en-US" altLang="ko-KR" sz="1200" kern="1200" dirty="0" smtClean="0">
+                <a:solidFill>
+                  <a:schemeClr val="tx1"/>
+                </a:solidFill>
+                <a:latin typeface="Arial" charset="0"/>
+                <a:ea typeface="+mn-ea"/>
+                <a:cs typeface="+mn-cs"/>
+              </a:rPr>
+              <a:t>USB</a:t>
+            </a:r>
+            <a:r>
+              <a:rPr lang="ko-KR" altLang="en-US" sz="1200" kern="1200" dirty="0" smtClean="0">
+                <a:solidFill>
+                  <a:schemeClr val="tx1"/>
+                </a:solidFill>
+                <a:latin typeface="Arial" charset="0"/>
+                <a:ea typeface="+mn-ea"/>
+                <a:cs typeface="+mn-cs"/>
+              </a:rPr>
+              <a:t>로 만들어 </a:t>
+            </a:r>
+            <a:r>
+              <a:rPr lang="en-US" altLang="ko-KR" sz="1200" kern="1200" dirty="0" smtClean="0">
+                <a:solidFill>
+                  <a:schemeClr val="tx1"/>
+                </a:solidFill>
+                <a:latin typeface="Arial" charset="0"/>
+                <a:ea typeface="+mn-ea"/>
+                <a:cs typeface="+mn-cs"/>
+              </a:rPr>
+              <a:t>PC</a:t>
+            </a:r>
+            <a:r>
+              <a:rPr lang="ko-KR" altLang="en-US" sz="1200" kern="1200" dirty="0" smtClean="0">
+                <a:solidFill>
+                  <a:schemeClr val="tx1"/>
+                </a:solidFill>
+                <a:latin typeface="Arial" charset="0"/>
+                <a:ea typeface="+mn-ea"/>
+                <a:cs typeface="+mn-cs"/>
+              </a:rPr>
+              <a:t>에서 사용한다는 뜻입니다</a:t>
+            </a:r>
+            <a:r>
+              <a:rPr lang="en-US" altLang="ko-KR" sz="1200" kern="1200" dirty="0" smtClean="0">
+                <a:solidFill>
+                  <a:schemeClr val="tx1"/>
+                </a:solidFill>
+                <a:latin typeface="Arial" charset="0"/>
+                <a:ea typeface="+mn-ea"/>
+                <a:cs typeface="+mn-cs"/>
+              </a:rPr>
+              <a:t>.</a:t>
+            </a:r>
+            <a:endParaRPr lang="ko-KR" altLang="en-US" sz="1200" kern="1200" dirty="0" smtClean="0">
+              <a:solidFill>
+                <a:schemeClr val="tx1"/>
+              </a:solidFill>
+              <a:latin typeface="Arial" charset="0"/>
+              <a:ea typeface="+mn-ea"/>
+              <a:cs typeface="+mn-cs"/>
+            </a:endParaRPr>
           </a:p>
         </p:txBody>
       </p:sp>
@@ -1167,38 +1368,209 @@
           </a:bodyPr>
           <a:lstStyle/>
           <a:p>
-            <a:r>
-              <a:rPr lang="en-US" altLang="ko-KR" dirty="0" smtClean="0"/>
-              <a:t>Android-USB </a:t>
-            </a:r>
-            <a:r>
-              <a:rPr lang="ko-KR" altLang="en-US" dirty="0" smtClean="0"/>
-              <a:t>활용 서비스 </a:t>
-            </a:r>
-            <a:r>
-              <a:rPr lang="en-US" altLang="ko-KR" dirty="0" smtClean="0"/>
-              <a:t>(</a:t>
-            </a:r>
-            <a:r>
-              <a:rPr lang="ko-KR" altLang="en-US" dirty="0" err="1" smtClean="0"/>
-              <a:t>카카오톡</a:t>
-            </a:r>
-            <a:r>
-              <a:rPr lang="ko-KR" altLang="en-US" dirty="0" smtClean="0"/>
-              <a:t> </a:t>
-            </a:r>
-            <a:r>
-              <a:rPr lang="en-US" altLang="ko-KR" dirty="0" smtClean="0"/>
+            <a:pPr marL="0" marR="0" indent="0" algn="l" defTabSz="914400" rtl="0" eaLnBrk="1" fontAlgn="base" latinLnBrk="0" hangingPunct="1">
+              <a:lnSpc>
+                <a:spcPct val="100000"/>
+              </a:lnSpc>
+              <a:spcBef>
+                <a:spcPct val="30000"/>
+              </a:spcBef>
+              <a:spcAft>
+                <a:spcPct val="0"/>
+              </a:spcAft>
+              <a:buClrTx/>
+              <a:buSzTx/>
+              <a:buFontTx/>
+              <a:buNone/>
+              <a:tabLst/>
+              <a:defRPr/>
+            </a:pPr>
+            <a:r>
+              <a:rPr lang="ko-KR" altLang="en-US" sz="1200" kern="1200" dirty="0" smtClean="0">
+                <a:solidFill>
+                  <a:schemeClr val="tx1"/>
+                </a:solidFill>
+                <a:latin typeface="Arial" charset="0"/>
+                <a:ea typeface="+mn-ea"/>
+                <a:cs typeface="+mn-cs"/>
+              </a:rPr>
+              <a:t>이 중 </a:t>
+            </a:r>
+            <a:r>
+              <a:rPr lang="en-US" altLang="ko-KR" sz="1200" kern="1200" dirty="0" smtClean="0">
+                <a:solidFill>
+                  <a:schemeClr val="tx1"/>
+                </a:solidFill>
+                <a:latin typeface="Arial" charset="0"/>
+                <a:ea typeface="+mn-ea"/>
+                <a:cs typeface="+mn-cs"/>
+              </a:rPr>
               <a:t>PC</a:t>
             </a:r>
             <a:r>
-              <a:rPr lang="ko-KR" altLang="en-US" dirty="0" smtClean="0"/>
-              <a:t>에서 사용 서비스</a:t>
-            </a:r>
-            <a:r>
-              <a:rPr lang="en-US" altLang="ko-KR" dirty="0" smtClean="0"/>
-              <a:t>)</a:t>
-            </a:r>
+              <a:rPr lang="ko-KR" altLang="en-US" sz="1200" kern="1200" dirty="0" smtClean="0">
+                <a:solidFill>
+                  <a:schemeClr val="tx1"/>
+                </a:solidFill>
+                <a:latin typeface="Arial" charset="0"/>
+                <a:ea typeface="+mn-ea"/>
+                <a:cs typeface="+mn-cs"/>
+              </a:rPr>
+              <a:t>에서 카카오톡을 쓰도록 연결하는 서비스를 구현 했습니다</a:t>
+            </a:r>
+            <a:r>
+              <a:rPr lang="en-US" altLang="ko-KR" sz="1200" kern="1200" dirty="0" smtClean="0">
+                <a:solidFill>
+                  <a:schemeClr val="tx1"/>
+                </a:solidFill>
+                <a:latin typeface="Arial" charset="0"/>
+                <a:ea typeface="+mn-ea"/>
+                <a:cs typeface="+mn-cs"/>
+              </a:rPr>
+              <a:t>. </a:t>
+            </a:r>
+            <a:r>
+              <a:rPr lang="ko-KR" altLang="en-US" sz="1200" kern="1200" dirty="0" smtClean="0">
+                <a:solidFill>
+                  <a:schemeClr val="tx1"/>
+                </a:solidFill>
+                <a:latin typeface="Arial" charset="0"/>
+                <a:ea typeface="+mn-ea"/>
+                <a:cs typeface="+mn-cs"/>
+              </a:rPr>
+              <a:t>좌측이 윈도우 클라이언트</a:t>
+            </a:r>
+            <a:r>
+              <a:rPr lang="en-US" altLang="ko-KR" sz="1200" kern="1200" dirty="0" smtClean="0">
+                <a:solidFill>
+                  <a:schemeClr val="tx1"/>
+                </a:solidFill>
+                <a:latin typeface="Arial" charset="0"/>
+                <a:ea typeface="+mn-ea"/>
+                <a:cs typeface="+mn-cs"/>
+              </a:rPr>
+              <a:t>, </a:t>
+            </a:r>
+            <a:r>
+              <a:rPr lang="ko-KR" altLang="en-US" sz="1200" kern="1200" dirty="0" smtClean="0">
+                <a:solidFill>
+                  <a:schemeClr val="tx1"/>
+                </a:solidFill>
+                <a:latin typeface="Arial" charset="0"/>
+                <a:ea typeface="+mn-ea"/>
+                <a:cs typeface="+mn-cs"/>
+              </a:rPr>
+              <a:t>우측이 안드로이드 서버입니다</a:t>
+            </a:r>
+            <a:r>
+              <a:rPr lang="en-US" altLang="ko-KR" sz="1200" kern="1200" dirty="0" smtClean="0">
+                <a:solidFill>
+                  <a:schemeClr val="tx1"/>
+                </a:solidFill>
+                <a:latin typeface="Arial" charset="0"/>
+                <a:ea typeface="+mn-ea"/>
+                <a:cs typeface="+mn-cs"/>
+              </a:rPr>
+              <a:t>. </a:t>
+            </a:r>
+            <a:r>
+              <a:rPr lang="ko-KR" altLang="en-US" sz="1200" kern="1200" dirty="0" smtClean="0">
+                <a:solidFill>
+                  <a:schemeClr val="tx1"/>
+                </a:solidFill>
+                <a:latin typeface="Arial" charset="0"/>
+                <a:ea typeface="+mn-ea"/>
+                <a:cs typeface="+mn-cs"/>
+              </a:rPr>
+              <a:t>우선 </a:t>
+            </a:r>
+            <a:r>
+              <a:rPr lang="en-US" altLang="ko-KR" sz="1200" kern="1200" dirty="0" smtClean="0">
+                <a:solidFill>
+                  <a:schemeClr val="tx1"/>
+                </a:solidFill>
+                <a:latin typeface="Arial" charset="0"/>
+                <a:ea typeface="+mn-ea"/>
+                <a:cs typeface="+mn-cs"/>
+              </a:rPr>
+              <a:t>TCP/IP</a:t>
+            </a:r>
+            <a:r>
+              <a:rPr lang="ko-KR" altLang="en-US" sz="1200" kern="1200" dirty="0" smtClean="0">
+                <a:solidFill>
+                  <a:schemeClr val="tx1"/>
+                </a:solidFill>
+                <a:latin typeface="Arial" charset="0"/>
+                <a:ea typeface="+mn-ea"/>
+                <a:cs typeface="+mn-cs"/>
+              </a:rPr>
+              <a:t>로 구현된 상태고</a:t>
+            </a:r>
+            <a:r>
+              <a:rPr lang="en-US" altLang="ko-KR" sz="1200" kern="1200" dirty="0" smtClean="0">
+                <a:solidFill>
+                  <a:schemeClr val="tx1"/>
+                </a:solidFill>
+                <a:latin typeface="Arial" charset="0"/>
+                <a:ea typeface="+mn-ea"/>
+                <a:cs typeface="+mn-cs"/>
+              </a:rPr>
+              <a:t>, Android-USB </a:t>
+            </a:r>
+            <a:r>
+              <a:rPr lang="ko-KR" altLang="en-US" sz="1200" kern="1200" dirty="0" smtClean="0">
+                <a:solidFill>
+                  <a:schemeClr val="tx1"/>
+                </a:solidFill>
+                <a:latin typeface="Arial" charset="0"/>
+                <a:ea typeface="+mn-ea"/>
+                <a:cs typeface="+mn-cs"/>
+              </a:rPr>
+              <a:t>구현이 완료된 후에 화면을 </a:t>
+            </a:r>
+            <a:r>
+              <a:rPr lang="en-US" altLang="ko-KR" sz="1200" kern="1200" dirty="0" smtClean="0">
+                <a:solidFill>
+                  <a:schemeClr val="tx1"/>
+                </a:solidFill>
+                <a:latin typeface="Arial" charset="0"/>
+                <a:ea typeface="+mn-ea"/>
+                <a:cs typeface="+mn-cs"/>
+              </a:rPr>
+              <a:t>USB</a:t>
+            </a:r>
+            <a:r>
+              <a:rPr lang="ko-KR" altLang="en-US" sz="1200" kern="1200" dirty="0" smtClean="0">
+                <a:solidFill>
+                  <a:schemeClr val="tx1"/>
+                </a:solidFill>
+                <a:latin typeface="Arial" charset="0"/>
+                <a:ea typeface="+mn-ea"/>
+                <a:cs typeface="+mn-cs"/>
+              </a:rPr>
+              <a:t>카메라로 보이게 해서 연결할 예정입니다</a:t>
+            </a:r>
+            <a:r>
+              <a:rPr lang="en-US" altLang="ko-KR" sz="1200" kern="1200" dirty="0" smtClean="0">
+                <a:solidFill>
+                  <a:schemeClr val="tx1"/>
+                </a:solidFill>
+                <a:latin typeface="Arial" charset="0"/>
+                <a:ea typeface="+mn-ea"/>
+                <a:cs typeface="+mn-cs"/>
+              </a:rPr>
+              <a:t>.</a:t>
+            </a:r>
+            <a:endParaRPr lang="ko-KR" altLang="en-US" sz="1200" kern="1200" dirty="0" smtClean="0">
+              <a:solidFill>
+                <a:schemeClr val="tx1"/>
+              </a:solidFill>
+              <a:latin typeface="Arial" charset="0"/>
+              <a:ea typeface="+mn-ea"/>
+              <a:cs typeface="+mn-cs"/>
+            </a:endParaRPr>
+          </a:p>
+          <a:p>
             <a:endParaRPr lang="ko-KR" altLang="en-US" dirty="0"/>
           </a:p>
         </p:txBody>
@@ -1299,64 +1671,197 @@
               <a:defRPr/>
             </a:pPr>
             <a:r>
-              <a:rPr lang="en-US" altLang="ko-KR" dirty="0" smtClean="0"/>
-              <a:t>Android-USB </a:t>
-            </a:r>
-            <a:r>
-              <a:rPr lang="ko-KR" altLang="en-US" dirty="0" smtClean="0"/>
-              <a:t>활용 서비스 </a:t>
-            </a:r>
-            <a:r>
-              <a:rPr lang="en-US" altLang="ko-KR" dirty="0" smtClean="0"/>
-              <a:t>(</a:t>
-            </a:r>
-            <a:r>
-              <a:rPr lang="ko-KR" altLang="en-US" dirty="0" err="1" smtClean="0"/>
+              <a:rPr lang="ko-KR" altLang="en-US" sz="1200" kern="1200" dirty="0" err="1" smtClean="0">
+                <a:solidFill>
+                  <a:schemeClr val="tx1"/>
+                </a:solidFill>
+                <a:latin typeface="Arial" charset="0"/>
+                <a:ea typeface="+mn-ea"/>
+                <a:cs typeface="+mn-cs"/>
+              </a:rPr>
               <a:t>카카오톡</a:t>
             </a:r>
             <a:r>
-              <a:rPr lang="ko-KR" altLang="en-US" dirty="0" smtClean="0"/>
+              <a:rPr lang="ko-KR" altLang="en-US" sz="1200" kern="1200" dirty="0" smtClean="0">
+                <a:solidFill>
+                  <a:schemeClr val="tx1"/>
+                </a:solidFill>
+                <a:latin typeface="Arial" charset="0"/>
+                <a:ea typeface="+mn-ea"/>
+                <a:cs typeface="+mn-cs"/>
+              </a:rPr>
               <a:t> </a:t>
             </a:r>
             <a:r>
-              <a:rPr lang="en-US" altLang="ko-KR" dirty="0" smtClean="0"/>
+              <a:rPr lang="en-US" altLang="ko-KR" sz="1200" kern="1200" dirty="0" smtClean="0">
+                <a:solidFill>
+                  <a:schemeClr val="tx1"/>
+                </a:solidFill>
+                <a:latin typeface="Arial" charset="0"/>
+                <a:ea typeface="+mn-ea"/>
+                <a:cs typeface="+mn-cs"/>
+              </a:rPr>
+              <a:t>PC Linker </a:t>
+            </a:r>
+            <a:r>
+              <a:rPr lang="ko-KR" altLang="en-US" sz="1200" kern="1200" dirty="0" smtClean="0">
+                <a:solidFill>
+                  <a:schemeClr val="tx1"/>
+                </a:solidFill>
+                <a:latin typeface="Arial" charset="0"/>
+                <a:ea typeface="+mn-ea"/>
+                <a:cs typeface="+mn-cs"/>
+              </a:rPr>
+              <a:t>서비스의 구조입니다</a:t>
+            </a:r>
+            <a:r>
+              <a:rPr lang="en-US" altLang="ko-KR" sz="1200" kern="1200" dirty="0" smtClean="0">
+                <a:solidFill>
+                  <a:schemeClr val="tx1"/>
+                </a:solidFill>
+                <a:latin typeface="Arial" charset="0"/>
+                <a:ea typeface="+mn-ea"/>
+                <a:cs typeface="+mn-cs"/>
+              </a:rPr>
+              <a:t>. PC</a:t>
+            </a:r>
+            <a:r>
+              <a:rPr lang="ko-KR" altLang="en-US" sz="1200" kern="1200" dirty="0" smtClean="0">
+                <a:solidFill>
+                  <a:schemeClr val="tx1"/>
+                </a:solidFill>
+                <a:latin typeface="Arial" charset="0"/>
+                <a:ea typeface="+mn-ea"/>
+                <a:cs typeface="+mn-cs"/>
+              </a:rPr>
+              <a:t>에서 텍스트를 입력하면 안드로이드에서 받아서 따로 구현한 소프트웨어 키보드 </a:t>
+            </a:r>
+            <a:r>
+              <a:rPr lang="en-US" altLang="ko-KR" sz="1200" kern="1200" dirty="0" smtClean="0">
+                <a:solidFill>
+                  <a:schemeClr val="tx1"/>
+                </a:solidFill>
+                <a:latin typeface="Arial" charset="0"/>
+                <a:ea typeface="+mn-ea"/>
+                <a:cs typeface="+mn-cs"/>
+              </a:rPr>
+              <a:t>IME</a:t>
+            </a:r>
+            <a:r>
+              <a:rPr lang="ko-KR" altLang="en-US" sz="1200" kern="1200" dirty="0" smtClean="0">
+                <a:solidFill>
+                  <a:schemeClr val="tx1"/>
+                </a:solidFill>
+                <a:latin typeface="Arial" charset="0"/>
+                <a:ea typeface="+mn-ea"/>
+                <a:cs typeface="+mn-cs"/>
+              </a:rPr>
+              <a:t>로 넘겨 입력합니다</a:t>
+            </a:r>
+            <a:r>
+              <a:rPr lang="en-US" altLang="ko-KR" sz="1200" kern="1200" dirty="0" smtClean="0">
+                <a:solidFill>
+                  <a:schemeClr val="tx1"/>
+                </a:solidFill>
+                <a:latin typeface="Arial" charset="0"/>
+                <a:ea typeface="+mn-ea"/>
+                <a:cs typeface="+mn-cs"/>
+              </a:rPr>
+              <a:t>. </a:t>
+            </a:r>
+            <a:r>
+              <a:rPr lang="ko-KR" altLang="en-US" sz="1200" kern="1200" dirty="0" smtClean="0">
+                <a:solidFill>
+                  <a:schemeClr val="tx1"/>
+                </a:solidFill>
+                <a:latin typeface="Arial" charset="0"/>
+                <a:ea typeface="+mn-ea"/>
+                <a:cs typeface="+mn-cs"/>
+              </a:rPr>
+              <a:t>스마트폰 화면은 </a:t>
+            </a:r>
+            <a:r>
+              <a:rPr lang="ko-KR" altLang="en-US" sz="1200" kern="1200" dirty="0" err="1" smtClean="0">
+                <a:solidFill>
+                  <a:schemeClr val="tx1"/>
+                </a:solidFill>
+                <a:latin typeface="Arial" charset="0"/>
+                <a:ea typeface="+mn-ea"/>
+                <a:cs typeface="+mn-cs"/>
+              </a:rPr>
+              <a:t>캡쳐</a:t>
+            </a:r>
+            <a:r>
+              <a:rPr lang="ko-KR" altLang="en-US" sz="1200" kern="1200" dirty="0" smtClean="0">
+                <a:solidFill>
+                  <a:schemeClr val="tx1"/>
+                </a:solidFill>
+                <a:latin typeface="Arial" charset="0"/>
+                <a:ea typeface="+mn-ea"/>
+                <a:cs typeface="+mn-cs"/>
+              </a:rPr>
+              <a:t> 해서 </a:t>
+            </a:r>
+            <a:r>
+              <a:rPr lang="en-US" altLang="ko-KR" sz="1200" kern="1200" dirty="0" smtClean="0">
+                <a:solidFill>
+                  <a:schemeClr val="tx1"/>
+                </a:solidFill>
+                <a:latin typeface="Arial" charset="0"/>
+                <a:ea typeface="+mn-ea"/>
+                <a:cs typeface="+mn-cs"/>
+              </a:rPr>
               <a:t>PC</a:t>
             </a:r>
             <a:r>
-              <a:rPr lang="ko-KR" altLang="en-US" dirty="0" smtClean="0"/>
-              <a:t>에서 사용 서비스</a:t>
-            </a:r>
-            <a:r>
-              <a:rPr lang="en-US" altLang="ko-KR" dirty="0" smtClean="0"/>
-              <a:t>)</a:t>
-            </a:r>
-            <a:endParaRPr lang="ko-KR" altLang="en-US" dirty="0" smtClean="0"/>
-          </a:p>
-          <a:p>
-            <a:r>
-              <a:rPr lang="ko-KR" altLang="en-US" dirty="0" smtClean="0"/>
-              <a:t>구조 </a:t>
-            </a:r>
-            <a:r>
-              <a:rPr lang="en-US" altLang="ko-KR" dirty="0" smtClean="0"/>
-              <a:t>( </a:t>
-            </a:r>
-            <a:r>
-              <a:rPr lang="ko-KR" altLang="en-US" dirty="0" smtClean="0"/>
-              <a:t>현재 </a:t>
-            </a:r>
-            <a:r>
-              <a:rPr lang="en-US" altLang="ko-KR" dirty="0" smtClean="0"/>
-              <a:t>TCP/IP</a:t>
-            </a:r>
-            <a:r>
-              <a:rPr lang="ko-KR" altLang="en-US" dirty="0" smtClean="0"/>
-              <a:t>로 구현상태 </a:t>
-            </a:r>
-            <a:r>
-              <a:rPr lang="en-US" altLang="ko-KR" dirty="0" smtClean="0"/>
-              <a:t>)</a:t>
-            </a:r>
+              <a:rPr lang="ko-KR" altLang="en-US" sz="1200" kern="1200" dirty="0" smtClean="0">
+                <a:solidFill>
+                  <a:schemeClr val="tx1"/>
+                </a:solidFill>
+                <a:latin typeface="Arial" charset="0"/>
+                <a:ea typeface="+mn-ea"/>
+                <a:cs typeface="+mn-cs"/>
+              </a:rPr>
+              <a:t>로 전송합니다</a:t>
+            </a:r>
+            <a:r>
+              <a:rPr lang="en-US" altLang="ko-KR" sz="1200" kern="1200" dirty="0" smtClean="0">
+                <a:solidFill>
+                  <a:schemeClr val="tx1"/>
+                </a:solidFill>
+                <a:latin typeface="Arial" charset="0"/>
+                <a:ea typeface="+mn-ea"/>
+                <a:cs typeface="+mn-cs"/>
+              </a:rPr>
+              <a:t>.</a:t>
+            </a:r>
+            <a:endParaRPr lang="ko-KR" altLang="en-US" sz="1200" kern="1200" dirty="0" smtClean="0">
+              <a:solidFill>
+                <a:schemeClr val="tx1"/>
+              </a:solidFill>
+              <a:latin typeface="Arial" charset="0"/>
+              <a:ea typeface="+mn-ea"/>
+              <a:cs typeface="+mn-cs"/>
+            </a:endParaRPr>
+          </a:p>
+          <a:p>
+            <a:pPr marL="0" marR="0" indent="0" algn="l" defTabSz="914400" rtl="0" eaLnBrk="1" fontAlgn="base" latinLnBrk="0" hangingPunct="1">
+              <a:lnSpc>
+                <a:spcPct val="100000"/>
+              </a:lnSpc>
+              <a:spcBef>
+                <a:spcPct val="30000"/>
+              </a:spcBef>
+              <a:spcAft>
+                <a:spcPct val="0"/>
+              </a:spcAft>
+              <a:buClrTx/>
+              <a:buSzTx/>
+              <a:buFontTx/>
+              <a:buNone/>
+              <a:tabLst/>
+              <a:defRPr/>
+            </a:pPr>
             <a:endParaRPr lang="ko-KR" altLang="en-US" dirty="0"/>
           </a:p>
         </p:txBody>
@@ -1439,26 +1944,77 @@
           </a:bodyPr>
           <a:lstStyle/>
           <a:p>
-            <a:r>
-              <a:rPr lang="en-US" altLang="ko-KR" dirty="0" smtClean="0"/>
-              <a:t>Android-USB </a:t>
-            </a:r>
-            <a:r>
-              <a:rPr lang="ko-KR" altLang="en-US" dirty="0" smtClean="0"/>
-              <a:t>활용 서비스 </a:t>
-            </a:r>
-            <a:r>
-              <a:rPr lang="en-US" altLang="ko-KR" dirty="0" smtClean="0"/>
-              <a:t>(</a:t>
-            </a:r>
-            <a:r>
-              <a:rPr lang="ko-KR" altLang="en-US" dirty="0" smtClean="0"/>
-              <a:t>터치 마우스 서비스</a:t>
-            </a:r>
-            <a:r>
-              <a:rPr lang="en-US" altLang="ko-KR" dirty="0" smtClean="0"/>
-              <a:t>)</a:t>
-            </a:r>
+            <a:pPr marL="0" marR="0" indent="0" algn="l" defTabSz="914400" rtl="0" eaLnBrk="1" fontAlgn="base" latinLnBrk="0" hangingPunct="1">
+              <a:lnSpc>
+                <a:spcPct val="100000"/>
+              </a:lnSpc>
+              <a:spcBef>
+                <a:spcPct val="30000"/>
+              </a:spcBef>
+              <a:spcAft>
+                <a:spcPct val="0"/>
+              </a:spcAft>
+              <a:buClrTx/>
+              <a:buSzTx/>
+              <a:buFontTx/>
+              <a:buNone/>
+              <a:tabLst/>
+              <a:defRPr/>
+            </a:pPr>
+            <a:r>
+              <a:rPr lang="ko-KR" altLang="en-US" sz="1200" kern="1200" dirty="0" smtClean="0">
+                <a:solidFill>
+                  <a:schemeClr val="tx1"/>
+                </a:solidFill>
+                <a:latin typeface="Arial" charset="0"/>
+                <a:ea typeface="+mn-ea"/>
+                <a:cs typeface="+mn-cs"/>
+              </a:rPr>
+              <a:t>이 외에 추가로 안드로이드 화면을 </a:t>
+            </a:r>
+            <a:r>
+              <a:rPr lang="en-US" altLang="ko-KR" sz="1200" kern="1200" dirty="0" smtClean="0">
+                <a:solidFill>
+                  <a:schemeClr val="tx1"/>
+                </a:solidFill>
+                <a:latin typeface="Arial" charset="0"/>
+                <a:ea typeface="+mn-ea"/>
+                <a:cs typeface="+mn-cs"/>
+              </a:rPr>
+              <a:t>PC</a:t>
+            </a:r>
+            <a:r>
+              <a:rPr lang="ko-KR" altLang="en-US" sz="1200" kern="1200" dirty="0" smtClean="0">
+                <a:solidFill>
+                  <a:schemeClr val="tx1"/>
+                </a:solidFill>
+                <a:latin typeface="Arial" charset="0"/>
+                <a:ea typeface="+mn-ea"/>
+                <a:cs typeface="+mn-cs"/>
+              </a:rPr>
+              <a:t>에서 터치마우스로 사용하도록 하는 서비스를 구현중입니다</a:t>
+            </a:r>
+            <a:r>
+              <a:rPr lang="en-US" altLang="ko-KR" sz="1200" kern="1200" dirty="0" smtClean="0">
+                <a:solidFill>
+                  <a:schemeClr val="tx1"/>
+                </a:solidFill>
+                <a:latin typeface="Arial" charset="0"/>
+                <a:ea typeface="+mn-ea"/>
+                <a:cs typeface="+mn-cs"/>
+              </a:rPr>
+              <a:t>.</a:t>
+            </a:r>
+            <a:endParaRPr lang="ko-KR" altLang="en-US" sz="1200" kern="1200" dirty="0" smtClean="0">
+              <a:solidFill>
+                <a:schemeClr val="tx1"/>
+              </a:solidFill>
+              <a:latin typeface="Arial" charset="0"/>
+              <a:ea typeface="+mn-ea"/>
+              <a:cs typeface="+mn-cs"/>
+            </a:endParaRPr>
+          </a:p>
+          <a:p>
             <a:endParaRPr lang="ko-KR" altLang="en-US" dirty="0"/>
           </a:p>
         </p:txBody>
@@ -1541,7 +2097,163 @@
           </a:bodyPr>
           <a:lstStyle/>
           <a:p>
-            <a:endParaRPr lang="ko-KR" altLang="en-US" dirty="0"/>
+            <a:pPr marL="0" marR="0" indent="0" algn="l" defTabSz="914400" rtl="0" eaLnBrk="1" fontAlgn="base" latinLnBrk="0" hangingPunct="1">
+              <a:lnSpc>
+                <a:spcPct val="100000"/>
+              </a:lnSpc>
+              <a:spcBef>
+                <a:spcPct val="30000"/>
+              </a:spcBef>
+              <a:spcAft>
+                <a:spcPct val="0"/>
+              </a:spcAft>
+              <a:buClrTx/>
+              <a:buSzTx/>
+              <a:buFontTx/>
+              <a:buNone/>
+              <a:tabLst/>
+              <a:defRPr/>
+            </a:pPr>
+            <a:r>
+              <a:rPr lang="ko-KR" altLang="en-US" sz="1200" kern="1200" dirty="0" smtClean="0">
+                <a:solidFill>
+                  <a:schemeClr val="tx1"/>
+                </a:solidFill>
+                <a:latin typeface="Arial" charset="0"/>
+                <a:ea typeface="+mn-ea"/>
+                <a:cs typeface="+mn-cs"/>
+              </a:rPr>
+              <a:t>발표는 먼저 프로젝트 배경과</a:t>
+            </a:r>
+            <a:r>
+              <a:rPr lang="en-US" altLang="ko-KR" sz="1200" kern="1200" dirty="0" smtClean="0">
+                <a:solidFill>
+                  <a:schemeClr val="tx1"/>
+                </a:solidFill>
+                <a:latin typeface="Arial" charset="0"/>
+                <a:ea typeface="+mn-ea"/>
+                <a:cs typeface="+mn-cs"/>
+              </a:rPr>
+              <a:t> </a:t>
+            </a:r>
+            <a:r>
+              <a:rPr lang="ko-KR" altLang="en-US" sz="1200" kern="1200" dirty="0" smtClean="0">
+                <a:solidFill>
+                  <a:schemeClr val="tx1"/>
+                </a:solidFill>
+                <a:latin typeface="Arial" charset="0"/>
+                <a:ea typeface="+mn-ea"/>
+                <a:cs typeface="+mn-cs"/>
+              </a:rPr>
+              <a:t>관련기술 </a:t>
+            </a:r>
+            <a:r>
+              <a:rPr lang="en-US" altLang="ko-KR" sz="1200" kern="1200" dirty="0" smtClean="0">
+                <a:solidFill>
+                  <a:schemeClr val="tx1"/>
+                </a:solidFill>
+                <a:latin typeface="Arial" charset="0"/>
+                <a:ea typeface="+mn-ea"/>
+                <a:cs typeface="+mn-cs"/>
+              </a:rPr>
+              <a:t>USB/IP</a:t>
+            </a:r>
+            <a:r>
+              <a:rPr lang="ko-KR" altLang="en-US" sz="1200" kern="1200" dirty="0" smtClean="0">
+                <a:solidFill>
+                  <a:schemeClr val="tx1"/>
+                </a:solidFill>
+                <a:latin typeface="Arial" charset="0"/>
+                <a:ea typeface="+mn-ea"/>
+                <a:cs typeface="+mn-cs"/>
+              </a:rPr>
+              <a:t>를 소개하겠습니다</a:t>
+            </a:r>
+            <a:r>
+              <a:rPr lang="en-US" altLang="ko-KR" sz="1200" kern="1200" dirty="0" smtClean="0">
+                <a:solidFill>
+                  <a:schemeClr val="tx1"/>
+                </a:solidFill>
+                <a:latin typeface="Arial" charset="0"/>
+                <a:ea typeface="+mn-ea"/>
+                <a:cs typeface="+mn-cs"/>
+              </a:rPr>
+              <a:t>. </a:t>
+            </a:r>
+            <a:r>
+              <a:rPr lang="ko-KR" altLang="en-US" sz="1200" kern="1200" dirty="0" smtClean="0">
+                <a:solidFill>
+                  <a:schemeClr val="tx1"/>
+                </a:solidFill>
+                <a:latin typeface="Arial" charset="0"/>
+                <a:ea typeface="+mn-ea"/>
+                <a:cs typeface="+mn-cs"/>
+              </a:rPr>
+              <a:t>그리고 저희 프로젝트의 개요와 구조</a:t>
+            </a:r>
+            <a:r>
+              <a:rPr lang="en-US" altLang="ko-KR" sz="1200" kern="1200" dirty="0" smtClean="0">
+                <a:solidFill>
+                  <a:schemeClr val="tx1"/>
+                </a:solidFill>
+                <a:latin typeface="Arial" charset="0"/>
+                <a:ea typeface="+mn-ea"/>
+                <a:cs typeface="+mn-cs"/>
+              </a:rPr>
+              <a:t>, USB/IP</a:t>
+            </a:r>
+            <a:r>
+              <a:rPr lang="ko-KR" altLang="en-US" sz="1200" kern="1200" dirty="0" smtClean="0">
+                <a:solidFill>
+                  <a:schemeClr val="tx1"/>
+                </a:solidFill>
+                <a:latin typeface="Arial" charset="0"/>
+                <a:ea typeface="+mn-ea"/>
+                <a:cs typeface="+mn-cs"/>
+              </a:rPr>
+              <a:t>를 사용하는 이유에 대해 말씀 드리고</a:t>
+            </a:r>
+            <a:r>
+              <a:rPr lang="en-US" altLang="ko-KR" sz="1200" kern="1200" dirty="0" smtClean="0">
+                <a:solidFill>
+                  <a:schemeClr val="tx1"/>
+                </a:solidFill>
+                <a:latin typeface="Arial" charset="0"/>
+                <a:ea typeface="+mn-ea"/>
+                <a:cs typeface="+mn-cs"/>
+              </a:rPr>
+              <a:t>, </a:t>
+            </a:r>
+            <a:r>
+              <a:rPr lang="ko-KR" altLang="en-US" sz="1200" kern="1200" dirty="0" smtClean="0">
+                <a:solidFill>
+                  <a:schemeClr val="tx1"/>
+                </a:solidFill>
+                <a:latin typeface="Arial" charset="0"/>
+                <a:ea typeface="+mn-ea"/>
+                <a:cs typeface="+mn-cs"/>
+              </a:rPr>
+              <a:t>저희가 시연할 활용 서비스를 말씀 드리겠습니다</a:t>
+            </a:r>
+            <a:r>
+              <a:rPr lang="en-US" altLang="ko-KR" sz="1200" kern="1200" dirty="0" smtClean="0">
+                <a:solidFill>
+                  <a:schemeClr val="tx1"/>
+                </a:solidFill>
+                <a:latin typeface="Arial" charset="0"/>
+                <a:ea typeface="+mn-ea"/>
+                <a:cs typeface="+mn-cs"/>
+              </a:rPr>
+              <a:t>.</a:t>
+            </a:r>
+            <a:endParaRPr lang="ko-KR" altLang="en-US" sz="1200" kern="1200" dirty="0" smtClean="0">
+              <a:solidFill>
+                <a:schemeClr val="tx1"/>
+              </a:solidFill>
+              <a:latin typeface="Arial" charset="0"/>
+              <a:ea typeface="+mn-ea"/>
+              <a:cs typeface="+mn-cs"/>
+            </a:endParaRPr>
           </a:p>
         </p:txBody>
       </p:sp>
@@ -1621,39 +2333,240 @@
           <a:bodyPr/>
           <a:lstStyle/>
           <a:p>
-            <a:r>
-              <a:rPr lang="ko-KR" altLang="en-US" dirty="0" err="1" smtClean="0"/>
-              <a:t>스마트폰의</a:t>
-            </a:r>
-            <a:r>
-              <a:rPr lang="ko-KR" altLang="en-US" dirty="0" smtClean="0"/>
-              <a:t> 많은 서비스들</a:t>
-            </a:r>
-            <a:r>
-              <a:rPr lang="en-US" altLang="ko-KR" dirty="0" smtClean="0"/>
-              <a:t>, </a:t>
-            </a:r>
-            <a:r>
-              <a:rPr lang="ko-KR" altLang="en-US" dirty="0" smtClean="0"/>
+            <a:pPr marL="0" marR="0" indent="0" algn="l" defTabSz="914400" rtl="0" eaLnBrk="1" fontAlgn="base" latinLnBrk="0" hangingPunct="1">
+              <a:lnSpc>
+                <a:spcPct val="100000"/>
+              </a:lnSpc>
+              <a:spcBef>
+                <a:spcPct val="30000"/>
+              </a:spcBef>
+              <a:spcAft>
+                <a:spcPct val="0"/>
+              </a:spcAft>
+              <a:buClrTx/>
+              <a:buSzTx/>
+              <a:buFontTx/>
+              <a:buNone/>
+              <a:tabLst/>
+              <a:defRPr/>
+            </a:pPr>
+            <a:r>
+              <a:rPr lang="ko-KR" altLang="en-US" sz="1200" kern="1200" dirty="0" err="1" smtClean="0">
+                <a:solidFill>
+                  <a:schemeClr val="tx1"/>
+                </a:solidFill>
+                <a:latin typeface="Arial" charset="0"/>
+                <a:ea typeface="+mn-ea"/>
+                <a:cs typeface="+mn-cs"/>
+              </a:rPr>
+              <a:t>스마트폰은</a:t>
+            </a:r>
+            <a:r>
+              <a:rPr lang="ko-KR" altLang="en-US" sz="1200" kern="1200" dirty="0" smtClean="0">
+                <a:solidFill>
+                  <a:schemeClr val="tx1"/>
+                </a:solidFill>
+                <a:latin typeface="Arial" charset="0"/>
+                <a:ea typeface="+mn-ea"/>
+                <a:cs typeface="+mn-cs"/>
+              </a:rPr>
+              <a:t> </a:t>
+            </a:r>
+            <a:r>
+              <a:rPr lang="ko-KR" altLang="en-US" sz="1200" kern="1200" dirty="0" smtClean="0">
+                <a:solidFill>
+                  <a:schemeClr val="tx1"/>
+                </a:solidFill>
+                <a:latin typeface="Arial" charset="0"/>
+                <a:ea typeface="+mn-ea"/>
+                <a:cs typeface="+mn-cs"/>
+              </a:rPr>
+              <a:t>이제</a:t>
+            </a:r>
+            <a:r>
+              <a:rPr lang="ko-KR" altLang="en-US" sz="1200" kern="1200" baseline="0" dirty="0" smtClean="0">
+                <a:solidFill>
+                  <a:schemeClr val="tx1"/>
+                </a:solidFill>
+                <a:latin typeface="Arial" charset="0"/>
+                <a:ea typeface="+mn-ea"/>
+                <a:cs typeface="+mn-cs"/>
+              </a:rPr>
+              <a:t> </a:t>
+            </a:r>
+            <a:r>
+              <a:rPr lang="ko-KR" altLang="en-US" sz="1200" kern="1200" dirty="0" smtClean="0">
+                <a:solidFill>
+                  <a:schemeClr val="tx1"/>
+                </a:solidFill>
+                <a:latin typeface="Arial" charset="0"/>
+                <a:ea typeface="+mn-ea"/>
+                <a:cs typeface="+mn-cs"/>
+              </a:rPr>
+              <a:t>필수품이 </a:t>
+            </a:r>
+            <a:r>
+              <a:rPr lang="ko-KR" altLang="en-US" sz="1200" kern="1200" dirty="0" smtClean="0">
+                <a:solidFill>
+                  <a:schemeClr val="tx1"/>
+                </a:solidFill>
+                <a:latin typeface="Arial" charset="0"/>
+                <a:ea typeface="+mn-ea"/>
+                <a:cs typeface="+mn-cs"/>
+              </a:rPr>
+              <a:t>됐습니다</a:t>
+            </a:r>
+            <a:r>
+              <a:rPr lang="en-US" altLang="ko-KR" sz="1200" kern="1200" dirty="0" smtClean="0">
+                <a:solidFill>
+                  <a:schemeClr val="tx1"/>
+                </a:solidFill>
+                <a:latin typeface="Arial" charset="0"/>
+                <a:ea typeface="+mn-ea"/>
+                <a:cs typeface="+mn-cs"/>
+              </a:rPr>
+              <a:t>. </a:t>
+            </a:r>
+            <a:r>
+              <a:rPr lang="ko-KR" altLang="en-US" sz="1200" kern="1200" dirty="0" smtClean="0">
+                <a:solidFill>
+                  <a:schemeClr val="tx1"/>
+                </a:solidFill>
+                <a:latin typeface="Arial" charset="0"/>
+                <a:ea typeface="+mn-ea"/>
+                <a:cs typeface="+mn-cs"/>
+              </a:rPr>
               <a:t>하지만 </a:t>
             </a:r>
             <a:r>
-              <a:rPr lang="en-US" altLang="ko-KR" dirty="0" smtClean="0"/>
-              <a:t>PC</a:t>
-            </a:r>
-            <a:r>
-              <a:rPr lang="ko-KR" altLang="en-US" dirty="0" smtClean="0"/>
-              <a:t>와</a:t>
-            </a:r>
-            <a:r>
-              <a:rPr lang="ko-KR" altLang="en-US" baseline="0" dirty="0" smtClean="0"/>
-              <a:t> 연동해 사용되는 기능 적다</a:t>
-            </a:r>
-            <a:r>
-              <a:rPr lang="en-US" altLang="ko-KR" baseline="0" dirty="0" smtClean="0"/>
+              <a:rPr lang="ko-KR" altLang="en-US" sz="1200" kern="1200" dirty="0" err="1" smtClean="0">
+                <a:solidFill>
+                  <a:schemeClr val="tx1"/>
+                </a:solidFill>
+                <a:latin typeface="Arial" charset="0"/>
+                <a:ea typeface="+mn-ea"/>
+                <a:cs typeface="+mn-cs"/>
+              </a:rPr>
+              <a:t>스마트폰으로는</a:t>
+            </a:r>
+            <a:r>
+              <a:rPr lang="ko-KR" altLang="en-US" sz="1200" kern="1200" dirty="0" smtClean="0">
+                <a:solidFill>
+                  <a:schemeClr val="tx1"/>
+                </a:solidFill>
+                <a:latin typeface="Arial" charset="0"/>
+                <a:ea typeface="+mn-ea"/>
+                <a:cs typeface="+mn-cs"/>
+              </a:rPr>
+              <a:t> </a:t>
+            </a:r>
+            <a:r>
+              <a:rPr lang="ko-KR" altLang="en-US" sz="1200" kern="1200" dirty="0" smtClean="0">
+                <a:solidFill>
+                  <a:schemeClr val="tx1"/>
+                </a:solidFill>
+                <a:latin typeface="Arial" charset="0"/>
+                <a:ea typeface="+mn-ea"/>
+                <a:cs typeface="+mn-cs"/>
+              </a:rPr>
+              <a:t>이렇게 많은 것을 할 수 있는데도</a:t>
+            </a:r>
+            <a:r>
+              <a:rPr lang="en-US" altLang="ko-KR" sz="1200" kern="1200" dirty="0" smtClean="0">
+                <a:solidFill>
+                  <a:schemeClr val="tx1"/>
+                </a:solidFill>
+                <a:latin typeface="Arial" charset="0"/>
+                <a:ea typeface="+mn-ea"/>
+                <a:cs typeface="+mn-cs"/>
+              </a:rPr>
+              <a:t>, PC</a:t>
+            </a:r>
+            <a:r>
+              <a:rPr lang="ko-KR" altLang="en-US" sz="1200" kern="1200" dirty="0" smtClean="0">
+                <a:solidFill>
+                  <a:schemeClr val="tx1"/>
+                </a:solidFill>
+                <a:latin typeface="Arial" charset="0"/>
+                <a:ea typeface="+mn-ea"/>
+                <a:cs typeface="+mn-cs"/>
+              </a:rPr>
+              <a:t>와 연결하여 사용할 수 있는 기능은 많지 않습니다</a:t>
+            </a:r>
+            <a:r>
+              <a:rPr lang="en-US" altLang="ko-KR" sz="1200" kern="1200" dirty="0" smtClean="0">
+                <a:solidFill>
+                  <a:schemeClr val="tx1"/>
+                </a:solidFill>
+                <a:latin typeface="Arial" charset="0"/>
+                <a:ea typeface="+mn-ea"/>
+                <a:cs typeface="+mn-cs"/>
+              </a:rPr>
+              <a:t>. </a:t>
+            </a:r>
+            <a:r>
+              <a:rPr lang="ko-KR" altLang="en-US" sz="1200" kern="1200" dirty="0" smtClean="0">
+                <a:solidFill>
+                  <a:schemeClr val="tx1"/>
+                </a:solidFill>
+                <a:latin typeface="Arial" charset="0"/>
+                <a:ea typeface="+mn-ea"/>
+                <a:cs typeface="+mn-cs"/>
+              </a:rPr>
+              <a:t>자료 옮길 때 </a:t>
+            </a:r>
+            <a:r>
+              <a:rPr lang="en-US" altLang="ko-KR" sz="1200" kern="1200" dirty="0" smtClean="0">
+                <a:solidFill>
+                  <a:schemeClr val="tx1"/>
+                </a:solidFill>
+                <a:latin typeface="Arial" charset="0"/>
+                <a:ea typeface="+mn-ea"/>
+                <a:cs typeface="+mn-cs"/>
+              </a:rPr>
+              <a:t>USB</a:t>
+            </a:r>
+            <a:r>
+              <a:rPr lang="ko-KR" altLang="en-US" sz="1200" kern="1200" dirty="0" smtClean="0">
+                <a:solidFill>
+                  <a:schemeClr val="tx1"/>
+                </a:solidFill>
+                <a:latin typeface="Arial" charset="0"/>
+                <a:ea typeface="+mn-ea"/>
+                <a:cs typeface="+mn-cs"/>
+              </a:rPr>
+              <a:t>메모리 대용으로나</a:t>
+            </a:r>
+            <a:r>
+              <a:rPr lang="ko-KR" altLang="en-US" sz="1200" kern="1200" baseline="0" dirty="0" smtClean="0">
+                <a:solidFill>
+                  <a:schemeClr val="tx1"/>
+                </a:solidFill>
+                <a:latin typeface="Arial" charset="0"/>
+                <a:ea typeface="+mn-ea"/>
+                <a:cs typeface="+mn-cs"/>
+              </a:rPr>
+              <a:t> 쓰는 정도입니다</a:t>
+            </a:r>
+            <a:r>
+              <a:rPr lang="en-US" altLang="ko-KR" sz="1200" kern="1200" baseline="0" dirty="0" smtClean="0">
+                <a:solidFill>
+                  <a:schemeClr val="tx1"/>
+                </a:solidFill>
+                <a:latin typeface="Arial" charset="0"/>
+                <a:ea typeface="+mn-ea"/>
+                <a:cs typeface="+mn-cs"/>
+              </a:rPr>
               <a:t>.</a:t>
             </a:r>
-            <a:endParaRPr lang="ko-KR" altLang="en-US" dirty="0"/>
+            <a:endParaRPr lang="ko-KR" altLang="en-US" sz="1200" kern="1200" dirty="0" smtClean="0">
+              <a:solidFill>
+                <a:schemeClr val="tx1"/>
+              </a:solidFill>
+              <a:latin typeface="Arial" charset="0"/>
+              <a:ea typeface="+mn-ea"/>
+              <a:cs typeface="+mn-cs"/>
+            </a:endParaRPr>
           </a:p>
         </p:txBody>
       </p:sp>
@@ -1740,35 +2653,185 @@
           </a:bodyPr>
           <a:lstStyle/>
           <a:p>
-            <a:r>
-              <a:rPr lang="en-US" altLang="ko-KR" dirty="0" smtClean="0"/>
+            <a:pPr marL="0" marR="0" indent="0" algn="l" defTabSz="914400" rtl="0" eaLnBrk="1" fontAlgn="base" latinLnBrk="0" hangingPunct="1">
+              <a:lnSpc>
+                <a:spcPct val="100000"/>
+              </a:lnSpc>
+              <a:spcBef>
+                <a:spcPct val="30000"/>
+              </a:spcBef>
+              <a:spcAft>
+                <a:spcPct val="0"/>
+              </a:spcAft>
+              <a:buClrTx/>
+              <a:buSzTx/>
+              <a:buFontTx/>
+              <a:buNone/>
+              <a:tabLst/>
+              <a:defRPr/>
+            </a:pPr>
+            <a:r>
+              <a:rPr lang="en-US" altLang="ko-KR" sz="1200" kern="1200" dirty="0" smtClean="0">
+                <a:solidFill>
+                  <a:schemeClr val="tx1"/>
+                </a:solidFill>
+                <a:latin typeface="Arial" charset="0"/>
+                <a:ea typeface="+mn-ea"/>
+                <a:cs typeface="+mn-cs"/>
+              </a:rPr>
               <a:t>PC</a:t>
             </a:r>
             <a:r>
-              <a:rPr lang="ko-KR" altLang="en-US" dirty="0" smtClean="0"/>
-              <a:t>와 연동되지 않아 불편한 점이 많다</a:t>
-            </a:r>
-            <a:r>
-              <a:rPr lang="en-US" altLang="ko-KR" dirty="0" smtClean="0"/>
+              <a:rPr lang="ko-KR" altLang="en-US" sz="1200" kern="1200" dirty="0" smtClean="0">
+                <a:solidFill>
+                  <a:schemeClr val="tx1"/>
+                </a:solidFill>
+                <a:latin typeface="Arial" charset="0"/>
+                <a:ea typeface="+mn-ea"/>
+                <a:cs typeface="+mn-cs"/>
+              </a:rPr>
+              <a:t>를 사용할 수 있는 환경에서는 큰 화면과 편리한 키보드가 있는데도</a:t>
+            </a:r>
+            <a:r>
+              <a:rPr lang="en-US" altLang="ko-KR" sz="1200" kern="1200" dirty="0" smtClean="0">
+                <a:solidFill>
+                  <a:schemeClr val="tx1"/>
+                </a:solidFill>
+                <a:latin typeface="Arial" charset="0"/>
+                <a:ea typeface="+mn-ea"/>
+                <a:cs typeface="+mn-cs"/>
+              </a:rPr>
+              <a:t>,</a:t>
+            </a:r>
+            <a:r>
+              <a:rPr lang="ko-KR" altLang="en-US" sz="1200" kern="1200" baseline="0" dirty="0" smtClean="0">
+                <a:solidFill>
+                  <a:schemeClr val="tx1"/>
+                </a:solidFill>
+                <a:latin typeface="Arial" charset="0"/>
+                <a:ea typeface="+mn-ea"/>
+                <a:cs typeface="+mn-cs"/>
+              </a:rPr>
+              <a:t> </a:t>
+            </a:r>
+            <a:r>
+              <a:rPr lang="ko-KR" altLang="en-US" sz="1200" kern="1200" dirty="0" err="1" smtClean="0">
+                <a:solidFill>
+                  <a:schemeClr val="tx1"/>
+                </a:solidFill>
+                <a:latin typeface="Arial" charset="0"/>
+                <a:ea typeface="+mn-ea"/>
+                <a:cs typeface="+mn-cs"/>
+              </a:rPr>
+              <a:t>카카오톡을</a:t>
+            </a:r>
+            <a:r>
+              <a:rPr lang="ko-KR" altLang="en-US" sz="1200" kern="1200" dirty="0" smtClean="0">
+                <a:solidFill>
+                  <a:schemeClr val="tx1"/>
+                </a:solidFill>
+                <a:latin typeface="Arial" charset="0"/>
+                <a:ea typeface="+mn-ea"/>
+                <a:cs typeface="+mn-cs"/>
+              </a:rPr>
+              <a:t> 쓰려고 </a:t>
+            </a:r>
+            <a:r>
+              <a:rPr lang="ko-KR" altLang="en-US" sz="1200" kern="1200" dirty="0" smtClean="0">
+                <a:solidFill>
+                  <a:schemeClr val="tx1"/>
+                </a:solidFill>
+                <a:latin typeface="Arial" charset="0"/>
+                <a:ea typeface="+mn-ea"/>
+                <a:cs typeface="+mn-cs"/>
+              </a:rPr>
+              <a:t>스마트폰 들고 터치해야 합니다</a:t>
+            </a:r>
+            <a:r>
+              <a:rPr lang="en-US" altLang="ko-KR" sz="1200" kern="1200" dirty="0" smtClean="0">
+                <a:solidFill>
+                  <a:schemeClr val="tx1"/>
+                </a:solidFill>
+                <a:latin typeface="Arial" charset="0"/>
+                <a:ea typeface="+mn-ea"/>
+                <a:cs typeface="+mn-cs"/>
+              </a:rPr>
               <a:t>. </a:t>
             </a:r>
             <a:r>
-              <a:rPr lang="ko-KR" altLang="en-US" dirty="0" smtClean="0"/>
-              <a:t>우리는 </a:t>
-            </a:r>
-            <a:r>
-              <a:rPr lang="en-US" altLang="ko-KR" dirty="0" smtClean="0"/>
+              <a:rPr lang="ko-KR" altLang="en-US" sz="1200" kern="1200" dirty="0" smtClean="0">
+                <a:solidFill>
+                  <a:schemeClr val="tx1"/>
+                </a:solidFill>
+                <a:latin typeface="Arial" charset="0"/>
+                <a:ea typeface="+mn-ea"/>
+                <a:cs typeface="+mn-cs"/>
+              </a:rPr>
+              <a:t>이런 경우 </a:t>
+            </a:r>
+            <a:r>
+              <a:rPr lang="en-US" altLang="ko-KR" sz="1200" kern="1200" dirty="0" smtClean="0">
+                <a:solidFill>
+                  <a:schemeClr val="tx1"/>
+                </a:solidFill>
+                <a:latin typeface="Arial" charset="0"/>
+                <a:ea typeface="+mn-ea"/>
+                <a:cs typeface="+mn-cs"/>
+              </a:rPr>
               <a:t>PC</a:t>
             </a:r>
             <a:r>
-              <a:rPr lang="ko-KR" altLang="en-US" dirty="0" smtClean="0"/>
-              <a:t>에서 스마트폰을 사용하고자 한다</a:t>
-            </a:r>
-            <a:r>
-              <a:rPr lang="en-US" altLang="ko-KR" dirty="0" smtClean="0"/>
+              <a:rPr lang="ko-KR" altLang="en-US" sz="1200" kern="1200" dirty="0" smtClean="0">
+                <a:solidFill>
+                  <a:schemeClr val="tx1"/>
+                </a:solidFill>
+                <a:latin typeface="Arial" charset="0"/>
+                <a:ea typeface="+mn-ea"/>
+                <a:cs typeface="+mn-cs"/>
+              </a:rPr>
+              <a:t>에서 쉽게 </a:t>
+            </a:r>
+            <a:r>
+              <a:rPr lang="ko-KR" altLang="en-US" sz="1200" kern="1200" dirty="0" smtClean="0">
+                <a:solidFill>
+                  <a:schemeClr val="tx1"/>
+                </a:solidFill>
+                <a:latin typeface="Arial" charset="0"/>
+                <a:ea typeface="+mn-ea"/>
+                <a:cs typeface="+mn-cs"/>
+              </a:rPr>
+              <a:t>어플리케이션을 사용해보자는 </a:t>
+            </a:r>
+            <a:r>
+              <a:rPr lang="ko-KR" altLang="en-US" sz="1200" kern="1200" dirty="0" smtClean="0">
+                <a:solidFill>
+                  <a:schemeClr val="tx1"/>
+                </a:solidFill>
+                <a:latin typeface="Arial" charset="0"/>
+                <a:ea typeface="+mn-ea"/>
+                <a:cs typeface="+mn-cs"/>
+              </a:rPr>
+              <a:t>생각에서 프로젝트를 계획했습니다</a:t>
+            </a:r>
+            <a:r>
+              <a:rPr lang="en-US" altLang="ko-KR" sz="1200" kern="1200" dirty="0" smtClean="0">
+                <a:solidFill>
+                  <a:schemeClr val="tx1"/>
+                </a:solidFill>
+                <a:latin typeface="Arial" charset="0"/>
+                <a:ea typeface="+mn-ea"/>
+                <a:cs typeface="+mn-cs"/>
+              </a:rPr>
               <a:t>.</a:t>
             </a:r>
-            <a:endParaRPr lang="ko-KR" altLang="en-US" dirty="0"/>
+            <a:endParaRPr lang="ko-KR" altLang="en-US" sz="1200" kern="1200" dirty="0" smtClean="0">
+              <a:solidFill>
+                <a:schemeClr val="tx1"/>
+              </a:solidFill>
+              <a:latin typeface="Arial" charset="0"/>
+              <a:ea typeface="+mn-ea"/>
+              <a:cs typeface="+mn-cs"/>
+            </a:endParaRPr>
           </a:p>
         </p:txBody>
       </p:sp>
@@ -1850,56 +2913,276 @@
           </a:bodyPr>
           <a:lstStyle/>
           <a:p>
-            <a:r>
-              <a:rPr lang="en-US" altLang="ko-KR" dirty="0" smtClean="0"/>
-              <a:t>PC - </a:t>
-            </a:r>
-            <a:r>
-              <a:rPr lang="ko-KR" altLang="en-US" dirty="0" err="1" smtClean="0"/>
-              <a:t>스마트폰의</a:t>
-            </a:r>
-            <a:r>
-              <a:rPr lang="ko-KR" altLang="en-US" dirty="0" smtClean="0"/>
-              <a:t> 연결방안으로 </a:t>
-            </a:r>
-            <a:r>
-              <a:rPr lang="en-US" altLang="ko-KR" dirty="0" smtClean="0"/>
-              <a:t>USB/IP </a:t>
-            </a:r>
-            <a:r>
-              <a:rPr lang="ko-KR" altLang="en-US" dirty="0" smtClean="0"/>
-              <a:t>기술 채택했다</a:t>
-            </a:r>
-            <a:r>
-              <a:rPr lang="en-US" altLang="ko-KR" dirty="0" smtClean="0"/>
+            <a:pPr marL="0" marR="0" indent="0" algn="l" defTabSz="914400" rtl="0" eaLnBrk="1" fontAlgn="base" latinLnBrk="0" hangingPunct="1">
+              <a:lnSpc>
+                <a:spcPct val="100000"/>
+              </a:lnSpc>
+              <a:spcBef>
+                <a:spcPct val="30000"/>
+              </a:spcBef>
+              <a:spcAft>
+                <a:spcPct val="0"/>
+              </a:spcAft>
+              <a:buClrTx/>
+              <a:buSzTx/>
+              <a:buFontTx/>
+              <a:buNone/>
+              <a:tabLst/>
+              <a:defRPr/>
+            </a:pPr>
+            <a:r>
+              <a:rPr lang="en-US" altLang="ko-KR" sz="1200" kern="1200" dirty="0" smtClean="0">
+                <a:solidFill>
+                  <a:schemeClr val="tx1"/>
+                </a:solidFill>
+                <a:latin typeface="Arial" charset="0"/>
+                <a:ea typeface="+mn-ea"/>
+                <a:cs typeface="+mn-cs"/>
+              </a:rPr>
+              <a:t>PC</a:t>
+            </a:r>
+            <a:r>
+              <a:rPr lang="ko-KR" altLang="en-US" sz="1200" kern="1200" dirty="0" smtClean="0">
+                <a:solidFill>
+                  <a:schemeClr val="tx1"/>
+                </a:solidFill>
+                <a:latin typeface="Arial" charset="0"/>
+                <a:ea typeface="+mn-ea"/>
+                <a:cs typeface="+mn-cs"/>
+              </a:rPr>
+              <a:t>와 스마트폰의 연결방법으로 </a:t>
+            </a:r>
+            <a:r>
+              <a:rPr lang="en-US" altLang="ko-KR" sz="1200" kern="1200" dirty="0" smtClean="0">
+                <a:solidFill>
+                  <a:schemeClr val="tx1"/>
+                </a:solidFill>
+                <a:latin typeface="Arial" charset="0"/>
+                <a:ea typeface="+mn-ea"/>
+                <a:cs typeface="+mn-cs"/>
+              </a:rPr>
+              <a:t>USB/IP</a:t>
+            </a:r>
+            <a:r>
+              <a:rPr lang="ko-KR" altLang="en-US" sz="1200" kern="1200" dirty="0" smtClean="0">
+                <a:solidFill>
+                  <a:schemeClr val="tx1"/>
+                </a:solidFill>
+                <a:latin typeface="Arial" charset="0"/>
+                <a:ea typeface="+mn-ea"/>
+                <a:cs typeface="+mn-cs"/>
+              </a:rPr>
+              <a:t>기술을 채택했습니다</a:t>
+            </a:r>
+            <a:r>
+              <a:rPr lang="en-US" altLang="ko-KR" sz="1200" kern="1200" dirty="0" smtClean="0">
+                <a:solidFill>
+                  <a:schemeClr val="tx1"/>
+                </a:solidFill>
+                <a:latin typeface="Arial" charset="0"/>
+                <a:ea typeface="+mn-ea"/>
+                <a:cs typeface="+mn-cs"/>
+              </a:rPr>
+              <a:t>. USB/IP</a:t>
+            </a:r>
+            <a:r>
+              <a:rPr lang="ko-KR" altLang="en-US" sz="1200" kern="1200" dirty="0" smtClean="0">
+                <a:solidFill>
+                  <a:schemeClr val="tx1"/>
+                </a:solidFill>
+                <a:latin typeface="Arial" charset="0"/>
+                <a:ea typeface="+mn-ea"/>
+                <a:cs typeface="+mn-cs"/>
+              </a:rPr>
+              <a:t>는 두 </a:t>
+            </a:r>
+            <a:r>
+              <a:rPr lang="en-US" altLang="ko-KR" sz="1200" kern="1200" dirty="0" smtClean="0">
+                <a:solidFill>
+                  <a:schemeClr val="tx1"/>
+                </a:solidFill>
+                <a:latin typeface="Arial" charset="0"/>
+                <a:ea typeface="+mn-ea"/>
+                <a:cs typeface="+mn-cs"/>
+              </a:rPr>
+              <a:t>PC</a:t>
+            </a:r>
+            <a:r>
+              <a:rPr lang="ko-KR" altLang="en-US" sz="1200" kern="1200" dirty="0" smtClean="0">
+                <a:solidFill>
+                  <a:schemeClr val="tx1"/>
+                </a:solidFill>
+                <a:latin typeface="Arial" charset="0"/>
+                <a:ea typeface="+mn-ea"/>
+                <a:cs typeface="+mn-cs"/>
+              </a:rPr>
+              <a:t>간 </a:t>
+            </a:r>
+            <a:r>
+              <a:rPr lang="en-US" altLang="ko-KR" sz="1200" kern="1200" dirty="0" smtClean="0">
+                <a:solidFill>
+                  <a:schemeClr val="tx1"/>
+                </a:solidFill>
+                <a:latin typeface="Arial" charset="0"/>
+                <a:ea typeface="+mn-ea"/>
+                <a:cs typeface="+mn-cs"/>
+              </a:rPr>
+              <a:t>USB</a:t>
+            </a:r>
+            <a:r>
+              <a:rPr lang="ko-KR" altLang="en-US" sz="1200" kern="1200" dirty="0" smtClean="0">
+                <a:solidFill>
+                  <a:schemeClr val="tx1"/>
+                </a:solidFill>
+                <a:latin typeface="Arial" charset="0"/>
+                <a:ea typeface="+mn-ea"/>
+                <a:cs typeface="+mn-cs"/>
+              </a:rPr>
+              <a:t>장치를 공유하는 시스템으로</a:t>
+            </a:r>
+            <a:r>
+              <a:rPr lang="en-US" altLang="ko-KR" sz="1200" kern="1200" dirty="0" smtClean="0">
+                <a:solidFill>
+                  <a:schemeClr val="tx1"/>
+                </a:solidFill>
+                <a:latin typeface="Arial" charset="0"/>
+                <a:ea typeface="+mn-ea"/>
+                <a:cs typeface="+mn-cs"/>
+              </a:rPr>
+              <a:t>, </a:t>
+            </a:r>
+            <a:r>
+              <a:rPr lang="ko-KR" altLang="en-US" sz="1200" kern="1200" dirty="0" smtClean="0">
+                <a:solidFill>
+                  <a:schemeClr val="tx1"/>
+                </a:solidFill>
+                <a:latin typeface="Arial" charset="0"/>
+                <a:ea typeface="+mn-ea"/>
+                <a:cs typeface="+mn-cs"/>
+              </a:rPr>
+              <a:t>서버 쪽 </a:t>
+            </a:r>
+            <a:r>
+              <a:rPr lang="en-US" altLang="ko-KR" sz="1200" kern="1200" dirty="0" smtClean="0">
+                <a:solidFill>
+                  <a:schemeClr val="tx1"/>
+                </a:solidFill>
+                <a:latin typeface="Arial" charset="0"/>
+                <a:ea typeface="+mn-ea"/>
+                <a:cs typeface="+mn-cs"/>
+              </a:rPr>
+              <a:t>PC</a:t>
+            </a:r>
+            <a:r>
+              <a:rPr lang="ko-KR" altLang="en-US" sz="1200" kern="1200" dirty="0" smtClean="0">
+                <a:solidFill>
+                  <a:schemeClr val="tx1"/>
+                </a:solidFill>
+                <a:latin typeface="Arial" charset="0"/>
+                <a:ea typeface="+mn-ea"/>
+                <a:cs typeface="+mn-cs"/>
+              </a:rPr>
+              <a:t>에 연결된 </a:t>
+            </a:r>
+            <a:r>
+              <a:rPr lang="en-US" altLang="ko-KR" sz="1200" kern="1200" dirty="0" smtClean="0">
+                <a:solidFill>
+                  <a:schemeClr val="tx1"/>
+                </a:solidFill>
+                <a:latin typeface="Arial" charset="0"/>
+                <a:ea typeface="+mn-ea"/>
+                <a:cs typeface="+mn-cs"/>
+              </a:rPr>
+              <a:t>USB</a:t>
+            </a:r>
+            <a:r>
+              <a:rPr lang="ko-KR" altLang="en-US" sz="1200" kern="1200" dirty="0" smtClean="0">
+                <a:solidFill>
+                  <a:schemeClr val="tx1"/>
+                </a:solidFill>
+                <a:latin typeface="Arial" charset="0"/>
+                <a:ea typeface="+mn-ea"/>
+                <a:cs typeface="+mn-cs"/>
+              </a:rPr>
+              <a:t>장치를</a:t>
+            </a:r>
+            <a:r>
+              <a:rPr lang="ko-KR" altLang="en-US" sz="1200" kern="1200" baseline="0" dirty="0" smtClean="0">
+                <a:solidFill>
+                  <a:schemeClr val="tx1"/>
+                </a:solidFill>
+                <a:latin typeface="Arial" charset="0"/>
+                <a:ea typeface="+mn-ea"/>
+                <a:cs typeface="+mn-cs"/>
+              </a:rPr>
+              <a:t> </a:t>
+            </a:r>
+            <a:r>
+              <a:rPr lang="en-US" altLang="ko-KR" sz="1200" kern="1200" baseline="0" dirty="0" smtClean="0">
+                <a:solidFill>
+                  <a:schemeClr val="tx1"/>
+                </a:solidFill>
+                <a:latin typeface="Arial" charset="0"/>
+                <a:ea typeface="+mn-ea"/>
+                <a:cs typeface="+mn-cs"/>
+              </a:rPr>
+              <a:t>IP</a:t>
+            </a:r>
+            <a:r>
+              <a:rPr lang="ko-KR" altLang="en-US" sz="1200" kern="1200" baseline="0" dirty="0" smtClean="0">
+                <a:solidFill>
+                  <a:schemeClr val="tx1"/>
+                </a:solidFill>
+                <a:latin typeface="Arial" charset="0"/>
+                <a:ea typeface="+mn-ea"/>
+                <a:cs typeface="+mn-cs"/>
+              </a:rPr>
+              <a:t>네트워크를 통해 클라이언트 </a:t>
+            </a:r>
+            <a:r>
+              <a:rPr lang="en-US" altLang="ko-KR" sz="1200" kern="1200" baseline="0" dirty="0" smtClean="0">
+                <a:solidFill>
+                  <a:schemeClr val="tx1"/>
+                </a:solidFill>
+                <a:latin typeface="Arial" charset="0"/>
+                <a:ea typeface="+mn-ea"/>
+                <a:cs typeface="+mn-cs"/>
+              </a:rPr>
+              <a:t>PC</a:t>
+            </a:r>
+            <a:r>
+              <a:rPr lang="ko-KR" altLang="en-US" sz="1200" kern="1200" baseline="0" dirty="0" smtClean="0">
+                <a:solidFill>
+                  <a:schemeClr val="tx1"/>
+                </a:solidFill>
+                <a:latin typeface="Arial" charset="0"/>
+                <a:ea typeface="+mn-ea"/>
+                <a:cs typeface="+mn-cs"/>
+              </a:rPr>
+              <a:t>에 연결시킬 수 있습니다</a:t>
+            </a:r>
+            <a:r>
+              <a:rPr lang="en-US" altLang="ko-KR" sz="1200" kern="1200" baseline="0" dirty="0" smtClean="0">
+                <a:solidFill>
+                  <a:schemeClr val="tx1"/>
+                </a:solidFill>
+                <a:latin typeface="Arial" charset="0"/>
+                <a:ea typeface="+mn-ea"/>
+                <a:cs typeface="+mn-cs"/>
+              </a:rPr>
               <a:t>.</a:t>
             </a:r>
-          </a:p>
-          <a:p>
-            <a:r>
-              <a:rPr lang="ko-KR" altLang="en-US" dirty="0" smtClean="0"/>
-              <a:t>서버에 연결된 </a:t>
-            </a:r>
-            <a:r>
-              <a:rPr lang="en-US" altLang="ko-KR" dirty="0" smtClean="0"/>
-              <a:t>USB</a:t>
-            </a:r>
-            <a:r>
-              <a:rPr lang="ko-KR" altLang="en-US" dirty="0" smtClean="0"/>
-              <a:t>장치를 공유하고</a:t>
-            </a:r>
-            <a:r>
-              <a:rPr lang="en-US" altLang="ko-KR" dirty="0" smtClean="0"/>
-              <a:t>, </a:t>
-            </a:r>
-            <a:r>
-              <a:rPr lang="ko-KR" altLang="en-US" dirty="0" smtClean="0"/>
-              <a:t>클라이언트에서 직접 연결 된 것처럼 사용할 수 있는 기술이다</a:t>
-            </a:r>
-            <a:r>
-              <a:rPr lang="en-US" altLang="ko-KR" dirty="0" smtClean="0"/>
-              <a:t>.</a:t>
-            </a:r>
+            <a:endParaRPr lang="ko-KR" altLang="en-US" sz="1200" kern="1200" dirty="0" smtClean="0">
+              <a:solidFill>
+                <a:schemeClr val="tx1"/>
+              </a:solidFill>
+              <a:latin typeface="Arial" charset="0"/>
+              <a:ea typeface="+mn-ea"/>
+              <a:cs typeface="+mn-cs"/>
+            </a:endParaRPr>
+          </a:p>
+          <a:p>
+            <a:endParaRPr lang="en-US" altLang="ko-KR" dirty="0" smtClean="0"/>
           </a:p>
         </p:txBody>
       </p:sp>
@@ -1981,82 +3264,232 @@
           </a:bodyPr>
           <a:lstStyle/>
           <a:p>
-            <a:r>
-              <a:rPr lang="en-US" altLang="ko-KR" dirty="0" smtClean="0"/>
+            <a:pPr marL="0" marR="0" indent="0" algn="l" defTabSz="914400" rtl="0" eaLnBrk="1" fontAlgn="base" latinLnBrk="0" hangingPunct="1">
+              <a:lnSpc>
+                <a:spcPct val="100000"/>
+              </a:lnSpc>
+              <a:spcBef>
+                <a:spcPct val="30000"/>
+              </a:spcBef>
+              <a:spcAft>
+                <a:spcPct val="0"/>
+              </a:spcAft>
+              <a:buClrTx/>
+              <a:buSzTx/>
+              <a:buFontTx/>
+              <a:buNone/>
+              <a:tabLst/>
+              <a:defRPr/>
+            </a:pPr>
+            <a:r>
+              <a:rPr lang="ko-KR" altLang="en-US" sz="1200" kern="1200" dirty="0" smtClean="0">
+                <a:solidFill>
+                  <a:schemeClr val="tx1"/>
+                </a:solidFill>
+                <a:latin typeface="Arial" charset="0"/>
+                <a:ea typeface="+mn-ea"/>
+                <a:cs typeface="+mn-cs"/>
+              </a:rPr>
+              <a:t>그래서 이 </a:t>
+            </a:r>
+            <a:r>
+              <a:rPr lang="en-US" altLang="ko-KR" sz="1200" kern="1200" dirty="0" smtClean="0">
+                <a:solidFill>
+                  <a:schemeClr val="tx1"/>
+                </a:solidFill>
+                <a:latin typeface="Arial" charset="0"/>
+                <a:ea typeface="+mn-ea"/>
+                <a:cs typeface="+mn-cs"/>
+              </a:rPr>
               <a:t>USB/IP</a:t>
             </a:r>
             <a:r>
-              <a:rPr lang="ko-KR" altLang="en-US" dirty="0" smtClean="0"/>
-              <a:t>를 통한</a:t>
-            </a:r>
-            <a:r>
-              <a:rPr lang="en-US" altLang="ko-KR" baseline="0" dirty="0" smtClean="0"/>
-              <a:t> </a:t>
-            </a:r>
-            <a:r>
-              <a:rPr lang="ko-KR" altLang="en-US" baseline="0" dirty="0" smtClean="0"/>
-              <a:t>공유를 위해 </a:t>
-            </a:r>
-            <a:r>
-              <a:rPr lang="ko-KR" altLang="en-US" baseline="0" dirty="0" err="1" smtClean="0"/>
-              <a:t>안드로이드의</a:t>
-            </a:r>
-            <a:r>
-              <a:rPr lang="ko-KR" altLang="en-US" baseline="0" dirty="0" smtClean="0"/>
-              <a:t> 서비스들이 </a:t>
-            </a:r>
-            <a:r>
-              <a:rPr lang="en-US" altLang="ko-KR" baseline="0" dirty="0" smtClean="0"/>
+              <a:rPr lang="ko-KR" altLang="en-US" sz="1200" kern="1200" dirty="0" smtClean="0">
+                <a:solidFill>
+                  <a:schemeClr val="tx1"/>
+                </a:solidFill>
+                <a:latin typeface="Arial" charset="0"/>
+                <a:ea typeface="+mn-ea"/>
+                <a:cs typeface="+mn-cs"/>
+              </a:rPr>
+              <a:t>의 서버 부분을 안드로이드에 포팅하고</a:t>
+            </a:r>
+            <a:r>
+              <a:rPr lang="en-US" altLang="ko-KR" sz="1200" kern="1200" dirty="0" smtClean="0">
+                <a:solidFill>
+                  <a:schemeClr val="tx1"/>
+                </a:solidFill>
+                <a:latin typeface="Arial" charset="0"/>
+                <a:ea typeface="+mn-ea"/>
+                <a:cs typeface="+mn-cs"/>
+              </a:rPr>
+              <a:t>, </a:t>
+            </a:r>
+            <a:r>
+              <a:rPr lang="ko-KR" altLang="en-US" sz="1200" kern="1200" dirty="0" smtClean="0">
+                <a:solidFill>
+                  <a:schemeClr val="tx1"/>
+                </a:solidFill>
+                <a:latin typeface="Arial" charset="0"/>
+                <a:ea typeface="+mn-ea"/>
+                <a:cs typeface="+mn-cs"/>
+              </a:rPr>
+              <a:t>어플리케이션을 </a:t>
+            </a:r>
+            <a:r>
+              <a:rPr lang="en-US" altLang="ko-KR" sz="1200" kern="1200" dirty="0" smtClean="0">
+                <a:solidFill>
+                  <a:schemeClr val="tx1"/>
+                </a:solidFill>
+                <a:latin typeface="Arial" charset="0"/>
+                <a:ea typeface="+mn-ea"/>
+                <a:cs typeface="+mn-cs"/>
+              </a:rPr>
               <a:t>USB</a:t>
             </a:r>
             <a:r>
-              <a:rPr lang="ko-KR" altLang="en-US" baseline="0" dirty="0" smtClean="0"/>
-              <a:t>장치가 되어야 함</a:t>
-            </a:r>
-            <a:r>
-              <a:rPr lang="en-US" altLang="ko-KR" baseline="0" dirty="0" smtClean="0"/>
+              <a:rPr lang="ko-KR" altLang="en-US" sz="1200" kern="1200" dirty="0" smtClean="0">
+                <a:solidFill>
+                  <a:schemeClr val="tx1"/>
+                </a:solidFill>
+                <a:latin typeface="Arial" charset="0"/>
+                <a:ea typeface="+mn-ea"/>
+                <a:cs typeface="+mn-cs"/>
+              </a:rPr>
+              <a:t>장치처럼 보이도록 해 주는 </a:t>
+            </a:r>
+            <a:r>
+              <a:rPr lang="en-US" altLang="ko-KR" sz="1200" kern="1200" dirty="0" smtClean="0">
+                <a:solidFill>
+                  <a:schemeClr val="tx1"/>
+                </a:solidFill>
+                <a:latin typeface="Arial" charset="0"/>
+                <a:ea typeface="+mn-ea"/>
+                <a:cs typeface="+mn-cs"/>
+              </a:rPr>
+              <a:t>VHCI</a:t>
+            </a:r>
+            <a:r>
+              <a:rPr lang="ko-KR" altLang="en-US" sz="1200" kern="1200" dirty="0" smtClean="0">
+                <a:solidFill>
+                  <a:schemeClr val="tx1"/>
+                </a:solidFill>
+                <a:latin typeface="Arial" charset="0"/>
+                <a:ea typeface="+mn-ea"/>
+                <a:cs typeface="+mn-cs"/>
+              </a:rPr>
+              <a:t>드라이버를 만듭니다</a:t>
+            </a:r>
+            <a:r>
+              <a:rPr lang="en-US" altLang="ko-KR" sz="1200" kern="1200" dirty="0" smtClean="0">
+                <a:solidFill>
+                  <a:schemeClr val="tx1"/>
+                </a:solidFill>
+                <a:latin typeface="Arial" charset="0"/>
+                <a:ea typeface="+mn-ea"/>
+                <a:cs typeface="+mn-cs"/>
+              </a:rPr>
+              <a:t>. </a:t>
+            </a:r>
+            <a:r>
+              <a:rPr lang="ko-KR" altLang="en-US" sz="1200" kern="1200" dirty="0" smtClean="0">
+                <a:solidFill>
+                  <a:schemeClr val="tx1"/>
+                </a:solidFill>
+                <a:latin typeface="Arial" charset="0"/>
+                <a:ea typeface="+mn-ea"/>
+                <a:cs typeface="+mn-cs"/>
+              </a:rPr>
+              <a:t>어플리케이션이 </a:t>
+            </a:r>
+            <a:r>
+              <a:rPr lang="en-US" altLang="ko-KR" sz="1200" kern="1200" dirty="0" smtClean="0">
+                <a:solidFill>
+                  <a:schemeClr val="tx1"/>
+                </a:solidFill>
+                <a:latin typeface="Arial" charset="0"/>
+                <a:ea typeface="+mn-ea"/>
+                <a:cs typeface="+mn-cs"/>
+              </a:rPr>
+              <a:t>VHCI</a:t>
+            </a:r>
+            <a:r>
+              <a:rPr lang="ko-KR" altLang="en-US" sz="1200" kern="1200" dirty="0" smtClean="0">
+                <a:solidFill>
+                  <a:schemeClr val="tx1"/>
+                </a:solidFill>
+                <a:latin typeface="Arial" charset="0"/>
+                <a:ea typeface="+mn-ea"/>
+                <a:cs typeface="+mn-cs"/>
+              </a:rPr>
+              <a:t>와 </a:t>
+            </a:r>
+            <a:r>
+              <a:rPr lang="en-US" altLang="ko-KR" sz="1200" kern="1200" dirty="0" smtClean="0">
+                <a:solidFill>
+                  <a:schemeClr val="tx1"/>
+                </a:solidFill>
+                <a:latin typeface="Arial" charset="0"/>
+                <a:ea typeface="+mn-ea"/>
+                <a:cs typeface="+mn-cs"/>
+              </a:rPr>
+              <a:t>USB/IP</a:t>
+            </a:r>
+            <a:r>
+              <a:rPr lang="ko-KR" altLang="en-US" sz="1200" kern="1200" dirty="0" smtClean="0">
+                <a:solidFill>
+                  <a:schemeClr val="tx1"/>
+                </a:solidFill>
+                <a:latin typeface="Arial" charset="0"/>
+                <a:ea typeface="+mn-ea"/>
+                <a:cs typeface="+mn-cs"/>
+              </a:rPr>
+              <a:t>를 거쳐서 </a:t>
+            </a:r>
+            <a:r>
+              <a:rPr lang="en-US" altLang="ko-KR" sz="1200" kern="1200" dirty="0" smtClean="0">
+                <a:solidFill>
+                  <a:schemeClr val="tx1"/>
+                </a:solidFill>
+                <a:latin typeface="Arial" charset="0"/>
+                <a:ea typeface="+mn-ea"/>
+                <a:cs typeface="+mn-cs"/>
+              </a:rPr>
+              <a:t>PC</a:t>
+            </a:r>
+            <a:r>
+              <a:rPr lang="ko-KR" altLang="en-US" sz="1200" kern="1200" dirty="0" smtClean="0">
+                <a:solidFill>
+                  <a:schemeClr val="tx1"/>
+                </a:solidFill>
+                <a:latin typeface="Arial" charset="0"/>
+                <a:ea typeface="+mn-ea"/>
+                <a:cs typeface="+mn-cs"/>
+              </a:rPr>
+              <a:t>에서 사용할 수 있게 됩니다</a:t>
+            </a:r>
+            <a:r>
+              <a:rPr lang="en-US" altLang="ko-KR" sz="1200" kern="1200" dirty="0" smtClean="0">
+                <a:solidFill>
+                  <a:schemeClr val="tx1"/>
+                </a:solidFill>
+                <a:latin typeface="Arial" charset="0"/>
+                <a:ea typeface="+mn-ea"/>
+                <a:cs typeface="+mn-cs"/>
+              </a:rPr>
               <a:t>.</a:t>
             </a:r>
-          </a:p>
-          <a:p>
-            <a:r>
-              <a:rPr lang="ko-KR" altLang="en-US" baseline="0" dirty="0" err="1" smtClean="0"/>
-              <a:t>안드로이드</a:t>
-            </a:r>
-            <a:r>
-              <a:rPr lang="ko-KR" altLang="en-US" baseline="0" dirty="0" smtClean="0"/>
-              <a:t> 서비스를 </a:t>
-            </a:r>
-            <a:r>
-              <a:rPr lang="en-US" altLang="ko-KR" baseline="0" dirty="0" smtClean="0"/>
-              <a:t>USB</a:t>
-            </a:r>
-            <a:r>
-              <a:rPr lang="ko-KR" altLang="en-US" baseline="0" dirty="0" smtClean="0"/>
-              <a:t>장치처럼 보이게 할 드라이브 개발</a:t>
-            </a:r>
-            <a:r>
-              <a:rPr lang="en-US" altLang="ko-KR" baseline="0" dirty="0" smtClean="0"/>
-              <a:t>.</a:t>
-            </a:r>
-          </a:p>
-          <a:p>
-            <a:r>
-              <a:rPr lang="en-US" altLang="ko-KR" baseline="0" dirty="0" smtClean="0"/>
-              <a:t>USB/IP</a:t>
-            </a:r>
-            <a:r>
-              <a:rPr lang="ko-KR" altLang="en-US" baseline="0" dirty="0" smtClean="0"/>
-              <a:t>는 안드로이드에 </a:t>
-            </a:r>
-            <a:r>
-              <a:rPr lang="ko-KR" altLang="en-US" baseline="0" dirty="0" err="1" smtClean="0"/>
-              <a:t>포팅</a:t>
-            </a:r>
-            <a:r>
-              <a:rPr lang="en-US" altLang="ko-KR" baseline="0" dirty="0" smtClean="0"/>
-              <a:t>.</a:t>
-            </a:r>
+            <a:endParaRPr lang="ko-KR" altLang="en-US" sz="1200" kern="1200" dirty="0" smtClean="0">
+              <a:solidFill>
+                <a:schemeClr val="tx1"/>
+              </a:solidFill>
+              <a:latin typeface="Arial" charset="0"/>
+              <a:ea typeface="+mn-ea"/>
+              <a:cs typeface="+mn-cs"/>
+            </a:endParaRPr>
+          </a:p>
+          <a:p>
+            <a:endParaRPr lang="en-US" altLang="ko-KR" baseline="0" dirty="0" smtClean="0"/>
           </a:p>
         </p:txBody>
       </p:sp>
@@ -2138,10 +3571,209 @@
           </a:bodyPr>
           <a:lstStyle/>
           <a:p>
-            <a:r>
-              <a:rPr lang="ko-KR" altLang="en-US" dirty="0" smtClean="0"/>
-              <a:t>프로젝트 구조</a:t>
-            </a:r>
+            <a:pPr marL="0" marR="0" indent="0" algn="l" defTabSz="914400" rtl="0" eaLnBrk="1" fontAlgn="base" latinLnBrk="0" hangingPunct="1">
+              <a:lnSpc>
+                <a:spcPct val="100000"/>
+              </a:lnSpc>
+              <a:spcBef>
+                <a:spcPct val="30000"/>
+              </a:spcBef>
+              <a:spcAft>
+                <a:spcPct val="0"/>
+              </a:spcAft>
+              <a:buClrTx/>
+              <a:buSzTx/>
+              <a:buFontTx/>
+              <a:buNone/>
+              <a:tabLst/>
+              <a:defRPr/>
+            </a:pPr>
+            <a:r>
+              <a:rPr lang="ko-KR" altLang="en-US" sz="1200" kern="1200" dirty="0" smtClean="0">
+                <a:solidFill>
+                  <a:schemeClr val="tx1"/>
+                </a:solidFill>
+                <a:latin typeface="Arial" charset="0"/>
+                <a:ea typeface="+mn-ea"/>
+                <a:cs typeface="+mn-cs"/>
+              </a:rPr>
+              <a:t>카메라 어플리케이션을 예로 들겠습니다</a:t>
+            </a:r>
+            <a:r>
+              <a:rPr lang="en-US" altLang="ko-KR" sz="1200" kern="1200" dirty="0" smtClean="0">
+                <a:solidFill>
+                  <a:schemeClr val="tx1"/>
+                </a:solidFill>
+                <a:latin typeface="Arial" charset="0"/>
+                <a:ea typeface="+mn-ea"/>
+                <a:cs typeface="+mn-cs"/>
+              </a:rPr>
+              <a:t>. </a:t>
+            </a:r>
+            <a:r>
+              <a:rPr lang="ko-KR" altLang="en-US" sz="1200" kern="1200" dirty="0" smtClean="0">
+                <a:solidFill>
+                  <a:schemeClr val="tx1"/>
+                </a:solidFill>
+                <a:latin typeface="Arial" charset="0"/>
+                <a:ea typeface="+mn-ea"/>
+                <a:cs typeface="+mn-cs"/>
+              </a:rPr>
+              <a:t>좌측 구조가 윈도우 </a:t>
+            </a:r>
+            <a:r>
+              <a:rPr lang="ko-KR" altLang="en-US" sz="1200" kern="1200" dirty="0" err="1" smtClean="0">
+                <a:solidFill>
+                  <a:schemeClr val="tx1"/>
+                </a:solidFill>
+                <a:latin typeface="Arial" charset="0"/>
+                <a:ea typeface="+mn-ea"/>
+                <a:cs typeface="+mn-cs"/>
+              </a:rPr>
+              <a:t>앱에</a:t>
+            </a:r>
+            <a:r>
+              <a:rPr lang="ko-KR" altLang="en-US" sz="1200" kern="1200" dirty="0" smtClean="0">
+                <a:solidFill>
+                  <a:schemeClr val="tx1"/>
+                </a:solidFill>
+                <a:latin typeface="Arial" charset="0"/>
+                <a:ea typeface="+mn-ea"/>
+                <a:cs typeface="+mn-cs"/>
+              </a:rPr>
+              <a:t> </a:t>
+            </a:r>
+            <a:r>
+              <a:rPr lang="en-US" altLang="ko-KR" sz="1200" kern="1200" dirty="0" smtClean="0">
+                <a:solidFill>
+                  <a:schemeClr val="tx1"/>
+                </a:solidFill>
+                <a:latin typeface="Arial" charset="0"/>
+                <a:ea typeface="+mn-ea"/>
+                <a:cs typeface="+mn-cs"/>
+              </a:rPr>
+              <a:t>USB</a:t>
+            </a:r>
+            <a:r>
+              <a:rPr lang="ko-KR" altLang="en-US" sz="1200" kern="1200" dirty="0" smtClean="0">
+                <a:solidFill>
+                  <a:schemeClr val="tx1"/>
+                </a:solidFill>
+                <a:latin typeface="Arial" charset="0"/>
+                <a:ea typeface="+mn-ea"/>
+                <a:cs typeface="+mn-cs"/>
+              </a:rPr>
+              <a:t>카메라를 꽂은 모습이라면</a:t>
+            </a:r>
+            <a:r>
+              <a:rPr lang="en-US" altLang="ko-KR" sz="1200" kern="1200" dirty="0" smtClean="0">
+                <a:solidFill>
+                  <a:schemeClr val="tx1"/>
+                </a:solidFill>
+                <a:latin typeface="Arial" charset="0"/>
+                <a:ea typeface="+mn-ea"/>
+                <a:cs typeface="+mn-cs"/>
+              </a:rPr>
+              <a:t>, </a:t>
+            </a:r>
+            <a:r>
+              <a:rPr lang="ko-KR" altLang="en-US" sz="1200" kern="1200" dirty="0" smtClean="0">
+                <a:solidFill>
+                  <a:schemeClr val="tx1"/>
+                </a:solidFill>
+                <a:latin typeface="Arial" charset="0"/>
+                <a:ea typeface="+mn-ea"/>
+                <a:cs typeface="+mn-cs"/>
+              </a:rPr>
+              <a:t>우측의 카메라 어플리케이션은 </a:t>
+            </a:r>
+            <a:r>
+              <a:rPr lang="en-US" altLang="ko-KR" sz="1200" kern="1200" dirty="0" smtClean="0">
+                <a:solidFill>
+                  <a:schemeClr val="tx1"/>
+                </a:solidFill>
+                <a:latin typeface="Arial" charset="0"/>
+                <a:ea typeface="+mn-ea"/>
+                <a:cs typeface="+mn-cs"/>
+              </a:rPr>
+              <a:t>VHCI</a:t>
+            </a:r>
+            <a:r>
+              <a:rPr lang="ko-KR" altLang="en-US" sz="1200" kern="1200" dirty="0" smtClean="0">
+                <a:solidFill>
+                  <a:schemeClr val="tx1"/>
+                </a:solidFill>
+                <a:latin typeface="Arial" charset="0"/>
+                <a:ea typeface="+mn-ea"/>
+                <a:cs typeface="+mn-cs"/>
+              </a:rPr>
+              <a:t>드라이버와 </a:t>
+            </a:r>
+            <a:r>
+              <a:rPr lang="en-US" altLang="ko-KR" sz="1200" kern="1200" dirty="0" smtClean="0">
+                <a:solidFill>
+                  <a:schemeClr val="tx1"/>
+                </a:solidFill>
+                <a:latin typeface="Arial" charset="0"/>
+                <a:ea typeface="+mn-ea"/>
+                <a:cs typeface="+mn-cs"/>
+              </a:rPr>
+              <a:t>USB/IP</a:t>
+            </a:r>
+            <a:r>
+              <a:rPr lang="ko-KR" altLang="en-US" sz="1200" kern="1200" dirty="0" smtClean="0">
+                <a:solidFill>
+                  <a:schemeClr val="tx1"/>
+                </a:solidFill>
+                <a:latin typeface="Arial" charset="0"/>
+                <a:ea typeface="+mn-ea"/>
+                <a:cs typeface="+mn-cs"/>
+              </a:rPr>
+              <a:t>를 거쳐서 결국 윈도우에서 </a:t>
+            </a:r>
+            <a:r>
+              <a:rPr lang="en-US" altLang="ko-KR" sz="1200" kern="1200" dirty="0" smtClean="0">
+                <a:solidFill>
+                  <a:schemeClr val="tx1"/>
+                </a:solidFill>
+                <a:latin typeface="Arial" charset="0"/>
+                <a:ea typeface="+mn-ea"/>
+                <a:cs typeface="+mn-cs"/>
+              </a:rPr>
+              <a:t>USB </a:t>
+            </a:r>
+            <a:r>
+              <a:rPr lang="ko-KR" altLang="en-US" sz="1200" kern="1200" dirty="0" smtClean="0">
+                <a:solidFill>
+                  <a:schemeClr val="tx1"/>
+                </a:solidFill>
+                <a:latin typeface="Arial" charset="0"/>
+                <a:ea typeface="+mn-ea"/>
+                <a:cs typeface="+mn-cs"/>
+              </a:rPr>
+              <a:t>카메라로 사용할 수 있게 됩니다</a:t>
+            </a:r>
+            <a:r>
+              <a:rPr lang="en-US" altLang="ko-KR" sz="1200" kern="1200" dirty="0" smtClean="0">
+                <a:solidFill>
+                  <a:schemeClr val="tx1"/>
+                </a:solidFill>
+                <a:latin typeface="Arial" charset="0"/>
+                <a:ea typeface="+mn-ea"/>
+                <a:cs typeface="+mn-cs"/>
+              </a:rPr>
+              <a:t>.</a:t>
+            </a:r>
+            <a:endParaRPr lang="ko-KR" altLang="en-US" sz="1200" kern="1200" dirty="0" smtClean="0">
+              <a:solidFill>
+                <a:schemeClr val="tx1"/>
+              </a:solidFill>
+              <a:latin typeface="Arial" charset="0"/>
+              <a:ea typeface="+mn-ea"/>
+              <a:cs typeface="+mn-cs"/>
+            </a:endParaRPr>
+          </a:p>
+          <a:p>
             <a:endParaRPr lang="ko-KR" altLang="en-US" dirty="0"/>
           </a:p>
         </p:txBody>
@@ -2224,18 +3856,143 @@
           </a:bodyPr>
           <a:lstStyle/>
           <a:p>
-            <a:r>
-              <a:rPr lang="en-US" altLang="ko-KR" dirty="0" smtClean="0"/>
+            <a:pPr marL="0" marR="0" indent="0" algn="l" defTabSz="914400" rtl="0" eaLnBrk="1" fontAlgn="base" latinLnBrk="0" hangingPunct="1">
+              <a:lnSpc>
+                <a:spcPct val="100000"/>
+              </a:lnSpc>
+              <a:spcBef>
+                <a:spcPct val="30000"/>
+              </a:spcBef>
+              <a:spcAft>
+                <a:spcPct val="0"/>
+              </a:spcAft>
+              <a:buClrTx/>
+              <a:buSzTx/>
+              <a:buFontTx/>
+              <a:buNone/>
+              <a:tabLst/>
+              <a:defRPr/>
+            </a:pPr>
+            <a:r>
+              <a:rPr lang="ko-KR" altLang="en-US" sz="1200" kern="1200" dirty="0" smtClean="0">
+                <a:solidFill>
+                  <a:schemeClr val="tx1"/>
+                </a:solidFill>
+                <a:latin typeface="Arial" charset="0"/>
+                <a:ea typeface="+mn-ea"/>
+                <a:cs typeface="+mn-cs"/>
+              </a:rPr>
+              <a:t>그렇다면 왜 </a:t>
+            </a:r>
+            <a:r>
+              <a:rPr lang="en-US" altLang="ko-KR" sz="1200" kern="1200" dirty="0" smtClean="0">
+                <a:solidFill>
+                  <a:schemeClr val="tx1"/>
+                </a:solidFill>
+                <a:latin typeface="Arial" charset="0"/>
+                <a:ea typeface="+mn-ea"/>
+                <a:cs typeface="+mn-cs"/>
+              </a:rPr>
               <a:t>USB/IP</a:t>
             </a:r>
             <a:r>
-              <a:rPr lang="en-US" altLang="ko-KR" baseline="0" dirty="0" smtClean="0"/>
-              <a:t> </a:t>
-            </a:r>
-            <a:r>
-              <a:rPr lang="ko-KR" altLang="en-US" baseline="0" dirty="0" smtClean="0"/>
-              <a:t>사용하는 이유</a:t>
-            </a:r>
+              <a:rPr lang="ko-KR" altLang="en-US" sz="1200" kern="1200" dirty="0" smtClean="0">
+                <a:solidFill>
+                  <a:schemeClr val="tx1"/>
+                </a:solidFill>
+                <a:latin typeface="Arial" charset="0"/>
+                <a:ea typeface="+mn-ea"/>
+                <a:cs typeface="+mn-cs"/>
+              </a:rPr>
+              <a:t>를 쓰는가</a:t>
+            </a:r>
+            <a:r>
+              <a:rPr lang="en-US" altLang="ko-KR" sz="1200" kern="1200" dirty="0" smtClean="0">
+                <a:solidFill>
+                  <a:schemeClr val="tx1"/>
+                </a:solidFill>
+                <a:latin typeface="Arial" charset="0"/>
+                <a:ea typeface="+mn-ea"/>
+                <a:cs typeface="+mn-cs"/>
+              </a:rPr>
+              <a:t>? USB/IP</a:t>
+            </a:r>
+            <a:r>
+              <a:rPr lang="ko-KR" altLang="en-US" sz="1200" kern="1200" dirty="0" smtClean="0">
+                <a:solidFill>
+                  <a:schemeClr val="tx1"/>
+                </a:solidFill>
+                <a:latin typeface="Arial" charset="0"/>
+                <a:ea typeface="+mn-ea"/>
+                <a:cs typeface="+mn-cs"/>
+              </a:rPr>
+              <a:t>는 앞의 </a:t>
+            </a:r>
+            <a:r>
+              <a:rPr lang="en-US" altLang="ko-KR" sz="1200" kern="1200" dirty="0" smtClean="0">
+                <a:solidFill>
+                  <a:schemeClr val="tx1"/>
+                </a:solidFill>
+                <a:latin typeface="Arial" charset="0"/>
+                <a:ea typeface="+mn-ea"/>
+                <a:cs typeface="+mn-cs"/>
+              </a:rPr>
+              <a:t>USB</a:t>
+            </a:r>
+            <a:r>
+              <a:rPr lang="ko-KR" altLang="en-US" sz="1200" kern="1200" dirty="0" smtClean="0">
+                <a:solidFill>
+                  <a:schemeClr val="tx1"/>
+                </a:solidFill>
+                <a:latin typeface="Arial" charset="0"/>
+                <a:ea typeface="+mn-ea"/>
+                <a:cs typeface="+mn-cs"/>
+              </a:rPr>
+              <a:t>카메라의 경우처럼 기존에 그 장치를 사용하던 윈도우 프로그램들을 수정 없이 그대로 사용할 수 있습니다</a:t>
+            </a:r>
+            <a:r>
+              <a:rPr lang="en-US" altLang="ko-KR" sz="1200" kern="1200" dirty="0" smtClean="0">
+                <a:solidFill>
+                  <a:schemeClr val="tx1"/>
+                </a:solidFill>
+                <a:latin typeface="Arial" charset="0"/>
+                <a:ea typeface="+mn-ea"/>
+                <a:cs typeface="+mn-cs"/>
+              </a:rPr>
+              <a:t>. TCP/IP</a:t>
+            </a:r>
+            <a:r>
+              <a:rPr lang="ko-KR" altLang="en-US" sz="1200" kern="1200" dirty="0" smtClean="0">
+                <a:solidFill>
+                  <a:schemeClr val="tx1"/>
+                </a:solidFill>
+                <a:latin typeface="Arial" charset="0"/>
+                <a:ea typeface="+mn-ea"/>
+                <a:cs typeface="+mn-cs"/>
+              </a:rPr>
+              <a:t>가 기존 프로그램들을 수정해야 하는 것에 비해 큰 장점입니다</a:t>
+            </a:r>
+            <a:r>
+              <a:rPr lang="en-US" altLang="ko-KR" sz="1200" kern="1200" dirty="0" smtClean="0">
+                <a:solidFill>
+                  <a:schemeClr val="tx1"/>
+                </a:solidFill>
+                <a:latin typeface="Arial" charset="0"/>
+                <a:ea typeface="+mn-ea"/>
+                <a:cs typeface="+mn-cs"/>
+              </a:rPr>
+              <a:t>.</a:t>
+            </a:r>
+            <a:endParaRPr lang="ko-KR" altLang="en-US" sz="1200" kern="1200" dirty="0" smtClean="0">
+              <a:solidFill>
+                <a:schemeClr val="tx1"/>
+              </a:solidFill>
+              <a:latin typeface="Arial" charset="0"/>
+              <a:ea typeface="+mn-ea"/>
+              <a:cs typeface="+mn-cs"/>
+            </a:endParaRPr>
+          </a:p>
+          <a:p>
             <a:endParaRPr lang="ko-KR" altLang="en-US" dirty="0"/>
           </a:p>
         </p:txBody>
@@ -2318,10 +4075,176 @@
           </a:bodyPr>
           <a:lstStyle/>
           <a:p>
-            <a:r>
-              <a:rPr lang="ko-KR" altLang="en-US" dirty="0" smtClean="0"/>
-              <a:t>프로젝트 활용해서 가능한 서비스</a:t>
-            </a:r>
+            <a:pPr marL="0" marR="0" indent="0" algn="l" defTabSz="914400" rtl="0" eaLnBrk="1" fontAlgn="base" latinLnBrk="0" hangingPunct="1">
+              <a:lnSpc>
+                <a:spcPct val="100000"/>
+              </a:lnSpc>
+              <a:spcBef>
+                <a:spcPct val="30000"/>
+              </a:spcBef>
+              <a:spcAft>
+                <a:spcPct val="0"/>
+              </a:spcAft>
+              <a:buClrTx/>
+              <a:buSzTx/>
+              <a:buFontTx/>
+              <a:buNone/>
+              <a:tabLst/>
+              <a:defRPr/>
+            </a:pPr>
+            <a:r>
+              <a:rPr lang="en-US" altLang="ko-KR" sz="1200" kern="1200" dirty="0" smtClean="0">
+                <a:solidFill>
+                  <a:schemeClr val="tx1"/>
+                </a:solidFill>
+                <a:latin typeface="Arial" charset="0"/>
+                <a:ea typeface="+mn-ea"/>
+                <a:cs typeface="+mn-cs"/>
+              </a:rPr>
+              <a:t>Android-USB </a:t>
+            </a:r>
+            <a:r>
+              <a:rPr lang="ko-KR" altLang="en-US" sz="1200" kern="1200" dirty="0" smtClean="0">
+                <a:solidFill>
+                  <a:schemeClr val="tx1"/>
+                </a:solidFill>
+                <a:latin typeface="Arial" charset="0"/>
+                <a:ea typeface="+mn-ea"/>
+                <a:cs typeface="+mn-cs"/>
+              </a:rPr>
+              <a:t>프로젝트를 활용 하면</a:t>
+            </a:r>
+            <a:r>
+              <a:rPr lang="en-US" altLang="ko-KR" sz="1200" kern="1200" dirty="0" smtClean="0">
+                <a:solidFill>
+                  <a:schemeClr val="tx1"/>
+                </a:solidFill>
+                <a:latin typeface="Arial" charset="0"/>
+                <a:ea typeface="+mn-ea"/>
+                <a:cs typeface="+mn-cs"/>
+              </a:rPr>
+              <a:t>, PC</a:t>
+            </a:r>
+            <a:r>
+              <a:rPr lang="ko-KR" altLang="en-US" sz="1200" kern="1200" dirty="0" smtClean="0">
+                <a:solidFill>
+                  <a:schemeClr val="tx1"/>
+                </a:solidFill>
+                <a:latin typeface="Arial" charset="0"/>
+                <a:ea typeface="+mn-ea"/>
+                <a:cs typeface="+mn-cs"/>
+              </a:rPr>
+              <a:t>에서 카카오톡</a:t>
+            </a:r>
+            <a:r>
+              <a:rPr lang="en-US" altLang="ko-KR" sz="1200" kern="1200" dirty="0" smtClean="0">
+                <a:solidFill>
+                  <a:schemeClr val="tx1"/>
+                </a:solidFill>
+                <a:latin typeface="Arial" charset="0"/>
+                <a:ea typeface="+mn-ea"/>
+                <a:cs typeface="+mn-cs"/>
+              </a:rPr>
+              <a:t>, </a:t>
+            </a:r>
+            <a:r>
+              <a:rPr lang="ko-KR" altLang="en-US" sz="1200" kern="1200" dirty="0" smtClean="0">
+                <a:solidFill>
+                  <a:schemeClr val="tx1"/>
+                </a:solidFill>
+                <a:latin typeface="Arial" charset="0"/>
+                <a:ea typeface="+mn-ea"/>
+                <a:cs typeface="+mn-cs"/>
+              </a:rPr>
+              <a:t>문자메시지</a:t>
+            </a:r>
+            <a:r>
+              <a:rPr lang="en-US" altLang="ko-KR" sz="1200" kern="1200" dirty="0" smtClean="0">
+                <a:solidFill>
+                  <a:schemeClr val="tx1"/>
+                </a:solidFill>
+                <a:latin typeface="Arial" charset="0"/>
+                <a:ea typeface="+mn-ea"/>
+                <a:cs typeface="+mn-cs"/>
+              </a:rPr>
+              <a:t>, </a:t>
+            </a:r>
+            <a:r>
+              <a:rPr lang="ko-KR" altLang="en-US" sz="1200" kern="1200" dirty="0" smtClean="0">
+                <a:solidFill>
+                  <a:schemeClr val="tx1"/>
+                </a:solidFill>
+                <a:latin typeface="Arial" charset="0"/>
+                <a:ea typeface="+mn-ea"/>
+                <a:cs typeface="+mn-cs"/>
+              </a:rPr>
+              <a:t>카메라를 사용하는 서비스를 만들 수 있고</a:t>
+            </a:r>
+            <a:r>
+              <a:rPr lang="en-US" altLang="ko-KR" sz="1200" kern="1200" dirty="0" smtClean="0">
+                <a:solidFill>
+                  <a:schemeClr val="tx1"/>
+                </a:solidFill>
+                <a:latin typeface="Arial" charset="0"/>
+                <a:ea typeface="+mn-ea"/>
+                <a:cs typeface="+mn-cs"/>
+              </a:rPr>
+              <a:t>, </a:t>
+            </a:r>
+            <a:r>
+              <a:rPr lang="ko-KR" altLang="en-US" sz="1200" kern="1200" dirty="0" smtClean="0">
+                <a:solidFill>
+                  <a:schemeClr val="tx1"/>
+                </a:solidFill>
+                <a:latin typeface="Arial" charset="0"/>
+                <a:ea typeface="+mn-ea"/>
+                <a:cs typeface="+mn-cs"/>
+              </a:rPr>
+              <a:t>터치 인터페이스를 이용해 </a:t>
+            </a:r>
+            <a:r>
+              <a:rPr lang="en-US" altLang="ko-KR" sz="1200" kern="1200" dirty="0" smtClean="0">
+                <a:solidFill>
+                  <a:schemeClr val="tx1"/>
+                </a:solidFill>
+                <a:latin typeface="Arial" charset="0"/>
+                <a:ea typeface="+mn-ea"/>
+                <a:cs typeface="+mn-cs"/>
+              </a:rPr>
+              <a:t>PC</a:t>
+            </a:r>
+            <a:r>
+              <a:rPr lang="ko-KR" altLang="en-US" sz="1200" kern="1200" dirty="0" smtClean="0">
+                <a:solidFill>
+                  <a:schemeClr val="tx1"/>
+                </a:solidFill>
+                <a:latin typeface="Arial" charset="0"/>
+                <a:ea typeface="+mn-ea"/>
+                <a:cs typeface="+mn-cs"/>
+              </a:rPr>
+              <a:t>에서 터치패드나 마우스로 쓸 수도 있습니다</a:t>
+            </a:r>
+            <a:r>
+              <a:rPr lang="en-US" altLang="ko-KR" sz="1200" kern="1200" dirty="0" smtClean="0">
+                <a:solidFill>
+                  <a:schemeClr val="tx1"/>
+                </a:solidFill>
+                <a:latin typeface="Arial" charset="0"/>
+                <a:ea typeface="+mn-ea"/>
+                <a:cs typeface="+mn-cs"/>
+              </a:rPr>
+              <a:t>.</a:t>
+            </a:r>
+            <a:endParaRPr lang="ko-KR" altLang="en-US" sz="1200" kern="1200" dirty="0" smtClean="0">
+              <a:solidFill>
+                <a:schemeClr val="tx1"/>
+              </a:solidFill>
+              <a:latin typeface="Arial" charset="0"/>
+              <a:ea typeface="+mn-ea"/>
+              <a:cs typeface="+mn-cs"/>
+            </a:endParaRPr>
+          </a:p>
+          <a:p>
             <a:endParaRPr lang="ko-KR" altLang="en-US" dirty="0"/>
           </a:p>
         </p:txBody>
@@ -5462,6 +7385,7 @@
   <p:clrMapOvr>
     <a:masterClrMapping/>
   </p:clrMapOvr>
+  <p:transition advTm="15000"/>
   <p:timing>
     <p:tnLst>
       <p:par>
@@ -5506,7 +7430,7 @@
           <a:p>
             <a:pPr marL="914400" indent="-914400">
               <a:buFont typeface="+mj-lt"/>
-              <a:buAutoNum type="arabicPeriod" startAt="3"/>
+              <a:buAutoNum type="arabicPeriod" startAt="4"/>
             </a:pPr>
             <a:r>
               <a:rPr lang="ko-KR" altLang="en-US" sz="5400" spc="600" dirty="0" smtClean="0">
@@ -5634,38 +7558,9 @@
           </a:p>
           <a:p>
             <a:pPr marL="857250" lvl="2" indent="-457200">
-              <a:buFont typeface="Wingdings" pitchFamily="2" charset="2"/>
-              <a:buChar char="l"/>
-            </a:pPr>
-            <a:r>
-              <a:rPr lang="en-US" altLang="ko-KR" dirty="0">
-                <a:solidFill>
-                  <a:srgbClr val="000000"/>
-                </a:solidFill>
-                <a:latin typeface="HY동녘M" pitchFamily="18" charset="-127"/>
-                <a:ea typeface="HY동녘M" pitchFamily="18" charset="-127"/>
-              </a:rPr>
-              <a:t>	</a:t>
-            </a:r>
-          </a:p>
-          <a:p>
-            <a:pPr marL="857250" lvl="3" indent="0">
               <a:buNone/>
             </a:pPr>
-            <a:endParaRPr lang="en-US" altLang="ko-KR" sz="1600" dirty="0">
-              <a:solidFill>
-                <a:srgbClr val="000000"/>
-              </a:solidFill>
-              <a:latin typeface="HY동녘M" pitchFamily="18" charset="-127"/>
-              <a:ea typeface="HY동녘M" pitchFamily="18" charset="-127"/>
-            </a:endParaRPr>
-          </a:p>
-          <a:p>
-            <a:pPr marL="742950" lvl="2" indent="-342900">
-              <a:buFont typeface="Wingdings" pitchFamily="2" charset="2"/>
-              <a:buChar char="l"/>
-            </a:pPr>
-            <a:endParaRPr lang="en-US" altLang="ko-KR" sz="2000" dirty="0" smtClean="0">
+            <a:endParaRPr lang="en-US" altLang="ko-KR" dirty="0">
               <a:solidFill>
                 <a:srgbClr val="000000"/>
               </a:solidFill>
@@ -5692,8 +7587,8 @@
         </p:blipFill>
         <p:spPr bwMode="auto">
           <a:xfrm>
-            <a:off x="1907704" y="1988839"/>
-            <a:ext cx="3168352" cy="3975233"/>
+            <a:off x="1259632" y="1988840"/>
+            <a:ext cx="3816424" cy="3975233"/>
           </a:xfrm>
           <a:prstGeom prst="rect">
             <a:avLst/>
@@ -5724,7 +7619,7 @@
         </p:blipFill>
         <p:spPr bwMode="auto">
           <a:xfrm>
-            <a:off x="5470580" y="1988839"/>
+            <a:off x="5652120" y="1988840"/>
             <a:ext cx="2413788" cy="4022981"/>
           </a:xfrm>
           <a:prstGeom prst="rect">
@@ -5736,7 +7631,7 @@
     </p:spTree>
     <p:extLst>
       <p:ext uri="{BB962C8B-B14F-4D97-AF65-F5344CB8AC3E}">
-        <p14:creationId xmlns="" xmlns:p14="http://schemas.microsoft.com/office/powerpoint/2010/main" val="2718990012"/>
+        <p14:creationId xmlns:p14="http://schemas.microsoft.com/office/powerpoint/2010/main" xmlns="" val="2718990012"/>
       </p:ext>
     </p:extLst>
   </p:cSld>
@@ -5787,7 +7682,7 @@
           <a:p>
             <a:pPr marL="914400" indent="-914400">
               <a:buFont typeface="+mj-lt"/>
-              <a:buAutoNum type="arabicPeriod" startAt="3"/>
+              <a:buAutoNum type="arabicPeriod" startAt="4"/>
             </a:pPr>
             <a:r>
               <a:rPr lang="ko-KR" altLang="en-US" sz="5400" spc="600" dirty="0" smtClean="0">
@@ -5964,27 +7859,24 @@
           <a:p>
             <a:pPr algn="ctr"/>
             <a:r>
-              <a:rPr lang="en-US" altLang="ko-KR" b="1" dirty="0" smtClean="0">
+              <a:rPr lang="ko-KR" altLang="en-US" b="1" dirty="0" err="1" smtClean="0">
                 <a:solidFill>
                   <a:schemeClr val="tx1"/>
                 </a:solidFill>
                 <a:latin typeface="HY동녘M" pitchFamily="18" charset="-127"/>
                 <a:ea typeface="HY동녘M" pitchFamily="18" charset="-127"/>
               </a:rPr>
-              <a:t>Windows</a:t>
-            </a:r>
-          </a:p>
-          <a:p>
-            <a:pPr algn="ctr"/>
-            <a:r>
-              <a:rPr lang="ko-KR" altLang="en-US" b="1" dirty="0" err="1" smtClean="0">
+              <a:t>카카오톡</a:t>
+            </a:r>
+            <a:r>
+              <a:rPr lang="ko-KR" altLang="en-US" b="1" dirty="0" smtClean="0">
                 <a:solidFill>
                   <a:schemeClr val="tx1"/>
                 </a:solidFill>
                 <a:latin typeface="HY동녘M" pitchFamily="18" charset="-127"/>
                 <a:ea typeface="HY동녘M" pitchFamily="18" charset="-127"/>
               </a:rPr>
-              <a:t>카카오톡</a:t>
+              <a:t> </a:t>
             </a:r>
             <a:r>
               <a:rPr lang="en-US" altLang="ko-KR" b="1" dirty="0" smtClean="0">
@@ -5994,8 +7886,25 @@
                 <a:latin typeface="HY동녘M" pitchFamily="18" charset="-127"/>
                 <a:ea typeface="HY동녘M" pitchFamily="18" charset="-127"/>
               </a:rPr>
-              <a:t> App</a:t>
-            </a:r>
+              <a:t>PC </a:t>
+            </a:r>
+            <a:r>
+              <a:rPr lang="en-US" altLang="ko-KR" b="1" dirty="0" err="1" smtClean="0">
+                <a:solidFill>
+                  <a:schemeClr val="tx1"/>
+                </a:solidFill>
+                <a:latin typeface="HY동녘M" pitchFamily="18" charset="-127"/>
+                <a:ea typeface="HY동녘M" pitchFamily="18" charset="-127"/>
+              </a:rPr>
+              <a:t>Linker_windows</a:t>
+            </a:r>
+            <a:endParaRPr lang="en-US" altLang="ko-KR" b="1" dirty="0" smtClean="0">
+              <a:solidFill>
+                <a:schemeClr val="tx1"/>
+              </a:solidFill>
+              <a:latin typeface="HY동녘M" pitchFamily="18" charset="-127"/>
+              <a:ea typeface="HY동녘M" pitchFamily="18" charset="-127"/>
+            </a:endParaRPr>
           </a:p>
           <a:p>
             <a:pPr algn="ctr"/>
@@ -6123,26 +8032,6 @@
                 <a:ea typeface="HY동녘M" pitchFamily="18" charset="-127"/>
               </a:rPr>
               <a:t>카카오톡</a:t>
-            </a:r>
-            <a:r>
-              <a:rPr lang="ko-KR" altLang="en-US" b="1" dirty="0">
-                <a:solidFill>
-                  <a:schemeClr val="tx1"/>
-                </a:solidFill>
-                <a:latin typeface="HY동녘M" pitchFamily="18" charset="-127"/>
-                <a:ea typeface="HY동녘M" pitchFamily="18" charset="-127"/>
-              </a:rPr>
-              <a:t> </a:t>
-            </a:r>
-            <a:r>
-              <a:rPr lang="en-US" altLang="ko-KR" b="1" dirty="0" smtClean="0">
-                <a:solidFill>
-                  <a:schemeClr val="tx1"/>
-                </a:solidFill>
-                <a:latin typeface="HY동녘M" pitchFamily="18" charset="-127"/>
-                <a:ea typeface="HY동녘M" pitchFamily="18" charset="-127"/>
-              </a:rPr>
-              <a:t>App</a:t>
             </a:r>
             <a:endParaRPr lang="ko-KR" altLang="en-US" b="1" dirty="0">
               <a:solidFill>
@@ -6301,16 +8190,6 @@
               </a:rPr>
               <a:t>카카오톡</a:t>
             </a:r>
-            <a:endParaRPr lang="en-US" altLang="ko-KR" b="1" dirty="0" smtClean="0">
-              <a:solidFill>
-                <a:schemeClr val="tx1"/>
-              </a:solidFill>
-              <a:latin typeface="HY동녘M" pitchFamily="18" charset="-127"/>
-              <a:ea typeface="HY동녘M" pitchFamily="18" charset="-127"/>
-            </a:endParaRPr>
-          </a:p>
-          <a:p>
-            <a:pPr algn="ctr"/>
             <a:r>
               <a:rPr lang="ko-KR" altLang="en-US" b="1" dirty="0" smtClean="0">
                 <a:solidFill>
@@ -6319,7 +8198,7 @@
                 <a:latin typeface="HY동녘M" pitchFamily="18" charset="-127"/>
                 <a:ea typeface="HY동녘M" pitchFamily="18" charset="-127"/>
               </a:rPr>
-              <a:t>연동 </a:t>
+              <a:t> </a:t>
             </a:r>
             <a:r>
               <a:rPr lang="en-US" altLang="ko-KR" b="1" dirty="0" smtClean="0">
@@ -6329,7 +8208,17 @@
                 <a:latin typeface="HY동녘M" pitchFamily="18" charset="-127"/>
                 <a:ea typeface="HY동녘M" pitchFamily="18" charset="-127"/>
               </a:rPr>
-              <a:t>App</a:t>
+              <a:t>PC </a:t>
+            </a:r>
+            <a:r>
+              <a:rPr lang="en-US" altLang="ko-KR" b="1" dirty="0" err="1" smtClean="0">
+                <a:solidFill>
+                  <a:schemeClr val="tx1"/>
+                </a:solidFill>
+                <a:latin typeface="HY동녘M" pitchFamily="18" charset="-127"/>
+                <a:ea typeface="HY동녘M" pitchFamily="18" charset="-127"/>
+              </a:rPr>
+              <a:t>Linker_android</a:t>
             </a:r>
             <a:endParaRPr lang="en-US" altLang="ko-KR" b="1" dirty="0">
               <a:solidFill>
@@ -6856,7 +8745,7 @@
           <a:p>
             <a:pPr algn="ctr"/>
             <a:r>
-              <a:rPr lang="en-US" altLang="ko-KR" sz="1600" b="1" dirty="0" smtClean="0">
+              <a:rPr lang="en-US" altLang="ko-KR" sz="1800" b="1" dirty="0" smtClean="0">
                 <a:solidFill>
                   <a:schemeClr val="tx1"/>
                 </a:solidFill>
@@ -6865,7 +8754,7 @@
               </a:rPr>
               <a:t>Text Data</a:t>
             </a:r>
-            <a:endParaRPr lang="ko-KR" altLang="en-US" sz="1600" b="1" dirty="0">
+            <a:endParaRPr lang="ko-KR" altLang="en-US" sz="1800" b="1" dirty="0">
               <a:solidFill>
                 <a:schemeClr val="tx1"/>
               </a:solidFill>
@@ -7036,7 +8925,7 @@
           <a:p>
             <a:pPr algn="ctr"/>
             <a:r>
-              <a:rPr lang="en-US" altLang="ko-KR" sz="2000" b="1" dirty="0" smtClean="0">
+              <a:rPr lang="en-US" altLang="ko-KR" sz="1800" b="1" dirty="0" smtClean="0">
                 <a:solidFill>
                   <a:schemeClr val="tx1"/>
                 </a:solidFill>
@@ -7045,7 +8934,7 @@
               </a:rPr>
               <a:t>Text Input</a:t>
             </a:r>
-            <a:endParaRPr lang="ko-KR" altLang="en-US" sz="2000" b="1" dirty="0">
+            <a:endParaRPr lang="ko-KR" altLang="en-US" sz="1800" b="1" dirty="0">
               <a:solidFill>
                 <a:schemeClr val="tx1"/>
               </a:solidFill>
@@ -7216,7 +9105,7 @@
           <a:p>
             <a:pPr algn="ctr"/>
             <a:r>
-              <a:rPr lang="en-US" altLang="ko-KR" sz="2000" b="1" dirty="0" smtClean="0">
+              <a:rPr lang="en-US" altLang="ko-KR" sz="1800" b="1" dirty="0" smtClean="0">
                 <a:solidFill>
                   <a:schemeClr val="tx1"/>
                 </a:solidFill>
@@ -7225,7 +9114,7 @@
               </a:rPr>
               <a:t>Capture</a:t>
             </a:r>
-            <a:endParaRPr lang="ko-KR" altLang="en-US" sz="2000" b="1" dirty="0">
+            <a:endParaRPr lang="ko-KR" altLang="en-US" sz="1800" b="1" dirty="0">
               <a:solidFill>
                 <a:schemeClr val="tx1"/>
               </a:solidFill>
@@ -7350,7 +9239,7 @@
           <a:p>
             <a:pPr algn="ctr"/>
             <a:r>
-              <a:rPr lang="en-US" altLang="ko-KR" sz="1600" b="1" dirty="0" smtClean="0">
+              <a:rPr lang="en-US" altLang="ko-KR" sz="1800" b="1" dirty="0" smtClean="0">
                 <a:solidFill>
                   <a:schemeClr val="tx1"/>
                 </a:solidFill>
@@ -7359,7 +9248,7 @@
               </a:rPr>
               <a:t>Capture  Data</a:t>
             </a:r>
-            <a:endParaRPr lang="ko-KR" altLang="en-US" sz="1600" b="1" dirty="0">
+            <a:endParaRPr lang="ko-KR" altLang="en-US" sz="1800" b="1" dirty="0">
               <a:solidFill>
                 <a:schemeClr val="tx1"/>
               </a:solidFill>
@@ -7488,7 +9377,7 @@
     </p:spTree>
     <p:extLst>
       <p:ext uri="{BB962C8B-B14F-4D97-AF65-F5344CB8AC3E}">
-        <p14:creationId xmlns="" xmlns:p14="http://schemas.microsoft.com/office/powerpoint/2010/main" val="2718990012"/>
+        <p14:creationId xmlns:p14="http://schemas.microsoft.com/office/powerpoint/2010/main" xmlns="" val="2718990012"/>
       </p:ext>
     </p:extLst>
   </p:cSld>
@@ -7539,7 +9428,7 @@
           <a:p>
             <a:pPr marL="914400" indent="-914400">
               <a:buFont typeface="+mj-lt"/>
-              <a:buAutoNum type="arabicPeriod" startAt="3"/>
+              <a:buAutoNum type="arabicPeriod" startAt="4"/>
             </a:pPr>
             <a:r>
               <a:rPr lang="ko-KR" altLang="en-US" sz="5400" spc="600" dirty="0" smtClean="0">
@@ -7549,7 +9438,17 @@
                 <a:latin typeface="HY동녘M" pitchFamily="18" charset="-127"/>
                 <a:ea typeface="HY동녘M" pitchFamily="18" charset="-127"/>
               </a:rPr>
-              <a:t>활용 서비스</a:t>
+              <a:t>활용 </a:t>
+            </a:r>
+            <a:r>
+              <a:rPr lang="ko-KR" altLang="en-US" sz="5400" spc="600" dirty="0" smtClean="0">
+                <a:solidFill>
+                  <a:srgbClr val="000000"/>
+                </a:solidFill>
+                <a:latin typeface="HY동녘M" pitchFamily="18" charset="-127"/>
+                <a:ea typeface="HY동녘M" pitchFamily="18" charset="-127"/>
+              </a:rPr>
+              <a:t>서비스</a:t>
             </a:r>
             <a:endParaRPr lang="en-US" altLang="ko-KR" sz="5400" dirty="0">
               <a:solidFill>
@@ -7604,21 +9503,8 @@
             </a:endParaRPr>
           </a:p>
           <a:p>
-            <a:pPr marL="857250" lvl="3" indent="0">
+            <a:pPr marL="857250" lvl="2" indent="-457200">
               <a:buNone/>
-            </a:pPr>
-            <a:endParaRPr lang="en-US" altLang="ko-KR" dirty="0">
-              <a:solidFill>
-                <a:srgbClr val="000000"/>
-              </a:solidFill>
-              <a:latin typeface="HY동녘M" pitchFamily="18" charset="-127"/>
-              <a:ea typeface="HY동녘M" pitchFamily="18" charset="-127"/>
-            </a:endParaRPr>
-          </a:p>
-          <a:p>
-            <a:pPr marL="857250" lvl="2" indent="-457200">
-              <a:buFont typeface="Wingdings" pitchFamily="2" charset="2"/>
-              <a:buChar char="l"/>
             </a:pPr>
             <a:r>
               <a:rPr lang="en-US" altLang="ko-KR" dirty="0">
@@ -7658,10 +9544,36 @@
           </a:p>
         </p:txBody>
       </p:sp>
+      <p:pic>
+        <p:nvPicPr>
+          <p:cNvPr id="1026" name="Picture 2" descr="N:\.공유받은 폴더\설계프로젝트\자료실, 소스코드\마우스캡쳐.png"/>
+          <p:cNvPicPr>
+            <a:picLocks noChangeAspect="1" noChangeArrowheads="1"/>
+          </p:cNvPicPr>
+          <p:nvPr/>
+        </p:nvPicPr>
+        <p:blipFill>
+          <a:blip r:embed="rId3" cstate="print"/>
+          <a:srcRect/>
+          <a:stretch>
+            <a:fillRect/>
+          </a:stretch>
+        </p:blipFill>
+        <p:spPr bwMode="auto">
+          <a:xfrm>
+            <a:off x="2123728" y="1916832"/>
+            <a:ext cx="3207133" cy="4248472"/>
+          </a:xfrm>
+          <a:prstGeom prst="rect">
+            <a:avLst/>
+          </a:prstGeom>
+          <a:noFill/>
+        </p:spPr>
+      </p:pic>
     </p:spTree>
     <p:extLst>
       <p:ext uri="{BB962C8B-B14F-4D97-AF65-F5344CB8AC3E}">
-        <p14:creationId xmlns="" xmlns:p14="http://schemas.microsoft.com/office/powerpoint/2010/main" val="2718990012"/>
+        <p14:creationId xmlns:p14="http://schemas.microsoft.com/office/powerpoint/2010/main" xmlns="" val="2718990012"/>
       </p:ext>
     </p:extLst>
   </p:cSld>
@@ -7764,6 +9676,62 @@
               </a:rPr>
               <a:t>프로젝트 배경</a:t>
             </a:r>
+            <a:endParaRPr lang="en-US" altLang="ko-KR" sz="2800" dirty="0" smtClean="0">
+              <a:solidFill>
+                <a:srgbClr val="000000"/>
+              </a:solidFill>
+              <a:latin typeface="HY동녘M" pitchFamily="18" charset="-127"/>
+              <a:ea typeface="HY동녘M" pitchFamily="18" charset="-127"/>
+            </a:endParaRPr>
+          </a:p>
+          <a:p>
+            <a:pPr lvl="0">
+              <a:buFont typeface="+mj-lt"/>
+              <a:buAutoNum type="arabicPeriod"/>
+            </a:pPr>
+            <a:r>
+              <a:rPr lang="ko-KR" altLang="en-US" sz="2800" dirty="0" smtClean="0">
+                <a:solidFill>
+                  <a:srgbClr val="000000"/>
+                </a:solidFill>
+                <a:latin typeface="HY동녘M" pitchFamily="18" charset="-127"/>
+                <a:ea typeface="HY동녘M" pitchFamily="18" charset="-127"/>
+              </a:rPr>
+              <a:t>관련기술 소개</a:t>
+            </a:r>
+            <a:endParaRPr lang="en-US" altLang="ko-KR" sz="2800" dirty="0" smtClean="0">
+              <a:solidFill>
+                <a:srgbClr val="000000"/>
+              </a:solidFill>
+              <a:latin typeface="HY동녘M" pitchFamily="18" charset="-127"/>
+              <a:ea typeface="HY동녘M" pitchFamily="18" charset="-127"/>
+            </a:endParaRPr>
+          </a:p>
+          <a:p>
+            <a:pPr marL="914400" lvl="1" indent="-457200">
+              <a:buFont typeface="+mj-lt"/>
+              <a:buAutoNum type="alphaUcPeriod"/>
+            </a:pPr>
+            <a:r>
+              <a:rPr lang="en-US" altLang="ko-KR" sz="2400" dirty="0">
+                <a:solidFill>
+                  <a:srgbClr val="000000"/>
+                </a:solidFill>
+                <a:latin typeface="HY동녘M" pitchFamily="18" charset="-127"/>
+                <a:ea typeface="HY동녘M" pitchFamily="18" charset="-127"/>
+              </a:rPr>
+              <a:t> </a:t>
+            </a:r>
+            <a:r>
+              <a:rPr lang="en-US" altLang="ko-KR" sz="2400" dirty="0" smtClean="0">
+                <a:solidFill>
+                  <a:srgbClr val="000000"/>
+                </a:solidFill>
+                <a:latin typeface="HY동녘M" pitchFamily="18" charset="-127"/>
+                <a:ea typeface="HY동녘M" pitchFamily="18" charset="-127"/>
+              </a:rPr>
+              <a:t>USB/IP</a:t>
+            </a:r>
             <a:endParaRPr lang="ko-KR" altLang="ko-KR" sz="2800" dirty="0" smtClean="0">
               <a:solidFill>
                 <a:srgbClr val="000000"/>
@@ -7808,22 +9776,6 @@
                 <a:latin typeface="HY동녘M" pitchFamily="18" charset="-127"/>
                 <a:ea typeface="HY동녘M" pitchFamily="18" charset="-127"/>
               </a:rPr>
-              <a:t> USB/IP</a:t>
-            </a:r>
-          </a:p>
-          <a:p>
-            <a:pPr marL="800100" lvl="1" indent="-342900">
-              <a:buFont typeface="+mj-lt"/>
-              <a:buAutoNum type="alphaUcPeriod"/>
-            </a:pPr>
-            <a:r>
-              <a:rPr lang="en-US" altLang="ko-KR" sz="2400" dirty="0" smtClean="0">
-                <a:solidFill>
-                  <a:srgbClr val="000000"/>
-                </a:solidFill>
-                <a:latin typeface="HY동녘M" pitchFamily="18" charset="-127"/>
-                <a:ea typeface="HY동녘M" pitchFamily="18" charset="-127"/>
-              </a:rPr>
               <a:t> Android-USB</a:t>
             </a:r>
           </a:p>
@@ -7926,7 +9878,17 @@
                 <a:latin typeface="HY동녘M" pitchFamily="18" charset="-127"/>
                 <a:ea typeface="HY동녘M" pitchFamily="18" charset="-127"/>
               </a:rPr>
-              <a:t>활용 서비스</a:t>
+              <a:t>활용 </a:t>
+            </a:r>
+            <a:r>
+              <a:rPr lang="ko-KR" altLang="en-US" sz="2800" dirty="0" smtClean="0">
+                <a:solidFill>
+                  <a:srgbClr val="000000"/>
+                </a:solidFill>
+                <a:latin typeface="HY동녘M" pitchFamily="18" charset="-127"/>
+                <a:ea typeface="HY동녘M" pitchFamily="18" charset="-127"/>
+              </a:rPr>
+              <a:t>서비스</a:t>
             </a:r>
             <a:endParaRPr lang="en-US" altLang="ko-KR" sz="2800" dirty="0" smtClean="0">
               <a:solidFill>
@@ -8777,7 +10739,7 @@
                 <a:latin typeface="HY동녘M" pitchFamily="18" charset="-127"/>
                 <a:ea typeface="HY동녘M" pitchFamily="18" charset="-127"/>
               </a:rPr>
-              <a:t>프로젝트 소개</a:t>
+              <a:t>관련기술 소개</a:t>
             </a:r>
             <a:endParaRPr lang="ko-KR" altLang="en-US" sz="5400" dirty="0">
               <a:solidFill>
@@ -9296,49 +11258,47 @@
           <a:chExt cx="0" cy="0"/>
         </a:xfrm>
       </p:grpSpPr>
-      <p:sp>
-        <p:nvSpPr>
-          <p:cNvPr id="5" name="모서리가 둥근 직사각형 4"/>
-          <p:cNvSpPr/>
+      <p:pic>
+        <p:nvPicPr>
+          <p:cNvPr id="24" name="Picture 2" descr="N:\설계프로젝트\임시저장\ㅊㅊ.png"/>
+          <p:cNvPicPr>
+            <a:picLocks noChangeAspect="1" noChangeArrowheads="1"/>
+          </p:cNvPicPr>
           <p:nvPr/>
-        </p:nvSpPr>
-        <p:spPr>
+        </p:nvPicPr>
+        <p:blipFill>
+          <a:blip r:embed="rId3" cstate="print">
+            <a:extLst>
+              <a:ext uri="{28A0092B-C50C-407E-A947-70E740481C1C}">
+                <a14:useLocalDpi xmlns:a14="http://schemas.microsoft.com/office/drawing/2010/main" xmlns="" val="0"/>
+              </a:ext>
+            </a:extLst>
+          </a:blip>
+          <a:srcRect/>
+          <a:stretch>
+            <a:fillRect/>
+          </a:stretch>
+        </p:blipFill>
+        <p:spPr bwMode="auto">
           <a:xfrm>
-            <a:off x="6228184" y="4773641"/>
-            <a:ext cx="2664296" cy="2039735"/>
+            <a:off x="7441697" y="4493822"/>
+            <a:ext cx="1018156" cy="1570626"/>
           </a:xfrm>
-          <a:prstGeom prst="roundRect">
+          <a:prstGeom prst="rect">
             <a:avLst/>
           </a:prstGeom>
-          <a:ln/>
+          <a:noFill/>
+          <a:extLst>
+            <a:ext uri="{909E8E84-426E-40DD-AFC4-6F175D3DCCD1}">
+              <a14:hiddenFill xmlns:a14="http://schemas.microsoft.com/office/drawing/2010/main" xmlns="">
+                <a:solidFill>
+                  <a:srgbClr val="FFFFFF"/>
+                </a:solidFill>
+              </a14:hiddenFill>
+            </a:ext>
+          </a:extLst>
         </p:spPr>
-        <p:style>
-          <a:lnRef idx="0">
-            <a:schemeClr val="accent1"/>
-          </a:lnRef>
-          <a:fillRef idx="3">
-            <a:schemeClr val="accent1"/>
-          </a:fillRef>
-          <a:effectRef idx="3">
-            <a:schemeClr val="accent1"/>
-          </a:effectRef>
-          <a:fontRef idx="minor">
-            <a:schemeClr val="lt1"/>
-          </a:fontRef>
-        </p:style>
-        <p:txBody>
-          <a:bodyPr rtlCol="0" anchor="ctr"/>
-          <a:lstStyle/>
-          <a:p>
-            <a:pPr algn="ctr"/>
-            <a:endParaRPr lang="ko-KR" altLang="en-US" dirty="0">
-              <a:solidFill>
-                <a:schemeClr val="tx1"/>
-              </a:solidFill>
-            </a:endParaRPr>
-          </a:p>
-        </p:txBody>
-      </p:sp>
+      </p:pic>
       <p:sp>
         <p:nvSpPr>
           <p:cNvPr id="2" name="제목 1"/>
@@ -9356,7 +11316,7 @@
           <a:p>
             <a:pPr marL="914400" indent="-914400">
               <a:buFont typeface="+mj-lt"/>
-              <a:buAutoNum type="arabicPeriod" startAt="2"/>
+              <a:buAutoNum type="arabicPeriod" startAt="3"/>
             </a:pPr>
             <a:r>
               <a:rPr lang="ko-KR" altLang="en-US" sz="5400" spc="600" dirty="0" smtClean="0">
@@ -9423,7 +11383,7 @@
           <p:nvPr/>
         </p:nvPicPr>
         <p:blipFill>
-          <a:blip r:embed="rId3" cstate="print">
+          <a:blip r:embed="rId4" cstate="print">
             <a:extLst>
               <a:ext uri="{28A0092B-C50C-407E-A947-70E740481C1C}">
                 <a14:useLocalDpi xmlns:a14="http://schemas.microsoft.com/office/drawing/2010/main" xmlns="" val="0"/>
@@ -9464,7 +11424,7 @@
           <p:nvPr/>
         </p:nvPicPr>
         <p:blipFill>
-          <a:blip r:embed="rId4" cstate="print">
+          <a:blip r:embed="rId5" cstate="print">
             <a:extLst>
               <a:ext uri="{28A0092B-C50C-407E-A947-70E740481C1C}">
                 <a14:useLocalDpi xmlns:a14="http://schemas.microsoft.com/office/drawing/2010/main" xmlns="" val="0"/>
@@ -9477,8 +11437,8 @@
         </p:blipFill>
         <p:spPr>
           <a:xfrm>
-            <a:off x="6660232" y="1484784"/>
-            <a:ext cx="1700153" cy="3219986"/>
+            <a:off x="6300192" y="1327531"/>
+            <a:ext cx="1976786" cy="3228565"/>
           </a:xfrm>
           <a:prstGeom prst="rect">
             <a:avLst/>
@@ -9626,7 +11586,7 @@
         </p:nvSpPr>
         <p:spPr>
           <a:xfrm>
-            <a:off x="6937875" y="2706053"/>
+            <a:off x="6732240" y="2720237"/>
             <a:ext cx="1144865" cy="461665"/>
           </a:xfrm>
           <a:prstGeom prst="rect">
@@ -9656,47 +11616,105 @@
           </a:p>
         </p:txBody>
       </p:sp>
-      <p:pic>
-        <p:nvPicPr>
-          <p:cNvPr id="22" name="Picture 3" descr="C:\Documents and Settings\XP\바탕 화면\무제-1.png"/>
-          <p:cNvPicPr>
-            <a:picLocks noChangeAspect="1" noChangeArrowheads="1"/>
-          </p:cNvPicPr>
+      <p:grpSp>
+        <p:nvGrpSpPr>
+          <p:cNvPr id="7" name="그룹 6"/>
+          <p:cNvGrpSpPr/>
           <p:nvPr/>
-        </p:nvPicPr>
-        <p:blipFill>
-          <a:blip r:embed="rId5" cstate="print">
+        </p:nvGrpSpPr>
+        <p:grpSpPr>
+          <a:xfrm>
+            <a:off x="5724128" y="5076740"/>
+            <a:ext cx="1120073" cy="1089508"/>
+            <a:chOff x="7556383" y="5191610"/>
+            <a:chExt cx="1120073" cy="1026696"/>
+          </a:xfrm>
+        </p:grpSpPr>
+        <p:sp>
+          <p:nvSpPr>
+            <p:cNvPr id="5" name="모서리가 둥근 직사각형 4"/>
+            <p:cNvSpPr/>
+            <p:nvPr/>
+          </p:nvSpPr>
+          <p:spPr>
+            <a:xfrm>
+              <a:off x="7556383" y="5191610"/>
+              <a:ext cx="1120073" cy="1026696"/>
+            </a:xfrm>
+            <a:prstGeom prst="roundRect">
+              <a:avLst/>
+            </a:prstGeom>
+            <a:ln/>
+          </p:spPr>
+          <p:style>
+            <a:lnRef idx="0">
+              <a:schemeClr val="accent1"/>
+            </a:lnRef>
+            <a:fillRef idx="3">
+              <a:schemeClr val="accent1"/>
+            </a:fillRef>
+            <a:effectRef idx="3">
+              <a:schemeClr val="accent1"/>
+            </a:effectRef>
+            <a:fontRef idx="minor">
+              <a:schemeClr val="lt1"/>
+            </a:fontRef>
+          </p:style>
+          <p:txBody>
+            <a:bodyPr rtlCol="0" anchor="ctr"/>
+            <a:lstStyle/>
+            <a:p>
+              <a:pPr algn="ctr"/>
+              <a:endParaRPr lang="ko-KR" altLang="en-US" dirty="0">
+                <a:solidFill>
+                  <a:schemeClr val="tx1"/>
+                </a:solidFill>
+              </a:endParaRPr>
+            </a:p>
+          </p:txBody>
+        </p:sp>
+        <p:pic>
+          <p:nvPicPr>
+            <p:cNvPr id="22" name="Picture 3" descr="C:\Documents and Settings\XP\바탕 화면\무제-1.png"/>
+            <p:cNvPicPr>
+              <a:picLocks noChangeAspect="1" noChangeArrowheads="1"/>
+            </p:cNvPicPr>
+            <p:nvPr/>
+          </p:nvPicPr>
+          <p:blipFill>
+            <a:blip r:embed="rId6" cstate="print">
+              <a:extLst>
+                <a:ext uri="{28A0092B-C50C-407E-A947-70E740481C1C}">
+                  <a14:useLocalDpi xmlns:a14="http://schemas.microsoft.com/office/drawing/2010/main" xmlns="" val="0"/>
+                </a:ext>
+              </a:extLst>
+            </a:blip>
+            <a:srcRect/>
+            <a:stretch>
+              <a:fillRect/>
+            </a:stretch>
+          </p:blipFill>
+          <p:spPr bwMode="auto">
+            <a:xfrm>
+              <a:off x="7596336" y="5300212"/>
+              <a:ext cx="1025968" cy="821232"/>
+            </a:xfrm>
+            <a:prstGeom prst="rect">
+              <a:avLst/>
+            </a:prstGeom>
+            <a:noFill/>
             <a:extLst>
-              <a:ext uri="{28A0092B-C50C-407E-A947-70E740481C1C}">
-                <a14:useLocalDpi xmlns:a14="http://schemas.microsoft.com/office/drawing/2010/main" xmlns="" val="0"/>
+              <a:ext uri="{909E8E84-426E-40DD-AFC4-6F175D3DCCD1}">
+                <a14:hiddenFill xmlns:a14="http://schemas.microsoft.com/office/drawing/2010/main" xmlns="">
+                  <a:solidFill>
+                    <a:srgbClr val="FFFFFF"/>
+                  </a:solidFill>
+                </a14:hiddenFill>
               </a:ext>
             </a:extLst>
-          </a:blip>
-          <a:srcRect/>
-          <a:stretch>
-            <a:fillRect/>
-          </a:stretch>
-        </p:blipFill>
-        <p:spPr bwMode="auto">
-          <a:xfrm>
-            <a:off x="7932988" y="5382518"/>
-            <a:ext cx="854794" cy="854794"/>
-          </a:xfrm>
-          <a:prstGeom prst="rect">
-            <a:avLst/>
-          </a:prstGeom>
-          <a:noFill/>
-          <a:extLst>
-            <a:ext uri="{909E8E84-426E-40DD-AFC4-6F175D3DCCD1}">
-              <a14:hiddenFill xmlns:a14="http://schemas.microsoft.com/office/drawing/2010/main" xmlns="">
-                <a:solidFill>
-                  <a:srgbClr val="FFFFFF"/>
-                </a:solidFill>
-              </a14:hiddenFill>
-            </a:ext>
-          </a:extLst>
-        </p:spPr>
-      </p:pic>
+          </p:spPr>
+        </p:pic>
+      </p:grpSp>
       <p:sp>
         <p:nvSpPr>
           <p:cNvPr id="23" name="덧셈 기호 22"/>
@@ -9705,8 +11723,8 @@
         </p:nvSpPr>
         <p:spPr>
           <a:xfrm>
-            <a:off x="7020272" y="5410496"/>
-            <a:ext cx="903307" cy="920457"/>
+            <a:off x="6876256" y="5284512"/>
+            <a:ext cx="705855" cy="736776"/>
           </a:xfrm>
           <a:prstGeom prst="mathPlus">
             <a:avLst/>
@@ -9751,47 +11769,6 @@
           </a:p>
         </p:txBody>
       </p:sp>
-      <p:pic>
-        <p:nvPicPr>
-          <p:cNvPr id="24" name="Picture 2" descr="N:\설계프로젝트\임시저장\ㅊㅊ.png"/>
-          <p:cNvPicPr>
-            <a:picLocks noChangeAspect="1" noChangeArrowheads="1"/>
-          </p:cNvPicPr>
-          <p:nvPr/>
-        </p:nvPicPr>
-        <p:blipFill>
-          <a:blip r:embed="rId6" cstate="print">
-            <a:extLst>
-              <a:ext uri="{28A0092B-C50C-407E-A947-70E740481C1C}">
-                <a14:useLocalDpi xmlns:a14="http://schemas.microsoft.com/office/drawing/2010/main" xmlns="" val="0"/>
-              </a:ext>
-            </a:extLst>
-          </a:blip>
-          <a:srcRect/>
-          <a:stretch>
-            <a:fillRect/>
-          </a:stretch>
-        </p:blipFill>
-        <p:spPr bwMode="auto">
-          <a:xfrm>
-            <a:off x="6259016" y="5025800"/>
-            <a:ext cx="1018156" cy="1689850"/>
-          </a:xfrm>
-          <a:prstGeom prst="rect">
-            <a:avLst/>
-          </a:prstGeom>
-          <a:noFill/>
-          <a:extLst>
-            <a:ext uri="{909E8E84-426E-40DD-AFC4-6F175D3DCCD1}">
-              <a14:hiddenFill xmlns:a14="http://schemas.microsoft.com/office/drawing/2010/main" xmlns="">
-                <a:solidFill>
-                  <a:srgbClr val="FFFFFF"/>
-                </a:solidFill>
-              </a14:hiddenFill>
-            </a:ext>
-          </a:extLst>
-        </p:spPr>
-      </p:pic>
       <p:cxnSp>
         <p:nvCxnSpPr>
           <p:cNvPr id="25" name="직선 화살표 연결선 24"/>
@@ -9800,8 +11777,8 @@
         </p:nvCxnSpPr>
         <p:spPr>
           <a:xfrm flipH="1" flipV="1">
-            <a:off x="3563888" y="3861048"/>
-            <a:ext cx="2540602" cy="1397482"/>
+            <a:off x="3563888" y="3861050"/>
+            <a:ext cx="1960340" cy="1512166"/>
           </a:xfrm>
           <a:prstGeom prst="straightConnector1">
             <a:avLst/>
@@ -9897,7 +11874,7 @@
               <a:buClrTx/>
               <a:buSzTx/>
               <a:buFont typeface="+mj-lt"/>
-              <a:buAutoNum type="alphaUcPeriod" startAt="2"/>
+              <a:buAutoNum type="alphaUcPeriod"/>
               <a:tabLst/>
               <a:defRPr/>
             </a:pPr>
@@ -9950,6 +11927,60 @@
               <a:latin typeface="HY동녘M" pitchFamily="18" charset="-127"/>
               <a:ea typeface="HY동녘M" pitchFamily="18" charset="-127"/>
               <a:cs typeface="+mn-cs"/>
+            </a:endParaRPr>
+          </a:p>
+        </p:txBody>
+      </p:sp>
+      <p:sp>
+        <p:nvSpPr>
+          <p:cNvPr id="29" name="모서리가 둥근 직사각형 28"/>
+          <p:cNvSpPr/>
+          <p:nvPr/>
+        </p:nvSpPr>
+        <p:spPr>
+          <a:xfrm>
+            <a:off x="7596336" y="5076740"/>
+            <a:ext cx="1224136" cy="1044704"/>
+          </a:xfrm>
+          <a:prstGeom prst="roundRect">
+            <a:avLst/>
+          </a:prstGeom>
+          <a:solidFill>
+            <a:srgbClr val="78ADCD"/>
+          </a:solidFill>
+          <a:ln/>
+        </p:spPr>
+        <p:style>
+          <a:lnRef idx="0">
+            <a:schemeClr val="accent1"/>
+          </a:lnRef>
+          <a:fillRef idx="3">
+            <a:schemeClr val="accent1"/>
+          </a:fillRef>
+          <a:effectRef idx="3">
+            <a:schemeClr val="accent1"/>
+          </a:effectRef>
+          <a:fontRef idx="minor">
+            <a:schemeClr val="lt1"/>
+          </a:fontRef>
+        </p:style>
+        <p:txBody>
+          <a:bodyPr rtlCol="0" anchor="ctr"/>
+          <a:lstStyle/>
+          <a:p>
+            <a:pPr algn="ctr"/>
+            <a:r>
+              <a:rPr lang="en-US" altLang="ko-KR" dirty="0" smtClean="0">
+                <a:solidFill>
+                  <a:sysClr val="windowText" lastClr="000000"/>
+                </a:solidFill>
+              </a:rPr>
+              <a:t>VHCI Driver</a:t>
+            </a:r>
+            <a:endParaRPr lang="ko-KR" altLang="en-US" dirty="0">
+              <a:solidFill>
+                <a:sysClr val="windowText" lastClr="000000"/>
+              </a:solidFill>
             </a:endParaRPr>
           </a:p>
         </p:txBody>
@@ -10008,7 +12039,7 @@
           <a:p>
             <a:pPr marL="914400" indent="-914400">
               <a:buFont typeface="+mj-lt"/>
-              <a:buAutoNum type="arabicPeriod" startAt="2"/>
+              <a:buAutoNum type="arabicPeriod" startAt="3"/>
             </a:pPr>
             <a:r>
               <a:rPr lang="ko-KR" altLang="en-US" sz="5400" spc="600" dirty="0">
@@ -10062,7 +12093,7 @@
           <a:p>
             <a:pPr marL="571500" indent="-514350">
               <a:buFont typeface="+mj-lt"/>
-              <a:buAutoNum type="alphaUcPeriod" startAt="3"/>
+              <a:buAutoNum type="alphaUcPeriod" startAt="2"/>
             </a:pPr>
             <a:r>
               <a:rPr lang="en-US" altLang="ko-KR" dirty="0" smtClean="0">
@@ -10114,7 +12145,7 @@
         </p:nvCxnSpPr>
         <p:spPr>
           <a:xfrm>
-            <a:off x="6228184" y="2132856"/>
+            <a:off x="6372200" y="1988840"/>
             <a:ext cx="0" cy="4536504"/>
           </a:xfrm>
           <a:prstGeom prst="line">
@@ -10150,7 +12181,7 @@
         </p:nvSpPr>
         <p:spPr>
           <a:xfrm>
-            <a:off x="3923928" y="2494057"/>
+            <a:off x="4067944" y="2350041"/>
             <a:ext cx="1773241" cy="430887"/>
           </a:xfrm>
           <a:prstGeom prst="rect">
@@ -10185,7 +12216,7 @@
         </p:nvSpPr>
         <p:spPr>
           <a:xfrm>
-            <a:off x="6516216" y="2494057"/>
+            <a:off x="6516216" y="2350041"/>
             <a:ext cx="2304256" cy="430887"/>
           </a:xfrm>
           <a:prstGeom prst="rect">
@@ -10220,7 +12251,7 @@
         </p:nvSpPr>
         <p:spPr>
           <a:xfrm>
-            <a:off x="6444208" y="4077072"/>
+            <a:off x="6588224" y="3933056"/>
             <a:ext cx="2150641" cy="1079999"/>
           </a:xfrm>
           <a:prstGeom prst="rect">
@@ -10273,7 +12304,7 @@
         </p:nvSpPr>
         <p:spPr>
           <a:xfrm>
-            <a:off x="3851920" y="5157192"/>
+            <a:off x="3995936" y="5013176"/>
             <a:ext cx="4740352" cy="1080150"/>
           </a:xfrm>
           <a:prstGeom prst="rect">
@@ -10340,7 +12371,7 @@
         </p:nvSpPr>
         <p:spPr>
           <a:xfrm>
-            <a:off x="3861519" y="2997073"/>
+            <a:off x="4005535" y="2853057"/>
             <a:ext cx="2150641" cy="2160119"/>
           </a:xfrm>
           <a:prstGeom prst="rect">
@@ -10395,13 +12426,6 @@
               </a:rPr>
               <a:t>(Using USB Camera)</a:t>
             </a:r>
-            <a:endParaRPr lang="en-US" altLang="ko-KR" sz="1800" b="1" dirty="0" smtClean="0">
-              <a:solidFill>
-                <a:srgbClr val="000000"/>
-              </a:solidFill>
-              <a:latin typeface="HY강M" pitchFamily="18" charset="-127"/>
-              <a:ea typeface="HY강M" pitchFamily="18" charset="-127"/>
-            </a:endParaRPr>
           </a:p>
         </p:txBody>
       </p:sp>
@@ -10413,7 +12437,7 @@
         </p:nvSpPr>
         <p:spPr>
           <a:xfrm>
-            <a:off x="6444208" y="2997073"/>
+            <a:off x="6588224" y="2852936"/>
             <a:ext cx="2150641" cy="1079999"/>
           </a:xfrm>
           <a:prstGeom prst="rect">
@@ -10472,7 +12496,7 @@
         </p:blipFill>
         <p:spPr bwMode="auto">
           <a:xfrm>
-            <a:off x="6516216" y="3087086"/>
+            <a:off x="6660232" y="2943070"/>
             <a:ext cx="1944216" cy="897590"/>
           </a:xfrm>
           <a:prstGeom prst="rect">
@@ -10495,7 +12519,7 @@
         </p:nvSpPr>
         <p:spPr>
           <a:xfrm>
-            <a:off x="683568" y="2493936"/>
+            <a:off x="539552" y="2349920"/>
             <a:ext cx="1773241" cy="430887"/>
           </a:xfrm>
           <a:prstGeom prst="rect">
@@ -10530,7 +12554,7 @@
         </p:nvSpPr>
         <p:spPr>
           <a:xfrm>
-            <a:off x="467544" y="2996952"/>
+            <a:off x="323528" y="2852936"/>
             <a:ext cx="2150641" cy="2160119"/>
           </a:xfrm>
           <a:prstGeom prst="rect">
@@ -10585,13 +12609,6 @@
               </a:rPr>
               <a:t>(Using USB Camera)</a:t>
             </a:r>
-            <a:endParaRPr lang="en-US" altLang="ko-KR" sz="1800" b="1" dirty="0" smtClean="0">
-              <a:solidFill>
-                <a:srgbClr val="000000"/>
-              </a:solidFill>
-              <a:latin typeface="HY강M" pitchFamily="18" charset="-127"/>
-              <a:ea typeface="HY강M" pitchFamily="18" charset="-127"/>
-            </a:endParaRPr>
           </a:p>
         </p:txBody>
       </p:sp>
@@ -10603,7 +12620,7 @@
         </p:nvSpPr>
         <p:spPr>
           <a:xfrm rot="16200000">
-            <a:off x="2880616" y="5264400"/>
+            <a:off x="2880616" y="3968256"/>
             <a:ext cx="718472" cy="1080120"/>
           </a:xfrm>
           <a:prstGeom prst="downArrow">
@@ -10656,7 +12673,7 @@
         </p:nvGrpSpPr>
         <p:grpSpPr>
           <a:xfrm>
-            <a:off x="3851920" y="2996952"/>
+            <a:off x="3995936" y="2852936"/>
             <a:ext cx="4752528" cy="3240360"/>
             <a:chOff x="3851920" y="2996952"/>
             <a:chExt cx="4752528" cy="3240360"/>
@@ -10700,17 +12717,6 @@
             </a:ln>
             <a:effectLst/>
             <a:extLst>
-              <a:ext uri="{91240B29-F687-4F45-9708-019B960494DF}">
-                <a14:hiddenLine xmlns:a14="http://schemas.microsoft.com/office/drawing/2010/main" xmlns="" w="9525" cap="flat" cmpd="sng" algn="ctr">
-                  <a:solidFill>
-                    <a:schemeClr val="tx1"/>
-                  </a:solidFill>
-                  <a:prstDash val="solid"/>
-                  <a:round/>
-                  <a:headEnd type="none" w="med" len="med"/>
-                  <a:tailEnd type="none" w="med" len="med"/>
-                </a14:hiddenLine>
-              </a:ext>
               <a:ext uri="{AF507438-7753-43E0-B8FC-AC1667EBCBE1}">
                 <a14:hiddenEffects xmlns:a14="http://schemas.microsoft.com/office/drawing/2010/main" xmlns="">
                   <a:effectLst>
@@ -10761,17 +12767,6 @@
             </a:ln>
             <a:effectLst/>
             <a:extLst>
-              <a:ext uri="{91240B29-F687-4F45-9708-019B960494DF}">
-                <a14:hiddenLine xmlns:a14="http://schemas.microsoft.com/office/drawing/2010/main" xmlns="" w="9525" cap="flat" cmpd="sng" algn="ctr">
-                  <a:solidFill>
-                    <a:schemeClr val="tx1"/>
-                  </a:solidFill>
-                  <a:prstDash val="solid"/>
-                  <a:round/>
-                  <a:headEnd type="none" w="med" len="med"/>
-                  <a:tailEnd type="none" w="med" len="med"/>
-                </a14:hiddenLine>
-              </a:ext>
               <a:ext uri="{AF507438-7753-43E0-B8FC-AC1667EBCBE1}">
                 <a14:hiddenEffects xmlns:a14="http://schemas.microsoft.com/office/drawing/2010/main" xmlns="">
                   <a:effectLst>
@@ -10822,17 +12817,6 @@
             </a:ln>
             <a:effectLst/>
             <a:extLst>
-              <a:ext uri="{91240B29-F687-4F45-9708-019B960494DF}">
-                <a14:hiddenLine xmlns:a14="http://schemas.microsoft.com/office/drawing/2010/main" xmlns="" w="9525" cap="flat" cmpd="sng" algn="ctr">
-                  <a:solidFill>
-                    <a:schemeClr val="tx1"/>
-                  </a:solidFill>
-                  <a:prstDash val="solid"/>
-                  <a:round/>
-                  <a:headEnd type="none" w="med" len="med"/>
-                  <a:tailEnd type="none" w="med" len="med"/>
-                </a14:hiddenLine>
-              </a:ext>
               <a:ext uri="{AF507438-7753-43E0-B8FC-AC1667EBCBE1}">
                 <a14:hiddenEffects xmlns:a14="http://schemas.microsoft.com/office/drawing/2010/main" xmlns="">
                   <a:effectLst>
@@ -10883,17 +12867,6 @@
             </a:ln>
             <a:effectLst/>
             <a:extLst>
-              <a:ext uri="{91240B29-F687-4F45-9708-019B960494DF}">
-                <a14:hiddenLine xmlns:a14="http://schemas.microsoft.com/office/drawing/2010/main" xmlns="" w="9525" cap="flat" cmpd="sng" algn="ctr">
-                  <a:solidFill>
-                    <a:schemeClr val="tx1"/>
-                  </a:solidFill>
-                  <a:prstDash val="solid"/>
-                  <a:round/>
-                  <a:headEnd type="none" w="med" len="med"/>
-                  <a:tailEnd type="none" w="med" len="med"/>
-                </a14:hiddenLine>
-              </a:ext>
               <a:ext uri="{AF507438-7753-43E0-B8FC-AC1667EBCBE1}">
                 <a14:hiddenEffects xmlns:a14="http://schemas.microsoft.com/office/drawing/2010/main" xmlns="">
                   <a:effectLst>
@@ -10944,17 +12917,6 @@
             </a:ln>
             <a:effectLst/>
             <a:extLst>
-              <a:ext uri="{91240B29-F687-4F45-9708-019B960494DF}">
-                <a14:hiddenLine xmlns:a14="http://schemas.microsoft.com/office/drawing/2010/main" xmlns="" w="9525" cap="flat" cmpd="sng" algn="ctr">
-                  <a:solidFill>
-                    <a:schemeClr val="tx1"/>
-                  </a:solidFill>
-                  <a:prstDash val="solid"/>
-                  <a:round/>
-                  <a:headEnd type="none" w="med" len="med"/>
-                  <a:tailEnd type="none" w="med" len="med"/>
-                </a14:hiddenLine>
-              </a:ext>
               <a:ext uri="{AF507438-7753-43E0-B8FC-AC1667EBCBE1}">
                 <a14:hiddenEffects xmlns:a14="http://schemas.microsoft.com/office/drawing/2010/main" xmlns="">
                   <a:effectLst>
@@ -11005,17 +12967,6 @@
             </a:ln>
             <a:effectLst/>
             <a:extLst>
-              <a:ext uri="{91240B29-F687-4F45-9708-019B960494DF}">
-                <a14:hiddenLine xmlns:a14="http://schemas.microsoft.com/office/drawing/2010/main" xmlns="" w="9525" cap="flat" cmpd="sng" algn="ctr">
-                  <a:solidFill>
-                    <a:schemeClr val="tx1"/>
-                  </a:solidFill>
-                  <a:prstDash val="solid"/>
-                  <a:round/>
-                  <a:headEnd type="none" w="med" len="med"/>
-                  <a:tailEnd type="none" w="med" len="med"/>
-                </a14:hiddenLine>
-              </a:ext>
               <a:ext uri="{AF507438-7753-43E0-B8FC-AC1667EBCBE1}">
                 <a14:hiddenEffects xmlns:a14="http://schemas.microsoft.com/office/drawing/2010/main" xmlns="">
                   <a:effectLst>
@@ -11037,7 +12988,7 @@
         </p:nvSpPr>
         <p:spPr>
           <a:xfrm>
-            <a:off x="477143" y="5157192"/>
+            <a:off x="333127" y="5013176"/>
             <a:ext cx="2150641" cy="1079999"/>
           </a:xfrm>
           <a:prstGeom prst="rect">
@@ -11145,7 +13096,7 @@
           <a:p>
             <a:pPr marL="914400" indent="-914400">
               <a:buFont typeface="+mj-lt"/>
-              <a:buAutoNum type="arabicPeriod" startAt="2"/>
+              <a:buAutoNum type="arabicPeriod" startAt="3"/>
             </a:pPr>
             <a:r>
               <a:rPr lang="ko-KR" altLang="en-US" sz="5400" spc="600" dirty="0" smtClean="0">
@@ -11169,535 +13120,28 @@
       </p:sp>
       <p:grpSp>
         <p:nvGrpSpPr>
-          <p:cNvPr id="33" name="그룹 32"/>
+          <p:cNvPr id="3" name="그룹 2"/>
           <p:cNvGrpSpPr/>
           <p:nvPr/>
         </p:nvGrpSpPr>
         <p:grpSpPr>
           <a:xfrm>
             <a:off x="767239" y="3886898"/>
-            <a:ext cx="2150641" cy="1808366"/>
+            <a:ext cx="2150641" cy="1125268"/>
             <a:chOff x="1331640" y="2015700"/>
-            <a:chExt cx="2150641" cy="1808366"/>
+            <a:chExt cx="2150641" cy="1125268"/>
           </a:xfrm>
         </p:grpSpPr>
-        <p:grpSp>
-          <p:nvGrpSpPr>
-            <p:cNvPr id="3" name="그룹 2"/>
-            <p:cNvGrpSpPr/>
-            <p:nvPr/>
-          </p:nvGrpSpPr>
-          <p:grpSpPr>
-            <a:xfrm>
-              <a:off x="1331640" y="2015700"/>
-              <a:ext cx="2150641" cy="1125268"/>
-              <a:chOff x="1331640" y="2015700"/>
-              <a:chExt cx="2150641" cy="1125268"/>
-            </a:xfrm>
-          </p:grpSpPr>
-          <p:sp>
-            <p:nvSpPr>
-              <p:cNvPr id="6" name="직사각형 5"/>
-              <p:cNvSpPr/>
-              <p:nvPr/>
-            </p:nvSpPr>
-            <p:spPr>
-              <a:xfrm>
-                <a:off x="1331640" y="2015700"/>
-                <a:ext cx="2150641" cy="1053259"/>
-              </a:xfrm>
-              <a:prstGeom prst="rect">
-                <a:avLst/>
-              </a:prstGeom>
-              <a:solidFill>
-                <a:schemeClr val="bg1">
-                  <a:lumMod val="50000"/>
-                  <a:alpha val="65000"/>
-                </a:schemeClr>
-              </a:solidFill>
-              <a:ln/>
-            </p:spPr>
-            <p:style>
-              <a:lnRef idx="0">
-                <a:schemeClr val="accent2"/>
-              </a:lnRef>
-              <a:fillRef idx="3">
-                <a:schemeClr val="accent2"/>
-              </a:fillRef>
-              <a:effectRef idx="3">
-                <a:schemeClr val="accent2"/>
-              </a:effectRef>
-              <a:fontRef idx="minor">
-                <a:schemeClr val="lt1"/>
-              </a:fontRef>
-            </p:style>
-            <p:txBody>
-              <a:bodyPr rtlCol="0" anchor="ctr"/>
-              <a:lstStyle/>
-              <a:p>
-                <a:pPr algn="ctr"/>
-                <a:r>
-                  <a:rPr lang="en-US" altLang="ko-KR" sz="1800" b="1" dirty="0">
-                    <a:solidFill>
-                      <a:srgbClr val="000000"/>
-                    </a:solidFill>
-                    <a:latin typeface="HY동녘M" pitchFamily="18" charset="-127"/>
-                    <a:ea typeface="HY동녘M" pitchFamily="18" charset="-127"/>
-                  </a:rPr>
-                  <a:t>P</a:t>
-                </a:r>
-                <a:r>
-                  <a:rPr lang="en-US" altLang="ko-KR" sz="1800" b="1" dirty="0" smtClean="0">
-                    <a:solidFill>
-                      <a:srgbClr val="000000"/>
-                    </a:solidFill>
-                    <a:latin typeface="HY동녘M" pitchFamily="18" charset="-127"/>
-                    <a:ea typeface="HY동녘M" pitchFamily="18" charset="-127"/>
-                  </a:rPr>
-                  <a:t>C App</a:t>
-                </a:r>
-                <a:endParaRPr lang="ko-KR" altLang="en-US" sz="1800" b="1" dirty="0">
-                  <a:solidFill>
-                    <a:srgbClr val="000000"/>
-                  </a:solidFill>
-                  <a:latin typeface="HY동녘M" pitchFamily="18" charset="-127"/>
-                  <a:ea typeface="HY동녘M" pitchFamily="18" charset="-127"/>
-                </a:endParaRPr>
-              </a:p>
-            </p:txBody>
-          </p:sp>
-          <p:sp>
-            <p:nvSpPr>
-              <p:cNvPr id="7" name="모서리가 둥근 직사각형 6"/>
-              <p:cNvSpPr/>
-              <p:nvPr/>
-            </p:nvSpPr>
-            <p:spPr>
-              <a:xfrm>
-                <a:off x="1691680" y="2805932"/>
-                <a:ext cx="576064" cy="335036"/>
-              </a:xfrm>
-              <a:prstGeom prst="roundRect">
-                <a:avLst/>
-              </a:prstGeom>
-              <a:ln/>
-            </p:spPr>
-            <p:style>
-              <a:lnRef idx="2">
-                <a:schemeClr val="accent3"/>
-              </a:lnRef>
-              <a:fillRef idx="1">
-                <a:schemeClr val="lt1"/>
-              </a:fillRef>
-              <a:effectRef idx="0">
-                <a:schemeClr val="accent3"/>
-              </a:effectRef>
-              <a:fontRef idx="minor">
-                <a:schemeClr val="dk1"/>
-              </a:fontRef>
-            </p:style>
-            <p:txBody>
-              <a:bodyPr rtlCol="0" anchor="ctr"/>
-              <a:lstStyle/>
-              <a:p>
-                <a:pPr algn="ctr"/>
-                <a:endParaRPr lang="ko-KR" altLang="en-US" dirty="0">
-                  <a:solidFill>
-                    <a:schemeClr val="tx1"/>
-                  </a:solidFill>
-                  <a:latin typeface="HY동녘M" pitchFamily="18" charset="-127"/>
-                  <a:ea typeface="HY동녘M" pitchFamily="18" charset="-127"/>
-                </a:endParaRPr>
-              </a:p>
-            </p:txBody>
-          </p:sp>
-        </p:grpSp>
-        <p:grpSp>
-          <p:nvGrpSpPr>
-            <p:cNvPr id="9" name="그룹 8"/>
-            <p:cNvGrpSpPr/>
-            <p:nvPr/>
-          </p:nvGrpSpPr>
-          <p:grpSpPr>
-            <a:xfrm>
-              <a:off x="1331640" y="2924944"/>
-              <a:ext cx="1368152" cy="899122"/>
-              <a:chOff x="1331640" y="3140968"/>
-              <a:chExt cx="1368152" cy="899122"/>
-            </a:xfrm>
-          </p:grpSpPr>
-          <p:sp>
-            <p:nvSpPr>
-              <p:cNvPr id="2" name="모서리가 둥근 직사각형 1"/>
-              <p:cNvSpPr/>
-              <p:nvPr/>
-            </p:nvSpPr>
-            <p:spPr>
-              <a:xfrm>
-                <a:off x="1691680" y="3140968"/>
-                <a:ext cx="576064" cy="504057"/>
-              </a:xfrm>
-              <a:prstGeom prst="roundRect">
-                <a:avLst/>
-              </a:prstGeom>
-              <a:ln/>
-            </p:spPr>
-            <p:style>
-              <a:lnRef idx="0">
-                <a:schemeClr val="accent1"/>
-              </a:lnRef>
-              <a:fillRef idx="3">
-                <a:schemeClr val="accent1"/>
-              </a:fillRef>
-              <a:effectRef idx="3">
-                <a:schemeClr val="accent1"/>
-              </a:effectRef>
-              <a:fontRef idx="minor">
-                <a:schemeClr val="lt1"/>
-              </a:fontRef>
-            </p:style>
-            <p:txBody>
-              <a:bodyPr rtlCol="0" anchor="ctr"/>
-              <a:lstStyle/>
-              <a:p>
-                <a:pPr algn="ctr"/>
-                <a:endParaRPr lang="ko-KR" altLang="en-US" dirty="0">
-                  <a:solidFill>
-                    <a:schemeClr val="tx1"/>
-                  </a:solidFill>
-                  <a:latin typeface="HY동녘M" pitchFamily="18" charset="-127"/>
-                  <a:ea typeface="HY동녘M" pitchFamily="18" charset="-127"/>
-                </a:endParaRPr>
-              </a:p>
-            </p:txBody>
-          </p:sp>
-          <p:sp>
-            <p:nvSpPr>
-              <p:cNvPr id="4" name="직사각형 3"/>
-              <p:cNvSpPr/>
-              <p:nvPr/>
-            </p:nvSpPr>
-            <p:spPr>
-              <a:xfrm>
-                <a:off x="1331640" y="3462390"/>
-                <a:ext cx="1368152" cy="577700"/>
-              </a:xfrm>
-              <a:prstGeom prst="rect">
-                <a:avLst/>
-              </a:prstGeom>
-              <a:ln/>
-            </p:spPr>
-            <p:style>
-              <a:lnRef idx="0">
-                <a:schemeClr val="accent2"/>
-              </a:lnRef>
-              <a:fillRef idx="3">
-                <a:schemeClr val="accent2"/>
-              </a:fillRef>
-              <a:effectRef idx="3">
-                <a:schemeClr val="accent2"/>
-              </a:effectRef>
-              <a:fontRef idx="minor">
-                <a:schemeClr val="lt1"/>
-              </a:fontRef>
-            </p:style>
-            <p:txBody>
-              <a:bodyPr rtlCol="0" anchor="ctr"/>
-              <a:lstStyle/>
-              <a:p>
-                <a:pPr algn="ctr"/>
-                <a:r>
-                  <a:rPr lang="en-US" altLang="ko-KR" sz="1800" b="1" dirty="0" smtClean="0">
-                    <a:solidFill>
-                      <a:srgbClr val="000000"/>
-                    </a:solidFill>
-                    <a:latin typeface="HY동녘M" pitchFamily="18" charset="-127"/>
-                    <a:ea typeface="HY동녘M" pitchFamily="18" charset="-127"/>
-                  </a:rPr>
-                  <a:t>USB</a:t>
-                </a:r>
-                <a:endParaRPr lang="ko-KR" altLang="en-US" sz="1800" b="1" dirty="0">
-                  <a:solidFill>
-                    <a:srgbClr val="000000"/>
-                  </a:solidFill>
-                  <a:latin typeface="HY동녘M" pitchFamily="18" charset="-127"/>
-                  <a:ea typeface="HY동녘M" pitchFamily="18" charset="-127"/>
-                </a:endParaRPr>
-              </a:p>
-            </p:txBody>
-          </p:sp>
-        </p:grpSp>
-      </p:grpSp>
-      <p:grpSp>
-        <p:nvGrpSpPr>
-          <p:cNvPr id="34" name="그룹 33"/>
-          <p:cNvGrpSpPr/>
-          <p:nvPr/>
-        </p:nvGrpSpPr>
-        <p:grpSpPr>
-          <a:xfrm>
-            <a:off x="3419872" y="3862718"/>
-            <a:ext cx="2150641" cy="2446602"/>
-            <a:chOff x="5364088" y="1270430"/>
-            <a:chExt cx="2150641" cy="2446602"/>
-          </a:xfrm>
-        </p:grpSpPr>
-        <p:grpSp>
-          <p:nvGrpSpPr>
-            <p:cNvPr id="10" name="그룹 9"/>
-            <p:cNvGrpSpPr/>
-            <p:nvPr/>
-          </p:nvGrpSpPr>
-          <p:grpSpPr>
-            <a:xfrm>
-              <a:off x="5364088" y="1270430"/>
-              <a:ext cx="2150641" cy="1125268"/>
-              <a:chOff x="1331640" y="2015700"/>
-              <a:chExt cx="2150641" cy="1125268"/>
-            </a:xfrm>
-          </p:grpSpPr>
-          <p:sp>
-            <p:nvSpPr>
-              <p:cNvPr id="11" name="직사각형 10"/>
-              <p:cNvSpPr/>
-              <p:nvPr/>
-            </p:nvSpPr>
-            <p:spPr>
-              <a:xfrm>
-                <a:off x="1331640" y="2015700"/>
-                <a:ext cx="2150641" cy="1053259"/>
-              </a:xfrm>
-              <a:prstGeom prst="rect">
-                <a:avLst/>
-              </a:prstGeom>
-              <a:solidFill>
-                <a:schemeClr val="bg1">
-                  <a:lumMod val="50000"/>
-                  <a:alpha val="65000"/>
-                </a:schemeClr>
-              </a:solidFill>
-              <a:ln/>
-            </p:spPr>
-            <p:style>
-              <a:lnRef idx="0">
-                <a:schemeClr val="accent2"/>
-              </a:lnRef>
-              <a:fillRef idx="3">
-                <a:schemeClr val="accent2"/>
-              </a:fillRef>
-              <a:effectRef idx="3">
-                <a:schemeClr val="accent2"/>
-              </a:effectRef>
-              <a:fontRef idx="minor">
-                <a:schemeClr val="lt1"/>
-              </a:fontRef>
-            </p:style>
-            <p:txBody>
-              <a:bodyPr rtlCol="0" anchor="ctr"/>
-              <a:lstStyle/>
-              <a:p>
-                <a:pPr algn="ctr"/>
-                <a:r>
-                  <a:rPr lang="en-US" altLang="ko-KR" sz="1800" b="1" dirty="0">
-                    <a:solidFill>
-                      <a:srgbClr val="000000"/>
-                    </a:solidFill>
-                    <a:latin typeface="HY동녘M" pitchFamily="18" charset="-127"/>
-                    <a:ea typeface="HY동녘M" pitchFamily="18" charset="-127"/>
-                  </a:rPr>
-                  <a:t>P</a:t>
-                </a:r>
-                <a:r>
-                  <a:rPr lang="en-US" altLang="ko-KR" sz="1800" b="1" dirty="0" smtClean="0">
-                    <a:solidFill>
-                      <a:srgbClr val="000000"/>
-                    </a:solidFill>
-                    <a:latin typeface="HY동녘M" pitchFamily="18" charset="-127"/>
-                    <a:ea typeface="HY동녘M" pitchFamily="18" charset="-127"/>
-                  </a:rPr>
-                  <a:t>C App</a:t>
-                </a:r>
-                <a:endParaRPr lang="ko-KR" altLang="en-US" sz="1800" b="1" dirty="0">
-                  <a:solidFill>
-                    <a:srgbClr val="000000"/>
-                  </a:solidFill>
-                  <a:latin typeface="HY동녘M" pitchFamily="18" charset="-127"/>
-                  <a:ea typeface="HY동녘M" pitchFamily="18" charset="-127"/>
-                </a:endParaRPr>
-              </a:p>
-            </p:txBody>
-          </p:sp>
-          <p:sp>
-            <p:nvSpPr>
-              <p:cNvPr id="12" name="모서리가 둥근 직사각형 11"/>
-              <p:cNvSpPr/>
-              <p:nvPr/>
-            </p:nvSpPr>
-            <p:spPr>
-              <a:xfrm>
-                <a:off x="1691680" y="2805932"/>
-                <a:ext cx="576064" cy="335036"/>
-              </a:xfrm>
-              <a:prstGeom prst="roundRect">
-                <a:avLst/>
-              </a:prstGeom>
-              <a:ln/>
-            </p:spPr>
-            <p:style>
-              <a:lnRef idx="2">
-                <a:schemeClr val="accent3"/>
-              </a:lnRef>
-              <a:fillRef idx="1">
-                <a:schemeClr val="lt1"/>
-              </a:fillRef>
-              <a:effectRef idx="0">
-                <a:schemeClr val="accent3"/>
-              </a:effectRef>
-              <a:fontRef idx="minor">
-                <a:schemeClr val="dk1"/>
-              </a:fontRef>
-            </p:style>
-            <p:txBody>
-              <a:bodyPr rtlCol="0" anchor="ctr"/>
-              <a:lstStyle/>
-              <a:p>
-                <a:pPr algn="ctr"/>
-                <a:endParaRPr lang="ko-KR" altLang="en-US" dirty="0">
-                  <a:solidFill>
-                    <a:schemeClr val="tx1"/>
-                  </a:solidFill>
-                  <a:latin typeface="HY동녘M" pitchFamily="18" charset="-127"/>
-                  <a:ea typeface="HY동녘M" pitchFamily="18" charset="-127"/>
-                </a:endParaRPr>
-              </a:p>
-            </p:txBody>
-          </p:sp>
-        </p:grpSp>
-        <p:grpSp>
-          <p:nvGrpSpPr>
-            <p:cNvPr id="16" name="그룹 15"/>
-            <p:cNvGrpSpPr/>
-            <p:nvPr/>
-          </p:nvGrpSpPr>
-          <p:grpSpPr>
-            <a:xfrm>
-              <a:off x="5364088" y="2169837"/>
-              <a:ext cx="1368152" cy="899122"/>
-              <a:chOff x="1331640" y="3140968"/>
-              <a:chExt cx="1368152" cy="899122"/>
-            </a:xfrm>
-          </p:grpSpPr>
-          <p:sp>
-            <p:nvSpPr>
-              <p:cNvPr id="17" name="모서리가 둥근 직사각형 16"/>
-              <p:cNvSpPr/>
-              <p:nvPr/>
-            </p:nvSpPr>
-            <p:spPr>
-              <a:xfrm>
-                <a:off x="1691680" y="3140968"/>
-                <a:ext cx="576064" cy="504057"/>
-              </a:xfrm>
-              <a:prstGeom prst="roundRect">
-                <a:avLst/>
-              </a:prstGeom>
-              <a:ln/>
-            </p:spPr>
-            <p:style>
-              <a:lnRef idx="0">
-                <a:schemeClr val="accent1"/>
-              </a:lnRef>
-              <a:fillRef idx="3">
-                <a:schemeClr val="accent1"/>
-              </a:fillRef>
-              <a:effectRef idx="3">
-                <a:schemeClr val="accent1"/>
-              </a:effectRef>
-              <a:fontRef idx="minor">
-                <a:schemeClr val="lt1"/>
-              </a:fontRef>
-            </p:style>
-            <p:txBody>
-              <a:bodyPr rtlCol="0" anchor="ctr"/>
-              <a:lstStyle/>
-              <a:p>
-                <a:pPr algn="ctr"/>
-                <a:endParaRPr lang="ko-KR" altLang="en-US" dirty="0">
-                  <a:solidFill>
-                    <a:schemeClr val="tx1"/>
-                  </a:solidFill>
-                  <a:latin typeface="HY동녘M" pitchFamily="18" charset="-127"/>
-                  <a:ea typeface="HY동녘M" pitchFamily="18" charset="-127"/>
-                </a:endParaRPr>
-              </a:p>
-            </p:txBody>
-          </p:sp>
-          <p:sp>
-            <p:nvSpPr>
-              <p:cNvPr id="18" name="직사각형 17"/>
-              <p:cNvSpPr/>
-              <p:nvPr/>
-            </p:nvSpPr>
-            <p:spPr>
-              <a:xfrm>
-                <a:off x="1331640" y="3462390"/>
-                <a:ext cx="1368152" cy="577700"/>
-              </a:xfrm>
-              <a:prstGeom prst="rect">
-                <a:avLst/>
-              </a:prstGeom>
-              <a:ln/>
-            </p:spPr>
-            <p:style>
-              <a:lnRef idx="0">
-                <a:schemeClr val="accent2"/>
-              </a:lnRef>
-              <a:fillRef idx="3">
-                <a:schemeClr val="accent2"/>
-              </a:fillRef>
-              <a:effectRef idx="3">
-                <a:schemeClr val="accent2"/>
-              </a:effectRef>
-              <a:fontRef idx="minor">
-                <a:schemeClr val="lt1"/>
-              </a:fontRef>
-            </p:style>
-            <p:txBody>
-              <a:bodyPr rtlCol="0" anchor="ctr"/>
-              <a:lstStyle/>
-              <a:p>
-                <a:pPr algn="ctr"/>
-                <a:r>
-                  <a:rPr lang="en-US" altLang="ko-KR" sz="1800" b="1" dirty="0" smtClean="0">
-                    <a:solidFill>
-                      <a:srgbClr val="000000"/>
-                    </a:solidFill>
-                    <a:latin typeface="HY동녘M" pitchFamily="18" charset="-127"/>
-                    <a:ea typeface="HY동녘M" pitchFamily="18" charset="-127"/>
-                  </a:rPr>
-                  <a:t>USB/IP</a:t>
-                </a:r>
-                <a:endParaRPr lang="ko-KR" altLang="en-US" sz="1800" b="1" dirty="0">
-                  <a:solidFill>
-                    <a:srgbClr val="000000"/>
-                  </a:solidFill>
-                  <a:latin typeface="HY동녘M" pitchFamily="18" charset="-127"/>
-                  <a:ea typeface="HY동녘M" pitchFamily="18" charset="-127"/>
-                </a:endParaRPr>
-              </a:p>
-            </p:txBody>
-          </p:sp>
-        </p:grpSp>
         <p:sp>
           <p:nvSpPr>
-            <p:cNvPr id="21" name="직사각형 20"/>
+            <p:cNvPr id="6" name="직사각형 5"/>
             <p:cNvSpPr/>
             <p:nvPr/>
           </p:nvSpPr>
           <p:spPr>
             <a:xfrm>
-              <a:off x="5364089" y="3068959"/>
-              <a:ext cx="1800200" cy="648073"/>
+              <a:off x="1331640" y="2015700"/>
+              <a:ext cx="2150641" cy="1053259"/>
             </a:xfrm>
             <a:prstGeom prst="rect">
               <a:avLst/>
@@ -11736,11 +13180,61 @@
                   <a:latin typeface="HY동녘M" pitchFamily="18" charset="-127"/>
                   <a:ea typeface="HY동녘M" pitchFamily="18" charset="-127"/>
                 </a:rPr>
-                <a:t>Android App</a:t>
+                <a:t>Windows App</a:t>
               </a:r>
-              <a:endParaRPr lang="ko-KR" altLang="en-US" sz="1800" b="1" dirty="0">
-                <a:solidFill>
-                  <a:srgbClr val="000000"/>
+            </a:p>
+            <a:p>
+              <a:r>
+                <a:rPr lang="en-US" altLang="ko-KR" sz="1800" b="1" dirty="0" smtClean="0">
+                  <a:solidFill>
+                    <a:srgbClr val="000000"/>
+                  </a:solidFill>
+                  <a:latin typeface="HY강M" pitchFamily="18" charset="-127"/>
+                  <a:ea typeface="HY강M" pitchFamily="18" charset="-127"/>
+                </a:rPr>
+                <a:t>(Using USB Camera)</a:t>
+              </a:r>
+            </a:p>
+          </p:txBody>
+        </p:sp>
+        <p:sp>
+          <p:nvSpPr>
+            <p:cNvPr id="7" name="모서리가 둥근 직사각형 6"/>
+            <p:cNvSpPr/>
+            <p:nvPr/>
+          </p:nvSpPr>
+          <p:spPr>
+            <a:xfrm>
+              <a:off x="1691680" y="2805932"/>
+              <a:ext cx="576064" cy="335036"/>
+            </a:xfrm>
+            <a:prstGeom prst="roundRect">
+              <a:avLst/>
+            </a:prstGeom>
+            <a:ln/>
+          </p:spPr>
+          <p:style>
+            <a:lnRef idx="2">
+              <a:schemeClr val="accent3"/>
+            </a:lnRef>
+            <a:fillRef idx="1">
+              <a:schemeClr val="lt1"/>
+            </a:fillRef>
+            <a:effectRef idx="0">
+              <a:schemeClr val="accent3"/>
+            </a:effectRef>
+            <a:fontRef idx="minor">
+              <a:schemeClr val="dk1"/>
+            </a:fontRef>
+          </p:style>
+          <p:txBody>
+            <a:bodyPr rtlCol="0" anchor="ctr"/>
+            <a:lstStyle/>
+            <a:p>
+              <a:pPr algn="ctr"/>
+              <a:endParaRPr lang="ko-KR" altLang="en-US" dirty="0">
+                <a:solidFill>
+                  <a:schemeClr val="tx1"/>
                 </a:solidFill>
                 <a:latin typeface="HY동녘M" pitchFamily="18" charset="-127"/>
                 <a:ea typeface="HY동녘M" pitchFamily="18" charset="-127"/>
@@ -11751,184 +13245,45 @@
       </p:grpSp>
       <p:grpSp>
         <p:nvGrpSpPr>
-          <p:cNvPr id="36" name="그룹 35"/>
+          <p:cNvPr id="9" name="그룹 8"/>
           <p:cNvGrpSpPr/>
           <p:nvPr/>
         </p:nvGrpSpPr>
         <p:grpSpPr>
           <a:xfrm>
-            <a:off x="6084168" y="3848699"/>
-            <a:ext cx="2723122" cy="2460622"/>
-            <a:chOff x="5377271" y="4005064"/>
-            <a:chExt cx="2723122" cy="2460622"/>
+            <a:off x="767239" y="4796142"/>
+            <a:ext cx="1368152" cy="899122"/>
+            <a:chOff x="1331640" y="3140968"/>
+            <a:chExt cx="1368152" cy="899122"/>
           </a:xfrm>
         </p:grpSpPr>
-        <p:grpSp>
-          <p:nvGrpSpPr>
-            <p:cNvPr id="23" name="그룹 22"/>
-            <p:cNvGrpSpPr/>
-            <p:nvPr/>
-          </p:nvGrpSpPr>
-          <p:grpSpPr>
-            <a:xfrm>
-              <a:off x="5377271" y="4005064"/>
-              <a:ext cx="2150641" cy="1125268"/>
-              <a:chOff x="1331640" y="2015700"/>
-              <a:chExt cx="2150641" cy="1125268"/>
-            </a:xfrm>
-          </p:grpSpPr>
-          <p:sp>
-            <p:nvSpPr>
-              <p:cNvPr id="24" name="직사각형 23"/>
-              <p:cNvSpPr/>
-              <p:nvPr/>
-            </p:nvSpPr>
-            <p:spPr>
-              <a:xfrm>
-                <a:off x="1331640" y="2015700"/>
-                <a:ext cx="2150641" cy="1053259"/>
-              </a:xfrm>
-              <a:prstGeom prst="rect">
-                <a:avLst/>
-              </a:prstGeom>
-              <a:solidFill>
-                <a:schemeClr val="bg1">
-                  <a:lumMod val="50000"/>
-                  <a:alpha val="65000"/>
-                </a:schemeClr>
-              </a:solidFill>
-              <a:ln/>
-            </p:spPr>
-            <p:style>
-              <a:lnRef idx="0">
-                <a:schemeClr val="accent2"/>
-              </a:lnRef>
-              <a:fillRef idx="3">
-                <a:schemeClr val="accent2"/>
-              </a:fillRef>
-              <a:effectRef idx="3">
-                <a:schemeClr val="accent2"/>
-              </a:effectRef>
-              <a:fontRef idx="minor">
-                <a:schemeClr val="lt1"/>
-              </a:fontRef>
-            </p:style>
-            <p:txBody>
-              <a:bodyPr rtlCol="0" anchor="ctr"/>
-              <a:lstStyle/>
-              <a:p>
-                <a:pPr algn="ctr"/>
-                <a:r>
-                  <a:rPr lang="en-US" altLang="ko-KR" sz="1800" b="1" dirty="0">
-                    <a:solidFill>
-                      <a:srgbClr val="000000"/>
-                    </a:solidFill>
-                    <a:latin typeface="HY동녘M" pitchFamily="18" charset="-127"/>
-                    <a:ea typeface="HY동녘M" pitchFamily="18" charset="-127"/>
-                  </a:rPr>
-                  <a:t>P</a:t>
-                </a:r>
-                <a:r>
-                  <a:rPr lang="en-US" altLang="ko-KR" sz="1800" b="1" dirty="0" smtClean="0">
-                    <a:solidFill>
-                      <a:srgbClr val="000000"/>
-                    </a:solidFill>
-                    <a:latin typeface="HY동녘M" pitchFamily="18" charset="-127"/>
-                    <a:ea typeface="HY동녘M" pitchFamily="18" charset="-127"/>
-                  </a:rPr>
-                  <a:t>C App</a:t>
-                </a:r>
-                <a:endParaRPr lang="ko-KR" altLang="en-US" sz="1800" b="1" dirty="0">
-                  <a:solidFill>
-                    <a:srgbClr val="000000"/>
-                  </a:solidFill>
-                  <a:latin typeface="HY동녘M" pitchFamily="18" charset="-127"/>
-                  <a:ea typeface="HY동녘M" pitchFamily="18" charset="-127"/>
-                </a:endParaRPr>
-              </a:p>
-            </p:txBody>
-          </p:sp>
-          <p:sp>
-            <p:nvSpPr>
-              <p:cNvPr id="25" name="모서리가 둥근 직사각형 24"/>
-              <p:cNvSpPr/>
-              <p:nvPr/>
-            </p:nvSpPr>
-            <p:spPr>
-              <a:xfrm>
-                <a:off x="1691680" y="2805932"/>
-                <a:ext cx="576064" cy="335036"/>
-              </a:xfrm>
-              <a:prstGeom prst="roundRect">
-                <a:avLst/>
-              </a:prstGeom>
-              <a:ln/>
-            </p:spPr>
-            <p:style>
-              <a:lnRef idx="2">
-                <a:schemeClr val="accent3"/>
-              </a:lnRef>
-              <a:fillRef idx="1">
-                <a:schemeClr val="lt1"/>
-              </a:fillRef>
-              <a:effectRef idx="0">
-                <a:schemeClr val="accent3"/>
-              </a:effectRef>
-              <a:fontRef idx="minor">
-                <a:schemeClr val="dk1"/>
-              </a:fontRef>
-            </p:style>
-            <p:txBody>
-              <a:bodyPr rtlCol="0" anchor="ctr"/>
-              <a:lstStyle/>
-              <a:p>
-                <a:pPr algn="ctr"/>
-                <a:endParaRPr lang="ko-KR" altLang="en-US" dirty="0">
-                  <a:solidFill>
-                    <a:schemeClr val="tx1"/>
-                  </a:solidFill>
-                  <a:latin typeface="HY동녘M" pitchFamily="18" charset="-127"/>
-                  <a:ea typeface="HY동녘M" pitchFamily="18" charset="-127"/>
-                </a:endParaRPr>
-              </a:p>
-            </p:txBody>
-          </p:sp>
-        </p:grpSp>
         <p:sp>
           <p:nvSpPr>
-            <p:cNvPr id="30" name="이등변 삼각형 29"/>
+            <p:cNvPr id="2" name="모서리가 둥근 직사각형 1"/>
             <p:cNvSpPr/>
             <p:nvPr/>
           </p:nvSpPr>
           <p:spPr>
             <a:xfrm>
-              <a:off x="6732240" y="4795297"/>
-              <a:ext cx="576064" cy="289888"/>
+              <a:off x="1691680" y="3140968"/>
+              <a:ext cx="576064" cy="504057"/>
             </a:xfrm>
-            <a:prstGeom prst="triangle">
+            <a:prstGeom prst="roundRect">
               <a:avLst/>
             </a:prstGeom>
             <a:solidFill>
-              <a:schemeClr val="bg1"/>
+              <a:srgbClr val="FFC000"/>
             </a:solidFill>
-            <a:ln>
-              <a:solidFill>
-                <a:schemeClr val="bg1">
-                  <a:alpha val="80000"/>
-                </a:schemeClr>
-              </a:solidFill>
-            </a:ln>
+            <a:ln/>
           </p:spPr>
           <p:style>
-            <a:lnRef idx="2">
-              <a:schemeClr val="accent1">
-                <a:shade val="50000"/>
-              </a:schemeClr>
+            <a:lnRef idx="0">
+              <a:schemeClr val="accent1"/>
             </a:lnRef>
-            <a:fillRef idx="1">
+            <a:fillRef idx="3">
               <a:schemeClr val="accent1"/>
             </a:fillRef>
-            <a:effectRef idx="0">
+            <a:effectRef idx="3">
               <a:schemeClr val="accent1"/>
             </a:effectRef>
             <a:fontRef idx="minor">
@@ -11950,182 +13305,600 @@
             </a:p>
           </p:txBody>
         </p:sp>
-        <p:grpSp>
-          <p:nvGrpSpPr>
-            <p:cNvPr id="32" name="그룹 31"/>
-            <p:cNvGrpSpPr/>
+        <p:sp>
+          <p:nvSpPr>
+            <p:cNvPr id="4" name="직사각형 3"/>
+            <p:cNvSpPr/>
             <p:nvPr/>
-          </p:nvGrpSpPr>
-          <p:grpSpPr>
+          </p:nvSpPr>
+          <p:spPr>
             <a:xfrm>
-              <a:off x="6300192" y="4937674"/>
-              <a:ext cx="1800201" cy="1528012"/>
-              <a:chOff x="3419872" y="5225706"/>
-              <a:chExt cx="1800201" cy="1528012"/>
+              <a:off x="1331640" y="3462390"/>
+              <a:ext cx="1368152" cy="577700"/>
             </a:xfrm>
-          </p:grpSpPr>
-          <p:sp>
-            <p:nvSpPr>
-              <p:cNvPr id="31" name="이등변 삼각형 30"/>
-              <p:cNvSpPr/>
-              <p:nvPr/>
-            </p:nvSpPr>
-            <p:spPr>
-              <a:xfrm>
-                <a:off x="3779912" y="5225706"/>
-                <a:ext cx="720000" cy="363533"/>
-              </a:xfrm>
-              <a:prstGeom prst="triangle">
-                <a:avLst/>
-              </a:prstGeom>
-              <a:ln/>
-            </p:spPr>
-            <p:style>
-              <a:lnRef idx="0">
-                <a:schemeClr val="accent1"/>
-              </a:lnRef>
-              <a:fillRef idx="3">
-                <a:schemeClr val="accent1"/>
-              </a:fillRef>
-              <a:effectRef idx="3">
-                <a:schemeClr val="accent1"/>
-              </a:effectRef>
-              <a:fontRef idx="minor">
-                <a:schemeClr val="lt1"/>
-              </a:fontRef>
-            </p:style>
-            <p:txBody>
-              <a:bodyPr rtlCol="0" anchor="ctr"/>
-              <a:lstStyle/>
-              <a:p>
-                <a:pPr algn="ctr"/>
-                <a:endParaRPr lang="ko-KR" altLang="en-US" b="1" dirty="0">
-                  <a:solidFill>
-                    <a:schemeClr val="tx1"/>
-                  </a:solidFill>
-                  <a:latin typeface="HY동녘M" pitchFamily="18" charset="-127"/>
-                  <a:ea typeface="HY동녘M" pitchFamily="18" charset="-127"/>
-                </a:endParaRPr>
-              </a:p>
-            </p:txBody>
-          </p:sp>
-          <p:sp>
-            <p:nvSpPr>
-              <p:cNvPr id="28" name="직사각형 27"/>
-              <p:cNvSpPr/>
-              <p:nvPr/>
-            </p:nvSpPr>
-            <p:spPr>
-              <a:xfrm>
-                <a:off x="3419872" y="5515595"/>
-                <a:ext cx="1368152" cy="577700"/>
-              </a:xfrm>
-              <a:prstGeom prst="rect">
-                <a:avLst/>
-              </a:prstGeom>
-              <a:ln/>
-            </p:spPr>
-            <p:style>
-              <a:lnRef idx="0">
-                <a:schemeClr val="accent2"/>
-              </a:lnRef>
-              <a:fillRef idx="3">
-                <a:schemeClr val="accent2"/>
-              </a:fillRef>
-              <a:effectRef idx="3">
-                <a:schemeClr val="accent2"/>
-              </a:effectRef>
-              <a:fontRef idx="minor">
-                <a:schemeClr val="lt1"/>
-              </a:fontRef>
-            </p:style>
-            <p:txBody>
-              <a:bodyPr rtlCol="0" anchor="ctr"/>
-              <a:lstStyle/>
-              <a:p>
-                <a:pPr algn="ctr"/>
-                <a:r>
-                  <a:rPr lang="en-US" altLang="ko-KR" sz="1800" b="1" dirty="0" smtClean="0">
-                    <a:solidFill>
-                      <a:srgbClr val="000000"/>
-                    </a:solidFill>
-                    <a:latin typeface="HY동녘M" pitchFamily="18" charset="-127"/>
-                    <a:ea typeface="HY동녘M" pitchFamily="18" charset="-127"/>
-                  </a:rPr>
-                  <a:t>TCP/IP</a:t>
-                </a:r>
-                <a:endParaRPr lang="ko-KR" altLang="en-US" sz="1800" b="1" dirty="0">
+            <a:prstGeom prst="rect">
+              <a:avLst/>
+            </a:prstGeom>
+            <a:solidFill>
+              <a:srgbClr val="FFC000"/>
+            </a:solidFill>
+            <a:ln/>
+          </p:spPr>
+          <p:style>
+            <a:lnRef idx="0">
+              <a:schemeClr val="accent2"/>
+            </a:lnRef>
+            <a:fillRef idx="3">
+              <a:schemeClr val="accent2"/>
+            </a:fillRef>
+            <a:effectRef idx="3">
+              <a:schemeClr val="accent2"/>
+            </a:effectRef>
+            <a:fontRef idx="minor">
+              <a:schemeClr val="lt1"/>
+            </a:fontRef>
+          </p:style>
+          <p:txBody>
+            <a:bodyPr rtlCol="0" anchor="ctr"/>
+            <a:lstStyle/>
+            <a:p>
+              <a:pPr algn="ctr"/>
+              <a:r>
+                <a:rPr lang="en-US" altLang="ko-KR" sz="1800" b="1" dirty="0" smtClean="0">
                   <a:solidFill>
                     <a:srgbClr val="000000"/>
                   </a:solidFill>
                   <a:latin typeface="HY동녘M" pitchFamily="18" charset="-127"/>
                   <a:ea typeface="HY동녘M" pitchFamily="18" charset="-127"/>
-                </a:endParaRPr>
-              </a:p>
-            </p:txBody>
-          </p:sp>
-          <p:sp>
-            <p:nvSpPr>
-              <p:cNvPr id="29" name="직사각형 28"/>
-              <p:cNvSpPr/>
-              <p:nvPr/>
-            </p:nvSpPr>
-            <p:spPr>
-              <a:xfrm>
-                <a:off x="3419873" y="6105645"/>
-                <a:ext cx="1800200" cy="648073"/>
-              </a:xfrm>
-              <a:prstGeom prst="rect">
-                <a:avLst/>
-              </a:prstGeom>
-              <a:solidFill>
-                <a:srgbClr val="00B0F0">
-                  <a:alpha val="65000"/>
-                </a:srgbClr>
-              </a:solidFill>
-              <a:ln/>
-            </p:spPr>
-            <p:style>
-              <a:lnRef idx="0">
-                <a:schemeClr val="accent2"/>
-              </a:lnRef>
-              <a:fillRef idx="3">
-                <a:schemeClr val="accent2"/>
-              </a:fillRef>
-              <a:effectRef idx="3">
-                <a:schemeClr val="accent2"/>
-              </a:effectRef>
-              <a:fontRef idx="minor">
-                <a:schemeClr val="lt1"/>
-              </a:fontRef>
-            </p:style>
-            <p:txBody>
-              <a:bodyPr rtlCol="0" anchor="ctr"/>
-              <a:lstStyle/>
-              <a:p>
-                <a:pPr algn="ctr"/>
-                <a:r>
-                  <a:rPr lang="en-US" altLang="ko-KR" sz="1800" b="1" dirty="0" smtClean="0">
-                    <a:solidFill>
-                      <a:srgbClr val="000000"/>
-                    </a:solidFill>
-                    <a:latin typeface="HY동녘M" pitchFamily="18" charset="-127"/>
-                    <a:ea typeface="HY동녘M" pitchFamily="18" charset="-127"/>
-                  </a:rPr>
-                  <a:t>Android App</a:t>
-                </a:r>
-                <a:endParaRPr lang="ko-KR" altLang="en-US" sz="1800" b="1" dirty="0">
+                </a:rPr>
+                <a:t>USB Camera</a:t>
+              </a:r>
+              <a:endParaRPr lang="ko-KR" altLang="en-US" sz="1800" b="1" dirty="0">
+                <a:solidFill>
+                  <a:srgbClr val="000000"/>
+                </a:solidFill>
+                <a:latin typeface="HY동녘M" pitchFamily="18" charset="-127"/>
+                <a:ea typeface="HY동녘M" pitchFamily="18" charset="-127"/>
+              </a:endParaRPr>
+            </a:p>
+          </p:txBody>
+        </p:sp>
+      </p:grpSp>
+      <p:grpSp>
+        <p:nvGrpSpPr>
+          <p:cNvPr id="10" name="그룹 9"/>
+          <p:cNvGrpSpPr/>
+          <p:nvPr/>
+        </p:nvGrpSpPr>
+        <p:grpSpPr>
+          <a:xfrm>
+            <a:off x="3419872" y="3862718"/>
+            <a:ext cx="2150641" cy="1125268"/>
+            <a:chOff x="1331640" y="2015700"/>
+            <a:chExt cx="2150641" cy="1125268"/>
+          </a:xfrm>
+        </p:grpSpPr>
+        <p:sp>
+          <p:nvSpPr>
+            <p:cNvPr id="11" name="직사각형 10"/>
+            <p:cNvSpPr/>
+            <p:nvPr/>
+          </p:nvSpPr>
+          <p:spPr>
+            <a:xfrm>
+              <a:off x="1331640" y="2015700"/>
+              <a:ext cx="2150641" cy="1053259"/>
+            </a:xfrm>
+            <a:prstGeom prst="rect">
+              <a:avLst/>
+            </a:prstGeom>
+            <a:solidFill>
+              <a:srgbClr val="00B0F0">
+                <a:alpha val="65000"/>
+              </a:srgbClr>
+            </a:solidFill>
+            <a:ln/>
+          </p:spPr>
+          <p:style>
+            <a:lnRef idx="0">
+              <a:schemeClr val="accent2"/>
+            </a:lnRef>
+            <a:fillRef idx="3">
+              <a:schemeClr val="accent2"/>
+            </a:fillRef>
+            <a:effectRef idx="3">
+              <a:schemeClr val="accent2"/>
+            </a:effectRef>
+            <a:fontRef idx="minor">
+              <a:schemeClr val="lt1"/>
+            </a:fontRef>
+          </p:style>
+          <p:txBody>
+            <a:bodyPr rtlCol="0" anchor="ctr"/>
+            <a:lstStyle/>
+            <a:p>
+              <a:r>
+                <a:rPr lang="en-US" altLang="ko-KR" sz="1800" b="1" dirty="0" smtClean="0">
                   <a:solidFill>
                     <a:srgbClr val="000000"/>
                   </a:solidFill>
                   <a:latin typeface="HY동녘M" pitchFamily="18" charset="-127"/>
                   <a:ea typeface="HY동녘M" pitchFamily="18" charset="-127"/>
-                </a:endParaRPr>
-              </a:p>
-            </p:txBody>
-          </p:sp>
-        </p:grpSp>
+                </a:rPr>
+                <a:t>Windows App</a:t>
+              </a:r>
+            </a:p>
+            <a:p>
+              <a:r>
+                <a:rPr lang="en-US" altLang="ko-KR" sz="1800" b="1" dirty="0" smtClean="0">
+                  <a:solidFill>
+                    <a:srgbClr val="000000"/>
+                  </a:solidFill>
+                  <a:latin typeface="HY강M" pitchFamily="18" charset="-127"/>
+                  <a:ea typeface="HY강M" pitchFamily="18" charset="-127"/>
+                </a:rPr>
+                <a:t>(Using USB Camera)</a:t>
+              </a:r>
+            </a:p>
+          </p:txBody>
+        </p:sp>
+        <p:sp>
+          <p:nvSpPr>
+            <p:cNvPr id="12" name="모서리가 둥근 직사각형 11"/>
+            <p:cNvSpPr/>
+            <p:nvPr/>
+          </p:nvSpPr>
+          <p:spPr>
+            <a:xfrm>
+              <a:off x="1691680" y="2805932"/>
+              <a:ext cx="576064" cy="335036"/>
+            </a:xfrm>
+            <a:prstGeom prst="roundRect">
+              <a:avLst/>
+            </a:prstGeom>
+            <a:ln/>
+          </p:spPr>
+          <p:style>
+            <a:lnRef idx="2">
+              <a:schemeClr val="accent3"/>
+            </a:lnRef>
+            <a:fillRef idx="1">
+              <a:schemeClr val="lt1"/>
+            </a:fillRef>
+            <a:effectRef idx="0">
+              <a:schemeClr val="accent3"/>
+            </a:effectRef>
+            <a:fontRef idx="minor">
+              <a:schemeClr val="dk1"/>
+            </a:fontRef>
+          </p:style>
+          <p:txBody>
+            <a:bodyPr rtlCol="0" anchor="ctr"/>
+            <a:lstStyle/>
+            <a:p>
+              <a:pPr algn="ctr"/>
+              <a:endParaRPr lang="ko-KR" altLang="en-US" dirty="0">
+                <a:solidFill>
+                  <a:schemeClr val="tx1"/>
+                </a:solidFill>
+                <a:latin typeface="HY동녘M" pitchFamily="18" charset="-127"/>
+                <a:ea typeface="HY동녘M" pitchFamily="18" charset="-127"/>
+              </a:endParaRPr>
+            </a:p>
+          </p:txBody>
+        </p:sp>
       </p:grpSp>
+      <p:grpSp>
+        <p:nvGrpSpPr>
+          <p:cNvPr id="16" name="그룹 15"/>
+          <p:cNvGrpSpPr/>
+          <p:nvPr/>
+        </p:nvGrpSpPr>
+        <p:grpSpPr>
+          <a:xfrm>
+            <a:off x="3419872" y="4762125"/>
+            <a:ext cx="1368152" cy="899122"/>
+            <a:chOff x="1331640" y="3140968"/>
+            <a:chExt cx="1368152" cy="899122"/>
+          </a:xfrm>
+        </p:grpSpPr>
+        <p:sp>
+          <p:nvSpPr>
+            <p:cNvPr id="17" name="모서리가 둥근 직사각형 16"/>
+            <p:cNvSpPr/>
+            <p:nvPr/>
+          </p:nvSpPr>
+          <p:spPr>
+            <a:xfrm>
+              <a:off x="1691680" y="3140968"/>
+              <a:ext cx="576064" cy="504057"/>
+            </a:xfrm>
+            <a:prstGeom prst="roundRect">
+              <a:avLst/>
+            </a:prstGeom>
+            <a:solidFill>
+              <a:srgbClr val="FFC000"/>
+            </a:solidFill>
+            <a:ln/>
+          </p:spPr>
+          <p:style>
+            <a:lnRef idx="0">
+              <a:schemeClr val="accent1"/>
+            </a:lnRef>
+            <a:fillRef idx="3">
+              <a:schemeClr val="accent1"/>
+            </a:fillRef>
+            <a:effectRef idx="3">
+              <a:schemeClr val="accent1"/>
+            </a:effectRef>
+            <a:fontRef idx="minor">
+              <a:schemeClr val="lt1"/>
+            </a:fontRef>
+          </p:style>
+          <p:txBody>
+            <a:bodyPr rtlCol="0" anchor="ctr"/>
+            <a:lstStyle/>
+            <a:p>
+              <a:pPr algn="ctr"/>
+              <a:endParaRPr lang="ko-KR" altLang="en-US" dirty="0">
+                <a:solidFill>
+                  <a:schemeClr val="tx1"/>
+                </a:solidFill>
+                <a:latin typeface="HY동녘M" pitchFamily="18" charset="-127"/>
+                <a:ea typeface="HY동녘M" pitchFamily="18" charset="-127"/>
+              </a:endParaRPr>
+            </a:p>
+          </p:txBody>
+        </p:sp>
+        <p:sp>
+          <p:nvSpPr>
+            <p:cNvPr id="18" name="직사각형 17"/>
+            <p:cNvSpPr/>
+            <p:nvPr/>
+          </p:nvSpPr>
+          <p:spPr>
+            <a:xfrm>
+              <a:off x="1331640" y="3462390"/>
+              <a:ext cx="1368152" cy="577700"/>
+            </a:xfrm>
+            <a:prstGeom prst="rect">
+              <a:avLst/>
+            </a:prstGeom>
+            <a:solidFill>
+              <a:srgbClr val="FFC000"/>
+            </a:solidFill>
+            <a:ln/>
+          </p:spPr>
+          <p:style>
+            <a:lnRef idx="0">
+              <a:schemeClr val="accent2"/>
+            </a:lnRef>
+            <a:fillRef idx="3">
+              <a:schemeClr val="accent2"/>
+            </a:fillRef>
+            <a:effectRef idx="3">
+              <a:schemeClr val="accent2"/>
+            </a:effectRef>
+            <a:fontRef idx="minor">
+              <a:schemeClr val="lt1"/>
+            </a:fontRef>
+          </p:style>
+          <p:txBody>
+            <a:bodyPr rtlCol="0" anchor="ctr"/>
+            <a:lstStyle/>
+            <a:p>
+              <a:pPr algn="ctr"/>
+              <a:r>
+                <a:rPr lang="en-US" altLang="ko-KR" sz="1800" b="1" dirty="0" smtClean="0">
+                  <a:solidFill>
+                    <a:srgbClr val="000000"/>
+                  </a:solidFill>
+                  <a:latin typeface="HY동녘M" pitchFamily="18" charset="-127"/>
+                  <a:ea typeface="HY동녘M" pitchFamily="18" charset="-127"/>
+                </a:rPr>
+                <a:t>USB/IP</a:t>
+              </a:r>
+              <a:endParaRPr lang="ko-KR" altLang="en-US" sz="1800" b="1" dirty="0">
+                <a:solidFill>
+                  <a:srgbClr val="000000"/>
+                </a:solidFill>
+                <a:latin typeface="HY동녘M" pitchFamily="18" charset="-127"/>
+                <a:ea typeface="HY동녘M" pitchFamily="18" charset="-127"/>
+              </a:endParaRPr>
+            </a:p>
+          </p:txBody>
+        </p:sp>
+      </p:grpSp>
+      <p:grpSp>
+        <p:nvGrpSpPr>
+          <p:cNvPr id="23" name="그룹 22"/>
+          <p:cNvGrpSpPr/>
+          <p:nvPr/>
+        </p:nvGrpSpPr>
+        <p:grpSpPr>
+          <a:xfrm>
+            <a:off x="6084168" y="3848699"/>
+            <a:ext cx="2150641" cy="1125268"/>
+            <a:chOff x="1331640" y="2015700"/>
+            <a:chExt cx="2150641" cy="1125268"/>
+          </a:xfrm>
+        </p:grpSpPr>
+        <p:sp>
+          <p:nvSpPr>
+            <p:cNvPr id="24" name="직사각형 23"/>
+            <p:cNvSpPr/>
+            <p:nvPr/>
+          </p:nvSpPr>
+          <p:spPr>
+            <a:xfrm>
+              <a:off x="1331640" y="2015700"/>
+              <a:ext cx="2150641" cy="1053259"/>
+            </a:xfrm>
+            <a:prstGeom prst="rect">
+              <a:avLst/>
+            </a:prstGeom>
+            <a:solidFill>
+              <a:srgbClr val="00B0F0">
+                <a:alpha val="65000"/>
+              </a:srgbClr>
+            </a:solidFill>
+            <a:ln/>
+          </p:spPr>
+          <p:style>
+            <a:lnRef idx="0">
+              <a:schemeClr val="accent2"/>
+            </a:lnRef>
+            <a:fillRef idx="3">
+              <a:schemeClr val="accent2"/>
+            </a:fillRef>
+            <a:effectRef idx="3">
+              <a:schemeClr val="accent2"/>
+            </a:effectRef>
+            <a:fontRef idx="minor">
+              <a:schemeClr val="lt1"/>
+            </a:fontRef>
+          </p:style>
+          <p:txBody>
+            <a:bodyPr rtlCol="0" anchor="ctr"/>
+            <a:lstStyle/>
+            <a:p>
+              <a:r>
+                <a:rPr lang="en-US" altLang="ko-KR" sz="1800" b="1" dirty="0" smtClean="0">
+                  <a:solidFill>
+                    <a:srgbClr val="000000"/>
+                  </a:solidFill>
+                  <a:latin typeface="HY동녘M" pitchFamily="18" charset="-127"/>
+                  <a:ea typeface="HY동녘M" pitchFamily="18" charset="-127"/>
+                </a:rPr>
+                <a:t>Windows App</a:t>
+              </a:r>
+            </a:p>
+            <a:p>
+              <a:r>
+                <a:rPr lang="en-US" altLang="ko-KR" sz="1800" b="1" dirty="0" smtClean="0">
+                  <a:solidFill>
+                    <a:srgbClr val="000000"/>
+                  </a:solidFill>
+                  <a:latin typeface="HY강M" pitchFamily="18" charset="-127"/>
+                  <a:ea typeface="HY강M" pitchFamily="18" charset="-127"/>
+                </a:rPr>
+                <a:t>(Using USB Camera)</a:t>
+              </a:r>
+            </a:p>
+          </p:txBody>
+        </p:sp>
+        <p:sp>
+          <p:nvSpPr>
+            <p:cNvPr id="25" name="모서리가 둥근 직사각형 24"/>
+            <p:cNvSpPr/>
+            <p:nvPr/>
+          </p:nvSpPr>
+          <p:spPr>
+            <a:xfrm>
+              <a:off x="1691680" y="2805932"/>
+              <a:ext cx="576064" cy="335036"/>
+            </a:xfrm>
+            <a:prstGeom prst="roundRect">
+              <a:avLst/>
+            </a:prstGeom>
+            <a:ln/>
+          </p:spPr>
+          <p:style>
+            <a:lnRef idx="2">
+              <a:schemeClr val="accent3"/>
+            </a:lnRef>
+            <a:fillRef idx="1">
+              <a:schemeClr val="lt1"/>
+            </a:fillRef>
+            <a:effectRef idx="0">
+              <a:schemeClr val="accent3"/>
+            </a:effectRef>
+            <a:fontRef idx="minor">
+              <a:schemeClr val="dk1"/>
+            </a:fontRef>
+          </p:style>
+          <p:txBody>
+            <a:bodyPr rtlCol="0" anchor="ctr"/>
+            <a:lstStyle/>
+            <a:p>
+              <a:pPr algn="ctr"/>
+              <a:endParaRPr lang="ko-KR" altLang="en-US" dirty="0">
+                <a:solidFill>
+                  <a:schemeClr val="tx1"/>
+                </a:solidFill>
+                <a:latin typeface="HY동녘M" pitchFamily="18" charset="-127"/>
+                <a:ea typeface="HY동녘M" pitchFamily="18" charset="-127"/>
+              </a:endParaRPr>
+            </a:p>
+          </p:txBody>
+        </p:sp>
+      </p:grpSp>
+      <p:sp>
+        <p:nvSpPr>
+          <p:cNvPr id="30" name="이등변 삼각형 29"/>
+          <p:cNvSpPr/>
+          <p:nvPr/>
+        </p:nvSpPr>
+        <p:spPr>
+          <a:xfrm>
+            <a:off x="7439137" y="4638932"/>
+            <a:ext cx="576064" cy="289888"/>
+          </a:xfrm>
+          <a:prstGeom prst="triangle">
+            <a:avLst/>
+          </a:prstGeom>
+          <a:solidFill>
+            <a:schemeClr val="bg1"/>
+          </a:solidFill>
+          <a:ln>
+            <a:solidFill>
+              <a:schemeClr val="bg1">
+                <a:alpha val="80000"/>
+              </a:schemeClr>
+            </a:solidFill>
+          </a:ln>
+        </p:spPr>
+        <p:style>
+          <a:lnRef idx="2">
+            <a:schemeClr val="accent1">
+              <a:shade val="50000"/>
+            </a:schemeClr>
+          </a:lnRef>
+          <a:fillRef idx="1">
+            <a:schemeClr val="accent1"/>
+          </a:fillRef>
+          <a:effectRef idx="0">
+            <a:schemeClr val="accent1"/>
+          </a:effectRef>
+          <a:fontRef idx="minor">
+            <a:schemeClr val="lt1"/>
+          </a:fontRef>
+        </p:style>
+        <p:txBody>
+          <a:bodyPr rtlCol="0" anchor="ctr"/>
+          <a:lstStyle/>
+          <a:p>
+            <a:pPr algn="ctr"/>
+            <a:endParaRPr lang="ko-KR" altLang="en-US" dirty="0">
+              <a:solidFill>
+                <a:schemeClr val="tx1"/>
+              </a:solidFill>
+              <a:latin typeface="HY동녘M" pitchFamily="18" charset="-127"/>
+              <a:ea typeface="HY동녘M" pitchFamily="18" charset="-127"/>
+            </a:endParaRPr>
+          </a:p>
+        </p:txBody>
+      </p:sp>
+      <p:sp>
+        <p:nvSpPr>
+          <p:cNvPr id="31" name="이등변 삼각형 30"/>
+          <p:cNvSpPr/>
+          <p:nvPr/>
+        </p:nvSpPr>
+        <p:spPr>
+          <a:xfrm>
+            <a:off x="7367129" y="4781309"/>
+            <a:ext cx="720000" cy="363533"/>
+          </a:xfrm>
+          <a:prstGeom prst="triangle">
+            <a:avLst/>
+          </a:prstGeom>
+          <a:solidFill>
+            <a:schemeClr val="accent1">
+              <a:lumMod val="75000"/>
+            </a:schemeClr>
+          </a:solidFill>
+          <a:ln/>
+        </p:spPr>
+        <p:style>
+          <a:lnRef idx="0">
+            <a:schemeClr val="accent1"/>
+          </a:lnRef>
+          <a:fillRef idx="3">
+            <a:schemeClr val="accent1"/>
+          </a:fillRef>
+          <a:effectRef idx="3">
+            <a:schemeClr val="accent1"/>
+          </a:effectRef>
+          <a:fontRef idx="minor">
+            <a:schemeClr val="lt1"/>
+          </a:fontRef>
+        </p:style>
+        <p:txBody>
+          <a:bodyPr rtlCol="0" anchor="ctr"/>
+          <a:lstStyle/>
+          <a:p>
+            <a:pPr algn="ctr"/>
+            <a:endParaRPr lang="ko-KR" altLang="en-US" b="1" dirty="0">
+              <a:solidFill>
+                <a:schemeClr val="tx1"/>
+              </a:solidFill>
+              <a:latin typeface="HY동녘M" pitchFamily="18" charset="-127"/>
+              <a:ea typeface="HY동녘M" pitchFamily="18" charset="-127"/>
+            </a:endParaRPr>
+          </a:p>
+        </p:txBody>
+      </p:sp>
+      <p:sp>
+        <p:nvSpPr>
+          <p:cNvPr id="28" name="직사각형 27"/>
+          <p:cNvSpPr/>
+          <p:nvPr/>
+        </p:nvSpPr>
+        <p:spPr>
+          <a:xfrm>
+            <a:off x="7007089" y="5071198"/>
+            <a:ext cx="1368152" cy="577700"/>
+          </a:xfrm>
+          <a:prstGeom prst="rect">
+            <a:avLst/>
+          </a:prstGeom>
+          <a:solidFill>
+            <a:schemeClr val="accent1">
+              <a:lumMod val="75000"/>
+            </a:schemeClr>
+          </a:solidFill>
+          <a:ln/>
+        </p:spPr>
+        <p:style>
+          <a:lnRef idx="0">
+            <a:schemeClr val="accent2"/>
+          </a:lnRef>
+          <a:fillRef idx="3">
+            <a:schemeClr val="accent2"/>
+          </a:fillRef>
+          <a:effectRef idx="3">
+            <a:schemeClr val="accent2"/>
+          </a:effectRef>
+          <a:fontRef idx="minor">
+            <a:schemeClr val="lt1"/>
+          </a:fontRef>
+        </p:style>
+        <p:txBody>
+          <a:bodyPr rtlCol="0" anchor="ctr"/>
+          <a:lstStyle/>
+          <a:p>
+            <a:pPr algn="ctr"/>
+            <a:r>
+              <a:rPr lang="en-US" altLang="ko-KR" sz="1800" b="1" dirty="0" smtClean="0">
+                <a:solidFill>
+                  <a:srgbClr val="000000"/>
+                </a:solidFill>
+                <a:latin typeface="HY동녘M" pitchFamily="18" charset="-127"/>
+                <a:ea typeface="HY동녘M" pitchFamily="18" charset="-127"/>
+              </a:rPr>
+              <a:t>TCP/IP</a:t>
+            </a:r>
+            <a:endParaRPr lang="ko-KR" altLang="en-US" sz="1800" b="1" dirty="0">
+              <a:solidFill>
+                <a:srgbClr val="000000"/>
+              </a:solidFill>
+              <a:latin typeface="HY동녘M" pitchFamily="18" charset="-127"/>
+              <a:ea typeface="HY동녘M" pitchFamily="18" charset="-127"/>
+            </a:endParaRPr>
+          </a:p>
+        </p:txBody>
+      </p:sp>
       <p:sp>
         <p:nvSpPr>
           <p:cNvPr id="40" name="TextBox 39"/>
@@ -12173,7 +13946,27 @@
                 <a:latin typeface="HY동녘M" pitchFamily="18" charset="-127"/>
                 <a:ea typeface="HY동녘M" pitchFamily="18" charset="-127"/>
               </a:rPr>
-              <a:t>윈도우 프로그램을 수정 없이 사용이 가능</a:t>
+              <a:t>안드로이드 서비스들을 </a:t>
+            </a:r>
+            <a:r>
+              <a:rPr lang="en-US" altLang="ko-KR" sz="2000" dirty="0" smtClean="0">
+                <a:solidFill>
+                  <a:srgbClr val="000000"/>
+                </a:solidFill>
+                <a:latin typeface="HY동녘M" pitchFamily="18" charset="-127"/>
+                <a:ea typeface="HY동녘M" pitchFamily="18" charset="-127"/>
+              </a:rPr>
+              <a:t>USB</a:t>
+            </a:r>
+            <a:r>
+              <a:rPr lang="ko-KR" altLang="en-US" sz="2000" dirty="0" smtClean="0">
+                <a:solidFill>
+                  <a:srgbClr val="000000"/>
+                </a:solidFill>
+                <a:latin typeface="HY동녘M" pitchFamily="18" charset="-127"/>
+                <a:ea typeface="HY동녘M" pitchFamily="18" charset="-127"/>
+              </a:rPr>
+              <a:t>장치로 사용이 가능</a:t>
             </a:r>
             <a:r>
               <a:rPr lang="en-US" altLang="ko-KR" sz="2000" dirty="0" smtClean="0">
@@ -12199,47 +13992,7 @@
                 <a:latin typeface="HY동녘M" pitchFamily="18" charset="-127"/>
                 <a:ea typeface="HY동녘M" pitchFamily="18" charset="-127"/>
               </a:rPr>
-              <a:t>장치 드라이버 </a:t>
-            </a:r>
-            <a:r>
-              <a:rPr lang="ko-KR" altLang="en-US" sz="2000" dirty="0" smtClean="0">
-                <a:solidFill>
-                  <a:srgbClr val="000000"/>
-                </a:solidFill>
-                <a:latin typeface="HY동녘M" pitchFamily="18" charset="-127"/>
-                <a:ea typeface="HY동녘M" pitchFamily="18" charset="-127"/>
-              </a:rPr>
-              <a:t>설치 없이 </a:t>
-            </a:r>
-            <a:r>
-              <a:rPr lang="en-US" altLang="ko-KR" sz="2000" dirty="0" smtClean="0">
-                <a:solidFill>
-                  <a:srgbClr val="000000"/>
-                </a:solidFill>
-                <a:latin typeface="HY동녘M" pitchFamily="18" charset="-127"/>
-                <a:ea typeface="HY동녘M" pitchFamily="18" charset="-127"/>
-              </a:rPr>
-              <a:t>HID USB</a:t>
-            </a:r>
-            <a:r>
-              <a:rPr lang="ko-KR" altLang="en-US" sz="2000" dirty="0" smtClean="0">
-                <a:solidFill>
-                  <a:srgbClr val="000000"/>
-                </a:solidFill>
-                <a:latin typeface="HY동녘M" pitchFamily="18" charset="-127"/>
-                <a:ea typeface="HY동녘M" pitchFamily="18" charset="-127"/>
-              </a:rPr>
-              <a:t>장치로 사용이 </a:t>
-            </a:r>
-            <a:r>
-              <a:rPr lang="ko-KR" altLang="en-US" sz="2000" dirty="0" smtClean="0">
-                <a:solidFill>
-                  <a:srgbClr val="000000"/>
-                </a:solidFill>
-                <a:latin typeface="HY동녘M" pitchFamily="18" charset="-127"/>
-                <a:ea typeface="HY동녘M" pitchFamily="18" charset="-127"/>
-              </a:rPr>
-              <a:t>가능</a:t>
+              <a:t>윈도우 프로그램을 수정 없이 사용이 가능</a:t>
             </a:r>
             <a:r>
               <a:rPr lang="en-US" altLang="ko-KR" sz="2000" dirty="0" smtClean="0">
@@ -12404,10 +14157,15 @@
           <a:p>
             <a:pPr marL="571500" indent="-514350">
               <a:buFont typeface="+mj-lt"/>
-              <a:buAutoNum type="alphaUcPeriod" startAt="4"/>
+              <a:buAutoNum type="alphaUcPeriod" startAt="3"/>
             </a:pPr>
             <a:r>
               <a:rPr lang="ko-KR" altLang="en-US" dirty="0" smtClean="0">
+                <a:solidFill>
+                  <a:schemeClr val="tx1">
+                    <a:lumMod val="50000"/>
+                  </a:schemeClr>
+                </a:solidFill>
                 <a:latin typeface="HY동녘M" pitchFamily="18" charset="-127"/>
                 <a:ea typeface="HY동녘M" pitchFamily="18" charset="-127"/>
               </a:rPr>
@@ -12415,6 +14173,11 @@
             </a:r>
             <a:r>
               <a:rPr lang="en-US" altLang="ko-KR" dirty="0" smtClean="0">
+                <a:solidFill>
+                  <a:schemeClr val="tx1">
+                    <a:lumMod val="50000"/>
+                  </a:schemeClr>
+                </a:solidFill>
                 <a:latin typeface="HY동녘M" pitchFamily="18" charset="-127"/>
                 <a:ea typeface="HY동녘M" pitchFamily="18" charset="-127"/>
               </a:rPr>
@@ -12422,6 +14185,11 @@
             </a:r>
             <a:r>
               <a:rPr lang="ko-KR" altLang="en-US" dirty="0" smtClean="0">
+                <a:solidFill>
+                  <a:schemeClr val="tx1">
+                    <a:lumMod val="50000"/>
+                  </a:schemeClr>
+                </a:solidFill>
                 <a:latin typeface="HY동녘M" pitchFamily="18" charset="-127"/>
                 <a:ea typeface="HY동녘M" pitchFamily="18" charset="-127"/>
               </a:rPr>
@@ -12429,6 +14197,11 @@
             </a:r>
             <a:r>
               <a:rPr lang="en-US" altLang="ko-KR" dirty="0" smtClean="0">
+                <a:solidFill>
+                  <a:schemeClr val="tx1">
+                    <a:lumMod val="50000"/>
+                  </a:schemeClr>
+                </a:solidFill>
                 <a:latin typeface="HY동녘M" pitchFamily="18" charset="-127"/>
                 <a:ea typeface="HY동녘M" pitchFamily="18" charset="-127"/>
               </a:rPr>
@@ -12446,6 +14219,70 @@
           </a:p>
         </p:txBody>
       </p:sp>
+      <p:pic>
+        <p:nvPicPr>
+          <p:cNvPr id="37" name="Picture 2"/>
+          <p:cNvPicPr>
+            <a:picLocks noChangeAspect="1" noChangeArrowheads="1"/>
+          </p:cNvPicPr>
+          <p:nvPr/>
+        </p:nvPicPr>
+        <p:blipFill>
+          <a:blip r:embed="rId3" cstate="print"/>
+          <a:srcRect/>
+          <a:stretch>
+            <a:fillRect/>
+          </a:stretch>
+        </p:blipFill>
+        <p:spPr bwMode="auto">
+          <a:xfrm>
+            <a:off x="3419872" y="5661248"/>
+            <a:ext cx="1656184" cy="664881"/>
+          </a:xfrm>
+          <a:prstGeom prst="rect">
+            <a:avLst/>
+          </a:prstGeom>
+          <a:noFill/>
+          <a:ln w="9525">
+            <a:noFill/>
+            <a:miter lim="800000"/>
+            <a:headEnd/>
+            <a:tailEnd/>
+          </a:ln>
+        </p:spPr>
+      </p:pic>
+      <p:pic>
+        <p:nvPicPr>
+          <p:cNvPr id="38" name="Picture 2"/>
+          <p:cNvPicPr>
+            <a:picLocks noChangeAspect="1" noChangeArrowheads="1"/>
+          </p:cNvPicPr>
+          <p:nvPr/>
+        </p:nvPicPr>
+        <p:blipFill>
+          <a:blip r:embed="rId3" cstate="print"/>
+          <a:srcRect/>
+          <a:stretch>
+            <a:fillRect/>
+          </a:stretch>
+        </p:blipFill>
+        <p:spPr bwMode="auto">
+          <a:xfrm>
+            <a:off x="7020272" y="5661248"/>
+            <a:ext cx="1656184" cy="664881"/>
+          </a:xfrm>
+          <a:prstGeom prst="rect">
+            <a:avLst/>
+          </a:prstGeom>
+          <a:noFill/>
+          <a:ln w="9525">
+            <a:noFill/>
+            <a:miter lim="800000"/>
+            <a:headEnd/>
+            <a:tailEnd/>
+          </a:ln>
+        </p:spPr>
+      </p:pic>
     </p:spTree>
     <p:extLst>
       <p:ext uri="{BB962C8B-B14F-4D97-AF65-F5344CB8AC3E}">
@@ -12536,7 +14373,7 @@
           <a:p>
             <a:pPr marL="914400" indent="-914400">
               <a:buFont typeface="+mj-lt"/>
-              <a:buAutoNum type="arabicPeriod" startAt="3"/>
+              <a:buAutoNum type="arabicPeriod" startAt="4"/>
             </a:pPr>
             <a:r>
               <a:rPr lang="ko-KR" altLang="en-US" sz="5400" spc="600" dirty="0" smtClean="0">
@@ -12570,7 +14407,7 @@
           <a:blip r:embed="rId3" cstate="print">
             <a:extLst>
               <a:ext uri="{28A0092B-C50C-407E-A947-70E740481C1C}">
-                <a14:useLocalDpi xmlns="" xmlns:a14="http://schemas.microsoft.com/office/drawing/2010/main" val="0"/>
+                <a14:useLocalDpi xmlns:a14="http://schemas.microsoft.com/office/drawing/2010/main" xmlns="" val="0"/>
               </a:ext>
             </a:extLst>
           </a:blip>
@@ -12695,7 +14532,7 @@
           <a:blip r:embed="rId4" cstate="print">
             <a:extLst>
               <a:ext uri="{28A0092B-C50C-407E-A947-70E740481C1C}">
-                <a14:useLocalDpi xmlns="" xmlns:a14="http://schemas.microsoft.com/office/drawing/2010/main" val="0"/>
+                <a14:useLocalDpi xmlns:a14="http://schemas.microsoft.com/office/drawing/2010/main" xmlns="" val="0"/>
               </a:ext>
             </a:extLst>
           </a:blip>
@@ -12715,7 +14552,7 @@
           <a:noFill/>
           <a:extLst>
             <a:ext uri="{909E8E84-426E-40DD-AFC4-6F175D3DCCD1}">
-              <a14:hiddenFill xmlns="" xmlns:a14="http://schemas.microsoft.com/office/drawing/2010/main">
+              <a14:hiddenFill xmlns:a14="http://schemas.microsoft.com/office/drawing/2010/main" xmlns="">
                 <a:solidFill>
                   <a:srgbClr val="FFFFFF"/>
                 </a:solidFill>
@@ -12736,7 +14573,7 @@
           <a:blip r:embed="rId5" cstate="print">
             <a:extLst>
               <a:ext uri="{28A0092B-C50C-407E-A947-70E740481C1C}">
-                <a14:useLocalDpi xmlns="" xmlns:a14="http://schemas.microsoft.com/office/drawing/2010/main" val="0"/>
+                <a14:useLocalDpi xmlns:a14="http://schemas.microsoft.com/office/drawing/2010/main" xmlns="" val="0"/>
               </a:ext>
             </a:extLst>
           </a:blip>
@@ -12756,7 +14593,7 @@
           <a:noFill/>
           <a:extLst>
             <a:ext uri="{909E8E84-426E-40DD-AFC4-6F175D3DCCD1}">
-              <a14:hiddenFill xmlns="" xmlns:a14="http://schemas.microsoft.com/office/drawing/2010/main">
+              <a14:hiddenFill xmlns:a14="http://schemas.microsoft.com/office/drawing/2010/main" xmlns="">
                 <a:solidFill>
                   <a:srgbClr val="FFFFFF"/>
                 </a:solidFill>
@@ -12777,7 +14614,7 @@
           <a:blip r:embed="rId6" cstate="print">
             <a:extLst>
               <a:ext uri="{28A0092B-C50C-407E-A947-70E740481C1C}">
-                <a14:useLocalDpi xmlns="" xmlns:a14="http://schemas.microsoft.com/office/drawing/2010/main" val="0"/>
+                <a14:useLocalDpi xmlns:a14="http://schemas.microsoft.com/office/drawing/2010/main" xmlns="" val="0"/>
               </a:ext>
             </a:extLst>
           </a:blip>
@@ -12797,7 +14634,7 @@
           <a:noFill/>
           <a:extLst>
             <a:ext uri="{909E8E84-426E-40DD-AFC4-6F175D3DCCD1}">
-              <a14:hiddenFill xmlns="" xmlns:a14="http://schemas.microsoft.com/office/drawing/2010/main">
+              <a14:hiddenFill xmlns:a14="http://schemas.microsoft.com/office/drawing/2010/main" xmlns="">
                 <a:solidFill>
                   <a:srgbClr val="FFFFFF"/>
                 </a:solidFill>
@@ -12818,7 +14655,7 @@
           <a:blip r:embed="rId5" cstate="print">
             <a:extLst>
               <a:ext uri="{28A0092B-C50C-407E-A947-70E740481C1C}">
-                <a14:useLocalDpi xmlns="" xmlns:a14="http://schemas.microsoft.com/office/drawing/2010/main" val="0"/>
+                <a14:useLocalDpi xmlns:a14="http://schemas.microsoft.com/office/drawing/2010/main" xmlns="" val="0"/>
               </a:ext>
             </a:extLst>
           </a:blip>
@@ -12838,7 +14675,7 @@
           <a:noFill/>
           <a:extLst>
             <a:ext uri="{909E8E84-426E-40DD-AFC4-6F175D3DCCD1}">
-              <a14:hiddenFill xmlns="" xmlns:a14="http://schemas.microsoft.com/office/drawing/2010/main">
+              <a14:hiddenFill xmlns:a14="http://schemas.microsoft.com/office/drawing/2010/main" xmlns="">
                 <a:solidFill>
                   <a:srgbClr val="FFFFFF"/>
                 </a:solidFill>
@@ -12859,7 +14696,7 @@
           <a:blip r:embed="rId6" cstate="print">
             <a:extLst>
               <a:ext uri="{28A0092B-C50C-407E-A947-70E740481C1C}">
-                <a14:useLocalDpi xmlns="" xmlns:a14="http://schemas.microsoft.com/office/drawing/2010/main" val="0"/>
+                <a14:useLocalDpi xmlns:a14="http://schemas.microsoft.com/office/drawing/2010/main" xmlns="" val="0"/>
               </a:ext>
             </a:extLst>
           </a:blip>
@@ -12879,7 +14716,7 @@
           <a:noFill/>
           <a:extLst>
             <a:ext uri="{909E8E84-426E-40DD-AFC4-6F175D3DCCD1}">
-              <a14:hiddenFill xmlns="" xmlns:a14="http://schemas.microsoft.com/office/drawing/2010/main">
+              <a14:hiddenFill xmlns:a14="http://schemas.microsoft.com/office/drawing/2010/main" xmlns="">
                 <a:solidFill>
                   <a:srgbClr val="FFFFFF"/>
                 </a:solidFill>
@@ -12976,7 +14813,7 @@
           <a:blip r:embed="rId7" cstate="print">
             <a:extLst>
               <a:ext uri="{28A0092B-C50C-407E-A947-70E740481C1C}">
-                <a14:useLocalDpi xmlns="" xmlns:a14="http://schemas.microsoft.com/office/drawing/2010/main" val="0"/>
+                <a14:useLocalDpi xmlns:a14="http://schemas.microsoft.com/office/drawing/2010/main" xmlns="" val="0"/>
               </a:ext>
             </a:extLst>
           </a:blip>
@@ -12996,7 +14833,7 @@
           <a:noFill/>
           <a:extLst>
             <a:ext uri="{909E8E84-426E-40DD-AFC4-6F175D3DCCD1}">
-              <a14:hiddenFill xmlns="" xmlns:a14="http://schemas.microsoft.com/office/drawing/2010/main">
+              <a14:hiddenFill xmlns:a14="http://schemas.microsoft.com/office/drawing/2010/main" xmlns="">
                 <a:solidFill>
                   <a:srgbClr val="FFFFFF"/>
                 </a:solidFill>
@@ -13017,7 +14854,7 @@
           <a:blip r:embed="rId8" cstate="print">
             <a:extLst>
               <a:ext uri="{28A0092B-C50C-407E-A947-70E740481C1C}">
-                <a14:useLocalDpi xmlns="" xmlns:a14="http://schemas.microsoft.com/office/drawing/2010/main" val="0"/>
+                <a14:useLocalDpi xmlns:a14="http://schemas.microsoft.com/office/drawing/2010/main" xmlns="" val="0"/>
               </a:ext>
             </a:extLst>
           </a:blip>
@@ -13037,7 +14874,7 @@
           <a:noFill/>
           <a:extLst>
             <a:ext uri="{909E8E84-426E-40DD-AFC4-6F175D3DCCD1}">
-              <a14:hiddenFill xmlns="" xmlns:a14="http://schemas.microsoft.com/office/drawing/2010/main">
+              <a14:hiddenFill xmlns:a14="http://schemas.microsoft.com/office/drawing/2010/main" xmlns="">
                 <a:solidFill>
                   <a:srgbClr val="FFFFFF"/>
                 </a:solidFill>
@@ -13058,7 +14895,7 @@
           <a:blip r:embed="rId9" cstate="print">
             <a:extLst>
               <a:ext uri="{28A0092B-C50C-407E-A947-70E740481C1C}">
-                <a14:useLocalDpi xmlns="" xmlns:a14="http://schemas.microsoft.com/office/drawing/2010/main" val="0"/>
+                <a14:useLocalDpi xmlns:a14="http://schemas.microsoft.com/office/drawing/2010/main" xmlns="" val="0"/>
               </a:ext>
             </a:extLst>
           </a:blip>
@@ -13078,7 +14915,7 @@
           <a:noFill/>
           <a:extLst>
             <a:ext uri="{909E8E84-426E-40DD-AFC4-6F175D3DCCD1}">
-              <a14:hiddenFill xmlns="" xmlns:a14="http://schemas.microsoft.com/office/drawing/2010/main">
+              <a14:hiddenFill xmlns:a14="http://schemas.microsoft.com/office/drawing/2010/main" xmlns="">
                 <a:solidFill>
                   <a:srgbClr val="FFFFFF"/>
                 </a:solidFill>
@@ -13099,7 +14936,7 @@
           <a:blip r:embed="rId10" cstate="print">
             <a:extLst>
               <a:ext uri="{28A0092B-C50C-407E-A947-70E740481C1C}">
-                <a14:useLocalDpi xmlns="" xmlns:a14="http://schemas.microsoft.com/office/drawing/2010/main" val="0"/>
+                <a14:useLocalDpi xmlns:a14="http://schemas.microsoft.com/office/drawing/2010/main" xmlns="" val="0"/>
               </a:ext>
             </a:extLst>
           </a:blip>
@@ -13119,7 +14956,7 @@
           <a:noFill/>
           <a:extLst>
             <a:ext uri="{909E8E84-426E-40DD-AFC4-6F175D3DCCD1}">
-              <a14:hiddenFill xmlns="" xmlns:a14="http://schemas.microsoft.com/office/drawing/2010/main">
+              <a14:hiddenFill xmlns:a14="http://schemas.microsoft.com/office/drawing/2010/main" xmlns="">
                 <a:solidFill>
                   <a:srgbClr val="FFFFFF"/>
                 </a:solidFill>
@@ -13131,7 +14968,7 @@
     </p:spTree>
     <p:extLst>
       <p:ext uri="{BB962C8B-B14F-4D97-AF65-F5344CB8AC3E}">
-        <p14:creationId xmlns="" xmlns:p14="http://schemas.microsoft.com/office/powerpoint/2010/main" val="1407908346"/>
+        <p14:creationId xmlns:p14="http://schemas.microsoft.com/office/powerpoint/2010/main" xmlns="" val="1407908346"/>
       </p:ext>
     </p:extLst>
   </p:cSld>

--- a/Documents/presentation doc/mid_presentation.pptx
+++ b/Documents/presentation doc/mid_presentation.pptx
@@ -163,10 +163,10 @@
           <c:layoutTarget val="inner"/>
           <c:xMode val="edge"/>
           <c:yMode val="edge"/>
-          <c:x val="0.13756541418769597"/>
-          <c:y val="0.31142121774829296"/>
+          <c:x val="0.13756541418769602"/>
+          <c:y val="0.31142121774829301"/>
           <c:w val="0.82290353753797463"/>
-          <c:h val="0.56776310568666899"/>
+          <c:h val="0.56776310568666888"/>
         </c:manualLayout>
       </c:layout>
       <c:barChart>
@@ -261,25 +261,25 @@
           <c:showVal val="1"/>
         </c:dLbls>
         <c:gapWidth val="75"/>
-        <c:axId val="36066048"/>
-        <c:axId val="36067584"/>
+        <c:axId val="36709120"/>
+        <c:axId val="36710656"/>
       </c:barChart>
       <c:catAx>
-        <c:axId val="36066048"/>
+        <c:axId val="36709120"/>
         <c:scaling>
           <c:orientation val="minMax"/>
         </c:scaling>
         <c:axPos val="b"/>
         <c:majorTickMark val="none"/>
         <c:tickLblPos val="nextTo"/>
-        <c:crossAx val="36067584"/>
+        <c:crossAx val="36710656"/>
         <c:crosses val="autoZero"/>
         <c:auto val="1"/>
         <c:lblAlgn val="ctr"/>
         <c:lblOffset val="100"/>
       </c:catAx>
       <c:valAx>
-        <c:axId val="36067584"/>
+        <c:axId val="36710656"/>
         <c:scaling>
           <c:orientation val="minMax"/>
           <c:min val="0"/>
@@ -288,7 +288,7 @@
         <c:numFmt formatCode="General" sourceLinked="1"/>
         <c:majorTickMark val="none"/>
         <c:tickLblPos val="nextTo"/>
-        <c:crossAx val="36066048"/>
+        <c:crossAx val="36709120"/>
         <c:crosses val="autoZero"/>
         <c:crossBetween val="between"/>
         <c:majorUnit val="20"/>
@@ -300,10 +300,10 @@
         <c:manualLayout>
           <c:xMode val="edge"/>
           <c:yMode val="edge"/>
-          <c:x val="0.18942124246731254"/>
-          <c:y val="3.0763248527941409E-2"/>
-          <c:w val="0.681171680158145"/>
-          <c:h val="0.22344660117129897"/>
+          <c:x val="0.18942124246731259"/>
+          <c:y val="3.0763248527941416E-2"/>
+          <c:w val="0.68117168015814522"/>
+          <c:h val="0.22344660117129905"/>
         </c:manualLayout>
       </c:layout>
     </c:legend>
@@ -405,24 +405,24 @@
           </c:val>
         </c:ser>
         <c:marker val="1"/>
-        <c:axId val="36107776"/>
-        <c:axId val="36109312"/>
+        <c:axId val="36754944"/>
+        <c:axId val="36756480"/>
       </c:lineChart>
       <c:catAx>
-        <c:axId val="36107776"/>
+        <c:axId val="36754944"/>
         <c:scaling>
           <c:orientation val="minMax"/>
         </c:scaling>
         <c:axPos val="b"/>
         <c:tickLblPos val="nextTo"/>
-        <c:crossAx val="36109312"/>
+        <c:crossAx val="36756480"/>
         <c:crosses val="autoZero"/>
         <c:auto val="1"/>
         <c:lblAlgn val="ctr"/>
         <c:lblOffset val="100"/>
       </c:catAx>
       <c:valAx>
-        <c:axId val="36109312"/>
+        <c:axId val="36756480"/>
         <c:scaling>
           <c:orientation val="minMax"/>
           <c:max val="2000"/>
@@ -431,7 +431,7 @@
         <c:majorGridlines/>
         <c:numFmt formatCode="General" sourceLinked="1"/>
         <c:tickLblPos val="nextTo"/>
-        <c:crossAx val="36107776"/>
+        <c:crossAx val="36754944"/>
         <c:crosses val="autoZero"/>
         <c:crossBetween val="between"/>
         <c:majorUnit val="500"/>
@@ -504,14 +504,14 @@
           <a:effectLst/>
           <a:extLst>
             <a:ext uri="{909E8E84-426E-40DD-AFC4-6F175D3DCCD1}">
-              <a14:hiddenFill xmlns:a14="http://schemas.microsoft.com/office/drawing/2010/main" xmlns="">
+              <a14:hiddenFill xmlns="" xmlns:a14="http://schemas.microsoft.com/office/drawing/2010/main">
                 <a:solidFill>
                   <a:schemeClr val="accent1"/>
                 </a:solidFill>
               </a14:hiddenFill>
             </a:ext>
             <a:ext uri="{91240B29-F687-4F45-9708-019B960494DF}">
-              <a14:hiddenLine xmlns:a14="http://schemas.microsoft.com/office/drawing/2010/main" xmlns="" w="9525">
+              <a14:hiddenLine xmlns="" xmlns:a14="http://schemas.microsoft.com/office/drawing/2010/main" w="9525">
                 <a:solidFill>
                   <a:schemeClr val="tx1"/>
                 </a:solidFill>
@@ -521,7 +521,7 @@
               </a14:hiddenLine>
             </a:ext>
             <a:ext uri="{AF507438-7753-43E0-B8FC-AC1667EBCBE1}">
-              <a14:hiddenEffects xmlns:a14="http://schemas.microsoft.com/office/drawing/2010/main" xmlns="">
+              <a14:hiddenEffects xmlns="" xmlns:a14="http://schemas.microsoft.com/office/drawing/2010/main">
                 <a:effectLst>
                   <a:outerShdw dist="35921" dir="2700000" algn="ctr" rotWithShape="0">
                     <a:schemeClr val="bg2"/>
@@ -574,14 +574,14 @@
           <a:effectLst/>
           <a:extLst>
             <a:ext uri="{909E8E84-426E-40DD-AFC4-6F175D3DCCD1}">
-              <a14:hiddenFill xmlns:a14="http://schemas.microsoft.com/office/drawing/2010/main" xmlns="">
+              <a14:hiddenFill xmlns="" xmlns:a14="http://schemas.microsoft.com/office/drawing/2010/main">
                 <a:solidFill>
                   <a:schemeClr val="accent1"/>
                 </a:solidFill>
               </a14:hiddenFill>
             </a:ext>
             <a:ext uri="{91240B29-F687-4F45-9708-019B960494DF}">
-              <a14:hiddenLine xmlns:a14="http://schemas.microsoft.com/office/drawing/2010/main" xmlns="" w="9525">
+              <a14:hiddenLine xmlns="" xmlns:a14="http://schemas.microsoft.com/office/drawing/2010/main" w="9525">
                 <a:solidFill>
                   <a:schemeClr val="tx1"/>
                 </a:solidFill>
@@ -591,7 +591,7 @@
               </a14:hiddenLine>
             </a:ext>
             <a:ext uri="{AF507438-7753-43E0-B8FC-AC1667EBCBE1}">
-              <a14:hiddenEffects xmlns:a14="http://schemas.microsoft.com/office/drawing/2010/main" xmlns="">
+              <a14:hiddenEffects xmlns="" xmlns:a14="http://schemas.microsoft.com/office/drawing/2010/main">
                 <a:effectLst>
                   <a:outerShdw dist="35921" dir="2700000" algn="ctr" rotWithShape="0">
                     <a:schemeClr val="bg2"/>
@@ -649,7 +649,7 @@
           <a:effectLst/>
           <a:extLst>
             <a:ext uri="{AF507438-7753-43E0-B8FC-AC1667EBCBE1}">
-              <a14:hiddenEffects xmlns:a14="http://schemas.microsoft.com/office/drawing/2010/main" xmlns="">
+              <a14:hiddenEffects xmlns="" xmlns:a14="http://schemas.microsoft.com/office/drawing/2010/main">
                 <a:effectLst>
                   <a:outerShdw dist="35921" dir="2700000" algn="ctr" rotWithShape="0">
                     <a:srgbClr val="808080"/>
@@ -658,7 +658,7 @@
               </a14:hiddenEffects>
             </a:ext>
             <a:ext uri="{53640926-AAD7-44D8-BBD7-CCE9431645EC}">
-              <a14:shadowObscured xmlns:a14="http://schemas.microsoft.com/office/drawing/2010/main" xmlns="" val="1"/>
+              <a14:shadowObscured xmlns="" xmlns:a14="http://schemas.microsoft.com/office/drawing/2010/main" val="1"/>
             </a:ext>
           </a:extLst>
         </p:spPr>
@@ -688,14 +688,14 @@
           <a:effectLst/>
           <a:extLst>
             <a:ext uri="{909E8E84-426E-40DD-AFC4-6F175D3DCCD1}">
-              <a14:hiddenFill xmlns:a14="http://schemas.microsoft.com/office/drawing/2010/main" xmlns="">
+              <a14:hiddenFill xmlns="" xmlns:a14="http://schemas.microsoft.com/office/drawing/2010/main">
                 <a:solidFill>
                   <a:schemeClr val="accent1"/>
                 </a:solidFill>
               </a14:hiddenFill>
             </a:ext>
             <a:ext uri="{91240B29-F687-4F45-9708-019B960494DF}">
-              <a14:hiddenLine xmlns:a14="http://schemas.microsoft.com/office/drawing/2010/main" xmlns="" w="9525">
+              <a14:hiddenLine xmlns="" xmlns:a14="http://schemas.microsoft.com/office/drawing/2010/main" w="9525">
                 <a:solidFill>
                   <a:schemeClr val="tx1"/>
                 </a:solidFill>
@@ -705,7 +705,7 @@
               </a14:hiddenLine>
             </a:ext>
             <a:ext uri="{AF507438-7753-43E0-B8FC-AC1667EBCBE1}">
-              <a14:hiddenEffects xmlns:a14="http://schemas.microsoft.com/office/drawing/2010/main" xmlns="">
+              <a14:hiddenEffects xmlns="" xmlns:a14="http://schemas.microsoft.com/office/drawing/2010/main">
                 <a:effectLst>
                   <a:outerShdw dist="35921" dir="2700000" algn="ctr" rotWithShape="0">
                     <a:schemeClr val="bg2"/>
@@ -784,14 +784,14 @@
           <a:effectLst/>
           <a:extLst>
             <a:ext uri="{909E8E84-426E-40DD-AFC4-6F175D3DCCD1}">
-              <a14:hiddenFill xmlns:a14="http://schemas.microsoft.com/office/drawing/2010/main" xmlns="">
+              <a14:hiddenFill xmlns="" xmlns:a14="http://schemas.microsoft.com/office/drawing/2010/main">
                 <a:solidFill>
                   <a:schemeClr val="accent1"/>
                 </a:solidFill>
               </a14:hiddenFill>
             </a:ext>
             <a:ext uri="{91240B29-F687-4F45-9708-019B960494DF}">
-              <a14:hiddenLine xmlns:a14="http://schemas.microsoft.com/office/drawing/2010/main" xmlns="" w="9525">
+              <a14:hiddenLine xmlns="" xmlns:a14="http://schemas.microsoft.com/office/drawing/2010/main" w="9525">
                 <a:solidFill>
                   <a:schemeClr val="tx1"/>
                 </a:solidFill>
@@ -801,7 +801,7 @@
               </a14:hiddenLine>
             </a:ext>
             <a:ext uri="{AF507438-7753-43E0-B8FC-AC1667EBCBE1}">
-              <a14:hiddenEffects xmlns:a14="http://schemas.microsoft.com/office/drawing/2010/main" xmlns="">
+              <a14:hiddenEffects xmlns="" xmlns:a14="http://schemas.microsoft.com/office/drawing/2010/main">
                 <a:effectLst>
                   <a:outerShdw dist="35921" dir="2700000" algn="ctr" rotWithShape="0">
                     <a:schemeClr val="bg2"/>
@@ -854,14 +854,14 @@
           <a:effectLst/>
           <a:extLst>
             <a:ext uri="{909E8E84-426E-40DD-AFC4-6F175D3DCCD1}">
-              <a14:hiddenFill xmlns:a14="http://schemas.microsoft.com/office/drawing/2010/main" xmlns="">
+              <a14:hiddenFill xmlns="" xmlns:a14="http://schemas.microsoft.com/office/drawing/2010/main">
                 <a:solidFill>
                   <a:schemeClr val="accent1"/>
                 </a:solidFill>
               </a14:hiddenFill>
             </a:ext>
             <a:ext uri="{91240B29-F687-4F45-9708-019B960494DF}">
-              <a14:hiddenLine xmlns:a14="http://schemas.microsoft.com/office/drawing/2010/main" xmlns="" w="9525">
+              <a14:hiddenLine xmlns="" xmlns:a14="http://schemas.microsoft.com/office/drawing/2010/main" w="9525">
                 <a:solidFill>
                   <a:schemeClr val="tx1"/>
                 </a:solidFill>
@@ -871,7 +871,7 @@
               </a14:hiddenLine>
             </a:ext>
             <a:ext uri="{AF507438-7753-43E0-B8FC-AC1667EBCBE1}">
-              <a14:hiddenEffects xmlns:a14="http://schemas.microsoft.com/office/drawing/2010/main" xmlns="">
+              <a14:hiddenEffects xmlns="" xmlns:a14="http://schemas.microsoft.com/office/drawing/2010/main">
                 <a:effectLst>
                   <a:outerShdw dist="35921" dir="2700000" algn="ctr" rotWithShape="0">
                     <a:schemeClr val="bg2"/>
@@ -907,7 +907,7 @@
     </p:spTree>
     <p:extLst>
       <p:ext uri="{BB962C8B-B14F-4D97-AF65-F5344CB8AC3E}">
-        <p14:creationId xmlns:p14="http://schemas.microsoft.com/office/powerpoint/2010/main" xmlns="" val="3354467039"/>
+        <p14:creationId xmlns="" xmlns:p14="http://schemas.microsoft.com/office/powerpoint/2010/main" val="3354467039"/>
       </p:ext>
     </p:extLst>
   </p:cSld>
@@ -1684,7 +1684,7 @@
     </p:spTree>
     <p:extLst>
       <p:ext uri="{BB962C8B-B14F-4D97-AF65-F5344CB8AC3E}">
-        <p14:creationId xmlns:p14="http://schemas.microsoft.com/office/powerpoint/2010/main" xmlns="" val="483073219"/>
+        <p14:creationId xmlns="" xmlns:p14="http://schemas.microsoft.com/office/powerpoint/2010/main" val="483073219"/>
       </p:ext>
     </p:extLst>
   </p:cSld>
@@ -2404,7 +2404,7 @@
           </a:xfrm>
           <a:extLst>
             <a:ext uri="{AF507438-7753-43E0-B8FC-AC1667EBCBE1}">
-              <a14:hiddenEffects xmlns:a14="http://schemas.microsoft.com/office/drawing/2010/main" xmlns="">
+              <a14:hiddenEffects xmlns="" xmlns:a14="http://schemas.microsoft.com/office/drawing/2010/main">
                 <a:effectLst>
                   <a:outerShdw dist="17961" dir="2700000" algn="ctr" rotWithShape="0">
                     <a:schemeClr val="bg1"/>
@@ -2448,7 +2448,7 @@
           </a:xfrm>
           <a:extLst>
             <a:ext uri="{AF507438-7753-43E0-B8FC-AC1667EBCBE1}">
-              <a14:hiddenEffects xmlns:a14="http://schemas.microsoft.com/office/drawing/2010/main" xmlns="">
+              <a14:hiddenEffects xmlns="" xmlns:a14="http://schemas.microsoft.com/office/drawing/2010/main">
                 <a:effectLst>
                   <a:outerShdw dist="17961" dir="2700000" algn="ctr" rotWithShape="0">
                     <a:schemeClr val="bg1"/>
@@ -2584,7 +2584,7 @@
     </p:spTree>
     <p:extLst>
       <p:ext uri="{BB962C8B-B14F-4D97-AF65-F5344CB8AC3E}">
-        <p14:creationId xmlns:p14="http://schemas.microsoft.com/office/powerpoint/2010/main" xmlns="" val="3191849363"/>
+        <p14:creationId xmlns="" xmlns:p14="http://schemas.microsoft.com/office/powerpoint/2010/main" val="3191849363"/>
       </p:ext>
     </p:extLst>
   </p:cSld>
@@ -2699,7 +2699,7 @@
     </p:spTree>
     <p:extLst>
       <p:ext uri="{BB962C8B-B14F-4D97-AF65-F5344CB8AC3E}">
-        <p14:creationId xmlns:p14="http://schemas.microsoft.com/office/powerpoint/2010/main" xmlns="" val="1524186507"/>
+        <p14:creationId xmlns="" xmlns:p14="http://schemas.microsoft.com/office/powerpoint/2010/main" val="1524186507"/>
       </p:ext>
     </p:extLst>
   </p:cSld>
@@ -2804,7 +2804,7 @@
     </p:spTree>
     <p:extLst>
       <p:ext uri="{BB962C8B-B14F-4D97-AF65-F5344CB8AC3E}">
-        <p14:creationId xmlns:p14="http://schemas.microsoft.com/office/powerpoint/2010/main" xmlns="" val="3261712152"/>
+        <p14:creationId xmlns="" xmlns:p14="http://schemas.microsoft.com/office/powerpoint/2010/main" val="3261712152"/>
       </p:ext>
     </p:extLst>
   </p:cSld>
@@ -2931,7 +2931,7 @@
     </p:spTree>
     <p:extLst>
       <p:ext uri="{BB962C8B-B14F-4D97-AF65-F5344CB8AC3E}">
-        <p14:creationId xmlns:p14="http://schemas.microsoft.com/office/powerpoint/2010/main" xmlns="" val="346190723"/>
+        <p14:creationId xmlns="" xmlns:p14="http://schemas.microsoft.com/office/powerpoint/2010/main" val="346190723"/>
       </p:ext>
     </p:extLst>
   </p:cSld>
@@ -3154,7 +3154,7 @@
     </p:spTree>
     <p:extLst>
       <p:ext uri="{BB962C8B-B14F-4D97-AF65-F5344CB8AC3E}">
-        <p14:creationId xmlns:p14="http://schemas.microsoft.com/office/powerpoint/2010/main" xmlns="" val="4255224362"/>
+        <p14:creationId xmlns="" xmlns:p14="http://schemas.microsoft.com/office/powerpoint/2010/main" val="4255224362"/>
       </p:ext>
     </p:extLst>
   </p:cSld>
@@ -3516,7 +3516,7 @@
     </p:spTree>
     <p:extLst>
       <p:ext uri="{BB962C8B-B14F-4D97-AF65-F5344CB8AC3E}">
-        <p14:creationId xmlns:p14="http://schemas.microsoft.com/office/powerpoint/2010/main" xmlns="" val="234523478"/>
+        <p14:creationId xmlns="" xmlns:p14="http://schemas.microsoft.com/office/powerpoint/2010/main" val="234523478"/>
       </p:ext>
     </p:extLst>
   </p:cSld>
@@ -3569,7 +3569,7 @@
     </p:spTree>
     <p:extLst>
       <p:ext uri="{BB962C8B-B14F-4D97-AF65-F5344CB8AC3E}">
-        <p14:creationId xmlns:p14="http://schemas.microsoft.com/office/powerpoint/2010/main" xmlns="" val="4170126094"/>
+        <p14:creationId xmlns="" xmlns:p14="http://schemas.microsoft.com/office/powerpoint/2010/main" val="4170126094"/>
       </p:ext>
     </p:extLst>
   </p:cSld>
@@ -3599,7 +3599,7 @@
     </p:spTree>
     <p:extLst>
       <p:ext uri="{BB962C8B-B14F-4D97-AF65-F5344CB8AC3E}">
-        <p14:creationId xmlns:p14="http://schemas.microsoft.com/office/powerpoint/2010/main" xmlns="" val="3131819388"/>
+        <p14:creationId xmlns="" xmlns:p14="http://schemas.microsoft.com/office/powerpoint/2010/main" val="3131819388"/>
       </p:ext>
     </p:extLst>
   </p:cSld>
@@ -3811,7 +3811,7 @@
     </p:spTree>
     <p:extLst>
       <p:ext uri="{BB962C8B-B14F-4D97-AF65-F5344CB8AC3E}">
-        <p14:creationId xmlns:p14="http://schemas.microsoft.com/office/powerpoint/2010/main" xmlns="" val="1266256783"/>
+        <p14:creationId xmlns="" xmlns:p14="http://schemas.microsoft.com/office/powerpoint/2010/main" val="1266256783"/>
       </p:ext>
     </p:extLst>
   </p:cSld>
@@ -4003,7 +4003,7 @@
     </p:spTree>
     <p:extLst>
       <p:ext uri="{BB962C8B-B14F-4D97-AF65-F5344CB8AC3E}">
-        <p14:creationId xmlns:p14="http://schemas.microsoft.com/office/powerpoint/2010/main" xmlns="" val="511494401"/>
+        <p14:creationId xmlns="" xmlns:p14="http://schemas.microsoft.com/office/powerpoint/2010/main" val="511494401"/>
       </p:ext>
     </p:extLst>
   </p:cSld>
@@ -4067,14 +4067,14 @@
           <a:effectLst/>
           <a:extLst>
             <a:ext uri="{909E8E84-426E-40DD-AFC4-6F175D3DCCD1}">
-              <a14:hiddenFill xmlns:a14="http://schemas.microsoft.com/office/drawing/2010/main" xmlns="">
+              <a14:hiddenFill xmlns="" xmlns:a14="http://schemas.microsoft.com/office/drawing/2010/main">
                 <a:solidFill>
                   <a:schemeClr val="accent1"/>
                 </a:solidFill>
               </a14:hiddenFill>
             </a:ext>
             <a:ext uri="{91240B29-F687-4F45-9708-019B960494DF}">
-              <a14:hiddenLine xmlns:a14="http://schemas.microsoft.com/office/drawing/2010/main" xmlns="" w="9525">
+              <a14:hiddenLine xmlns="" xmlns:a14="http://schemas.microsoft.com/office/drawing/2010/main" w="9525">
                 <a:solidFill>
                   <a:schemeClr val="tx1"/>
                 </a:solidFill>
@@ -4084,7 +4084,7 @@
               </a14:hiddenLine>
             </a:ext>
             <a:ext uri="{AF507438-7753-43E0-B8FC-AC1667EBCBE1}">
-              <a14:hiddenEffects xmlns:a14="http://schemas.microsoft.com/office/drawing/2010/main" xmlns="">
+              <a14:hiddenEffects xmlns="" xmlns:a14="http://schemas.microsoft.com/office/drawing/2010/main">
                 <a:effectLst>
                   <a:outerShdw dist="35921" dir="2700000" algn="ctr" rotWithShape="0">
                     <a:schemeClr val="bg2"/>
@@ -4136,14 +4136,14 @@
           <a:effectLst/>
           <a:extLst>
             <a:ext uri="{909E8E84-426E-40DD-AFC4-6F175D3DCCD1}">
-              <a14:hiddenFill xmlns:a14="http://schemas.microsoft.com/office/drawing/2010/main" xmlns="">
+              <a14:hiddenFill xmlns="" xmlns:a14="http://schemas.microsoft.com/office/drawing/2010/main">
                 <a:solidFill>
                   <a:schemeClr val="accent1"/>
                 </a:solidFill>
               </a14:hiddenFill>
             </a:ext>
             <a:ext uri="{91240B29-F687-4F45-9708-019B960494DF}">
-              <a14:hiddenLine xmlns:a14="http://schemas.microsoft.com/office/drawing/2010/main" xmlns="" w="9525">
+              <a14:hiddenLine xmlns="" xmlns:a14="http://schemas.microsoft.com/office/drawing/2010/main" w="9525">
                 <a:solidFill>
                   <a:schemeClr val="tx1"/>
                 </a:solidFill>
@@ -4153,7 +4153,7 @@
               </a14:hiddenLine>
             </a:ext>
             <a:ext uri="{AF507438-7753-43E0-B8FC-AC1667EBCBE1}">
-              <a14:hiddenEffects xmlns:a14="http://schemas.microsoft.com/office/drawing/2010/main" xmlns="">
+              <a14:hiddenEffects xmlns="" xmlns:a14="http://schemas.microsoft.com/office/drawing/2010/main">
                 <a:effectLst>
                   <a:outerShdw dist="35921" dir="2700000" algn="ctr" rotWithShape="0">
                     <a:schemeClr val="bg2"/>
@@ -4746,7 +4746,7 @@
           <p:nvPr>
             <p:extLst>
               <p:ext uri="{D42A27DB-BD31-4B8C-83A1-F6EECF244321}">
-                <p14:modId xmlns:p14="http://schemas.microsoft.com/office/powerpoint/2010/main" xmlns="" val="3019215210"/>
+                <p14:modId xmlns="" xmlns:p14="http://schemas.microsoft.com/office/powerpoint/2010/main" val="3019215210"/>
               </p:ext>
             </p:extLst>
           </p:nvPr>
@@ -5455,7 +5455,7 @@
     </p:spTree>
     <p:extLst>
       <p:ext uri="{BB962C8B-B14F-4D97-AF65-F5344CB8AC3E}">
-        <p14:creationId xmlns:p14="http://schemas.microsoft.com/office/powerpoint/2010/main" xmlns="" val="3872289296"/>
+        <p14:creationId xmlns="" xmlns:p14="http://schemas.microsoft.com/office/powerpoint/2010/main" val="3872289296"/>
       </p:ext>
     </p:extLst>
   </p:cSld>
@@ -5634,38 +5634,9 @@
           </a:p>
           <a:p>
             <a:pPr marL="857250" lvl="2" indent="-457200">
-              <a:buFont typeface="Wingdings" pitchFamily="2" charset="2"/>
-              <a:buChar char="l"/>
-            </a:pPr>
-            <a:r>
-              <a:rPr lang="en-US" altLang="ko-KR" dirty="0">
-                <a:solidFill>
-                  <a:srgbClr val="000000"/>
-                </a:solidFill>
-                <a:latin typeface="HY동녘M" pitchFamily="18" charset="-127"/>
-                <a:ea typeface="HY동녘M" pitchFamily="18" charset="-127"/>
-              </a:rPr>
-              <a:t>	</a:t>
-            </a:r>
-          </a:p>
-          <a:p>
-            <a:pPr marL="857250" lvl="3" indent="0">
               <a:buNone/>
             </a:pPr>
-            <a:endParaRPr lang="en-US" altLang="ko-KR" sz="1600" dirty="0">
-              <a:solidFill>
-                <a:srgbClr val="000000"/>
-              </a:solidFill>
-              <a:latin typeface="HY동녘M" pitchFamily="18" charset="-127"/>
-              <a:ea typeface="HY동녘M" pitchFamily="18" charset="-127"/>
-            </a:endParaRPr>
-          </a:p>
-          <a:p>
-            <a:pPr marL="742950" lvl="2" indent="-342900">
-              <a:buFont typeface="Wingdings" pitchFamily="2" charset="2"/>
-              <a:buChar char="l"/>
-            </a:pPr>
-            <a:endParaRPr lang="en-US" altLang="ko-KR" sz="2000" dirty="0" smtClean="0">
+            <a:endParaRPr lang="en-US" altLang="ko-KR" dirty="0">
               <a:solidFill>
                 <a:srgbClr val="000000"/>
               </a:solidFill>
@@ -5736,7 +5707,7 @@
     </p:spTree>
     <p:extLst>
       <p:ext uri="{BB962C8B-B14F-4D97-AF65-F5344CB8AC3E}">
-        <p14:creationId xmlns="" xmlns:p14="http://schemas.microsoft.com/office/powerpoint/2010/main" val="2718990012"/>
+        <p14:creationId xmlns:p14="http://schemas.microsoft.com/office/powerpoint/2010/main" xmlns="" val="2718990012"/>
       </p:ext>
     </p:extLst>
   </p:cSld>
@@ -5964,19 +5935,6 @@
           <a:p>
             <a:pPr algn="ctr"/>
             <a:r>
-              <a:rPr lang="en-US" altLang="ko-KR" b="1" dirty="0" smtClean="0">
-                <a:solidFill>
-                  <a:schemeClr val="tx1"/>
-                </a:solidFill>
-                <a:latin typeface="HY동녘M" pitchFamily="18" charset="-127"/>
-                <a:ea typeface="HY동녘M" pitchFamily="18" charset="-127"/>
-              </a:rPr>
-              <a:t>Windows</a:t>
-            </a:r>
-          </a:p>
-          <a:p>
-            <a:pPr algn="ctr"/>
-            <a:r>
               <a:rPr lang="ko-KR" altLang="en-US" b="1" dirty="0" err="1" smtClean="0">
                 <a:solidFill>
                   <a:schemeClr val="tx1"/>
@@ -5987,15 +5945,42 @@
               <a:t>카카오톡</a:t>
             </a:r>
             <a:r>
-              <a:rPr lang="en-US" altLang="ko-KR" b="1" dirty="0" smtClean="0">
+              <a:rPr lang="ko-KR" altLang="en-US" b="1" dirty="0" smtClean="0">
                 <a:solidFill>
                   <a:schemeClr val="tx1"/>
                 </a:solidFill>
                 <a:latin typeface="HY동녘M" pitchFamily="18" charset="-127"/>
                 <a:ea typeface="HY동녘M" pitchFamily="18" charset="-127"/>
               </a:rPr>
-              <a:t> App</a:t>
-            </a:r>
+              <a:t> </a:t>
+            </a:r>
+            <a:r>
+              <a:rPr lang="en-US" altLang="ko-KR" b="1" dirty="0" smtClean="0">
+                <a:solidFill>
+                  <a:schemeClr val="tx1"/>
+                </a:solidFill>
+                <a:latin typeface="HY동녘M" pitchFamily="18" charset="-127"/>
+                <a:ea typeface="HY동녘M" pitchFamily="18" charset="-127"/>
+              </a:rPr>
+              <a:t>PC </a:t>
+            </a:r>
+            <a:r>
+              <a:rPr lang="en-US" altLang="ko-KR" b="1" dirty="0" err="1" smtClean="0">
+                <a:solidFill>
+                  <a:schemeClr val="tx1"/>
+                </a:solidFill>
+                <a:latin typeface="HY동녘M" pitchFamily="18" charset="-127"/>
+                <a:ea typeface="HY동녘M" pitchFamily="18" charset="-127"/>
+              </a:rPr>
+              <a:t>Linker_windows</a:t>
+            </a:r>
+            <a:endParaRPr lang="en-US" altLang="ko-KR" b="1" dirty="0" smtClean="0">
+              <a:solidFill>
+                <a:schemeClr val="tx1"/>
+              </a:solidFill>
+              <a:latin typeface="HY동녘M" pitchFamily="18" charset="-127"/>
+              <a:ea typeface="HY동녘M" pitchFamily="18" charset="-127"/>
+            </a:endParaRPr>
           </a:p>
           <a:p>
             <a:pPr algn="ctr"/>
@@ -6123,26 +6108,6 @@
                 <a:ea typeface="HY동녘M" pitchFamily="18" charset="-127"/>
               </a:rPr>
               <a:t>카카오톡</a:t>
-            </a:r>
-            <a:r>
-              <a:rPr lang="ko-KR" altLang="en-US" b="1" dirty="0">
-                <a:solidFill>
-                  <a:schemeClr val="tx1"/>
-                </a:solidFill>
-                <a:latin typeface="HY동녘M" pitchFamily="18" charset="-127"/>
-                <a:ea typeface="HY동녘M" pitchFamily="18" charset="-127"/>
-              </a:rPr>
-              <a:t> </a:t>
-            </a:r>
-            <a:r>
-              <a:rPr lang="en-US" altLang="ko-KR" b="1" dirty="0" smtClean="0">
-                <a:solidFill>
-                  <a:schemeClr val="tx1"/>
-                </a:solidFill>
-                <a:latin typeface="HY동녘M" pitchFamily="18" charset="-127"/>
-                <a:ea typeface="HY동녘M" pitchFamily="18" charset="-127"/>
-              </a:rPr>
-              <a:t>App</a:t>
             </a:r>
             <a:endParaRPr lang="ko-KR" altLang="en-US" b="1" dirty="0">
               <a:solidFill>
@@ -6245,7 +6210,7 @@
           <a:effectLst/>
           <a:extLst>
             <a:ext uri="{AF507438-7753-43E0-B8FC-AC1667EBCBE1}">
-              <a14:hiddenEffects xmlns:a14="http://schemas.microsoft.com/office/drawing/2010/main" xmlns="">
+              <a14:hiddenEffects xmlns="" xmlns:a14="http://schemas.microsoft.com/office/drawing/2010/main">
                 <a:effectLst>
                   <a:outerShdw dist="35921" dir="2700000" algn="ctr" rotWithShape="0">
                     <a:schemeClr val="bg2"/>
@@ -6301,16 +6266,6 @@
               </a:rPr>
               <a:t>카카오톡</a:t>
             </a:r>
-            <a:endParaRPr lang="en-US" altLang="ko-KR" b="1" dirty="0" smtClean="0">
-              <a:solidFill>
-                <a:schemeClr val="tx1"/>
-              </a:solidFill>
-              <a:latin typeface="HY동녘M" pitchFamily="18" charset="-127"/>
-              <a:ea typeface="HY동녘M" pitchFamily="18" charset="-127"/>
-            </a:endParaRPr>
-          </a:p>
-          <a:p>
-            <a:pPr algn="ctr"/>
             <a:r>
               <a:rPr lang="ko-KR" altLang="en-US" b="1" dirty="0" smtClean="0">
                 <a:solidFill>
@@ -6319,7 +6274,7 @@
                 <a:latin typeface="HY동녘M" pitchFamily="18" charset="-127"/>
                 <a:ea typeface="HY동녘M" pitchFamily="18" charset="-127"/>
               </a:rPr>
-              <a:t>연동 </a:t>
+              <a:t> </a:t>
             </a:r>
             <a:r>
               <a:rPr lang="en-US" altLang="ko-KR" b="1" dirty="0" smtClean="0">
@@ -6329,7 +6284,17 @@
                 <a:latin typeface="HY동녘M" pitchFamily="18" charset="-127"/>
                 <a:ea typeface="HY동녘M" pitchFamily="18" charset="-127"/>
               </a:rPr>
-              <a:t>App</a:t>
+              <a:t>PC </a:t>
+            </a:r>
+            <a:r>
+              <a:rPr lang="en-US" altLang="ko-KR" b="1" dirty="0" err="1" smtClean="0">
+                <a:solidFill>
+                  <a:schemeClr val="tx1"/>
+                </a:solidFill>
+                <a:latin typeface="HY동녘M" pitchFamily="18" charset="-127"/>
+                <a:ea typeface="HY동녘M" pitchFamily="18" charset="-127"/>
+              </a:rPr>
+              <a:t>Linker_android</a:t>
             </a:r>
             <a:endParaRPr lang="en-US" altLang="ko-KR" b="1" dirty="0">
               <a:solidFill>
@@ -6673,7 +6638,7 @@
           <a:effectLst/>
           <a:extLst>
             <a:ext uri="{AF507438-7753-43E0-B8FC-AC1667EBCBE1}">
-              <a14:hiddenEffects xmlns:a14="http://schemas.microsoft.com/office/drawing/2010/main" xmlns="">
+              <a14:hiddenEffects xmlns="" xmlns:a14="http://schemas.microsoft.com/office/drawing/2010/main">
                 <a:effectLst>
                   <a:outerShdw dist="35921" dir="2700000" algn="ctr" rotWithShape="0">
                     <a:schemeClr val="bg2"/>
@@ -6730,7 +6695,7 @@
           <a:effectLst/>
           <a:extLst>
             <a:ext uri="{AF507438-7753-43E0-B8FC-AC1667EBCBE1}">
-              <a14:hiddenEffects xmlns:a14="http://schemas.microsoft.com/office/drawing/2010/main" xmlns="">
+              <a14:hiddenEffects xmlns="" xmlns:a14="http://schemas.microsoft.com/office/drawing/2010/main">
                 <a:effectLst>
                   <a:outerShdw dist="35921" dir="2700000" algn="ctr" rotWithShape="0">
                     <a:schemeClr val="bg2"/>
@@ -6921,7 +6886,7 @@
           <a:effectLst/>
           <a:extLst>
             <a:ext uri="{AF507438-7753-43E0-B8FC-AC1667EBCBE1}">
-              <a14:hiddenEffects xmlns:a14="http://schemas.microsoft.com/office/drawing/2010/main" xmlns="">
+              <a14:hiddenEffects xmlns="" xmlns:a14="http://schemas.microsoft.com/office/drawing/2010/main">
                 <a:effectLst>
                   <a:outerShdw dist="35921" dir="2700000" algn="ctr" rotWithShape="0">
                     <a:schemeClr val="bg2"/>
@@ -7101,7 +7066,7 @@
           <a:effectLst/>
           <a:extLst>
             <a:ext uri="{AF507438-7753-43E0-B8FC-AC1667EBCBE1}">
-              <a14:hiddenEffects xmlns:a14="http://schemas.microsoft.com/office/drawing/2010/main" xmlns="">
+              <a14:hiddenEffects xmlns="" xmlns:a14="http://schemas.microsoft.com/office/drawing/2010/main">
                 <a:effectLst>
                   <a:outerShdw dist="35921" dir="2700000" algn="ctr" rotWithShape="0">
                     <a:schemeClr val="bg2"/>
@@ -7488,7 +7453,7 @@
     </p:spTree>
     <p:extLst>
       <p:ext uri="{BB962C8B-B14F-4D97-AF65-F5344CB8AC3E}">
-        <p14:creationId xmlns="" xmlns:p14="http://schemas.microsoft.com/office/powerpoint/2010/main" val="2718990012"/>
+        <p14:creationId xmlns:p14="http://schemas.microsoft.com/office/powerpoint/2010/main" xmlns="" val="2718990012"/>
       </p:ext>
     </p:extLst>
   </p:cSld>
@@ -7604,21 +7569,8 @@
             </a:endParaRPr>
           </a:p>
           <a:p>
-            <a:pPr marL="857250" lvl="3" indent="0">
+            <a:pPr marL="857250" lvl="2" indent="-457200">
               <a:buNone/>
-            </a:pPr>
-            <a:endParaRPr lang="en-US" altLang="ko-KR" dirty="0">
-              <a:solidFill>
-                <a:srgbClr val="000000"/>
-              </a:solidFill>
-              <a:latin typeface="HY동녘M" pitchFamily="18" charset="-127"/>
-              <a:ea typeface="HY동녘M" pitchFamily="18" charset="-127"/>
-            </a:endParaRPr>
-          </a:p>
-          <a:p>
-            <a:pPr marL="857250" lvl="2" indent="-457200">
-              <a:buFont typeface="Wingdings" pitchFamily="2" charset="2"/>
-              <a:buChar char="l"/>
             </a:pPr>
             <a:r>
               <a:rPr lang="en-US" altLang="ko-KR" dirty="0">
@@ -7658,10 +7610,36 @@
           </a:p>
         </p:txBody>
       </p:sp>
+      <p:pic>
+        <p:nvPicPr>
+          <p:cNvPr id="1026" name="Picture 2" descr="N:\.공유받은 폴더\설계프로젝트\자료실, 소스코드\마우스캡쳐.png"/>
+          <p:cNvPicPr>
+            <a:picLocks noChangeAspect="1" noChangeArrowheads="1"/>
+          </p:cNvPicPr>
+          <p:nvPr/>
+        </p:nvPicPr>
+        <p:blipFill>
+          <a:blip r:embed="rId3" cstate="print"/>
+          <a:srcRect/>
+          <a:stretch>
+            <a:fillRect/>
+          </a:stretch>
+        </p:blipFill>
+        <p:spPr bwMode="auto">
+          <a:xfrm>
+            <a:off x="2123728" y="1916832"/>
+            <a:ext cx="3207133" cy="4248472"/>
+          </a:xfrm>
+          <a:prstGeom prst="rect">
+            <a:avLst/>
+          </a:prstGeom>
+          <a:noFill/>
+        </p:spPr>
+      </p:pic>
     </p:spTree>
     <p:extLst>
       <p:ext uri="{BB962C8B-B14F-4D97-AF65-F5344CB8AC3E}">
-        <p14:creationId xmlns="" xmlns:p14="http://schemas.microsoft.com/office/powerpoint/2010/main" val="2718990012"/>
+        <p14:creationId xmlns:p14="http://schemas.microsoft.com/office/powerpoint/2010/main" xmlns="" val="2718990012"/>
       </p:ext>
     </p:extLst>
   </p:cSld>
@@ -8037,7 +8015,7 @@
     </p:spTree>
     <p:extLst>
       <p:ext uri="{BB962C8B-B14F-4D97-AF65-F5344CB8AC3E}">
-        <p14:creationId xmlns:p14="http://schemas.microsoft.com/office/powerpoint/2010/main" xmlns="" val="417403148"/>
+        <p14:creationId xmlns="" xmlns:p14="http://schemas.microsoft.com/office/powerpoint/2010/main" val="417403148"/>
       </p:ext>
     </p:extLst>
   </p:cSld>
@@ -8117,7 +8095,7 @@
           <p:nvPr>
             <p:extLst>
               <p:ext uri="{D42A27DB-BD31-4B8C-83A1-F6EECF244321}">
-                <p14:modId xmlns:p14="http://schemas.microsoft.com/office/powerpoint/2010/main" xmlns="" val="864912804"/>
+                <p14:modId xmlns="" xmlns:p14="http://schemas.microsoft.com/office/powerpoint/2010/main" val="864912804"/>
               </p:ext>
             </p:extLst>
           </p:nvPr>
@@ -8139,7 +8117,7 @@
           <p:nvPr>
             <p:extLst>
               <p:ext uri="{D42A27DB-BD31-4B8C-83A1-F6EECF244321}">
-                <p14:modId xmlns:p14="http://schemas.microsoft.com/office/powerpoint/2010/main" xmlns="" val="550831738"/>
+                <p14:modId xmlns="" xmlns:p14="http://schemas.microsoft.com/office/powerpoint/2010/main" val="550831738"/>
               </p:ext>
             </p:extLst>
           </p:nvPr>
@@ -8251,7 +8229,7 @@
     </p:spTree>
     <p:extLst>
       <p:ext uri="{BB962C8B-B14F-4D97-AF65-F5344CB8AC3E}">
-        <p14:creationId xmlns:p14="http://schemas.microsoft.com/office/powerpoint/2010/main" xmlns="" val="3723977454"/>
+        <p14:creationId xmlns="" xmlns:p14="http://schemas.microsoft.com/office/powerpoint/2010/main" val="3723977454"/>
       </p:ext>
     </p:extLst>
   </p:cSld>
@@ -8410,7 +8388,7 @@
           <a:blip r:embed="rId3" cstate="print">
             <a:extLst>
               <a:ext uri="{28A0092B-C50C-407E-A947-70E740481C1C}">
-                <a14:useLocalDpi xmlns:a14="http://schemas.microsoft.com/office/drawing/2010/main" xmlns="" val="0"/>
+                <a14:useLocalDpi xmlns="" xmlns:a14="http://schemas.microsoft.com/office/drawing/2010/main" val="0"/>
               </a:ext>
             </a:extLst>
           </a:blip>
@@ -8440,7 +8418,7 @@
           <a:blip r:embed="rId4" cstate="print">
             <a:extLst>
               <a:ext uri="{28A0092B-C50C-407E-A947-70E740481C1C}">
-                <a14:useLocalDpi xmlns:a14="http://schemas.microsoft.com/office/drawing/2010/main" xmlns="" val="0"/>
+                <a14:useLocalDpi xmlns="" xmlns:a14="http://schemas.microsoft.com/office/drawing/2010/main" val="0"/>
               </a:ext>
             </a:extLst>
           </a:blip>
@@ -8460,7 +8438,7 @@
           <a:noFill/>
           <a:extLst>
             <a:ext uri="{909E8E84-426E-40DD-AFC4-6F175D3DCCD1}">
-              <a14:hiddenFill xmlns:a14="http://schemas.microsoft.com/office/drawing/2010/main" xmlns="">
+              <a14:hiddenFill xmlns="" xmlns:a14="http://schemas.microsoft.com/office/drawing/2010/main">
                 <a:solidFill>
                   <a:srgbClr val="FFFFFF"/>
                 </a:solidFill>
@@ -8566,7 +8544,7 @@
           <a:blip r:embed="rId5" cstate="print">
             <a:extLst>
               <a:ext uri="{28A0092B-C50C-407E-A947-70E740481C1C}">
-                <a14:useLocalDpi xmlns:a14="http://schemas.microsoft.com/office/drawing/2010/main" xmlns="" val="0"/>
+                <a14:useLocalDpi xmlns="" xmlns:a14="http://schemas.microsoft.com/office/drawing/2010/main" val="0"/>
               </a:ext>
             </a:extLst>
           </a:blip>
@@ -8586,7 +8564,7 @@
           <a:noFill/>
           <a:extLst>
             <a:ext uri="{909E8E84-426E-40DD-AFC4-6F175D3DCCD1}">
-              <a14:hiddenFill xmlns:a14="http://schemas.microsoft.com/office/drawing/2010/main" xmlns="">
+              <a14:hiddenFill xmlns="" xmlns:a14="http://schemas.microsoft.com/office/drawing/2010/main">
                 <a:solidFill>
                   <a:srgbClr val="FFFFFF"/>
                 </a:solidFill>
@@ -8607,7 +8585,7 @@
           <a:blip r:embed="rId6" cstate="print">
             <a:extLst>
               <a:ext uri="{28A0092B-C50C-407E-A947-70E740481C1C}">
-                <a14:useLocalDpi xmlns:a14="http://schemas.microsoft.com/office/drawing/2010/main" xmlns="" val="0"/>
+                <a14:useLocalDpi xmlns="" xmlns:a14="http://schemas.microsoft.com/office/drawing/2010/main" val="0"/>
               </a:ext>
             </a:extLst>
           </a:blip>
@@ -8627,7 +8605,7 @@
           <a:noFill/>
           <a:extLst>
             <a:ext uri="{909E8E84-426E-40DD-AFC4-6F175D3DCCD1}">
-              <a14:hiddenFill xmlns:a14="http://schemas.microsoft.com/office/drawing/2010/main" xmlns="">
+              <a14:hiddenFill xmlns="" xmlns:a14="http://schemas.microsoft.com/office/drawing/2010/main">
                 <a:solidFill>
                   <a:srgbClr val="FFFFFF"/>
                 </a:solidFill>
@@ -8648,7 +8626,7 @@
           <a:blip r:embed="rId7" cstate="print">
             <a:extLst>
               <a:ext uri="{28A0092B-C50C-407E-A947-70E740481C1C}">
-                <a14:useLocalDpi xmlns:a14="http://schemas.microsoft.com/office/drawing/2010/main" xmlns="" val="0"/>
+                <a14:useLocalDpi xmlns="" xmlns:a14="http://schemas.microsoft.com/office/drawing/2010/main" val="0"/>
               </a:ext>
             </a:extLst>
           </a:blip>
@@ -8668,7 +8646,7 @@
           <a:noFill/>
           <a:extLst>
             <a:ext uri="{909E8E84-426E-40DD-AFC4-6F175D3DCCD1}">
-              <a14:hiddenFill xmlns:a14="http://schemas.microsoft.com/office/drawing/2010/main" xmlns="">
+              <a14:hiddenFill xmlns="" xmlns:a14="http://schemas.microsoft.com/office/drawing/2010/main">
                 <a:solidFill>
                   <a:srgbClr val="FFFFFF"/>
                 </a:solidFill>
@@ -8680,7 +8658,7 @@
     </p:spTree>
     <p:extLst>
       <p:ext uri="{BB962C8B-B14F-4D97-AF65-F5344CB8AC3E}">
-        <p14:creationId xmlns:p14="http://schemas.microsoft.com/office/powerpoint/2010/main" xmlns="" val="26222973"/>
+        <p14:creationId xmlns="" xmlns:p14="http://schemas.microsoft.com/office/powerpoint/2010/main" val="26222973"/>
       </p:ext>
     </p:extLst>
   </p:cSld>
@@ -8801,7 +8779,7 @@
           <a:blip r:embed="rId3" cstate="print">
             <a:extLst>
               <a:ext uri="{28A0092B-C50C-407E-A947-70E740481C1C}">
-                <a14:useLocalDpi xmlns:a14="http://schemas.microsoft.com/office/drawing/2010/main" xmlns="" val="0"/>
+                <a14:useLocalDpi xmlns="" xmlns:a14="http://schemas.microsoft.com/office/drawing/2010/main" val="0"/>
               </a:ext>
             </a:extLst>
           </a:blip>
@@ -8821,7 +8799,7 @@
           <a:noFill/>
           <a:extLst>
             <a:ext uri="{909E8E84-426E-40DD-AFC4-6F175D3DCCD1}">
-              <a14:hiddenFill xmlns:a14="http://schemas.microsoft.com/office/drawing/2010/main" xmlns="">
+              <a14:hiddenFill xmlns="" xmlns:a14="http://schemas.microsoft.com/office/drawing/2010/main">
                 <a:solidFill>
                   <a:srgbClr val="FFFFFF"/>
                 </a:solidFill>
@@ -8842,7 +8820,7 @@
           <a:blip r:embed="rId3" cstate="print">
             <a:extLst>
               <a:ext uri="{28A0092B-C50C-407E-A947-70E740481C1C}">
-                <a14:useLocalDpi xmlns:a14="http://schemas.microsoft.com/office/drawing/2010/main" xmlns="" val="0"/>
+                <a14:useLocalDpi xmlns="" xmlns:a14="http://schemas.microsoft.com/office/drawing/2010/main" val="0"/>
               </a:ext>
             </a:extLst>
           </a:blip>
@@ -8862,7 +8840,7 @@
           <a:noFill/>
           <a:extLst>
             <a:ext uri="{909E8E84-426E-40DD-AFC4-6F175D3DCCD1}">
-              <a14:hiddenFill xmlns:a14="http://schemas.microsoft.com/office/drawing/2010/main" xmlns="">
+              <a14:hiddenFill xmlns="" xmlns:a14="http://schemas.microsoft.com/office/drawing/2010/main">
                 <a:solidFill>
                   <a:srgbClr val="FFFFFF"/>
                 </a:solidFill>
@@ -8883,7 +8861,7 @@
           <a:blip r:embed="rId4" cstate="print">
             <a:extLst>
               <a:ext uri="{28A0092B-C50C-407E-A947-70E740481C1C}">
-                <a14:useLocalDpi xmlns:a14="http://schemas.microsoft.com/office/drawing/2010/main" xmlns="" val="0"/>
+                <a14:useLocalDpi xmlns="" xmlns:a14="http://schemas.microsoft.com/office/drawing/2010/main" val="0"/>
               </a:ext>
             </a:extLst>
           </a:blip>
@@ -8903,7 +8881,7 @@
           <a:noFill/>
           <a:extLst>
             <a:ext uri="{909E8E84-426E-40DD-AFC4-6F175D3DCCD1}">
-              <a14:hiddenFill xmlns:a14="http://schemas.microsoft.com/office/drawing/2010/main" xmlns="">
+              <a14:hiddenFill xmlns="" xmlns:a14="http://schemas.microsoft.com/office/drawing/2010/main">
                 <a:solidFill>
                   <a:srgbClr val="FFFFFF"/>
                 </a:solidFill>
@@ -9130,14 +9108,14 @@
           <a:effectLst/>
           <a:extLst>
             <a:ext uri="{909E8E84-426E-40DD-AFC4-6F175D3DCCD1}">
-              <a14:hiddenFill xmlns:a14="http://schemas.microsoft.com/office/drawing/2010/main" xmlns="">
+              <a14:hiddenFill xmlns="" xmlns:a14="http://schemas.microsoft.com/office/drawing/2010/main">
                 <a:solidFill>
                   <a:schemeClr val="accent1"/>
                 </a:solidFill>
               </a14:hiddenFill>
             </a:ext>
             <a:ext uri="{91240B29-F687-4F45-9708-019B960494DF}">
-              <a14:hiddenLine xmlns:a14="http://schemas.microsoft.com/office/drawing/2010/main" xmlns="" w="9525">
+              <a14:hiddenLine xmlns="" xmlns:a14="http://schemas.microsoft.com/office/drawing/2010/main" w="9525">
                 <a:solidFill>
                   <a:schemeClr val="tx1"/>
                 </a:solidFill>
@@ -9147,7 +9125,7 @@
               </a14:hiddenLine>
             </a:ext>
             <a:ext uri="{AF507438-7753-43E0-B8FC-AC1667EBCBE1}">
-              <a14:hiddenEffects xmlns:a14="http://schemas.microsoft.com/office/drawing/2010/main" xmlns="">
+              <a14:hiddenEffects xmlns="" xmlns:a14="http://schemas.microsoft.com/office/drawing/2010/main">
                 <a:effectLst>
                   <a:outerShdw dist="35921" dir="2700000" algn="ctr" rotWithShape="0">
                     <a:schemeClr val="bg2"/>
@@ -9262,7 +9240,7 @@
     </p:spTree>
     <p:extLst>
       <p:ext uri="{BB962C8B-B14F-4D97-AF65-F5344CB8AC3E}">
-        <p14:creationId xmlns:p14="http://schemas.microsoft.com/office/powerpoint/2010/main" xmlns="" val="2437256557"/>
+        <p14:creationId xmlns="" xmlns:p14="http://schemas.microsoft.com/office/powerpoint/2010/main" val="2437256557"/>
       </p:ext>
     </p:extLst>
   </p:cSld>
@@ -9426,7 +9404,7 @@
           <a:blip r:embed="rId3" cstate="print">
             <a:extLst>
               <a:ext uri="{28A0092B-C50C-407E-A947-70E740481C1C}">
-                <a14:useLocalDpi xmlns:a14="http://schemas.microsoft.com/office/drawing/2010/main" xmlns="" val="0"/>
+                <a14:useLocalDpi xmlns="" xmlns:a14="http://schemas.microsoft.com/office/drawing/2010/main" val="0"/>
               </a:ext>
             </a:extLst>
           </a:blip>
@@ -9446,7 +9424,7 @@
           <a:noFill/>
           <a:extLst>
             <a:ext uri="{909E8E84-426E-40DD-AFC4-6F175D3DCCD1}">
-              <a14:hiddenFill xmlns:a14="http://schemas.microsoft.com/office/drawing/2010/main" xmlns="">
+              <a14:hiddenFill xmlns="" xmlns:a14="http://schemas.microsoft.com/office/drawing/2010/main">
                 <a:solidFill>
                   <a:srgbClr val="FFFFFF"/>
                 </a:solidFill>
@@ -9467,7 +9445,7 @@
           <a:blip r:embed="rId4" cstate="print">
             <a:extLst>
               <a:ext uri="{28A0092B-C50C-407E-A947-70E740481C1C}">
-                <a14:useLocalDpi xmlns:a14="http://schemas.microsoft.com/office/drawing/2010/main" xmlns="" val="0"/>
+                <a14:useLocalDpi xmlns="" xmlns:a14="http://schemas.microsoft.com/office/drawing/2010/main" val="0"/>
               </a:ext>
             </a:extLst>
           </a:blip>
@@ -9668,7 +9646,7 @@
           <a:blip r:embed="rId5" cstate="print">
             <a:extLst>
               <a:ext uri="{28A0092B-C50C-407E-A947-70E740481C1C}">
-                <a14:useLocalDpi xmlns:a14="http://schemas.microsoft.com/office/drawing/2010/main" xmlns="" val="0"/>
+                <a14:useLocalDpi xmlns="" xmlns:a14="http://schemas.microsoft.com/office/drawing/2010/main" val="0"/>
               </a:ext>
             </a:extLst>
           </a:blip>
@@ -9688,7 +9666,7 @@
           <a:noFill/>
           <a:extLst>
             <a:ext uri="{909E8E84-426E-40DD-AFC4-6F175D3DCCD1}">
-              <a14:hiddenFill xmlns:a14="http://schemas.microsoft.com/office/drawing/2010/main" xmlns="">
+              <a14:hiddenFill xmlns="" xmlns:a14="http://schemas.microsoft.com/office/drawing/2010/main">
                 <a:solidFill>
                   <a:srgbClr val="FFFFFF"/>
                 </a:solidFill>
@@ -9763,7 +9741,7 @@
           <a:blip r:embed="rId6" cstate="print">
             <a:extLst>
               <a:ext uri="{28A0092B-C50C-407E-A947-70E740481C1C}">
-                <a14:useLocalDpi xmlns:a14="http://schemas.microsoft.com/office/drawing/2010/main" xmlns="" val="0"/>
+                <a14:useLocalDpi xmlns="" xmlns:a14="http://schemas.microsoft.com/office/drawing/2010/main" val="0"/>
               </a:ext>
             </a:extLst>
           </a:blip>
@@ -9783,7 +9761,7 @@
           <a:noFill/>
           <a:extLst>
             <a:ext uri="{909E8E84-426E-40DD-AFC4-6F175D3DCCD1}">
-              <a14:hiddenFill xmlns:a14="http://schemas.microsoft.com/office/drawing/2010/main" xmlns="">
+              <a14:hiddenFill xmlns="" xmlns:a14="http://schemas.microsoft.com/office/drawing/2010/main">
                 <a:solidFill>
                   <a:srgbClr val="FFFFFF"/>
                 </a:solidFill>
@@ -9849,14 +9827,14 @@
           <a:effectLst/>
           <a:extLst>
             <a:ext uri="{909E8E84-426E-40DD-AFC4-6F175D3DCCD1}">
-              <a14:hiddenFill xmlns:a14="http://schemas.microsoft.com/office/drawing/2010/main" xmlns="">
+              <a14:hiddenFill xmlns="" xmlns:a14="http://schemas.microsoft.com/office/drawing/2010/main">
                 <a:solidFill>
                   <a:schemeClr val="accent1"/>
                 </a:solidFill>
               </a14:hiddenFill>
             </a:ext>
             <a:ext uri="{91240B29-F687-4F45-9708-019B960494DF}">
-              <a14:hiddenLine xmlns:a14="http://schemas.microsoft.com/office/drawing/2010/main" xmlns="" w="9525">
+              <a14:hiddenLine xmlns="" xmlns:a14="http://schemas.microsoft.com/office/drawing/2010/main" w="9525">
                 <a:solidFill>
                   <a:schemeClr val="tx1"/>
                 </a:solidFill>
@@ -9866,7 +9844,7 @@
               </a14:hiddenLine>
             </a:ext>
             <a:ext uri="{AF507438-7753-43E0-B8FC-AC1667EBCBE1}">
-              <a14:hiddenEffects xmlns:a14="http://schemas.microsoft.com/office/drawing/2010/main" xmlns="">
+              <a14:hiddenEffects xmlns="" xmlns:a14="http://schemas.microsoft.com/office/drawing/2010/main">
                 <a:effectLst>
                   <a:outerShdw dist="35921" dir="2700000" algn="ctr" rotWithShape="0">
                     <a:schemeClr val="bg2"/>
@@ -9957,7 +9935,7 @@
     </p:spTree>
     <p:extLst>
       <p:ext uri="{BB962C8B-B14F-4D97-AF65-F5344CB8AC3E}">
-        <p14:creationId xmlns:p14="http://schemas.microsoft.com/office/powerpoint/2010/main" xmlns="" val="1709874429"/>
+        <p14:creationId xmlns="" xmlns:p14="http://schemas.microsoft.com/office/powerpoint/2010/main" val="1709874429"/>
       </p:ext>
     </p:extLst>
   </p:cSld>
@@ -10114,7 +10092,7 @@
         </p:nvCxnSpPr>
         <p:spPr>
           <a:xfrm>
-            <a:off x="6228184" y="2132856"/>
+            <a:off x="6372200" y="2132856"/>
             <a:ext cx="0" cy="4536504"/>
           </a:xfrm>
           <a:prstGeom prst="line">
@@ -10150,7 +10128,7 @@
         </p:nvSpPr>
         <p:spPr>
           <a:xfrm>
-            <a:off x="3923928" y="2494057"/>
+            <a:off x="4067944" y="2494057"/>
             <a:ext cx="1773241" cy="430887"/>
           </a:xfrm>
           <a:prstGeom prst="rect">
@@ -10220,7 +10198,7 @@
         </p:nvSpPr>
         <p:spPr>
           <a:xfrm>
-            <a:off x="6444208" y="4077072"/>
+            <a:off x="6588224" y="4077072"/>
             <a:ext cx="2150641" cy="1079999"/>
           </a:xfrm>
           <a:prstGeom prst="rect">
@@ -10273,7 +10251,7 @@
         </p:nvSpPr>
         <p:spPr>
           <a:xfrm>
-            <a:off x="3851920" y="5157192"/>
+            <a:off x="3995936" y="5157192"/>
             <a:ext cx="4740352" cy="1080150"/>
           </a:xfrm>
           <a:prstGeom prst="rect">
@@ -10340,7 +10318,7 @@
         </p:nvSpPr>
         <p:spPr>
           <a:xfrm>
-            <a:off x="3861519" y="2997073"/>
+            <a:off x="4005535" y="2997073"/>
             <a:ext cx="2150641" cy="2160119"/>
           </a:xfrm>
           <a:prstGeom prst="rect">
@@ -10395,13 +10373,6 @@
               </a:rPr>
               <a:t>(Using USB Camera)</a:t>
             </a:r>
-            <a:endParaRPr lang="en-US" altLang="ko-KR" sz="1800" b="1" dirty="0" smtClean="0">
-              <a:solidFill>
-                <a:srgbClr val="000000"/>
-              </a:solidFill>
-              <a:latin typeface="HY강M" pitchFamily="18" charset="-127"/>
-              <a:ea typeface="HY강M" pitchFamily="18" charset="-127"/>
-            </a:endParaRPr>
           </a:p>
         </p:txBody>
       </p:sp>
@@ -10413,7 +10384,7 @@
         </p:nvSpPr>
         <p:spPr>
           <a:xfrm>
-            <a:off x="6444208" y="2997073"/>
+            <a:off x="6588224" y="2997073"/>
             <a:ext cx="2150641" cy="1079999"/>
           </a:xfrm>
           <a:prstGeom prst="rect">
@@ -10472,7 +10443,7 @@
         </p:blipFill>
         <p:spPr bwMode="auto">
           <a:xfrm>
-            <a:off x="6516216" y="3087086"/>
+            <a:off x="6660232" y="3087086"/>
             <a:ext cx="1944216" cy="897590"/>
           </a:xfrm>
           <a:prstGeom prst="rect">
@@ -10495,7 +10466,7 @@
         </p:nvSpPr>
         <p:spPr>
           <a:xfrm>
-            <a:off x="683568" y="2493936"/>
+            <a:off x="539552" y="2493936"/>
             <a:ext cx="1773241" cy="430887"/>
           </a:xfrm>
           <a:prstGeom prst="rect">
@@ -10530,7 +10501,7 @@
         </p:nvSpPr>
         <p:spPr>
           <a:xfrm>
-            <a:off x="467544" y="2996952"/>
+            <a:off x="323528" y="2996952"/>
             <a:ext cx="2150641" cy="2160119"/>
           </a:xfrm>
           <a:prstGeom prst="rect">
@@ -10585,13 +10556,6 @@
               </a:rPr>
               <a:t>(Using USB Camera)</a:t>
             </a:r>
-            <a:endParaRPr lang="en-US" altLang="ko-KR" sz="1800" b="1" dirty="0" smtClean="0">
-              <a:solidFill>
-                <a:srgbClr val="000000"/>
-              </a:solidFill>
-              <a:latin typeface="HY강M" pitchFamily="18" charset="-127"/>
-              <a:ea typeface="HY강M" pitchFamily="18" charset="-127"/>
-            </a:endParaRPr>
           </a:p>
         </p:txBody>
       </p:sp>
@@ -10603,7 +10567,7 @@
         </p:nvSpPr>
         <p:spPr>
           <a:xfrm rot="16200000">
-            <a:off x="2880616" y="5264400"/>
+            <a:off x="2880616" y="4112272"/>
             <a:ext cx="718472" cy="1080120"/>
           </a:xfrm>
           <a:prstGeom prst="downArrow">
@@ -10656,7 +10620,7 @@
         </p:nvGrpSpPr>
         <p:grpSpPr>
           <a:xfrm>
-            <a:off x="3851920" y="2996952"/>
+            <a:off x="3995936" y="2996952"/>
             <a:ext cx="4752528" cy="3240360"/>
             <a:chOff x="3851920" y="2996952"/>
             <a:chExt cx="4752528" cy="3240360"/>
@@ -10701,7 +10665,7 @@
             <a:effectLst/>
             <a:extLst>
               <a:ext uri="{91240B29-F687-4F45-9708-019B960494DF}">
-                <a14:hiddenLine xmlns:a14="http://schemas.microsoft.com/office/drawing/2010/main" xmlns="" w="9525" cap="flat" cmpd="sng" algn="ctr">
+                <a14:hiddenLine xmlns="" xmlns:a14="http://schemas.microsoft.com/office/drawing/2010/main" w="9525" cap="flat" cmpd="sng" algn="ctr">
                   <a:solidFill>
                     <a:schemeClr val="tx1"/>
                   </a:solidFill>
@@ -10712,7 +10676,7 @@
                 </a14:hiddenLine>
               </a:ext>
               <a:ext uri="{AF507438-7753-43E0-B8FC-AC1667EBCBE1}">
-                <a14:hiddenEffects xmlns:a14="http://schemas.microsoft.com/office/drawing/2010/main" xmlns="">
+                <a14:hiddenEffects xmlns="" xmlns:a14="http://schemas.microsoft.com/office/drawing/2010/main">
                   <a:effectLst>
                     <a:outerShdw dist="35921" dir="2700000" algn="ctr" rotWithShape="0">
                       <a:schemeClr val="bg2"/>
@@ -10762,7 +10726,7 @@
             <a:effectLst/>
             <a:extLst>
               <a:ext uri="{91240B29-F687-4F45-9708-019B960494DF}">
-                <a14:hiddenLine xmlns:a14="http://schemas.microsoft.com/office/drawing/2010/main" xmlns="" w="9525" cap="flat" cmpd="sng" algn="ctr">
+                <a14:hiddenLine xmlns="" xmlns:a14="http://schemas.microsoft.com/office/drawing/2010/main" w="9525" cap="flat" cmpd="sng" algn="ctr">
                   <a:solidFill>
                     <a:schemeClr val="tx1"/>
                   </a:solidFill>
@@ -10773,7 +10737,7 @@
                 </a14:hiddenLine>
               </a:ext>
               <a:ext uri="{AF507438-7753-43E0-B8FC-AC1667EBCBE1}">
-                <a14:hiddenEffects xmlns:a14="http://schemas.microsoft.com/office/drawing/2010/main" xmlns="">
+                <a14:hiddenEffects xmlns="" xmlns:a14="http://schemas.microsoft.com/office/drawing/2010/main">
                   <a:effectLst>
                     <a:outerShdw dist="35921" dir="2700000" algn="ctr" rotWithShape="0">
                       <a:schemeClr val="bg2"/>
@@ -10823,7 +10787,7 @@
             <a:effectLst/>
             <a:extLst>
               <a:ext uri="{91240B29-F687-4F45-9708-019B960494DF}">
-                <a14:hiddenLine xmlns:a14="http://schemas.microsoft.com/office/drawing/2010/main" xmlns="" w="9525" cap="flat" cmpd="sng" algn="ctr">
+                <a14:hiddenLine xmlns="" xmlns:a14="http://schemas.microsoft.com/office/drawing/2010/main" w="9525" cap="flat" cmpd="sng" algn="ctr">
                   <a:solidFill>
                     <a:schemeClr val="tx1"/>
                   </a:solidFill>
@@ -10834,7 +10798,7 @@
                 </a14:hiddenLine>
               </a:ext>
               <a:ext uri="{AF507438-7753-43E0-B8FC-AC1667EBCBE1}">
-                <a14:hiddenEffects xmlns:a14="http://schemas.microsoft.com/office/drawing/2010/main" xmlns="">
+                <a14:hiddenEffects xmlns="" xmlns:a14="http://schemas.microsoft.com/office/drawing/2010/main">
                   <a:effectLst>
                     <a:outerShdw dist="35921" dir="2700000" algn="ctr" rotWithShape="0">
                       <a:schemeClr val="bg2"/>
@@ -10884,7 +10848,7 @@
             <a:effectLst/>
             <a:extLst>
               <a:ext uri="{91240B29-F687-4F45-9708-019B960494DF}">
-                <a14:hiddenLine xmlns:a14="http://schemas.microsoft.com/office/drawing/2010/main" xmlns="" w="9525" cap="flat" cmpd="sng" algn="ctr">
+                <a14:hiddenLine xmlns="" xmlns:a14="http://schemas.microsoft.com/office/drawing/2010/main" w="9525" cap="flat" cmpd="sng" algn="ctr">
                   <a:solidFill>
                     <a:schemeClr val="tx1"/>
                   </a:solidFill>
@@ -10895,7 +10859,7 @@
                 </a14:hiddenLine>
               </a:ext>
               <a:ext uri="{AF507438-7753-43E0-B8FC-AC1667EBCBE1}">
-                <a14:hiddenEffects xmlns:a14="http://schemas.microsoft.com/office/drawing/2010/main" xmlns="">
+                <a14:hiddenEffects xmlns="" xmlns:a14="http://schemas.microsoft.com/office/drawing/2010/main">
                   <a:effectLst>
                     <a:outerShdw dist="35921" dir="2700000" algn="ctr" rotWithShape="0">
                       <a:schemeClr val="bg2"/>
@@ -10945,7 +10909,7 @@
             <a:effectLst/>
             <a:extLst>
               <a:ext uri="{91240B29-F687-4F45-9708-019B960494DF}">
-                <a14:hiddenLine xmlns:a14="http://schemas.microsoft.com/office/drawing/2010/main" xmlns="" w="9525" cap="flat" cmpd="sng" algn="ctr">
+                <a14:hiddenLine xmlns="" xmlns:a14="http://schemas.microsoft.com/office/drawing/2010/main" w="9525" cap="flat" cmpd="sng" algn="ctr">
                   <a:solidFill>
                     <a:schemeClr val="tx1"/>
                   </a:solidFill>
@@ -10956,7 +10920,7 @@
                 </a14:hiddenLine>
               </a:ext>
               <a:ext uri="{AF507438-7753-43E0-B8FC-AC1667EBCBE1}">
-                <a14:hiddenEffects xmlns:a14="http://schemas.microsoft.com/office/drawing/2010/main" xmlns="">
+                <a14:hiddenEffects xmlns="" xmlns:a14="http://schemas.microsoft.com/office/drawing/2010/main">
                   <a:effectLst>
                     <a:outerShdw dist="35921" dir="2700000" algn="ctr" rotWithShape="0">
                       <a:schemeClr val="bg2"/>
@@ -11006,7 +10970,7 @@
             <a:effectLst/>
             <a:extLst>
               <a:ext uri="{91240B29-F687-4F45-9708-019B960494DF}">
-                <a14:hiddenLine xmlns:a14="http://schemas.microsoft.com/office/drawing/2010/main" xmlns="" w="9525" cap="flat" cmpd="sng" algn="ctr">
+                <a14:hiddenLine xmlns="" xmlns:a14="http://schemas.microsoft.com/office/drawing/2010/main" w="9525" cap="flat" cmpd="sng" algn="ctr">
                   <a:solidFill>
                     <a:schemeClr val="tx1"/>
                   </a:solidFill>
@@ -11017,7 +10981,7 @@
                 </a14:hiddenLine>
               </a:ext>
               <a:ext uri="{AF507438-7753-43E0-B8FC-AC1667EBCBE1}">
-                <a14:hiddenEffects xmlns:a14="http://schemas.microsoft.com/office/drawing/2010/main" xmlns="">
+                <a14:hiddenEffects xmlns="" xmlns:a14="http://schemas.microsoft.com/office/drawing/2010/main">
                   <a:effectLst>
                     <a:outerShdw dist="35921" dir="2700000" algn="ctr" rotWithShape="0">
                       <a:schemeClr val="bg2"/>
@@ -11037,7 +11001,7 @@
         </p:nvSpPr>
         <p:spPr>
           <a:xfrm>
-            <a:off x="477143" y="5157192"/>
+            <a:off x="333127" y="5157192"/>
             <a:ext cx="2150641" cy="1079999"/>
           </a:xfrm>
           <a:prstGeom prst="rect">
@@ -11089,7 +11053,7 @@
     </p:spTree>
     <p:extLst>
       <p:ext uri="{BB962C8B-B14F-4D97-AF65-F5344CB8AC3E}">
-        <p14:creationId xmlns:p14="http://schemas.microsoft.com/office/powerpoint/2010/main" xmlns="" val="1532431054"/>
+        <p14:creationId xmlns="" xmlns:p14="http://schemas.microsoft.com/office/powerpoint/2010/main" val="1532431054"/>
       </p:ext>
     </p:extLst>
   </p:cSld>
@@ -11169,535 +11133,28 @@
       </p:sp>
       <p:grpSp>
         <p:nvGrpSpPr>
-          <p:cNvPr id="33" name="그룹 32"/>
+          <p:cNvPr id="3" name="그룹 2"/>
           <p:cNvGrpSpPr/>
           <p:nvPr/>
         </p:nvGrpSpPr>
         <p:grpSpPr>
           <a:xfrm>
             <a:off x="767239" y="3886898"/>
-            <a:ext cx="2150641" cy="1808366"/>
+            <a:ext cx="2150641" cy="1125268"/>
             <a:chOff x="1331640" y="2015700"/>
-            <a:chExt cx="2150641" cy="1808366"/>
+            <a:chExt cx="2150641" cy="1125268"/>
           </a:xfrm>
         </p:grpSpPr>
-        <p:grpSp>
-          <p:nvGrpSpPr>
-            <p:cNvPr id="3" name="그룹 2"/>
-            <p:cNvGrpSpPr/>
-            <p:nvPr/>
-          </p:nvGrpSpPr>
-          <p:grpSpPr>
-            <a:xfrm>
-              <a:off x="1331640" y="2015700"/>
-              <a:ext cx="2150641" cy="1125268"/>
-              <a:chOff x="1331640" y="2015700"/>
-              <a:chExt cx="2150641" cy="1125268"/>
-            </a:xfrm>
-          </p:grpSpPr>
-          <p:sp>
-            <p:nvSpPr>
-              <p:cNvPr id="6" name="직사각형 5"/>
-              <p:cNvSpPr/>
-              <p:nvPr/>
-            </p:nvSpPr>
-            <p:spPr>
-              <a:xfrm>
-                <a:off x="1331640" y="2015700"/>
-                <a:ext cx="2150641" cy="1053259"/>
-              </a:xfrm>
-              <a:prstGeom prst="rect">
-                <a:avLst/>
-              </a:prstGeom>
-              <a:solidFill>
-                <a:schemeClr val="bg1">
-                  <a:lumMod val="50000"/>
-                  <a:alpha val="65000"/>
-                </a:schemeClr>
-              </a:solidFill>
-              <a:ln/>
-            </p:spPr>
-            <p:style>
-              <a:lnRef idx="0">
-                <a:schemeClr val="accent2"/>
-              </a:lnRef>
-              <a:fillRef idx="3">
-                <a:schemeClr val="accent2"/>
-              </a:fillRef>
-              <a:effectRef idx="3">
-                <a:schemeClr val="accent2"/>
-              </a:effectRef>
-              <a:fontRef idx="minor">
-                <a:schemeClr val="lt1"/>
-              </a:fontRef>
-            </p:style>
-            <p:txBody>
-              <a:bodyPr rtlCol="0" anchor="ctr"/>
-              <a:lstStyle/>
-              <a:p>
-                <a:pPr algn="ctr"/>
-                <a:r>
-                  <a:rPr lang="en-US" altLang="ko-KR" sz="1800" b="1" dirty="0">
-                    <a:solidFill>
-                      <a:srgbClr val="000000"/>
-                    </a:solidFill>
-                    <a:latin typeface="HY동녘M" pitchFamily="18" charset="-127"/>
-                    <a:ea typeface="HY동녘M" pitchFamily="18" charset="-127"/>
-                  </a:rPr>
-                  <a:t>P</a:t>
-                </a:r>
-                <a:r>
-                  <a:rPr lang="en-US" altLang="ko-KR" sz="1800" b="1" dirty="0" smtClean="0">
-                    <a:solidFill>
-                      <a:srgbClr val="000000"/>
-                    </a:solidFill>
-                    <a:latin typeface="HY동녘M" pitchFamily="18" charset="-127"/>
-                    <a:ea typeface="HY동녘M" pitchFamily="18" charset="-127"/>
-                  </a:rPr>
-                  <a:t>C App</a:t>
-                </a:r>
-                <a:endParaRPr lang="ko-KR" altLang="en-US" sz="1800" b="1" dirty="0">
-                  <a:solidFill>
-                    <a:srgbClr val="000000"/>
-                  </a:solidFill>
-                  <a:latin typeface="HY동녘M" pitchFamily="18" charset="-127"/>
-                  <a:ea typeface="HY동녘M" pitchFamily="18" charset="-127"/>
-                </a:endParaRPr>
-              </a:p>
-            </p:txBody>
-          </p:sp>
-          <p:sp>
-            <p:nvSpPr>
-              <p:cNvPr id="7" name="모서리가 둥근 직사각형 6"/>
-              <p:cNvSpPr/>
-              <p:nvPr/>
-            </p:nvSpPr>
-            <p:spPr>
-              <a:xfrm>
-                <a:off x="1691680" y="2805932"/>
-                <a:ext cx="576064" cy="335036"/>
-              </a:xfrm>
-              <a:prstGeom prst="roundRect">
-                <a:avLst/>
-              </a:prstGeom>
-              <a:ln/>
-            </p:spPr>
-            <p:style>
-              <a:lnRef idx="2">
-                <a:schemeClr val="accent3"/>
-              </a:lnRef>
-              <a:fillRef idx="1">
-                <a:schemeClr val="lt1"/>
-              </a:fillRef>
-              <a:effectRef idx="0">
-                <a:schemeClr val="accent3"/>
-              </a:effectRef>
-              <a:fontRef idx="minor">
-                <a:schemeClr val="dk1"/>
-              </a:fontRef>
-            </p:style>
-            <p:txBody>
-              <a:bodyPr rtlCol="0" anchor="ctr"/>
-              <a:lstStyle/>
-              <a:p>
-                <a:pPr algn="ctr"/>
-                <a:endParaRPr lang="ko-KR" altLang="en-US" dirty="0">
-                  <a:solidFill>
-                    <a:schemeClr val="tx1"/>
-                  </a:solidFill>
-                  <a:latin typeface="HY동녘M" pitchFamily="18" charset="-127"/>
-                  <a:ea typeface="HY동녘M" pitchFamily="18" charset="-127"/>
-                </a:endParaRPr>
-              </a:p>
-            </p:txBody>
-          </p:sp>
-        </p:grpSp>
-        <p:grpSp>
-          <p:nvGrpSpPr>
-            <p:cNvPr id="9" name="그룹 8"/>
-            <p:cNvGrpSpPr/>
-            <p:nvPr/>
-          </p:nvGrpSpPr>
-          <p:grpSpPr>
-            <a:xfrm>
-              <a:off x="1331640" y="2924944"/>
-              <a:ext cx="1368152" cy="899122"/>
-              <a:chOff x="1331640" y="3140968"/>
-              <a:chExt cx="1368152" cy="899122"/>
-            </a:xfrm>
-          </p:grpSpPr>
-          <p:sp>
-            <p:nvSpPr>
-              <p:cNvPr id="2" name="모서리가 둥근 직사각형 1"/>
-              <p:cNvSpPr/>
-              <p:nvPr/>
-            </p:nvSpPr>
-            <p:spPr>
-              <a:xfrm>
-                <a:off x="1691680" y="3140968"/>
-                <a:ext cx="576064" cy="504057"/>
-              </a:xfrm>
-              <a:prstGeom prst="roundRect">
-                <a:avLst/>
-              </a:prstGeom>
-              <a:ln/>
-            </p:spPr>
-            <p:style>
-              <a:lnRef idx="0">
-                <a:schemeClr val="accent1"/>
-              </a:lnRef>
-              <a:fillRef idx="3">
-                <a:schemeClr val="accent1"/>
-              </a:fillRef>
-              <a:effectRef idx="3">
-                <a:schemeClr val="accent1"/>
-              </a:effectRef>
-              <a:fontRef idx="minor">
-                <a:schemeClr val="lt1"/>
-              </a:fontRef>
-            </p:style>
-            <p:txBody>
-              <a:bodyPr rtlCol="0" anchor="ctr"/>
-              <a:lstStyle/>
-              <a:p>
-                <a:pPr algn="ctr"/>
-                <a:endParaRPr lang="ko-KR" altLang="en-US" dirty="0">
-                  <a:solidFill>
-                    <a:schemeClr val="tx1"/>
-                  </a:solidFill>
-                  <a:latin typeface="HY동녘M" pitchFamily="18" charset="-127"/>
-                  <a:ea typeface="HY동녘M" pitchFamily="18" charset="-127"/>
-                </a:endParaRPr>
-              </a:p>
-            </p:txBody>
-          </p:sp>
-          <p:sp>
-            <p:nvSpPr>
-              <p:cNvPr id="4" name="직사각형 3"/>
-              <p:cNvSpPr/>
-              <p:nvPr/>
-            </p:nvSpPr>
-            <p:spPr>
-              <a:xfrm>
-                <a:off x="1331640" y="3462390"/>
-                <a:ext cx="1368152" cy="577700"/>
-              </a:xfrm>
-              <a:prstGeom prst="rect">
-                <a:avLst/>
-              </a:prstGeom>
-              <a:ln/>
-            </p:spPr>
-            <p:style>
-              <a:lnRef idx="0">
-                <a:schemeClr val="accent2"/>
-              </a:lnRef>
-              <a:fillRef idx="3">
-                <a:schemeClr val="accent2"/>
-              </a:fillRef>
-              <a:effectRef idx="3">
-                <a:schemeClr val="accent2"/>
-              </a:effectRef>
-              <a:fontRef idx="minor">
-                <a:schemeClr val="lt1"/>
-              </a:fontRef>
-            </p:style>
-            <p:txBody>
-              <a:bodyPr rtlCol="0" anchor="ctr"/>
-              <a:lstStyle/>
-              <a:p>
-                <a:pPr algn="ctr"/>
-                <a:r>
-                  <a:rPr lang="en-US" altLang="ko-KR" sz="1800" b="1" dirty="0" smtClean="0">
-                    <a:solidFill>
-                      <a:srgbClr val="000000"/>
-                    </a:solidFill>
-                    <a:latin typeface="HY동녘M" pitchFamily="18" charset="-127"/>
-                    <a:ea typeface="HY동녘M" pitchFamily="18" charset="-127"/>
-                  </a:rPr>
-                  <a:t>USB</a:t>
-                </a:r>
-                <a:endParaRPr lang="ko-KR" altLang="en-US" sz="1800" b="1" dirty="0">
-                  <a:solidFill>
-                    <a:srgbClr val="000000"/>
-                  </a:solidFill>
-                  <a:latin typeface="HY동녘M" pitchFamily="18" charset="-127"/>
-                  <a:ea typeface="HY동녘M" pitchFamily="18" charset="-127"/>
-                </a:endParaRPr>
-              </a:p>
-            </p:txBody>
-          </p:sp>
-        </p:grpSp>
-      </p:grpSp>
-      <p:grpSp>
-        <p:nvGrpSpPr>
-          <p:cNvPr id="34" name="그룹 33"/>
-          <p:cNvGrpSpPr/>
-          <p:nvPr/>
-        </p:nvGrpSpPr>
-        <p:grpSpPr>
-          <a:xfrm>
-            <a:off x="3419872" y="3862718"/>
-            <a:ext cx="2150641" cy="2446602"/>
-            <a:chOff x="5364088" y="1270430"/>
-            <a:chExt cx="2150641" cy="2446602"/>
-          </a:xfrm>
-        </p:grpSpPr>
-        <p:grpSp>
-          <p:nvGrpSpPr>
-            <p:cNvPr id="10" name="그룹 9"/>
-            <p:cNvGrpSpPr/>
-            <p:nvPr/>
-          </p:nvGrpSpPr>
-          <p:grpSpPr>
-            <a:xfrm>
-              <a:off x="5364088" y="1270430"/>
-              <a:ext cx="2150641" cy="1125268"/>
-              <a:chOff x="1331640" y="2015700"/>
-              <a:chExt cx="2150641" cy="1125268"/>
-            </a:xfrm>
-          </p:grpSpPr>
-          <p:sp>
-            <p:nvSpPr>
-              <p:cNvPr id="11" name="직사각형 10"/>
-              <p:cNvSpPr/>
-              <p:nvPr/>
-            </p:nvSpPr>
-            <p:spPr>
-              <a:xfrm>
-                <a:off x="1331640" y="2015700"/>
-                <a:ext cx="2150641" cy="1053259"/>
-              </a:xfrm>
-              <a:prstGeom prst="rect">
-                <a:avLst/>
-              </a:prstGeom>
-              <a:solidFill>
-                <a:schemeClr val="bg1">
-                  <a:lumMod val="50000"/>
-                  <a:alpha val="65000"/>
-                </a:schemeClr>
-              </a:solidFill>
-              <a:ln/>
-            </p:spPr>
-            <p:style>
-              <a:lnRef idx="0">
-                <a:schemeClr val="accent2"/>
-              </a:lnRef>
-              <a:fillRef idx="3">
-                <a:schemeClr val="accent2"/>
-              </a:fillRef>
-              <a:effectRef idx="3">
-                <a:schemeClr val="accent2"/>
-              </a:effectRef>
-              <a:fontRef idx="minor">
-                <a:schemeClr val="lt1"/>
-              </a:fontRef>
-            </p:style>
-            <p:txBody>
-              <a:bodyPr rtlCol="0" anchor="ctr"/>
-              <a:lstStyle/>
-              <a:p>
-                <a:pPr algn="ctr"/>
-                <a:r>
-                  <a:rPr lang="en-US" altLang="ko-KR" sz="1800" b="1" dirty="0">
-                    <a:solidFill>
-                      <a:srgbClr val="000000"/>
-                    </a:solidFill>
-                    <a:latin typeface="HY동녘M" pitchFamily="18" charset="-127"/>
-                    <a:ea typeface="HY동녘M" pitchFamily="18" charset="-127"/>
-                  </a:rPr>
-                  <a:t>P</a:t>
-                </a:r>
-                <a:r>
-                  <a:rPr lang="en-US" altLang="ko-KR" sz="1800" b="1" dirty="0" smtClean="0">
-                    <a:solidFill>
-                      <a:srgbClr val="000000"/>
-                    </a:solidFill>
-                    <a:latin typeface="HY동녘M" pitchFamily="18" charset="-127"/>
-                    <a:ea typeface="HY동녘M" pitchFamily="18" charset="-127"/>
-                  </a:rPr>
-                  <a:t>C App</a:t>
-                </a:r>
-                <a:endParaRPr lang="ko-KR" altLang="en-US" sz="1800" b="1" dirty="0">
-                  <a:solidFill>
-                    <a:srgbClr val="000000"/>
-                  </a:solidFill>
-                  <a:latin typeface="HY동녘M" pitchFamily="18" charset="-127"/>
-                  <a:ea typeface="HY동녘M" pitchFamily="18" charset="-127"/>
-                </a:endParaRPr>
-              </a:p>
-            </p:txBody>
-          </p:sp>
-          <p:sp>
-            <p:nvSpPr>
-              <p:cNvPr id="12" name="모서리가 둥근 직사각형 11"/>
-              <p:cNvSpPr/>
-              <p:nvPr/>
-            </p:nvSpPr>
-            <p:spPr>
-              <a:xfrm>
-                <a:off x="1691680" y="2805932"/>
-                <a:ext cx="576064" cy="335036"/>
-              </a:xfrm>
-              <a:prstGeom prst="roundRect">
-                <a:avLst/>
-              </a:prstGeom>
-              <a:ln/>
-            </p:spPr>
-            <p:style>
-              <a:lnRef idx="2">
-                <a:schemeClr val="accent3"/>
-              </a:lnRef>
-              <a:fillRef idx="1">
-                <a:schemeClr val="lt1"/>
-              </a:fillRef>
-              <a:effectRef idx="0">
-                <a:schemeClr val="accent3"/>
-              </a:effectRef>
-              <a:fontRef idx="minor">
-                <a:schemeClr val="dk1"/>
-              </a:fontRef>
-            </p:style>
-            <p:txBody>
-              <a:bodyPr rtlCol="0" anchor="ctr"/>
-              <a:lstStyle/>
-              <a:p>
-                <a:pPr algn="ctr"/>
-                <a:endParaRPr lang="ko-KR" altLang="en-US" dirty="0">
-                  <a:solidFill>
-                    <a:schemeClr val="tx1"/>
-                  </a:solidFill>
-                  <a:latin typeface="HY동녘M" pitchFamily="18" charset="-127"/>
-                  <a:ea typeface="HY동녘M" pitchFamily="18" charset="-127"/>
-                </a:endParaRPr>
-              </a:p>
-            </p:txBody>
-          </p:sp>
-        </p:grpSp>
-        <p:grpSp>
-          <p:nvGrpSpPr>
-            <p:cNvPr id="16" name="그룹 15"/>
-            <p:cNvGrpSpPr/>
-            <p:nvPr/>
-          </p:nvGrpSpPr>
-          <p:grpSpPr>
-            <a:xfrm>
-              <a:off x="5364088" y="2169837"/>
-              <a:ext cx="1368152" cy="899122"/>
-              <a:chOff x="1331640" y="3140968"/>
-              <a:chExt cx="1368152" cy="899122"/>
-            </a:xfrm>
-          </p:grpSpPr>
-          <p:sp>
-            <p:nvSpPr>
-              <p:cNvPr id="17" name="모서리가 둥근 직사각형 16"/>
-              <p:cNvSpPr/>
-              <p:nvPr/>
-            </p:nvSpPr>
-            <p:spPr>
-              <a:xfrm>
-                <a:off x="1691680" y="3140968"/>
-                <a:ext cx="576064" cy="504057"/>
-              </a:xfrm>
-              <a:prstGeom prst="roundRect">
-                <a:avLst/>
-              </a:prstGeom>
-              <a:ln/>
-            </p:spPr>
-            <p:style>
-              <a:lnRef idx="0">
-                <a:schemeClr val="accent1"/>
-              </a:lnRef>
-              <a:fillRef idx="3">
-                <a:schemeClr val="accent1"/>
-              </a:fillRef>
-              <a:effectRef idx="3">
-                <a:schemeClr val="accent1"/>
-              </a:effectRef>
-              <a:fontRef idx="minor">
-                <a:schemeClr val="lt1"/>
-              </a:fontRef>
-            </p:style>
-            <p:txBody>
-              <a:bodyPr rtlCol="0" anchor="ctr"/>
-              <a:lstStyle/>
-              <a:p>
-                <a:pPr algn="ctr"/>
-                <a:endParaRPr lang="ko-KR" altLang="en-US" dirty="0">
-                  <a:solidFill>
-                    <a:schemeClr val="tx1"/>
-                  </a:solidFill>
-                  <a:latin typeface="HY동녘M" pitchFamily="18" charset="-127"/>
-                  <a:ea typeface="HY동녘M" pitchFamily="18" charset="-127"/>
-                </a:endParaRPr>
-              </a:p>
-            </p:txBody>
-          </p:sp>
-          <p:sp>
-            <p:nvSpPr>
-              <p:cNvPr id="18" name="직사각형 17"/>
-              <p:cNvSpPr/>
-              <p:nvPr/>
-            </p:nvSpPr>
-            <p:spPr>
-              <a:xfrm>
-                <a:off x="1331640" y="3462390"/>
-                <a:ext cx="1368152" cy="577700"/>
-              </a:xfrm>
-              <a:prstGeom prst="rect">
-                <a:avLst/>
-              </a:prstGeom>
-              <a:ln/>
-            </p:spPr>
-            <p:style>
-              <a:lnRef idx="0">
-                <a:schemeClr val="accent2"/>
-              </a:lnRef>
-              <a:fillRef idx="3">
-                <a:schemeClr val="accent2"/>
-              </a:fillRef>
-              <a:effectRef idx="3">
-                <a:schemeClr val="accent2"/>
-              </a:effectRef>
-              <a:fontRef idx="minor">
-                <a:schemeClr val="lt1"/>
-              </a:fontRef>
-            </p:style>
-            <p:txBody>
-              <a:bodyPr rtlCol="0" anchor="ctr"/>
-              <a:lstStyle/>
-              <a:p>
-                <a:pPr algn="ctr"/>
-                <a:r>
-                  <a:rPr lang="en-US" altLang="ko-KR" sz="1800" b="1" dirty="0" smtClean="0">
-                    <a:solidFill>
-                      <a:srgbClr val="000000"/>
-                    </a:solidFill>
-                    <a:latin typeface="HY동녘M" pitchFamily="18" charset="-127"/>
-                    <a:ea typeface="HY동녘M" pitchFamily="18" charset="-127"/>
-                  </a:rPr>
-                  <a:t>USB/IP</a:t>
-                </a:r>
-                <a:endParaRPr lang="ko-KR" altLang="en-US" sz="1800" b="1" dirty="0">
-                  <a:solidFill>
-                    <a:srgbClr val="000000"/>
-                  </a:solidFill>
-                  <a:latin typeface="HY동녘M" pitchFamily="18" charset="-127"/>
-                  <a:ea typeface="HY동녘M" pitchFamily="18" charset="-127"/>
-                </a:endParaRPr>
-              </a:p>
-            </p:txBody>
-          </p:sp>
-        </p:grpSp>
         <p:sp>
           <p:nvSpPr>
-            <p:cNvPr id="21" name="직사각형 20"/>
+            <p:cNvPr id="6" name="직사각형 5"/>
             <p:cNvSpPr/>
             <p:nvPr/>
           </p:nvSpPr>
           <p:spPr>
             <a:xfrm>
-              <a:off x="5364089" y="3068959"/>
-              <a:ext cx="1800200" cy="648073"/>
+              <a:off x="1331640" y="2015700"/>
+              <a:ext cx="2150641" cy="1053259"/>
             </a:xfrm>
             <a:prstGeom prst="rect">
               <a:avLst/>
@@ -11736,11 +11193,61 @@
                   <a:latin typeface="HY동녘M" pitchFamily="18" charset="-127"/>
                   <a:ea typeface="HY동녘M" pitchFamily="18" charset="-127"/>
                 </a:rPr>
-                <a:t>Android App</a:t>
+                <a:t>Windows App</a:t>
               </a:r>
-              <a:endParaRPr lang="ko-KR" altLang="en-US" sz="1800" b="1" dirty="0">
-                <a:solidFill>
-                  <a:srgbClr val="000000"/>
+            </a:p>
+            <a:p>
+              <a:r>
+                <a:rPr lang="en-US" altLang="ko-KR" sz="1800" b="1" dirty="0" smtClean="0">
+                  <a:solidFill>
+                    <a:srgbClr val="000000"/>
+                  </a:solidFill>
+                  <a:latin typeface="HY강M" pitchFamily="18" charset="-127"/>
+                  <a:ea typeface="HY강M" pitchFamily="18" charset="-127"/>
+                </a:rPr>
+                <a:t>(Using USB Camera)</a:t>
+              </a:r>
+            </a:p>
+          </p:txBody>
+        </p:sp>
+        <p:sp>
+          <p:nvSpPr>
+            <p:cNvPr id="7" name="모서리가 둥근 직사각형 6"/>
+            <p:cNvSpPr/>
+            <p:nvPr/>
+          </p:nvSpPr>
+          <p:spPr>
+            <a:xfrm>
+              <a:off x="1691680" y="2805932"/>
+              <a:ext cx="576064" cy="335036"/>
+            </a:xfrm>
+            <a:prstGeom prst="roundRect">
+              <a:avLst/>
+            </a:prstGeom>
+            <a:ln/>
+          </p:spPr>
+          <p:style>
+            <a:lnRef idx="2">
+              <a:schemeClr val="accent3"/>
+            </a:lnRef>
+            <a:fillRef idx="1">
+              <a:schemeClr val="lt1"/>
+            </a:fillRef>
+            <a:effectRef idx="0">
+              <a:schemeClr val="accent3"/>
+            </a:effectRef>
+            <a:fontRef idx="minor">
+              <a:schemeClr val="dk1"/>
+            </a:fontRef>
+          </p:style>
+          <p:txBody>
+            <a:bodyPr rtlCol="0" anchor="ctr"/>
+            <a:lstStyle/>
+            <a:p>
+              <a:pPr algn="ctr"/>
+              <a:endParaRPr lang="ko-KR" altLang="en-US" dirty="0">
+                <a:solidFill>
+                  <a:schemeClr val="tx1"/>
                 </a:solidFill>
                 <a:latin typeface="HY동녘M" pitchFamily="18" charset="-127"/>
                 <a:ea typeface="HY동녘M" pitchFamily="18" charset="-127"/>
@@ -11751,184 +11258,45 @@
       </p:grpSp>
       <p:grpSp>
         <p:nvGrpSpPr>
-          <p:cNvPr id="36" name="그룹 35"/>
+          <p:cNvPr id="9" name="그룹 8"/>
           <p:cNvGrpSpPr/>
           <p:nvPr/>
         </p:nvGrpSpPr>
         <p:grpSpPr>
           <a:xfrm>
-            <a:off x="6084168" y="3848699"/>
-            <a:ext cx="2723122" cy="2460622"/>
-            <a:chOff x="5377271" y="4005064"/>
-            <a:chExt cx="2723122" cy="2460622"/>
+            <a:off x="767239" y="4796142"/>
+            <a:ext cx="1368152" cy="899122"/>
+            <a:chOff x="1331640" y="3140968"/>
+            <a:chExt cx="1368152" cy="899122"/>
           </a:xfrm>
         </p:grpSpPr>
-        <p:grpSp>
-          <p:nvGrpSpPr>
-            <p:cNvPr id="23" name="그룹 22"/>
-            <p:cNvGrpSpPr/>
-            <p:nvPr/>
-          </p:nvGrpSpPr>
-          <p:grpSpPr>
-            <a:xfrm>
-              <a:off x="5377271" y="4005064"/>
-              <a:ext cx="2150641" cy="1125268"/>
-              <a:chOff x="1331640" y="2015700"/>
-              <a:chExt cx="2150641" cy="1125268"/>
-            </a:xfrm>
-          </p:grpSpPr>
-          <p:sp>
-            <p:nvSpPr>
-              <p:cNvPr id="24" name="직사각형 23"/>
-              <p:cNvSpPr/>
-              <p:nvPr/>
-            </p:nvSpPr>
-            <p:spPr>
-              <a:xfrm>
-                <a:off x="1331640" y="2015700"/>
-                <a:ext cx="2150641" cy="1053259"/>
-              </a:xfrm>
-              <a:prstGeom prst="rect">
-                <a:avLst/>
-              </a:prstGeom>
-              <a:solidFill>
-                <a:schemeClr val="bg1">
-                  <a:lumMod val="50000"/>
-                  <a:alpha val="65000"/>
-                </a:schemeClr>
-              </a:solidFill>
-              <a:ln/>
-            </p:spPr>
-            <p:style>
-              <a:lnRef idx="0">
-                <a:schemeClr val="accent2"/>
-              </a:lnRef>
-              <a:fillRef idx="3">
-                <a:schemeClr val="accent2"/>
-              </a:fillRef>
-              <a:effectRef idx="3">
-                <a:schemeClr val="accent2"/>
-              </a:effectRef>
-              <a:fontRef idx="minor">
-                <a:schemeClr val="lt1"/>
-              </a:fontRef>
-            </p:style>
-            <p:txBody>
-              <a:bodyPr rtlCol="0" anchor="ctr"/>
-              <a:lstStyle/>
-              <a:p>
-                <a:pPr algn="ctr"/>
-                <a:r>
-                  <a:rPr lang="en-US" altLang="ko-KR" sz="1800" b="1" dirty="0">
-                    <a:solidFill>
-                      <a:srgbClr val="000000"/>
-                    </a:solidFill>
-                    <a:latin typeface="HY동녘M" pitchFamily="18" charset="-127"/>
-                    <a:ea typeface="HY동녘M" pitchFamily="18" charset="-127"/>
-                  </a:rPr>
-                  <a:t>P</a:t>
-                </a:r>
-                <a:r>
-                  <a:rPr lang="en-US" altLang="ko-KR" sz="1800" b="1" dirty="0" smtClean="0">
-                    <a:solidFill>
-                      <a:srgbClr val="000000"/>
-                    </a:solidFill>
-                    <a:latin typeface="HY동녘M" pitchFamily="18" charset="-127"/>
-                    <a:ea typeface="HY동녘M" pitchFamily="18" charset="-127"/>
-                  </a:rPr>
-                  <a:t>C App</a:t>
-                </a:r>
-                <a:endParaRPr lang="ko-KR" altLang="en-US" sz="1800" b="1" dirty="0">
-                  <a:solidFill>
-                    <a:srgbClr val="000000"/>
-                  </a:solidFill>
-                  <a:latin typeface="HY동녘M" pitchFamily="18" charset="-127"/>
-                  <a:ea typeface="HY동녘M" pitchFamily="18" charset="-127"/>
-                </a:endParaRPr>
-              </a:p>
-            </p:txBody>
-          </p:sp>
-          <p:sp>
-            <p:nvSpPr>
-              <p:cNvPr id="25" name="모서리가 둥근 직사각형 24"/>
-              <p:cNvSpPr/>
-              <p:nvPr/>
-            </p:nvSpPr>
-            <p:spPr>
-              <a:xfrm>
-                <a:off x="1691680" y="2805932"/>
-                <a:ext cx="576064" cy="335036"/>
-              </a:xfrm>
-              <a:prstGeom prst="roundRect">
-                <a:avLst/>
-              </a:prstGeom>
-              <a:ln/>
-            </p:spPr>
-            <p:style>
-              <a:lnRef idx="2">
-                <a:schemeClr val="accent3"/>
-              </a:lnRef>
-              <a:fillRef idx="1">
-                <a:schemeClr val="lt1"/>
-              </a:fillRef>
-              <a:effectRef idx="0">
-                <a:schemeClr val="accent3"/>
-              </a:effectRef>
-              <a:fontRef idx="minor">
-                <a:schemeClr val="dk1"/>
-              </a:fontRef>
-            </p:style>
-            <p:txBody>
-              <a:bodyPr rtlCol="0" anchor="ctr"/>
-              <a:lstStyle/>
-              <a:p>
-                <a:pPr algn="ctr"/>
-                <a:endParaRPr lang="ko-KR" altLang="en-US" dirty="0">
-                  <a:solidFill>
-                    <a:schemeClr val="tx1"/>
-                  </a:solidFill>
-                  <a:latin typeface="HY동녘M" pitchFamily="18" charset="-127"/>
-                  <a:ea typeface="HY동녘M" pitchFamily="18" charset="-127"/>
-                </a:endParaRPr>
-              </a:p>
-            </p:txBody>
-          </p:sp>
-        </p:grpSp>
         <p:sp>
           <p:nvSpPr>
-            <p:cNvPr id="30" name="이등변 삼각형 29"/>
+            <p:cNvPr id="2" name="모서리가 둥근 직사각형 1"/>
             <p:cNvSpPr/>
             <p:nvPr/>
           </p:nvSpPr>
           <p:spPr>
             <a:xfrm>
-              <a:off x="6732240" y="4795297"/>
-              <a:ext cx="576064" cy="289888"/>
+              <a:off x="1691680" y="3140968"/>
+              <a:ext cx="576064" cy="504057"/>
             </a:xfrm>
-            <a:prstGeom prst="triangle">
+            <a:prstGeom prst="roundRect">
               <a:avLst/>
             </a:prstGeom>
             <a:solidFill>
-              <a:schemeClr val="bg1"/>
+              <a:srgbClr val="FFC000"/>
             </a:solidFill>
-            <a:ln>
-              <a:solidFill>
-                <a:schemeClr val="bg1">
-                  <a:alpha val="80000"/>
-                </a:schemeClr>
-              </a:solidFill>
-            </a:ln>
+            <a:ln/>
           </p:spPr>
           <p:style>
-            <a:lnRef idx="2">
-              <a:schemeClr val="accent1">
-                <a:shade val="50000"/>
-              </a:schemeClr>
+            <a:lnRef idx="0">
+              <a:schemeClr val="accent1"/>
             </a:lnRef>
-            <a:fillRef idx="1">
+            <a:fillRef idx="3">
               <a:schemeClr val="accent1"/>
             </a:fillRef>
-            <a:effectRef idx="0">
+            <a:effectRef idx="3">
               <a:schemeClr val="accent1"/>
             </a:effectRef>
             <a:fontRef idx="minor">
@@ -11950,182 +11318,600 @@
             </a:p>
           </p:txBody>
         </p:sp>
-        <p:grpSp>
-          <p:nvGrpSpPr>
-            <p:cNvPr id="32" name="그룹 31"/>
-            <p:cNvGrpSpPr/>
+        <p:sp>
+          <p:nvSpPr>
+            <p:cNvPr id="4" name="직사각형 3"/>
+            <p:cNvSpPr/>
             <p:nvPr/>
-          </p:nvGrpSpPr>
-          <p:grpSpPr>
+          </p:nvSpPr>
+          <p:spPr>
             <a:xfrm>
-              <a:off x="6300192" y="4937674"/>
-              <a:ext cx="1800201" cy="1528012"/>
-              <a:chOff x="3419872" y="5225706"/>
-              <a:chExt cx="1800201" cy="1528012"/>
+              <a:off x="1331640" y="3462390"/>
+              <a:ext cx="1368152" cy="577700"/>
             </a:xfrm>
-          </p:grpSpPr>
-          <p:sp>
-            <p:nvSpPr>
-              <p:cNvPr id="31" name="이등변 삼각형 30"/>
-              <p:cNvSpPr/>
-              <p:nvPr/>
-            </p:nvSpPr>
-            <p:spPr>
-              <a:xfrm>
-                <a:off x="3779912" y="5225706"/>
-                <a:ext cx="720000" cy="363533"/>
-              </a:xfrm>
-              <a:prstGeom prst="triangle">
-                <a:avLst/>
-              </a:prstGeom>
-              <a:ln/>
-            </p:spPr>
-            <p:style>
-              <a:lnRef idx="0">
-                <a:schemeClr val="accent1"/>
-              </a:lnRef>
-              <a:fillRef idx="3">
-                <a:schemeClr val="accent1"/>
-              </a:fillRef>
-              <a:effectRef idx="3">
-                <a:schemeClr val="accent1"/>
-              </a:effectRef>
-              <a:fontRef idx="minor">
-                <a:schemeClr val="lt1"/>
-              </a:fontRef>
-            </p:style>
-            <p:txBody>
-              <a:bodyPr rtlCol="0" anchor="ctr"/>
-              <a:lstStyle/>
-              <a:p>
-                <a:pPr algn="ctr"/>
-                <a:endParaRPr lang="ko-KR" altLang="en-US" b="1" dirty="0">
-                  <a:solidFill>
-                    <a:schemeClr val="tx1"/>
-                  </a:solidFill>
-                  <a:latin typeface="HY동녘M" pitchFamily="18" charset="-127"/>
-                  <a:ea typeface="HY동녘M" pitchFamily="18" charset="-127"/>
-                </a:endParaRPr>
-              </a:p>
-            </p:txBody>
-          </p:sp>
-          <p:sp>
-            <p:nvSpPr>
-              <p:cNvPr id="28" name="직사각형 27"/>
-              <p:cNvSpPr/>
-              <p:nvPr/>
-            </p:nvSpPr>
-            <p:spPr>
-              <a:xfrm>
-                <a:off x="3419872" y="5515595"/>
-                <a:ext cx="1368152" cy="577700"/>
-              </a:xfrm>
-              <a:prstGeom prst="rect">
-                <a:avLst/>
-              </a:prstGeom>
-              <a:ln/>
-            </p:spPr>
-            <p:style>
-              <a:lnRef idx="0">
-                <a:schemeClr val="accent2"/>
-              </a:lnRef>
-              <a:fillRef idx="3">
-                <a:schemeClr val="accent2"/>
-              </a:fillRef>
-              <a:effectRef idx="3">
-                <a:schemeClr val="accent2"/>
-              </a:effectRef>
-              <a:fontRef idx="minor">
-                <a:schemeClr val="lt1"/>
-              </a:fontRef>
-            </p:style>
-            <p:txBody>
-              <a:bodyPr rtlCol="0" anchor="ctr"/>
-              <a:lstStyle/>
-              <a:p>
-                <a:pPr algn="ctr"/>
-                <a:r>
-                  <a:rPr lang="en-US" altLang="ko-KR" sz="1800" b="1" dirty="0" smtClean="0">
-                    <a:solidFill>
-                      <a:srgbClr val="000000"/>
-                    </a:solidFill>
-                    <a:latin typeface="HY동녘M" pitchFamily="18" charset="-127"/>
-                    <a:ea typeface="HY동녘M" pitchFamily="18" charset="-127"/>
-                  </a:rPr>
-                  <a:t>TCP/IP</a:t>
-                </a:r>
-                <a:endParaRPr lang="ko-KR" altLang="en-US" sz="1800" b="1" dirty="0">
+            <a:prstGeom prst="rect">
+              <a:avLst/>
+            </a:prstGeom>
+            <a:solidFill>
+              <a:srgbClr val="FFC000"/>
+            </a:solidFill>
+            <a:ln/>
+          </p:spPr>
+          <p:style>
+            <a:lnRef idx="0">
+              <a:schemeClr val="accent2"/>
+            </a:lnRef>
+            <a:fillRef idx="3">
+              <a:schemeClr val="accent2"/>
+            </a:fillRef>
+            <a:effectRef idx="3">
+              <a:schemeClr val="accent2"/>
+            </a:effectRef>
+            <a:fontRef idx="minor">
+              <a:schemeClr val="lt1"/>
+            </a:fontRef>
+          </p:style>
+          <p:txBody>
+            <a:bodyPr rtlCol="0" anchor="ctr"/>
+            <a:lstStyle/>
+            <a:p>
+              <a:pPr algn="ctr"/>
+              <a:r>
+                <a:rPr lang="en-US" altLang="ko-KR" sz="1800" b="1" dirty="0" smtClean="0">
                   <a:solidFill>
                     <a:srgbClr val="000000"/>
                   </a:solidFill>
                   <a:latin typeface="HY동녘M" pitchFamily="18" charset="-127"/>
                   <a:ea typeface="HY동녘M" pitchFamily="18" charset="-127"/>
-                </a:endParaRPr>
-              </a:p>
-            </p:txBody>
-          </p:sp>
-          <p:sp>
-            <p:nvSpPr>
-              <p:cNvPr id="29" name="직사각형 28"/>
-              <p:cNvSpPr/>
-              <p:nvPr/>
-            </p:nvSpPr>
-            <p:spPr>
-              <a:xfrm>
-                <a:off x="3419873" y="6105645"/>
-                <a:ext cx="1800200" cy="648073"/>
-              </a:xfrm>
-              <a:prstGeom prst="rect">
-                <a:avLst/>
-              </a:prstGeom>
-              <a:solidFill>
-                <a:srgbClr val="00B0F0">
-                  <a:alpha val="65000"/>
-                </a:srgbClr>
-              </a:solidFill>
-              <a:ln/>
-            </p:spPr>
-            <p:style>
-              <a:lnRef idx="0">
-                <a:schemeClr val="accent2"/>
-              </a:lnRef>
-              <a:fillRef idx="3">
-                <a:schemeClr val="accent2"/>
-              </a:fillRef>
-              <a:effectRef idx="3">
-                <a:schemeClr val="accent2"/>
-              </a:effectRef>
-              <a:fontRef idx="minor">
-                <a:schemeClr val="lt1"/>
-              </a:fontRef>
-            </p:style>
-            <p:txBody>
-              <a:bodyPr rtlCol="0" anchor="ctr"/>
-              <a:lstStyle/>
-              <a:p>
-                <a:pPr algn="ctr"/>
-                <a:r>
-                  <a:rPr lang="en-US" altLang="ko-KR" sz="1800" b="1" dirty="0" smtClean="0">
-                    <a:solidFill>
-                      <a:srgbClr val="000000"/>
-                    </a:solidFill>
-                    <a:latin typeface="HY동녘M" pitchFamily="18" charset="-127"/>
-                    <a:ea typeface="HY동녘M" pitchFamily="18" charset="-127"/>
-                  </a:rPr>
-                  <a:t>Android App</a:t>
-                </a:r>
-                <a:endParaRPr lang="ko-KR" altLang="en-US" sz="1800" b="1" dirty="0">
+                </a:rPr>
+                <a:t>USB Camera</a:t>
+              </a:r>
+              <a:endParaRPr lang="ko-KR" altLang="en-US" sz="1800" b="1" dirty="0">
+                <a:solidFill>
+                  <a:srgbClr val="000000"/>
+                </a:solidFill>
+                <a:latin typeface="HY동녘M" pitchFamily="18" charset="-127"/>
+                <a:ea typeface="HY동녘M" pitchFamily="18" charset="-127"/>
+              </a:endParaRPr>
+            </a:p>
+          </p:txBody>
+        </p:sp>
+      </p:grpSp>
+      <p:grpSp>
+        <p:nvGrpSpPr>
+          <p:cNvPr id="10" name="그룹 9"/>
+          <p:cNvGrpSpPr/>
+          <p:nvPr/>
+        </p:nvGrpSpPr>
+        <p:grpSpPr>
+          <a:xfrm>
+            <a:off x="3419872" y="3862718"/>
+            <a:ext cx="2150641" cy="1125268"/>
+            <a:chOff x="1331640" y="2015700"/>
+            <a:chExt cx="2150641" cy="1125268"/>
+          </a:xfrm>
+        </p:grpSpPr>
+        <p:sp>
+          <p:nvSpPr>
+            <p:cNvPr id="11" name="직사각형 10"/>
+            <p:cNvSpPr/>
+            <p:nvPr/>
+          </p:nvSpPr>
+          <p:spPr>
+            <a:xfrm>
+              <a:off x="1331640" y="2015700"/>
+              <a:ext cx="2150641" cy="1053259"/>
+            </a:xfrm>
+            <a:prstGeom prst="rect">
+              <a:avLst/>
+            </a:prstGeom>
+            <a:solidFill>
+              <a:srgbClr val="00B0F0">
+                <a:alpha val="65000"/>
+              </a:srgbClr>
+            </a:solidFill>
+            <a:ln/>
+          </p:spPr>
+          <p:style>
+            <a:lnRef idx="0">
+              <a:schemeClr val="accent2"/>
+            </a:lnRef>
+            <a:fillRef idx="3">
+              <a:schemeClr val="accent2"/>
+            </a:fillRef>
+            <a:effectRef idx="3">
+              <a:schemeClr val="accent2"/>
+            </a:effectRef>
+            <a:fontRef idx="minor">
+              <a:schemeClr val="lt1"/>
+            </a:fontRef>
+          </p:style>
+          <p:txBody>
+            <a:bodyPr rtlCol="0" anchor="ctr"/>
+            <a:lstStyle/>
+            <a:p>
+              <a:r>
+                <a:rPr lang="en-US" altLang="ko-KR" sz="1800" b="1" dirty="0" smtClean="0">
                   <a:solidFill>
                     <a:srgbClr val="000000"/>
                   </a:solidFill>
                   <a:latin typeface="HY동녘M" pitchFamily="18" charset="-127"/>
                   <a:ea typeface="HY동녘M" pitchFamily="18" charset="-127"/>
-                </a:endParaRPr>
-              </a:p>
-            </p:txBody>
-          </p:sp>
-        </p:grpSp>
+                </a:rPr>
+                <a:t>Windows App</a:t>
+              </a:r>
+            </a:p>
+            <a:p>
+              <a:r>
+                <a:rPr lang="en-US" altLang="ko-KR" sz="1800" b="1" dirty="0" smtClean="0">
+                  <a:solidFill>
+                    <a:srgbClr val="000000"/>
+                  </a:solidFill>
+                  <a:latin typeface="HY강M" pitchFamily="18" charset="-127"/>
+                  <a:ea typeface="HY강M" pitchFamily="18" charset="-127"/>
+                </a:rPr>
+                <a:t>(Using USB Camera)</a:t>
+              </a:r>
+            </a:p>
+          </p:txBody>
+        </p:sp>
+        <p:sp>
+          <p:nvSpPr>
+            <p:cNvPr id="12" name="모서리가 둥근 직사각형 11"/>
+            <p:cNvSpPr/>
+            <p:nvPr/>
+          </p:nvSpPr>
+          <p:spPr>
+            <a:xfrm>
+              <a:off x="1691680" y="2805932"/>
+              <a:ext cx="576064" cy="335036"/>
+            </a:xfrm>
+            <a:prstGeom prst="roundRect">
+              <a:avLst/>
+            </a:prstGeom>
+            <a:ln/>
+          </p:spPr>
+          <p:style>
+            <a:lnRef idx="2">
+              <a:schemeClr val="accent3"/>
+            </a:lnRef>
+            <a:fillRef idx="1">
+              <a:schemeClr val="lt1"/>
+            </a:fillRef>
+            <a:effectRef idx="0">
+              <a:schemeClr val="accent3"/>
+            </a:effectRef>
+            <a:fontRef idx="minor">
+              <a:schemeClr val="dk1"/>
+            </a:fontRef>
+          </p:style>
+          <p:txBody>
+            <a:bodyPr rtlCol="0" anchor="ctr"/>
+            <a:lstStyle/>
+            <a:p>
+              <a:pPr algn="ctr"/>
+              <a:endParaRPr lang="ko-KR" altLang="en-US" dirty="0">
+                <a:solidFill>
+                  <a:schemeClr val="tx1"/>
+                </a:solidFill>
+                <a:latin typeface="HY동녘M" pitchFamily="18" charset="-127"/>
+                <a:ea typeface="HY동녘M" pitchFamily="18" charset="-127"/>
+              </a:endParaRPr>
+            </a:p>
+          </p:txBody>
+        </p:sp>
       </p:grpSp>
+      <p:grpSp>
+        <p:nvGrpSpPr>
+          <p:cNvPr id="16" name="그룹 15"/>
+          <p:cNvGrpSpPr/>
+          <p:nvPr/>
+        </p:nvGrpSpPr>
+        <p:grpSpPr>
+          <a:xfrm>
+            <a:off x="3419872" y="4762125"/>
+            <a:ext cx="1368152" cy="899122"/>
+            <a:chOff x="1331640" y="3140968"/>
+            <a:chExt cx="1368152" cy="899122"/>
+          </a:xfrm>
+        </p:grpSpPr>
+        <p:sp>
+          <p:nvSpPr>
+            <p:cNvPr id="17" name="모서리가 둥근 직사각형 16"/>
+            <p:cNvSpPr/>
+            <p:nvPr/>
+          </p:nvSpPr>
+          <p:spPr>
+            <a:xfrm>
+              <a:off x="1691680" y="3140968"/>
+              <a:ext cx="576064" cy="504057"/>
+            </a:xfrm>
+            <a:prstGeom prst="roundRect">
+              <a:avLst/>
+            </a:prstGeom>
+            <a:solidFill>
+              <a:srgbClr val="FFC000"/>
+            </a:solidFill>
+            <a:ln/>
+          </p:spPr>
+          <p:style>
+            <a:lnRef idx="0">
+              <a:schemeClr val="accent1"/>
+            </a:lnRef>
+            <a:fillRef idx="3">
+              <a:schemeClr val="accent1"/>
+            </a:fillRef>
+            <a:effectRef idx="3">
+              <a:schemeClr val="accent1"/>
+            </a:effectRef>
+            <a:fontRef idx="minor">
+              <a:schemeClr val="lt1"/>
+            </a:fontRef>
+          </p:style>
+          <p:txBody>
+            <a:bodyPr rtlCol="0" anchor="ctr"/>
+            <a:lstStyle/>
+            <a:p>
+              <a:pPr algn="ctr"/>
+              <a:endParaRPr lang="ko-KR" altLang="en-US" dirty="0">
+                <a:solidFill>
+                  <a:schemeClr val="tx1"/>
+                </a:solidFill>
+                <a:latin typeface="HY동녘M" pitchFamily="18" charset="-127"/>
+                <a:ea typeface="HY동녘M" pitchFamily="18" charset="-127"/>
+              </a:endParaRPr>
+            </a:p>
+          </p:txBody>
+        </p:sp>
+        <p:sp>
+          <p:nvSpPr>
+            <p:cNvPr id="18" name="직사각형 17"/>
+            <p:cNvSpPr/>
+            <p:nvPr/>
+          </p:nvSpPr>
+          <p:spPr>
+            <a:xfrm>
+              <a:off x="1331640" y="3462390"/>
+              <a:ext cx="1368152" cy="577700"/>
+            </a:xfrm>
+            <a:prstGeom prst="rect">
+              <a:avLst/>
+            </a:prstGeom>
+            <a:solidFill>
+              <a:srgbClr val="FFC000"/>
+            </a:solidFill>
+            <a:ln/>
+          </p:spPr>
+          <p:style>
+            <a:lnRef idx="0">
+              <a:schemeClr val="accent2"/>
+            </a:lnRef>
+            <a:fillRef idx="3">
+              <a:schemeClr val="accent2"/>
+            </a:fillRef>
+            <a:effectRef idx="3">
+              <a:schemeClr val="accent2"/>
+            </a:effectRef>
+            <a:fontRef idx="minor">
+              <a:schemeClr val="lt1"/>
+            </a:fontRef>
+          </p:style>
+          <p:txBody>
+            <a:bodyPr rtlCol="0" anchor="ctr"/>
+            <a:lstStyle/>
+            <a:p>
+              <a:pPr algn="ctr"/>
+              <a:r>
+                <a:rPr lang="en-US" altLang="ko-KR" sz="1800" b="1" dirty="0" smtClean="0">
+                  <a:solidFill>
+                    <a:srgbClr val="000000"/>
+                  </a:solidFill>
+                  <a:latin typeface="HY동녘M" pitchFamily="18" charset="-127"/>
+                  <a:ea typeface="HY동녘M" pitchFamily="18" charset="-127"/>
+                </a:rPr>
+                <a:t>USB/IP</a:t>
+              </a:r>
+              <a:endParaRPr lang="ko-KR" altLang="en-US" sz="1800" b="1" dirty="0">
+                <a:solidFill>
+                  <a:srgbClr val="000000"/>
+                </a:solidFill>
+                <a:latin typeface="HY동녘M" pitchFamily="18" charset="-127"/>
+                <a:ea typeface="HY동녘M" pitchFamily="18" charset="-127"/>
+              </a:endParaRPr>
+            </a:p>
+          </p:txBody>
+        </p:sp>
+      </p:grpSp>
+      <p:grpSp>
+        <p:nvGrpSpPr>
+          <p:cNvPr id="23" name="그룹 22"/>
+          <p:cNvGrpSpPr/>
+          <p:nvPr/>
+        </p:nvGrpSpPr>
+        <p:grpSpPr>
+          <a:xfrm>
+            <a:off x="6084168" y="3848699"/>
+            <a:ext cx="2150641" cy="1125268"/>
+            <a:chOff x="1331640" y="2015700"/>
+            <a:chExt cx="2150641" cy="1125268"/>
+          </a:xfrm>
+        </p:grpSpPr>
+        <p:sp>
+          <p:nvSpPr>
+            <p:cNvPr id="24" name="직사각형 23"/>
+            <p:cNvSpPr/>
+            <p:nvPr/>
+          </p:nvSpPr>
+          <p:spPr>
+            <a:xfrm>
+              <a:off x="1331640" y="2015700"/>
+              <a:ext cx="2150641" cy="1053259"/>
+            </a:xfrm>
+            <a:prstGeom prst="rect">
+              <a:avLst/>
+            </a:prstGeom>
+            <a:solidFill>
+              <a:srgbClr val="00B0F0">
+                <a:alpha val="65000"/>
+              </a:srgbClr>
+            </a:solidFill>
+            <a:ln/>
+          </p:spPr>
+          <p:style>
+            <a:lnRef idx="0">
+              <a:schemeClr val="accent2"/>
+            </a:lnRef>
+            <a:fillRef idx="3">
+              <a:schemeClr val="accent2"/>
+            </a:fillRef>
+            <a:effectRef idx="3">
+              <a:schemeClr val="accent2"/>
+            </a:effectRef>
+            <a:fontRef idx="minor">
+              <a:schemeClr val="lt1"/>
+            </a:fontRef>
+          </p:style>
+          <p:txBody>
+            <a:bodyPr rtlCol="0" anchor="ctr"/>
+            <a:lstStyle/>
+            <a:p>
+              <a:r>
+                <a:rPr lang="en-US" altLang="ko-KR" sz="1800" b="1" dirty="0" smtClean="0">
+                  <a:solidFill>
+                    <a:srgbClr val="000000"/>
+                  </a:solidFill>
+                  <a:latin typeface="HY동녘M" pitchFamily="18" charset="-127"/>
+                  <a:ea typeface="HY동녘M" pitchFamily="18" charset="-127"/>
+                </a:rPr>
+                <a:t>Windows App</a:t>
+              </a:r>
+            </a:p>
+            <a:p>
+              <a:r>
+                <a:rPr lang="en-US" altLang="ko-KR" sz="1800" b="1" dirty="0" smtClean="0">
+                  <a:solidFill>
+                    <a:srgbClr val="000000"/>
+                  </a:solidFill>
+                  <a:latin typeface="HY강M" pitchFamily="18" charset="-127"/>
+                  <a:ea typeface="HY강M" pitchFamily="18" charset="-127"/>
+                </a:rPr>
+                <a:t>(Using USB Camera)</a:t>
+              </a:r>
+            </a:p>
+          </p:txBody>
+        </p:sp>
+        <p:sp>
+          <p:nvSpPr>
+            <p:cNvPr id="25" name="모서리가 둥근 직사각형 24"/>
+            <p:cNvSpPr/>
+            <p:nvPr/>
+          </p:nvSpPr>
+          <p:spPr>
+            <a:xfrm>
+              <a:off x="1691680" y="2805932"/>
+              <a:ext cx="576064" cy="335036"/>
+            </a:xfrm>
+            <a:prstGeom prst="roundRect">
+              <a:avLst/>
+            </a:prstGeom>
+            <a:ln/>
+          </p:spPr>
+          <p:style>
+            <a:lnRef idx="2">
+              <a:schemeClr val="accent3"/>
+            </a:lnRef>
+            <a:fillRef idx="1">
+              <a:schemeClr val="lt1"/>
+            </a:fillRef>
+            <a:effectRef idx="0">
+              <a:schemeClr val="accent3"/>
+            </a:effectRef>
+            <a:fontRef idx="minor">
+              <a:schemeClr val="dk1"/>
+            </a:fontRef>
+          </p:style>
+          <p:txBody>
+            <a:bodyPr rtlCol="0" anchor="ctr"/>
+            <a:lstStyle/>
+            <a:p>
+              <a:pPr algn="ctr"/>
+              <a:endParaRPr lang="ko-KR" altLang="en-US" dirty="0">
+                <a:solidFill>
+                  <a:schemeClr val="tx1"/>
+                </a:solidFill>
+                <a:latin typeface="HY동녘M" pitchFamily="18" charset="-127"/>
+                <a:ea typeface="HY동녘M" pitchFamily="18" charset="-127"/>
+              </a:endParaRPr>
+            </a:p>
+          </p:txBody>
+        </p:sp>
+      </p:grpSp>
+      <p:sp>
+        <p:nvSpPr>
+          <p:cNvPr id="30" name="이등변 삼각형 29"/>
+          <p:cNvSpPr/>
+          <p:nvPr/>
+        </p:nvSpPr>
+        <p:spPr>
+          <a:xfrm>
+            <a:off x="7439137" y="4638932"/>
+            <a:ext cx="576064" cy="289888"/>
+          </a:xfrm>
+          <a:prstGeom prst="triangle">
+            <a:avLst/>
+          </a:prstGeom>
+          <a:solidFill>
+            <a:schemeClr val="bg1"/>
+          </a:solidFill>
+          <a:ln>
+            <a:solidFill>
+              <a:schemeClr val="bg1">
+                <a:alpha val="80000"/>
+              </a:schemeClr>
+            </a:solidFill>
+          </a:ln>
+        </p:spPr>
+        <p:style>
+          <a:lnRef idx="2">
+            <a:schemeClr val="accent1">
+              <a:shade val="50000"/>
+            </a:schemeClr>
+          </a:lnRef>
+          <a:fillRef idx="1">
+            <a:schemeClr val="accent1"/>
+          </a:fillRef>
+          <a:effectRef idx="0">
+            <a:schemeClr val="accent1"/>
+          </a:effectRef>
+          <a:fontRef idx="minor">
+            <a:schemeClr val="lt1"/>
+          </a:fontRef>
+        </p:style>
+        <p:txBody>
+          <a:bodyPr rtlCol="0" anchor="ctr"/>
+          <a:lstStyle/>
+          <a:p>
+            <a:pPr algn="ctr"/>
+            <a:endParaRPr lang="ko-KR" altLang="en-US" dirty="0">
+              <a:solidFill>
+                <a:schemeClr val="tx1"/>
+              </a:solidFill>
+              <a:latin typeface="HY동녘M" pitchFamily="18" charset="-127"/>
+              <a:ea typeface="HY동녘M" pitchFamily="18" charset="-127"/>
+            </a:endParaRPr>
+          </a:p>
+        </p:txBody>
+      </p:sp>
+      <p:sp>
+        <p:nvSpPr>
+          <p:cNvPr id="31" name="이등변 삼각형 30"/>
+          <p:cNvSpPr/>
+          <p:nvPr/>
+        </p:nvSpPr>
+        <p:spPr>
+          <a:xfrm>
+            <a:off x="7367129" y="4781309"/>
+            <a:ext cx="720000" cy="363533"/>
+          </a:xfrm>
+          <a:prstGeom prst="triangle">
+            <a:avLst/>
+          </a:prstGeom>
+          <a:solidFill>
+            <a:schemeClr val="accent1">
+              <a:lumMod val="75000"/>
+            </a:schemeClr>
+          </a:solidFill>
+          <a:ln/>
+        </p:spPr>
+        <p:style>
+          <a:lnRef idx="0">
+            <a:schemeClr val="accent1"/>
+          </a:lnRef>
+          <a:fillRef idx="3">
+            <a:schemeClr val="accent1"/>
+          </a:fillRef>
+          <a:effectRef idx="3">
+            <a:schemeClr val="accent1"/>
+          </a:effectRef>
+          <a:fontRef idx="minor">
+            <a:schemeClr val="lt1"/>
+          </a:fontRef>
+        </p:style>
+        <p:txBody>
+          <a:bodyPr rtlCol="0" anchor="ctr"/>
+          <a:lstStyle/>
+          <a:p>
+            <a:pPr algn="ctr"/>
+            <a:endParaRPr lang="ko-KR" altLang="en-US" b="1" dirty="0">
+              <a:solidFill>
+                <a:schemeClr val="tx1"/>
+              </a:solidFill>
+              <a:latin typeface="HY동녘M" pitchFamily="18" charset="-127"/>
+              <a:ea typeface="HY동녘M" pitchFamily="18" charset="-127"/>
+            </a:endParaRPr>
+          </a:p>
+        </p:txBody>
+      </p:sp>
+      <p:sp>
+        <p:nvSpPr>
+          <p:cNvPr id="28" name="직사각형 27"/>
+          <p:cNvSpPr/>
+          <p:nvPr/>
+        </p:nvSpPr>
+        <p:spPr>
+          <a:xfrm>
+            <a:off x="7007089" y="5071198"/>
+            <a:ext cx="1368152" cy="577700"/>
+          </a:xfrm>
+          <a:prstGeom prst="rect">
+            <a:avLst/>
+          </a:prstGeom>
+          <a:solidFill>
+            <a:schemeClr val="accent1">
+              <a:lumMod val="75000"/>
+            </a:schemeClr>
+          </a:solidFill>
+          <a:ln/>
+        </p:spPr>
+        <p:style>
+          <a:lnRef idx="0">
+            <a:schemeClr val="accent2"/>
+          </a:lnRef>
+          <a:fillRef idx="3">
+            <a:schemeClr val="accent2"/>
+          </a:fillRef>
+          <a:effectRef idx="3">
+            <a:schemeClr val="accent2"/>
+          </a:effectRef>
+          <a:fontRef idx="minor">
+            <a:schemeClr val="lt1"/>
+          </a:fontRef>
+        </p:style>
+        <p:txBody>
+          <a:bodyPr rtlCol="0" anchor="ctr"/>
+          <a:lstStyle/>
+          <a:p>
+            <a:pPr algn="ctr"/>
+            <a:r>
+              <a:rPr lang="en-US" altLang="ko-KR" sz="1800" b="1" dirty="0" smtClean="0">
+                <a:solidFill>
+                  <a:srgbClr val="000000"/>
+                </a:solidFill>
+                <a:latin typeface="HY동녘M" pitchFamily="18" charset="-127"/>
+                <a:ea typeface="HY동녘M" pitchFamily="18" charset="-127"/>
+              </a:rPr>
+              <a:t>TCP/IP</a:t>
+            </a:r>
+            <a:endParaRPr lang="ko-KR" altLang="en-US" sz="1800" b="1" dirty="0">
+              <a:solidFill>
+                <a:srgbClr val="000000"/>
+              </a:solidFill>
+              <a:latin typeface="HY동녘M" pitchFamily="18" charset="-127"/>
+              <a:ea typeface="HY동녘M" pitchFamily="18" charset="-127"/>
+            </a:endParaRPr>
+          </a:p>
+        </p:txBody>
+      </p:sp>
       <p:sp>
         <p:nvSpPr>
           <p:cNvPr id="40" name="TextBox 39"/>
@@ -12173,7 +11959,27 @@
                 <a:latin typeface="HY동녘M" pitchFamily="18" charset="-127"/>
                 <a:ea typeface="HY동녘M" pitchFamily="18" charset="-127"/>
               </a:rPr>
-              <a:t>윈도우 프로그램을 수정 없이 사용이 가능</a:t>
+              <a:t>안드로이드 서비스들을 </a:t>
+            </a:r>
+            <a:r>
+              <a:rPr lang="en-US" altLang="ko-KR" sz="2000" dirty="0" smtClean="0">
+                <a:solidFill>
+                  <a:srgbClr val="000000"/>
+                </a:solidFill>
+                <a:latin typeface="HY동녘M" pitchFamily="18" charset="-127"/>
+                <a:ea typeface="HY동녘M" pitchFamily="18" charset="-127"/>
+              </a:rPr>
+              <a:t>USB</a:t>
+            </a:r>
+            <a:r>
+              <a:rPr lang="ko-KR" altLang="en-US" sz="2000" dirty="0" smtClean="0">
+                <a:solidFill>
+                  <a:srgbClr val="000000"/>
+                </a:solidFill>
+                <a:latin typeface="HY동녘M" pitchFamily="18" charset="-127"/>
+                <a:ea typeface="HY동녘M" pitchFamily="18" charset="-127"/>
+              </a:rPr>
+              <a:t>장치로 사용이 가능</a:t>
             </a:r>
             <a:r>
               <a:rPr lang="en-US" altLang="ko-KR" sz="2000" dirty="0" smtClean="0">
@@ -12185,6 +11991,13 @@
               </a:rPr>
               <a:t>.</a:t>
             </a:r>
+            <a:endParaRPr lang="en-US" altLang="ko-KR" sz="2000" dirty="0" smtClean="0">
+              <a:solidFill>
+                <a:srgbClr val="000000"/>
+              </a:solidFill>
+              <a:latin typeface="HY동녘M" pitchFamily="18" charset="-127"/>
+              <a:ea typeface="HY동녘M" pitchFamily="18" charset="-127"/>
+            </a:endParaRPr>
           </a:p>
           <a:p>
             <a:pPr marL="342900" indent="-342900" algn="l">
@@ -12199,7 +12012,7 @@
                 <a:latin typeface="HY동녘M" pitchFamily="18" charset="-127"/>
                 <a:ea typeface="HY동녘M" pitchFamily="18" charset="-127"/>
               </a:rPr>
-              <a:t>장치 드라이버 </a:t>
+              <a:t>윈도우 </a:t>
             </a:r>
             <a:r>
               <a:rPr lang="ko-KR" altLang="en-US" sz="2000" dirty="0" smtClean="0">
@@ -12209,37 +12022,7 @@
                 <a:latin typeface="HY동녘M" pitchFamily="18" charset="-127"/>
                 <a:ea typeface="HY동녘M" pitchFamily="18" charset="-127"/>
               </a:rPr>
-              <a:t>설치 없이 </a:t>
-            </a:r>
-            <a:r>
-              <a:rPr lang="en-US" altLang="ko-KR" sz="2000" dirty="0" smtClean="0">
-                <a:solidFill>
-                  <a:srgbClr val="000000"/>
-                </a:solidFill>
-                <a:latin typeface="HY동녘M" pitchFamily="18" charset="-127"/>
-                <a:ea typeface="HY동녘M" pitchFamily="18" charset="-127"/>
-              </a:rPr>
-              <a:t>HID USB</a:t>
-            </a:r>
-            <a:r>
-              <a:rPr lang="ko-KR" altLang="en-US" sz="2000" dirty="0" smtClean="0">
-                <a:solidFill>
-                  <a:srgbClr val="000000"/>
-                </a:solidFill>
-                <a:latin typeface="HY동녘M" pitchFamily="18" charset="-127"/>
-                <a:ea typeface="HY동녘M" pitchFamily="18" charset="-127"/>
-              </a:rPr>
-              <a:t>장치로 사용이 </a:t>
-            </a:r>
-            <a:r>
-              <a:rPr lang="ko-KR" altLang="en-US" sz="2000" dirty="0" smtClean="0">
-                <a:solidFill>
-                  <a:srgbClr val="000000"/>
-                </a:solidFill>
-                <a:latin typeface="HY동녘M" pitchFamily="18" charset="-127"/>
-                <a:ea typeface="HY동녘M" pitchFamily="18" charset="-127"/>
-              </a:rPr>
-              <a:t>가능</a:t>
+              <a:t>프로그램을 수정 없이 사용이 가능</a:t>
             </a:r>
             <a:r>
               <a:rPr lang="en-US" altLang="ko-KR" sz="2000" dirty="0" smtClean="0">
@@ -12446,10 +12229,74 @@
           </a:p>
         </p:txBody>
       </p:sp>
+      <p:pic>
+        <p:nvPicPr>
+          <p:cNvPr id="37" name="Picture 2"/>
+          <p:cNvPicPr>
+            <a:picLocks noChangeAspect="1" noChangeArrowheads="1"/>
+          </p:cNvPicPr>
+          <p:nvPr/>
+        </p:nvPicPr>
+        <p:blipFill>
+          <a:blip r:embed="rId3" cstate="print"/>
+          <a:srcRect/>
+          <a:stretch>
+            <a:fillRect/>
+          </a:stretch>
+        </p:blipFill>
+        <p:spPr bwMode="auto">
+          <a:xfrm>
+            <a:off x="3419872" y="5661248"/>
+            <a:ext cx="1656184" cy="664881"/>
+          </a:xfrm>
+          <a:prstGeom prst="rect">
+            <a:avLst/>
+          </a:prstGeom>
+          <a:noFill/>
+          <a:ln w="9525">
+            <a:noFill/>
+            <a:miter lim="800000"/>
+            <a:headEnd/>
+            <a:tailEnd/>
+          </a:ln>
+        </p:spPr>
+      </p:pic>
+      <p:pic>
+        <p:nvPicPr>
+          <p:cNvPr id="38" name="Picture 2"/>
+          <p:cNvPicPr>
+            <a:picLocks noChangeAspect="1" noChangeArrowheads="1"/>
+          </p:cNvPicPr>
+          <p:nvPr/>
+        </p:nvPicPr>
+        <p:blipFill>
+          <a:blip r:embed="rId3" cstate="print"/>
+          <a:srcRect/>
+          <a:stretch>
+            <a:fillRect/>
+          </a:stretch>
+        </p:blipFill>
+        <p:spPr bwMode="auto">
+          <a:xfrm>
+            <a:off x="7020272" y="5661248"/>
+            <a:ext cx="1656184" cy="664881"/>
+          </a:xfrm>
+          <a:prstGeom prst="rect">
+            <a:avLst/>
+          </a:prstGeom>
+          <a:noFill/>
+          <a:ln w="9525">
+            <a:noFill/>
+            <a:miter lim="800000"/>
+            <a:headEnd/>
+            <a:tailEnd/>
+          </a:ln>
+        </p:spPr>
+      </p:pic>
     </p:spTree>
     <p:extLst>
       <p:ext uri="{BB962C8B-B14F-4D97-AF65-F5344CB8AC3E}">
-        <p14:creationId xmlns:p14="http://schemas.microsoft.com/office/powerpoint/2010/main" xmlns="" val="1410092498"/>
+        <p14:creationId xmlns="" xmlns:p14="http://schemas.microsoft.com/office/powerpoint/2010/main" val="1410092498"/>
       </p:ext>
     </p:extLst>
   </p:cSld>
@@ -12570,7 +12417,7 @@
           <a:blip r:embed="rId3" cstate="print">
             <a:extLst>
               <a:ext uri="{28A0092B-C50C-407E-A947-70E740481C1C}">
-                <a14:useLocalDpi xmlns="" xmlns:a14="http://schemas.microsoft.com/office/drawing/2010/main" val="0"/>
+                <a14:useLocalDpi xmlns:a14="http://schemas.microsoft.com/office/drawing/2010/main" xmlns="" val="0"/>
               </a:ext>
             </a:extLst>
           </a:blip>
@@ -12695,7 +12542,7 @@
           <a:blip r:embed="rId4" cstate="print">
             <a:extLst>
               <a:ext uri="{28A0092B-C50C-407E-A947-70E740481C1C}">
-                <a14:useLocalDpi xmlns="" xmlns:a14="http://schemas.microsoft.com/office/drawing/2010/main" val="0"/>
+                <a14:useLocalDpi xmlns:a14="http://schemas.microsoft.com/office/drawing/2010/main" xmlns="" val="0"/>
               </a:ext>
             </a:extLst>
           </a:blip>
@@ -12715,7 +12562,7 @@
           <a:noFill/>
           <a:extLst>
             <a:ext uri="{909E8E84-426E-40DD-AFC4-6F175D3DCCD1}">
-              <a14:hiddenFill xmlns="" xmlns:a14="http://schemas.microsoft.com/office/drawing/2010/main">
+              <a14:hiddenFill xmlns:a14="http://schemas.microsoft.com/office/drawing/2010/main" xmlns="">
                 <a:solidFill>
                   <a:srgbClr val="FFFFFF"/>
                 </a:solidFill>
@@ -12736,7 +12583,7 @@
           <a:blip r:embed="rId5" cstate="print">
             <a:extLst>
               <a:ext uri="{28A0092B-C50C-407E-A947-70E740481C1C}">
-                <a14:useLocalDpi xmlns="" xmlns:a14="http://schemas.microsoft.com/office/drawing/2010/main" val="0"/>
+                <a14:useLocalDpi xmlns:a14="http://schemas.microsoft.com/office/drawing/2010/main" xmlns="" val="0"/>
               </a:ext>
             </a:extLst>
           </a:blip>
@@ -12756,7 +12603,7 @@
           <a:noFill/>
           <a:extLst>
             <a:ext uri="{909E8E84-426E-40DD-AFC4-6F175D3DCCD1}">
-              <a14:hiddenFill xmlns="" xmlns:a14="http://schemas.microsoft.com/office/drawing/2010/main">
+              <a14:hiddenFill xmlns:a14="http://schemas.microsoft.com/office/drawing/2010/main" xmlns="">
                 <a:solidFill>
                   <a:srgbClr val="FFFFFF"/>
                 </a:solidFill>
@@ -12777,7 +12624,7 @@
           <a:blip r:embed="rId6" cstate="print">
             <a:extLst>
               <a:ext uri="{28A0092B-C50C-407E-A947-70E740481C1C}">
-                <a14:useLocalDpi xmlns="" xmlns:a14="http://schemas.microsoft.com/office/drawing/2010/main" val="0"/>
+                <a14:useLocalDpi xmlns:a14="http://schemas.microsoft.com/office/drawing/2010/main" xmlns="" val="0"/>
               </a:ext>
             </a:extLst>
           </a:blip>
@@ -12797,7 +12644,7 @@
           <a:noFill/>
           <a:extLst>
             <a:ext uri="{909E8E84-426E-40DD-AFC4-6F175D3DCCD1}">
-              <a14:hiddenFill xmlns="" xmlns:a14="http://schemas.microsoft.com/office/drawing/2010/main">
+              <a14:hiddenFill xmlns:a14="http://schemas.microsoft.com/office/drawing/2010/main" xmlns="">
                 <a:solidFill>
                   <a:srgbClr val="FFFFFF"/>
                 </a:solidFill>
@@ -12818,7 +12665,7 @@
           <a:blip r:embed="rId5" cstate="print">
             <a:extLst>
               <a:ext uri="{28A0092B-C50C-407E-A947-70E740481C1C}">
-                <a14:useLocalDpi xmlns="" xmlns:a14="http://schemas.microsoft.com/office/drawing/2010/main" val="0"/>
+                <a14:useLocalDpi xmlns:a14="http://schemas.microsoft.com/office/drawing/2010/main" xmlns="" val="0"/>
               </a:ext>
             </a:extLst>
           </a:blip>
@@ -12838,7 +12685,7 @@
           <a:noFill/>
           <a:extLst>
             <a:ext uri="{909E8E84-426E-40DD-AFC4-6F175D3DCCD1}">
-              <a14:hiddenFill xmlns="" xmlns:a14="http://schemas.microsoft.com/office/drawing/2010/main">
+              <a14:hiddenFill xmlns:a14="http://schemas.microsoft.com/office/drawing/2010/main" xmlns="">
                 <a:solidFill>
                   <a:srgbClr val="FFFFFF"/>
                 </a:solidFill>
@@ -12859,7 +12706,7 @@
           <a:blip r:embed="rId6" cstate="print">
             <a:extLst>
               <a:ext uri="{28A0092B-C50C-407E-A947-70E740481C1C}">
-                <a14:useLocalDpi xmlns="" xmlns:a14="http://schemas.microsoft.com/office/drawing/2010/main" val="0"/>
+                <a14:useLocalDpi xmlns:a14="http://schemas.microsoft.com/office/drawing/2010/main" xmlns="" val="0"/>
               </a:ext>
             </a:extLst>
           </a:blip>
@@ -12879,7 +12726,7 @@
           <a:noFill/>
           <a:extLst>
             <a:ext uri="{909E8E84-426E-40DD-AFC4-6F175D3DCCD1}">
-              <a14:hiddenFill xmlns="" xmlns:a14="http://schemas.microsoft.com/office/drawing/2010/main">
+              <a14:hiddenFill xmlns:a14="http://schemas.microsoft.com/office/drawing/2010/main" xmlns="">
                 <a:solidFill>
                   <a:srgbClr val="FFFFFF"/>
                 </a:solidFill>
@@ -12976,7 +12823,7 @@
           <a:blip r:embed="rId7" cstate="print">
             <a:extLst>
               <a:ext uri="{28A0092B-C50C-407E-A947-70E740481C1C}">
-                <a14:useLocalDpi xmlns="" xmlns:a14="http://schemas.microsoft.com/office/drawing/2010/main" val="0"/>
+                <a14:useLocalDpi xmlns:a14="http://schemas.microsoft.com/office/drawing/2010/main" xmlns="" val="0"/>
               </a:ext>
             </a:extLst>
           </a:blip>
@@ -12996,7 +12843,7 @@
           <a:noFill/>
           <a:extLst>
             <a:ext uri="{909E8E84-426E-40DD-AFC4-6F175D3DCCD1}">
-              <a14:hiddenFill xmlns="" xmlns:a14="http://schemas.microsoft.com/office/drawing/2010/main">
+              <a14:hiddenFill xmlns:a14="http://schemas.microsoft.com/office/drawing/2010/main" xmlns="">
                 <a:solidFill>
                   <a:srgbClr val="FFFFFF"/>
                 </a:solidFill>
@@ -13017,7 +12864,7 @@
           <a:blip r:embed="rId8" cstate="print">
             <a:extLst>
               <a:ext uri="{28A0092B-C50C-407E-A947-70E740481C1C}">
-                <a14:useLocalDpi xmlns="" xmlns:a14="http://schemas.microsoft.com/office/drawing/2010/main" val="0"/>
+                <a14:useLocalDpi xmlns:a14="http://schemas.microsoft.com/office/drawing/2010/main" xmlns="" val="0"/>
               </a:ext>
             </a:extLst>
           </a:blip>
@@ -13037,7 +12884,7 @@
           <a:noFill/>
           <a:extLst>
             <a:ext uri="{909E8E84-426E-40DD-AFC4-6F175D3DCCD1}">
-              <a14:hiddenFill xmlns="" xmlns:a14="http://schemas.microsoft.com/office/drawing/2010/main">
+              <a14:hiddenFill xmlns:a14="http://schemas.microsoft.com/office/drawing/2010/main" xmlns="">
                 <a:solidFill>
                   <a:srgbClr val="FFFFFF"/>
                 </a:solidFill>
@@ -13058,7 +12905,7 @@
           <a:blip r:embed="rId9" cstate="print">
             <a:extLst>
               <a:ext uri="{28A0092B-C50C-407E-A947-70E740481C1C}">
-                <a14:useLocalDpi xmlns="" xmlns:a14="http://schemas.microsoft.com/office/drawing/2010/main" val="0"/>
+                <a14:useLocalDpi xmlns:a14="http://schemas.microsoft.com/office/drawing/2010/main" xmlns="" val="0"/>
               </a:ext>
             </a:extLst>
           </a:blip>
@@ -13078,7 +12925,7 @@
           <a:noFill/>
           <a:extLst>
             <a:ext uri="{909E8E84-426E-40DD-AFC4-6F175D3DCCD1}">
-              <a14:hiddenFill xmlns="" xmlns:a14="http://schemas.microsoft.com/office/drawing/2010/main">
+              <a14:hiddenFill xmlns:a14="http://schemas.microsoft.com/office/drawing/2010/main" xmlns="">
                 <a:solidFill>
                   <a:srgbClr val="FFFFFF"/>
                 </a:solidFill>
@@ -13099,7 +12946,7 @@
           <a:blip r:embed="rId10" cstate="print">
             <a:extLst>
               <a:ext uri="{28A0092B-C50C-407E-A947-70E740481C1C}">
-                <a14:useLocalDpi xmlns="" xmlns:a14="http://schemas.microsoft.com/office/drawing/2010/main" val="0"/>
+                <a14:useLocalDpi xmlns:a14="http://schemas.microsoft.com/office/drawing/2010/main" xmlns="" val="0"/>
               </a:ext>
             </a:extLst>
           </a:blip>
@@ -13119,7 +12966,7 @@
           <a:noFill/>
           <a:extLst>
             <a:ext uri="{909E8E84-426E-40DD-AFC4-6F175D3DCCD1}">
-              <a14:hiddenFill xmlns="" xmlns:a14="http://schemas.microsoft.com/office/drawing/2010/main">
+              <a14:hiddenFill xmlns:a14="http://schemas.microsoft.com/office/drawing/2010/main" xmlns="">
                 <a:solidFill>
                   <a:srgbClr val="FFFFFF"/>
                 </a:solidFill>
@@ -13131,7 +12978,7 @@
     </p:spTree>
     <p:extLst>
       <p:ext uri="{BB962C8B-B14F-4D97-AF65-F5344CB8AC3E}">
-        <p14:creationId xmlns="" xmlns:p14="http://schemas.microsoft.com/office/powerpoint/2010/main" val="1407908346"/>
+        <p14:creationId xmlns:p14="http://schemas.microsoft.com/office/powerpoint/2010/main" xmlns="" val="1407908346"/>
       </p:ext>
     </p:extLst>
   </p:cSld>
@@ -13446,7 +13293,7 @@
         <a:effectLst/>
         <a:extLst>
           <a:ext uri="{91240B29-F687-4F45-9708-019B960494DF}">
-            <a14:hiddenLine xmlns:a14="http://schemas.microsoft.com/office/drawing/2010/main" xmlns="" w="9525" cap="flat" cmpd="sng" algn="ctr">
+            <a14:hiddenLine xmlns="" xmlns:a14="http://schemas.microsoft.com/office/drawing/2010/main" w="9525" cap="flat" cmpd="sng" algn="ctr">
               <a:solidFill>
                 <a:schemeClr val="tx1"/>
               </a:solidFill>
@@ -13457,7 +13304,7 @@
             </a14:hiddenLine>
           </a:ext>
           <a:ext uri="{AF507438-7753-43E0-B8FC-AC1667EBCBE1}">
-            <a14:hiddenEffects xmlns:a14="http://schemas.microsoft.com/office/drawing/2010/main" xmlns="">
+            <a14:hiddenEffects xmlns="" xmlns:a14="http://schemas.microsoft.com/office/drawing/2010/main">
               <a:effectLst>
                 <a:outerShdw dist="35921" dir="2700000" algn="ctr" rotWithShape="0">
                   <a:schemeClr val="bg2"/>

--- a/Documents/presentation doc/mid_presentation.pptx
+++ b/Documents/presentation doc/mid_presentation.pptx
@@ -22,7 +22,7 @@
     <p:sldId id="311" r:id="rId13"/>
   </p:sldIdLst>
   <p:sldSz cx="9144000" cy="6858000" type="screen4x3"/>
-  <p:notesSz cx="6858000" cy="9144000"/>
+  <p:notesSz cx="6797675" cy="9874250"/>
   <p:defaultTextStyle>
     <a:defPPr>
       <a:defRPr lang="en-US"/>
@@ -153,6 +153,7 @@
 
 <file path=ppt/charts/chart1.xml><?xml version="1.0" encoding="utf-8"?>
 <c:chartSpace xmlns:c="http://schemas.openxmlformats.org/drawingml/2006/chart" xmlns:a="http://schemas.openxmlformats.org/drawingml/2006/main" xmlns:r="http://schemas.openxmlformats.org/officeDocument/2006/relationships">
+  <c:date1904 val="1"/>
   <c:lang val="ko-KR"/>
   <c:style val="27"/>
   <c:chart>
@@ -163,10 +164,10 @@
           <c:layoutTarget val="inner"/>
           <c:xMode val="edge"/>
           <c:yMode val="edge"/>
-          <c:x val="0.13756541418769602"/>
-          <c:y val="0.31142121774829301"/>
+          <c:x val="0.13756541418769647"/>
+          <c:y val="0.31142121774829357"/>
           <c:w val="0.82290353753797463"/>
-          <c:h val="0.56776310568666888"/>
+          <c:h val="0.56776310568666788"/>
         </c:manualLayout>
       </c:layout>
       <c:barChart>
@@ -261,25 +262,25 @@
           <c:showVal val="1"/>
         </c:dLbls>
         <c:gapWidth val="75"/>
-        <c:axId val="36709120"/>
-        <c:axId val="36710656"/>
+        <c:axId val="66501632"/>
+        <c:axId val="39006976"/>
       </c:barChart>
       <c:catAx>
-        <c:axId val="36709120"/>
+        <c:axId val="66501632"/>
         <c:scaling>
           <c:orientation val="minMax"/>
         </c:scaling>
         <c:axPos val="b"/>
         <c:majorTickMark val="none"/>
         <c:tickLblPos val="nextTo"/>
-        <c:crossAx val="36710656"/>
+        <c:crossAx val="39006976"/>
         <c:crosses val="autoZero"/>
         <c:auto val="1"/>
         <c:lblAlgn val="ctr"/>
         <c:lblOffset val="100"/>
       </c:catAx>
       <c:valAx>
-        <c:axId val="36710656"/>
+        <c:axId val="39006976"/>
         <c:scaling>
           <c:orientation val="minMax"/>
           <c:min val="0"/>
@@ -288,7 +289,7 @@
         <c:numFmt formatCode="General" sourceLinked="1"/>
         <c:majorTickMark val="none"/>
         <c:tickLblPos val="nextTo"/>
-        <c:crossAx val="36709120"/>
+        <c:crossAx val="66501632"/>
         <c:crosses val="autoZero"/>
         <c:crossBetween val="between"/>
         <c:majorUnit val="20"/>
@@ -300,10 +301,10 @@
         <c:manualLayout>
           <c:xMode val="edge"/>
           <c:yMode val="edge"/>
-          <c:x val="0.18942124246731259"/>
-          <c:y val="3.0763248527941416E-2"/>
-          <c:w val="0.68117168015814522"/>
-          <c:h val="0.22344660117129905"/>
+          <c:x val="0.18942124246731315"/>
+          <c:y val="3.0763248527941496E-2"/>
+          <c:w val="0.68117168015814722"/>
+          <c:h val="0.2234466011712998"/>
         </c:manualLayout>
       </c:layout>
     </c:legend>
@@ -405,24 +406,24 @@
           </c:val>
         </c:ser>
         <c:marker val="1"/>
-        <c:axId val="36754944"/>
-        <c:axId val="36756480"/>
+        <c:axId val="39038976"/>
+        <c:axId val="39040512"/>
       </c:lineChart>
       <c:catAx>
-        <c:axId val="36754944"/>
+        <c:axId val="39038976"/>
         <c:scaling>
           <c:orientation val="minMax"/>
         </c:scaling>
         <c:axPos val="b"/>
         <c:tickLblPos val="nextTo"/>
-        <c:crossAx val="36756480"/>
+        <c:crossAx val="39040512"/>
         <c:crosses val="autoZero"/>
         <c:auto val="1"/>
         <c:lblAlgn val="ctr"/>
         <c:lblOffset val="100"/>
       </c:catAx>
       <c:valAx>
-        <c:axId val="36756480"/>
+        <c:axId val="39040512"/>
         <c:scaling>
           <c:orientation val="minMax"/>
           <c:max val="2000"/>
@@ -431,7 +432,7 @@
         <c:majorGridlines/>
         <c:numFmt formatCode="General" sourceLinked="1"/>
         <c:tickLblPos val="nextTo"/>
-        <c:crossAx val="36754944"/>
+        <c:crossAx val="39038976"/>
         <c:crosses val="autoZero"/>
         <c:crossBetween val="between"/>
         <c:majorUnit val="500"/>
@@ -492,7 +493,7 @@
         <p:spPr bwMode="auto">
           <a:xfrm>
             <a:off x="0" y="0"/>
-            <a:ext cx="2971800" cy="457200"/>
+            <a:ext cx="2945659" cy="493713"/>
           </a:xfrm>
           <a:prstGeom prst="rect">
             <a:avLst/>
@@ -504,14 +505,14 @@
           <a:effectLst/>
           <a:extLst>
             <a:ext uri="{909E8E84-426E-40DD-AFC4-6F175D3DCCD1}">
-              <a14:hiddenFill xmlns="" xmlns:a14="http://schemas.microsoft.com/office/drawing/2010/main">
+              <a14:hiddenFill xmlns:a14="http://schemas.microsoft.com/office/drawing/2010/main" xmlns="">
                 <a:solidFill>
                   <a:schemeClr val="accent1"/>
                 </a:solidFill>
               </a14:hiddenFill>
             </a:ext>
             <a:ext uri="{91240B29-F687-4F45-9708-019B960494DF}">
-              <a14:hiddenLine xmlns="" xmlns:a14="http://schemas.microsoft.com/office/drawing/2010/main" w="9525">
+              <a14:hiddenLine xmlns:a14="http://schemas.microsoft.com/office/drawing/2010/main" xmlns="" w="9525">
                 <a:solidFill>
                   <a:schemeClr val="tx1"/>
                 </a:solidFill>
@@ -521,7 +522,7 @@
               </a14:hiddenLine>
             </a:ext>
             <a:ext uri="{AF507438-7753-43E0-B8FC-AC1667EBCBE1}">
-              <a14:hiddenEffects xmlns="" xmlns:a14="http://schemas.microsoft.com/office/drawing/2010/main">
+              <a14:hiddenEffects xmlns:a14="http://schemas.microsoft.com/office/drawing/2010/main" xmlns="">
                 <a:effectLst>
                   <a:outerShdw dist="35921" dir="2700000" algn="ctr" rotWithShape="0">
                     <a:schemeClr val="bg2"/>
@@ -561,8 +562,8 @@
         </p:nvSpPr>
         <p:spPr bwMode="auto">
           <a:xfrm>
-            <a:off x="3884613" y="0"/>
-            <a:ext cx="2971800" cy="457200"/>
+            <a:off x="3850443" y="0"/>
+            <a:ext cx="2945659" cy="493713"/>
           </a:xfrm>
           <a:prstGeom prst="rect">
             <a:avLst/>
@@ -574,14 +575,14 @@
           <a:effectLst/>
           <a:extLst>
             <a:ext uri="{909E8E84-426E-40DD-AFC4-6F175D3DCCD1}">
-              <a14:hiddenFill xmlns="" xmlns:a14="http://schemas.microsoft.com/office/drawing/2010/main">
+              <a14:hiddenFill xmlns:a14="http://schemas.microsoft.com/office/drawing/2010/main" xmlns="">
                 <a:solidFill>
                   <a:schemeClr val="accent1"/>
                 </a:solidFill>
               </a14:hiddenFill>
             </a:ext>
             <a:ext uri="{91240B29-F687-4F45-9708-019B960494DF}">
-              <a14:hiddenLine xmlns="" xmlns:a14="http://schemas.microsoft.com/office/drawing/2010/main" w="9525">
+              <a14:hiddenLine xmlns:a14="http://schemas.microsoft.com/office/drawing/2010/main" xmlns="" w="9525">
                 <a:solidFill>
                   <a:schemeClr val="tx1"/>
                 </a:solidFill>
@@ -591,7 +592,7 @@
               </a14:hiddenLine>
             </a:ext>
             <a:ext uri="{AF507438-7753-43E0-B8FC-AC1667EBCBE1}">
-              <a14:hiddenEffects xmlns="" xmlns:a14="http://schemas.microsoft.com/office/drawing/2010/main">
+              <a14:hiddenEffects xmlns:a14="http://schemas.microsoft.com/office/drawing/2010/main" xmlns="">
                 <a:effectLst>
                   <a:outerShdw dist="35921" dir="2700000" algn="ctr" rotWithShape="0">
                     <a:schemeClr val="bg2"/>
@@ -631,8 +632,8 @@
         </p:nvSpPr>
         <p:spPr bwMode="auto">
           <a:xfrm>
-            <a:off x="1143000" y="685800"/>
-            <a:ext cx="4572000" cy="3429000"/>
+            <a:off x="931863" y="741363"/>
+            <a:ext cx="4933950" cy="3702050"/>
           </a:xfrm>
           <a:prstGeom prst="rect">
             <a:avLst/>
@@ -649,7 +650,7 @@
           <a:effectLst/>
           <a:extLst>
             <a:ext uri="{AF507438-7753-43E0-B8FC-AC1667EBCBE1}">
-              <a14:hiddenEffects xmlns="" xmlns:a14="http://schemas.microsoft.com/office/drawing/2010/main">
+              <a14:hiddenEffects xmlns:a14="http://schemas.microsoft.com/office/drawing/2010/main" xmlns="">
                 <a:effectLst>
                   <a:outerShdw dist="35921" dir="2700000" algn="ctr" rotWithShape="0">
                     <a:srgbClr val="808080"/>
@@ -658,7 +659,7 @@
               </a14:hiddenEffects>
             </a:ext>
             <a:ext uri="{53640926-AAD7-44D8-BBD7-CCE9431645EC}">
-              <a14:shadowObscured xmlns="" xmlns:a14="http://schemas.microsoft.com/office/drawing/2010/main" val="1"/>
+              <a14:shadowObscured xmlns:a14="http://schemas.microsoft.com/office/drawing/2010/main" xmlns="" val="1"/>
             </a:ext>
           </a:extLst>
         </p:spPr>
@@ -675,8 +676,8 @@
         </p:nvSpPr>
         <p:spPr bwMode="auto">
           <a:xfrm>
-            <a:off x="685800" y="4343400"/>
-            <a:ext cx="5486400" cy="4114800"/>
+            <a:off x="679768" y="4690269"/>
+            <a:ext cx="5438140" cy="4443413"/>
           </a:xfrm>
           <a:prstGeom prst="rect">
             <a:avLst/>
@@ -688,14 +689,14 @@
           <a:effectLst/>
           <a:extLst>
             <a:ext uri="{909E8E84-426E-40DD-AFC4-6F175D3DCCD1}">
-              <a14:hiddenFill xmlns="" xmlns:a14="http://schemas.microsoft.com/office/drawing/2010/main">
+              <a14:hiddenFill xmlns:a14="http://schemas.microsoft.com/office/drawing/2010/main" xmlns="">
                 <a:solidFill>
                   <a:schemeClr val="accent1"/>
                 </a:solidFill>
               </a14:hiddenFill>
             </a:ext>
             <a:ext uri="{91240B29-F687-4F45-9708-019B960494DF}">
-              <a14:hiddenLine xmlns="" xmlns:a14="http://schemas.microsoft.com/office/drawing/2010/main" w="9525">
+              <a14:hiddenLine xmlns:a14="http://schemas.microsoft.com/office/drawing/2010/main" xmlns="" w="9525">
                 <a:solidFill>
                   <a:schemeClr val="tx1"/>
                 </a:solidFill>
@@ -705,7 +706,7 @@
               </a14:hiddenLine>
             </a:ext>
             <a:ext uri="{AF507438-7753-43E0-B8FC-AC1667EBCBE1}">
-              <a14:hiddenEffects xmlns="" xmlns:a14="http://schemas.microsoft.com/office/drawing/2010/main">
+              <a14:hiddenEffects xmlns:a14="http://schemas.microsoft.com/office/drawing/2010/main" xmlns="">
                 <a:effectLst>
                   <a:outerShdw dist="35921" dir="2700000" algn="ctr" rotWithShape="0">
                     <a:schemeClr val="bg2"/>
@@ -771,8 +772,8 @@
         </p:nvSpPr>
         <p:spPr bwMode="auto">
           <a:xfrm>
-            <a:off x="0" y="8685213"/>
-            <a:ext cx="2971800" cy="457200"/>
+            <a:off x="0" y="9378824"/>
+            <a:ext cx="2945659" cy="493713"/>
           </a:xfrm>
           <a:prstGeom prst="rect">
             <a:avLst/>
@@ -784,14 +785,14 @@
           <a:effectLst/>
           <a:extLst>
             <a:ext uri="{909E8E84-426E-40DD-AFC4-6F175D3DCCD1}">
-              <a14:hiddenFill xmlns="" xmlns:a14="http://schemas.microsoft.com/office/drawing/2010/main">
+              <a14:hiddenFill xmlns:a14="http://schemas.microsoft.com/office/drawing/2010/main" xmlns="">
                 <a:solidFill>
                   <a:schemeClr val="accent1"/>
                 </a:solidFill>
               </a14:hiddenFill>
             </a:ext>
             <a:ext uri="{91240B29-F687-4F45-9708-019B960494DF}">
-              <a14:hiddenLine xmlns="" xmlns:a14="http://schemas.microsoft.com/office/drawing/2010/main" w="9525">
+              <a14:hiddenLine xmlns:a14="http://schemas.microsoft.com/office/drawing/2010/main" xmlns="" w="9525">
                 <a:solidFill>
                   <a:schemeClr val="tx1"/>
                 </a:solidFill>
@@ -801,7 +802,7 @@
               </a14:hiddenLine>
             </a:ext>
             <a:ext uri="{AF507438-7753-43E0-B8FC-AC1667EBCBE1}">
-              <a14:hiddenEffects xmlns="" xmlns:a14="http://schemas.microsoft.com/office/drawing/2010/main">
+              <a14:hiddenEffects xmlns:a14="http://schemas.microsoft.com/office/drawing/2010/main" xmlns="">
                 <a:effectLst>
                   <a:outerShdw dist="35921" dir="2700000" algn="ctr" rotWithShape="0">
                     <a:schemeClr val="bg2"/>
@@ -841,8 +842,8 @@
         </p:nvSpPr>
         <p:spPr bwMode="auto">
           <a:xfrm>
-            <a:off x="3884613" y="8685213"/>
-            <a:ext cx="2971800" cy="457200"/>
+            <a:off x="3850443" y="9378824"/>
+            <a:ext cx="2945659" cy="493713"/>
           </a:xfrm>
           <a:prstGeom prst="rect">
             <a:avLst/>
@@ -854,14 +855,14 @@
           <a:effectLst/>
           <a:extLst>
             <a:ext uri="{909E8E84-426E-40DD-AFC4-6F175D3DCCD1}">
-              <a14:hiddenFill xmlns="" xmlns:a14="http://schemas.microsoft.com/office/drawing/2010/main">
+              <a14:hiddenFill xmlns:a14="http://schemas.microsoft.com/office/drawing/2010/main" xmlns="">
                 <a:solidFill>
                   <a:schemeClr val="accent1"/>
                 </a:solidFill>
               </a14:hiddenFill>
             </a:ext>
             <a:ext uri="{91240B29-F687-4F45-9708-019B960494DF}">
-              <a14:hiddenLine xmlns="" xmlns:a14="http://schemas.microsoft.com/office/drawing/2010/main" w="9525">
+              <a14:hiddenLine xmlns:a14="http://schemas.microsoft.com/office/drawing/2010/main" xmlns="" w="9525">
                 <a:solidFill>
                   <a:schemeClr val="tx1"/>
                 </a:solidFill>
@@ -871,7 +872,7 @@
               </a14:hiddenLine>
             </a:ext>
             <a:ext uri="{AF507438-7753-43E0-B8FC-AC1667EBCBE1}">
-              <a14:hiddenEffects xmlns="" xmlns:a14="http://schemas.microsoft.com/office/drawing/2010/main">
+              <a14:hiddenEffects xmlns:a14="http://schemas.microsoft.com/office/drawing/2010/main" xmlns="">
                 <a:effectLst>
                   <a:outerShdw dist="35921" dir="2700000" algn="ctr" rotWithShape="0">
                     <a:schemeClr val="bg2"/>
@@ -907,7 +908,7 @@
     </p:spTree>
     <p:extLst>
       <p:ext uri="{BB962C8B-B14F-4D97-AF65-F5344CB8AC3E}">
-        <p14:creationId xmlns="" xmlns:p14="http://schemas.microsoft.com/office/powerpoint/2010/main" val="3354467039"/>
+        <p14:creationId xmlns:p14="http://schemas.microsoft.com/office/powerpoint/2010/main" xmlns="" val="3354467039"/>
       </p:ext>
     </p:extLst>
   </p:cSld>
@@ -1109,7 +1110,185 @@
           <a:bodyPr/>
           <a:lstStyle/>
           <a:p>
-            <a:endParaRPr lang="ru-RU"/>
+            <a:pPr marL="0" marR="0" indent="0" algn="just" defTabSz="914400" rtl="0" eaLnBrk="1" fontAlgn="base" latinLnBrk="0" hangingPunct="1">
+              <a:lnSpc>
+                <a:spcPct val="100000"/>
+              </a:lnSpc>
+              <a:spcBef>
+                <a:spcPct val="30000"/>
+              </a:spcBef>
+              <a:spcAft>
+                <a:spcPct val="0"/>
+              </a:spcAft>
+              <a:buClrTx/>
+              <a:buSzTx/>
+              <a:buFontTx/>
+              <a:buNone/>
+              <a:tabLst/>
+              <a:defRPr/>
+            </a:pPr>
+            <a:r>
+              <a:rPr lang="ko-KR" altLang="en-US" sz="1200" kern="1200" dirty="0" smtClean="0">
+                <a:solidFill>
+                  <a:schemeClr val="tx1"/>
+                </a:solidFill>
+                <a:latin typeface="Arial" charset="0"/>
+                <a:ea typeface="+mn-ea"/>
+                <a:cs typeface="+mn-cs"/>
+              </a:rPr>
+              <a:t>안녕하세요</a:t>
+            </a:r>
+            <a:r>
+              <a:rPr lang="en-US" altLang="ko-KR" sz="1200" kern="1200" dirty="0" smtClean="0">
+                <a:solidFill>
+                  <a:schemeClr val="tx1"/>
+                </a:solidFill>
+                <a:latin typeface="Arial" charset="0"/>
+                <a:ea typeface="+mn-ea"/>
+                <a:cs typeface="+mn-cs"/>
+              </a:rPr>
+              <a:t>. Lemonade </a:t>
+            </a:r>
+            <a:r>
+              <a:rPr lang="ko-KR" altLang="en-US" sz="1200" kern="1200" dirty="0" smtClean="0">
+                <a:solidFill>
+                  <a:schemeClr val="tx1"/>
+                </a:solidFill>
+                <a:latin typeface="Arial" charset="0"/>
+                <a:ea typeface="+mn-ea"/>
+                <a:cs typeface="+mn-cs"/>
+              </a:rPr>
+              <a:t>조 발표를 맞게 된 ‘강인구’입니다</a:t>
+            </a:r>
+            <a:r>
+              <a:rPr lang="en-US" altLang="ko-KR" sz="1200" kern="1200" dirty="0" smtClean="0">
+                <a:solidFill>
+                  <a:schemeClr val="tx1"/>
+                </a:solidFill>
+                <a:latin typeface="Arial" charset="0"/>
+                <a:ea typeface="+mn-ea"/>
+                <a:cs typeface="+mn-cs"/>
+              </a:rPr>
+              <a:t>, </a:t>
+            </a:r>
+            <a:r>
+              <a:rPr lang="ko-KR" altLang="en-US" sz="1200" kern="1200" dirty="0" smtClean="0">
+                <a:solidFill>
+                  <a:schemeClr val="tx1"/>
+                </a:solidFill>
+                <a:latin typeface="Arial" charset="0"/>
+                <a:ea typeface="+mn-ea"/>
+                <a:cs typeface="+mn-cs"/>
+              </a:rPr>
+              <a:t>저희 조의 프로젝트 명은 </a:t>
+            </a:r>
+            <a:r>
+              <a:rPr lang="en-US" altLang="ko-KR" sz="1200" kern="1200" dirty="0" smtClean="0">
+                <a:solidFill>
+                  <a:schemeClr val="tx1"/>
+                </a:solidFill>
+                <a:latin typeface="Arial" charset="0"/>
+                <a:ea typeface="+mn-ea"/>
+                <a:cs typeface="+mn-cs"/>
+              </a:rPr>
+              <a:t>Android-USB</a:t>
+            </a:r>
+            <a:r>
+              <a:rPr lang="ko-KR" altLang="en-US" sz="1200" kern="1200" dirty="0" smtClean="0">
+                <a:solidFill>
+                  <a:schemeClr val="tx1"/>
+                </a:solidFill>
+                <a:latin typeface="Arial" charset="0"/>
+                <a:ea typeface="+mn-ea"/>
+                <a:cs typeface="+mn-cs"/>
+              </a:rPr>
+              <a:t>로</a:t>
+            </a:r>
+            <a:r>
+              <a:rPr lang="en-US" altLang="ko-KR" sz="1200" kern="1200" dirty="0" smtClean="0">
+                <a:solidFill>
+                  <a:schemeClr val="tx1"/>
+                </a:solidFill>
+                <a:latin typeface="Arial" charset="0"/>
+                <a:ea typeface="+mn-ea"/>
+                <a:cs typeface="+mn-cs"/>
+              </a:rPr>
+              <a:t>, </a:t>
+            </a:r>
+            <a:r>
+              <a:rPr lang="ko-KR" altLang="en-US" sz="1200" kern="1200" dirty="0" smtClean="0">
+                <a:solidFill>
+                  <a:schemeClr val="tx1"/>
+                </a:solidFill>
+                <a:latin typeface="Arial" charset="0"/>
+                <a:ea typeface="+mn-ea"/>
+                <a:cs typeface="+mn-cs"/>
+              </a:rPr>
+              <a:t>안드로이드의 어플리케이션들을 </a:t>
+            </a:r>
+            <a:r>
+              <a:rPr lang="en-US" altLang="ko-KR" sz="1200" kern="1200" dirty="0" smtClean="0">
+                <a:solidFill>
+                  <a:schemeClr val="tx1"/>
+                </a:solidFill>
+                <a:latin typeface="Arial" charset="0"/>
+                <a:ea typeface="+mn-ea"/>
+                <a:cs typeface="+mn-cs"/>
+              </a:rPr>
+              <a:t>USB</a:t>
+            </a:r>
+            <a:r>
+              <a:rPr lang="ko-KR" altLang="en-US" sz="1200" kern="1200" dirty="0" smtClean="0">
+                <a:solidFill>
+                  <a:schemeClr val="tx1"/>
+                </a:solidFill>
+                <a:latin typeface="Arial" charset="0"/>
+                <a:ea typeface="+mn-ea"/>
+                <a:cs typeface="+mn-cs"/>
+              </a:rPr>
+              <a:t>로 만들어 </a:t>
+            </a:r>
+            <a:r>
+              <a:rPr lang="en-US" altLang="ko-KR" sz="1200" kern="1200" dirty="0" smtClean="0">
+                <a:solidFill>
+                  <a:schemeClr val="tx1"/>
+                </a:solidFill>
+                <a:latin typeface="Arial" charset="0"/>
+                <a:ea typeface="+mn-ea"/>
+                <a:cs typeface="+mn-cs"/>
+              </a:rPr>
+              <a:t>PC</a:t>
+            </a:r>
+            <a:r>
+              <a:rPr lang="ko-KR" altLang="en-US" sz="1200" kern="1200" dirty="0" smtClean="0">
+                <a:solidFill>
+                  <a:schemeClr val="tx1"/>
+                </a:solidFill>
+                <a:latin typeface="Arial" charset="0"/>
+                <a:ea typeface="+mn-ea"/>
+                <a:cs typeface="+mn-cs"/>
+              </a:rPr>
+              <a:t>에서 사용한다는 뜻입니다</a:t>
+            </a:r>
+            <a:r>
+              <a:rPr lang="en-US" altLang="ko-KR" sz="1200" kern="1200" dirty="0" smtClean="0">
+                <a:solidFill>
+                  <a:schemeClr val="tx1"/>
+                </a:solidFill>
+                <a:latin typeface="Arial" charset="0"/>
+                <a:ea typeface="+mn-ea"/>
+                <a:cs typeface="+mn-cs"/>
+              </a:rPr>
+              <a:t>.</a:t>
+            </a:r>
+            <a:endParaRPr lang="ko-KR" altLang="en-US" sz="1200" kern="1200" dirty="0" smtClean="0">
+              <a:solidFill>
+                <a:schemeClr val="tx1"/>
+              </a:solidFill>
+              <a:latin typeface="Arial" charset="0"/>
+              <a:ea typeface="+mn-ea"/>
+              <a:cs typeface="+mn-cs"/>
+            </a:endParaRPr>
           </a:p>
         </p:txBody>
       </p:sp>
@@ -1167,38 +1346,165 @@
           </a:bodyPr>
           <a:lstStyle/>
           <a:p>
-            <a:r>
-              <a:rPr lang="en-US" altLang="ko-KR" dirty="0" smtClean="0"/>
-              <a:t>Android-USB </a:t>
-            </a:r>
-            <a:r>
-              <a:rPr lang="ko-KR" altLang="en-US" dirty="0" smtClean="0"/>
-              <a:t>활용 서비스 </a:t>
-            </a:r>
-            <a:r>
-              <a:rPr lang="en-US" altLang="ko-KR" dirty="0" smtClean="0"/>
-              <a:t>(</a:t>
-            </a:r>
-            <a:r>
-              <a:rPr lang="ko-KR" altLang="en-US" dirty="0" err="1" smtClean="0"/>
-              <a:t>카카오톡</a:t>
-            </a:r>
-            <a:r>
-              <a:rPr lang="ko-KR" altLang="en-US" dirty="0" smtClean="0"/>
-              <a:t> </a:t>
-            </a:r>
-            <a:r>
-              <a:rPr lang="en-US" altLang="ko-KR" dirty="0" smtClean="0"/>
+            <a:pPr marL="0" marR="0" indent="0" algn="just" defTabSz="914400" rtl="0" eaLnBrk="1" fontAlgn="base" latinLnBrk="0" hangingPunct="1">
+              <a:lnSpc>
+                <a:spcPct val="100000"/>
+              </a:lnSpc>
+              <a:spcBef>
+                <a:spcPct val="30000"/>
+              </a:spcBef>
+              <a:spcAft>
+                <a:spcPct val="0"/>
+              </a:spcAft>
+              <a:buClrTx/>
+              <a:buSzTx/>
+              <a:buFontTx/>
+              <a:buNone/>
+              <a:tabLst/>
+              <a:defRPr/>
+            </a:pPr>
+            <a:r>
+              <a:rPr lang="ko-KR" altLang="en-US" sz="1200" kern="1200" dirty="0" smtClean="0">
+                <a:solidFill>
+                  <a:schemeClr val="tx1"/>
+                </a:solidFill>
+                <a:latin typeface="Arial" charset="0"/>
+                <a:ea typeface="+mn-ea"/>
+                <a:cs typeface="+mn-cs"/>
+              </a:rPr>
+              <a:t>이 중 </a:t>
+            </a:r>
+            <a:r>
+              <a:rPr lang="en-US" altLang="ko-KR" sz="1200" kern="1200" dirty="0" smtClean="0">
+                <a:solidFill>
+                  <a:schemeClr val="tx1"/>
+                </a:solidFill>
+                <a:latin typeface="Arial" charset="0"/>
+                <a:ea typeface="+mn-ea"/>
+                <a:cs typeface="+mn-cs"/>
+              </a:rPr>
               <a:t>PC</a:t>
             </a:r>
             <a:r>
-              <a:rPr lang="ko-KR" altLang="en-US" dirty="0" smtClean="0"/>
-              <a:t>에서 사용 서비스</a:t>
-            </a:r>
-            <a:r>
-              <a:rPr lang="en-US" altLang="ko-KR" dirty="0" smtClean="0"/>
-              <a:t>)</a:t>
-            </a:r>
+              <a:rPr lang="ko-KR" altLang="en-US" sz="1200" kern="1200" dirty="0" smtClean="0">
+                <a:solidFill>
+                  <a:schemeClr val="tx1"/>
+                </a:solidFill>
+                <a:latin typeface="Arial" charset="0"/>
+                <a:ea typeface="+mn-ea"/>
+                <a:cs typeface="+mn-cs"/>
+              </a:rPr>
+              <a:t>에서 카카오톡을 쓰도록 연결하는 서비스를 구현 했습니다</a:t>
+            </a:r>
+            <a:r>
+              <a:rPr lang="en-US" altLang="ko-KR" sz="1200" kern="1200" dirty="0" smtClean="0">
+                <a:solidFill>
+                  <a:schemeClr val="tx1"/>
+                </a:solidFill>
+                <a:latin typeface="Arial" charset="0"/>
+                <a:ea typeface="+mn-ea"/>
+                <a:cs typeface="+mn-cs"/>
+              </a:rPr>
+              <a:t>. </a:t>
+            </a:r>
+            <a:r>
+              <a:rPr lang="ko-KR" altLang="en-US" sz="1200" kern="1200" dirty="0" smtClean="0">
+                <a:solidFill>
+                  <a:schemeClr val="tx1"/>
+                </a:solidFill>
+                <a:latin typeface="Arial" charset="0"/>
+                <a:ea typeface="+mn-ea"/>
+                <a:cs typeface="+mn-cs"/>
+              </a:rPr>
+              <a:t>우선 </a:t>
+            </a:r>
+            <a:r>
+              <a:rPr lang="en-US" altLang="ko-KR" sz="1200" kern="1200" dirty="0" smtClean="0">
+                <a:solidFill>
+                  <a:schemeClr val="tx1"/>
+                </a:solidFill>
+                <a:latin typeface="Arial" charset="0"/>
+                <a:ea typeface="+mn-ea"/>
+                <a:cs typeface="+mn-cs"/>
+              </a:rPr>
+              <a:t>TCP/IP</a:t>
+            </a:r>
+            <a:r>
+              <a:rPr lang="ko-KR" altLang="en-US" sz="1200" kern="1200" dirty="0" smtClean="0">
+                <a:solidFill>
+                  <a:schemeClr val="tx1"/>
+                </a:solidFill>
+                <a:latin typeface="Arial" charset="0"/>
+                <a:ea typeface="+mn-ea"/>
+                <a:cs typeface="+mn-cs"/>
+              </a:rPr>
+              <a:t>로 구현된 상태고</a:t>
+            </a:r>
+            <a:r>
+              <a:rPr lang="en-US" altLang="ko-KR" sz="1200" kern="1200" dirty="0" smtClean="0">
+                <a:solidFill>
+                  <a:schemeClr val="tx1"/>
+                </a:solidFill>
+                <a:latin typeface="Arial" charset="0"/>
+                <a:ea typeface="+mn-ea"/>
+                <a:cs typeface="+mn-cs"/>
+              </a:rPr>
+              <a:t>, Android-USB </a:t>
+            </a:r>
+            <a:r>
+              <a:rPr lang="ko-KR" altLang="en-US" sz="1200" kern="1200" dirty="0" smtClean="0">
+                <a:solidFill>
+                  <a:schemeClr val="tx1"/>
+                </a:solidFill>
+                <a:latin typeface="Arial" charset="0"/>
+                <a:ea typeface="+mn-ea"/>
+                <a:cs typeface="+mn-cs"/>
+              </a:rPr>
+              <a:t>구현이 완료된 후에 화면을 </a:t>
+            </a:r>
+            <a:r>
+              <a:rPr lang="en-US" altLang="ko-KR" sz="1200" kern="1200" dirty="0" smtClean="0">
+                <a:solidFill>
+                  <a:schemeClr val="tx1"/>
+                </a:solidFill>
+                <a:latin typeface="Arial" charset="0"/>
+                <a:ea typeface="+mn-ea"/>
+                <a:cs typeface="+mn-cs"/>
+              </a:rPr>
+              <a:t>USB</a:t>
+            </a:r>
+            <a:r>
+              <a:rPr lang="ko-KR" altLang="en-US" sz="1200" kern="1200" dirty="0" smtClean="0">
+                <a:solidFill>
+                  <a:schemeClr val="tx1"/>
+                </a:solidFill>
+                <a:latin typeface="Arial" charset="0"/>
+                <a:ea typeface="+mn-ea"/>
+                <a:cs typeface="+mn-cs"/>
+              </a:rPr>
+              <a:t>카메라로 보이게 해서 연결할 예정입니다</a:t>
+            </a:r>
+            <a:r>
+              <a:rPr lang="en-US" altLang="ko-KR" sz="1200" kern="1200" dirty="0" smtClean="0">
+                <a:solidFill>
+                  <a:schemeClr val="tx1"/>
+                </a:solidFill>
+                <a:latin typeface="Arial" charset="0"/>
+                <a:ea typeface="+mn-ea"/>
+                <a:cs typeface="+mn-cs"/>
+              </a:rPr>
+              <a:t>.</a:t>
+            </a:r>
+            <a:endParaRPr lang="ko-KR" altLang="en-US" sz="1200" kern="1200" dirty="0" smtClean="0">
+              <a:solidFill>
+                <a:schemeClr val="tx1"/>
+              </a:solidFill>
+              <a:latin typeface="Arial" charset="0"/>
+              <a:ea typeface="+mn-ea"/>
+              <a:cs typeface="+mn-cs"/>
+            </a:endParaRPr>
+          </a:p>
+          <a:p>
             <a:endParaRPr lang="ko-KR" altLang="en-US" dirty="0"/>
           </a:p>
         </p:txBody>
@@ -1281,6 +1587,165 @@
           </a:bodyPr>
           <a:lstStyle/>
           <a:p>
+            <a:pPr marL="0" marR="0" indent="0" algn="just" defTabSz="914400" rtl="0" eaLnBrk="1" fontAlgn="base" latinLnBrk="0" hangingPunct="1">
+              <a:lnSpc>
+                <a:spcPct val="100000"/>
+              </a:lnSpc>
+              <a:spcBef>
+                <a:spcPct val="30000"/>
+              </a:spcBef>
+              <a:spcAft>
+                <a:spcPct val="0"/>
+              </a:spcAft>
+              <a:buClrTx/>
+              <a:buSzTx/>
+              <a:buFontTx/>
+              <a:buNone/>
+              <a:tabLst/>
+              <a:defRPr/>
+            </a:pPr>
+            <a:r>
+              <a:rPr lang="ko-KR" altLang="en-US" sz="1200" kern="1200" dirty="0" smtClean="0">
+                <a:solidFill>
+                  <a:schemeClr val="tx1"/>
+                </a:solidFill>
+                <a:latin typeface="Arial" charset="0"/>
+                <a:ea typeface="+mn-ea"/>
+                <a:cs typeface="+mn-cs"/>
+              </a:rPr>
+              <a:t>서비스의 구조입니다</a:t>
+            </a:r>
+            <a:r>
+              <a:rPr lang="en-US" altLang="ko-KR" sz="1200" kern="1200" dirty="0" smtClean="0">
+                <a:solidFill>
+                  <a:schemeClr val="tx1"/>
+                </a:solidFill>
+                <a:latin typeface="Arial" charset="0"/>
+                <a:ea typeface="+mn-ea"/>
+                <a:cs typeface="+mn-cs"/>
+              </a:rPr>
+              <a:t>. PC</a:t>
+            </a:r>
+            <a:r>
+              <a:rPr lang="ko-KR" altLang="en-US" sz="1200" kern="1200" dirty="0" smtClean="0">
+                <a:solidFill>
+                  <a:schemeClr val="tx1"/>
+                </a:solidFill>
+                <a:latin typeface="Arial" charset="0"/>
+                <a:ea typeface="+mn-ea"/>
+                <a:cs typeface="+mn-cs"/>
+              </a:rPr>
+              <a:t>에서 텍스트를 입력하면 안드로이드에서 받아서 따로 구현한 소프트웨어 키보드 </a:t>
+            </a:r>
+            <a:r>
+              <a:rPr lang="en-US" altLang="ko-KR" sz="1200" kern="1200" dirty="0" smtClean="0">
+                <a:solidFill>
+                  <a:schemeClr val="tx1"/>
+                </a:solidFill>
+                <a:latin typeface="Arial" charset="0"/>
+                <a:ea typeface="+mn-ea"/>
+                <a:cs typeface="+mn-cs"/>
+              </a:rPr>
+              <a:t>IME</a:t>
+            </a:r>
+            <a:r>
+              <a:rPr lang="ko-KR" altLang="en-US" sz="1200" kern="1200" dirty="0" smtClean="0">
+                <a:solidFill>
+                  <a:schemeClr val="tx1"/>
+                </a:solidFill>
+                <a:latin typeface="Arial" charset="0"/>
+                <a:ea typeface="+mn-ea"/>
+                <a:cs typeface="+mn-cs"/>
+              </a:rPr>
+              <a:t>로 넘겨 입력합니다</a:t>
+            </a:r>
+            <a:r>
+              <a:rPr lang="en-US" altLang="ko-KR" sz="1200" kern="1200" dirty="0" smtClean="0">
+                <a:solidFill>
+                  <a:schemeClr val="tx1"/>
+                </a:solidFill>
+                <a:latin typeface="Arial" charset="0"/>
+                <a:ea typeface="+mn-ea"/>
+                <a:cs typeface="+mn-cs"/>
+              </a:rPr>
+              <a:t>. </a:t>
+            </a:r>
+            <a:r>
+              <a:rPr lang="ko-KR" altLang="en-US" sz="1200" kern="1200" dirty="0" smtClean="0">
+                <a:solidFill>
+                  <a:schemeClr val="tx1"/>
+                </a:solidFill>
+                <a:latin typeface="Arial" charset="0"/>
+                <a:ea typeface="+mn-ea"/>
+                <a:cs typeface="+mn-cs"/>
+              </a:rPr>
+              <a:t>스마트폰 화면은 </a:t>
+            </a:r>
+            <a:r>
+              <a:rPr lang="ko-KR" altLang="en-US" sz="1200" kern="1200" dirty="0" err="1" smtClean="0">
+                <a:solidFill>
+                  <a:schemeClr val="tx1"/>
+                </a:solidFill>
+                <a:latin typeface="Arial" charset="0"/>
+                <a:ea typeface="+mn-ea"/>
+                <a:cs typeface="+mn-cs"/>
+              </a:rPr>
+              <a:t>캡쳐</a:t>
+            </a:r>
+            <a:r>
+              <a:rPr lang="ko-KR" altLang="en-US" sz="1200" kern="1200" dirty="0" smtClean="0">
+                <a:solidFill>
+                  <a:schemeClr val="tx1"/>
+                </a:solidFill>
+                <a:latin typeface="Arial" charset="0"/>
+                <a:ea typeface="+mn-ea"/>
+                <a:cs typeface="+mn-cs"/>
+              </a:rPr>
+              <a:t> 해서 </a:t>
+            </a:r>
+            <a:r>
+              <a:rPr lang="en-US" altLang="ko-KR" sz="1200" kern="1200" dirty="0" smtClean="0">
+                <a:solidFill>
+                  <a:schemeClr val="tx1"/>
+                </a:solidFill>
+                <a:latin typeface="Arial" charset="0"/>
+                <a:ea typeface="+mn-ea"/>
+                <a:cs typeface="+mn-cs"/>
+              </a:rPr>
+              <a:t>PC</a:t>
+            </a:r>
+            <a:r>
+              <a:rPr lang="ko-KR" altLang="en-US" sz="1200" kern="1200" dirty="0" smtClean="0">
+                <a:solidFill>
+                  <a:schemeClr val="tx1"/>
+                </a:solidFill>
+                <a:latin typeface="Arial" charset="0"/>
+                <a:ea typeface="+mn-ea"/>
+                <a:cs typeface="+mn-cs"/>
+              </a:rPr>
+              <a:t>로 전송합니다</a:t>
+            </a:r>
+            <a:r>
+              <a:rPr lang="en-US" altLang="ko-KR" sz="1200" kern="1200" dirty="0" smtClean="0">
+                <a:solidFill>
+                  <a:schemeClr val="tx1"/>
+                </a:solidFill>
+                <a:latin typeface="Arial" charset="0"/>
+                <a:ea typeface="+mn-ea"/>
+                <a:cs typeface="+mn-cs"/>
+              </a:rPr>
+              <a:t>.</a:t>
+            </a:r>
+            <a:endParaRPr lang="ko-KR" altLang="en-US" sz="1200" kern="1200" dirty="0" smtClean="0">
+              <a:solidFill>
+                <a:schemeClr val="tx1"/>
+              </a:solidFill>
+              <a:latin typeface="Arial" charset="0"/>
+              <a:ea typeface="+mn-ea"/>
+              <a:cs typeface="+mn-cs"/>
+            </a:endParaRPr>
+          </a:p>
+          <a:p>
             <a:pPr marL="0" marR="0" indent="0" algn="l" defTabSz="914400" rtl="0" eaLnBrk="1" fontAlgn="base" latinLnBrk="0" hangingPunct="1">
               <a:lnSpc>
                 <a:spcPct val="100000"/>
@@ -1298,65 +1763,6 @@
               <a:tabLst/>
               <a:defRPr/>
             </a:pPr>
-            <a:r>
-              <a:rPr lang="en-US" altLang="ko-KR" dirty="0" smtClean="0"/>
-              <a:t>Android-USB </a:t>
-            </a:r>
-            <a:r>
-              <a:rPr lang="ko-KR" altLang="en-US" dirty="0" smtClean="0"/>
-              <a:t>활용 서비스 </a:t>
-            </a:r>
-            <a:r>
-              <a:rPr lang="en-US" altLang="ko-KR" dirty="0" smtClean="0"/>
-              <a:t>(</a:t>
-            </a:r>
-            <a:r>
-              <a:rPr lang="ko-KR" altLang="en-US" dirty="0" err="1" smtClean="0"/>
-              <a:t>카카오톡</a:t>
-            </a:r>
-            <a:r>
-              <a:rPr lang="ko-KR" altLang="en-US" dirty="0" smtClean="0"/>
-              <a:t> </a:t>
-            </a:r>
-            <a:r>
-              <a:rPr lang="en-US" altLang="ko-KR" dirty="0" smtClean="0"/>
-              <a:t>PC</a:t>
-            </a:r>
-            <a:r>
-              <a:rPr lang="ko-KR" altLang="en-US" dirty="0" smtClean="0"/>
-              <a:t>에서 사용 서비스</a:t>
-            </a:r>
-            <a:r>
-              <a:rPr lang="en-US" altLang="ko-KR" dirty="0" smtClean="0"/>
-              <a:t>)</a:t>
-            </a:r>
-            <a:endParaRPr lang="ko-KR" altLang="en-US" dirty="0" smtClean="0"/>
-          </a:p>
-          <a:p>
-            <a:r>
-              <a:rPr lang="ko-KR" altLang="en-US" dirty="0" smtClean="0"/>
-              <a:t>구조 </a:t>
-            </a:r>
-            <a:r>
-              <a:rPr lang="en-US" altLang="ko-KR" dirty="0" smtClean="0"/>
-              <a:t>( </a:t>
-            </a:r>
-            <a:r>
-              <a:rPr lang="ko-KR" altLang="en-US" dirty="0" smtClean="0"/>
-              <a:t>현재 </a:t>
-            </a:r>
-            <a:r>
-              <a:rPr lang="en-US" altLang="ko-KR" dirty="0" smtClean="0"/>
-              <a:t>TCP/IP</a:t>
-            </a:r>
-            <a:r>
-              <a:rPr lang="ko-KR" altLang="en-US" dirty="0" smtClean="0"/>
-              <a:t>로 구현상태 </a:t>
-            </a:r>
-            <a:r>
-              <a:rPr lang="en-US" altLang="ko-KR" dirty="0" smtClean="0"/>
-              <a:t>)</a:t>
-            </a:r>
             <a:endParaRPr lang="ko-KR" altLang="en-US" dirty="0"/>
           </a:p>
         </p:txBody>
@@ -1439,26 +1845,77 @@
           </a:bodyPr>
           <a:lstStyle/>
           <a:p>
-            <a:r>
-              <a:rPr lang="en-US" altLang="ko-KR" dirty="0" smtClean="0"/>
-              <a:t>Android-USB </a:t>
-            </a:r>
-            <a:r>
-              <a:rPr lang="ko-KR" altLang="en-US" dirty="0" smtClean="0"/>
-              <a:t>활용 서비스 </a:t>
-            </a:r>
-            <a:r>
-              <a:rPr lang="en-US" altLang="ko-KR" dirty="0" smtClean="0"/>
-              <a:t>(</a:t>
-            </a:r>
-            <a:r>
-              <a:rPr lang="ko-KR" altLang="en-US" dirty="0" smtClean="0"/>
-              <a:t>터치 마우스 서비스</a:t>
-            </a:r>
-            <a:r>
-              <a:rPr lang="en-US" altLang="ko-KR" dirty="0" smtClean="0"/>
-              <a:t>)</a:t>
-            </a:r>
+            <a:pPr marL="0" marR="0" indent="0" algn="just" defTabSz="914400" rtl="0" eaLnBrk="1" fontAlgn="base" latinLnBrk="0" hangingPunct="1">
+              <a:lnSpc>
+                <a:spcPct val="100000"/>
+              </a:lnSpc>
+              <a:spcBef>
+                <a:spcPct val="30000"/>
+              </a:spcBef>
+              <a:spcAft>
+                <a:spcPct val="0"/>
+              </a:spcAft>
+              <a:buClrTx/>
+              <a:buSzTx/>
+              <a:buFontTx/>
+              <a:buNone/>
+              <a:tabLst/>
+              <a:defRPr/>
+            </a:pPr>
+            <a:r>
+              <a:rPr lang="ko-KR" altLang="en-US" sz="1200" kern="1200" dirty="0" smtClean="0">
+                <a:solidFill>
+                  <a:schemeClr val="tx1"/>
+                </a:solidFill>
+                <a:latin typeface="Arial" charset="0"/>
+                <a:ea typeface="+mn-ea"/>
+                <a:cs typeface="+mn-cs"/>
+              </a:rPr>
+              <a:t>이 외에 추가로 안드로이드 화면을 </a:t>
+            </a:r>
+            <a:r>
+              <a:rPr lang="en-US" altLang="ko-KR" sz="1200" kern="1200" dirty="0" smtClean="0">
+                <a:solidFill>
+                  <a:schemeClr val="tx1"/>
+                </a:solidFill>
+                <a:latin typeface="Arial" charset="0"/>
+                <a:ea typeface="+mn-ea"/>
+                <a:cs typeface="+mn-cs"/>
+              </a:rPr>
+              <a:t>PC</a:t>
+            </a:r>
+            <a:r>
+              <a:rPr lang="ko-KR" altLang="en-US" sz="1200" kern="1200" dirty="0" smtClean="0">
+                <a:solidFill>
+                  <a:schemeClr val="tx1"/>
+                </a:solidFill>
+                <a:latin typeface="Arial" charset="0"/>
+                <a:ea typeface="+mn-ea"/>
+                <a:cs typeface="+mn-cs"/>
+              </a:rPr>
+              <a:t>에서 터치패드로 사용하도록 하는 서비스를 구현중입니다</a:t>
+            </a:r>
+            <a:r>
+              <a:rPr lang="en-US" altLang="ko-KR" sz="1200" kern="1200" dirty="0" smtClean="0">
+                <a:solidFill>
+                  <a:schemeClr val="tx1"/>
+                </a:solidFill>
+                <a:latin typeface="Arial" charset="0"/>
+                <a:ea typeface="+mn-ea"/>
+                <a:cs typeface="+mn-cs"/>
+              </a:rPr>
+              <a:t>.</a:t>
+            </a:r>
+            <a:endParaRPr lang="ko-KR" altLang="en-US" sz="1200" kern="1200" dirty="0" smtClean="0">
+              <a:solidFill>
+                <a:schemeClr val="tx1"/>
+              </a:solidFill>
+              <a:latin typeface="Arial" charset="0"/>
+              <a:ea typeface="+mn-ea"/>
+              <a:cs typeface="+mn-cs"/>
+            </a:endParaRPr>
+          </a:p>
+          <a:p>
             <a:endParaRPr lang="ko-KR" altLang="en-US" dirty="0"/>
           </a:p>
         </p:txBody>
@@ -1541,7 +1998,185 @@
           </a:bodyPr>
           <a:lstStyle/>
           <a:p>
-            <a:endParaRPr lang="ko-KR" altLang="en-US" dirty="0"/>
+            <a:pPr marL="0" marR="0" indent="0" algn="just" defTabSz="914400" rtl="0" eaLnBrk="1" fontAlgn="base" latinLnBrk="0" hangingPunct="1">
+              <a:lnSpc>
+                <a:spcPct val="100000"/>
+              </a:lnSpc>
+              <a:spcBef>
+                <a:spcPct val="30000"/>
+              </a:spcBef>
+              <a:spcAft>
+                <a:spcPct val="0"/>
+              </a:spcAft>
+              <a:buClrTx/>
+              <a:buSzTx/>
+              <a:buFontTx/>
+              <a:buNone/>
+              <a:tabLst/>
+              <a:defRPr/>
+            </a:pPr>
+            <a:r>
+              <a:rPr lang="ko-KR" altLang="en-US" sz="1200" kern="1200" dirty="0" smtClean="0">
+                <a:solidFill>
+                  <a:schemeClr val="tx1"/>
+                </a:solidFill>
+                <a:latin typeface="Arial" charset="0"/>
+                <a:ea typeface="+mn-ea"/>
+                <a:cs typeface="+mn-cs"/>
+              </a:rPr>
+              <a:t>발표는 프로젝트 배경</a:t>
+            </a:r>
+            <a:r>
+              <a:rPr lang="en-US" altLang="ko-KR" sz="1200" kern="1200" dirty="0" smtClean="0">
+                <a:solidFill>
+                  <a:schemeClr val="tx1"/>
+                </a:solidFill>
+                <a:latin typeface="Arial" charset="0"/>
+                <a:ea typeface="+mn-ea"/>
+                <a:cs typeface="+mn-cs"/>
+              </a:rPr>
+              <a:t>, </a:t>
+            </a:r>
+            <a:r>
+              <a:rPr lang="ko-KR" altLang="en-US" sz="1200" kern="1200" dirty="0" smtClean="0">
+                <a:solidFill>
+                  <a:schemeClr val="tx1"/>
+                </a:solidFill>
+                <a:latin typeface="Arial" charset="0"/>
+                <a:ea typeface="+mn-ea"/>
+                <a:cs typeface="+mn-cs"/>
+              </a:rPr>
+              <a:t>관련기술인 </a:t>
+            </a:r>
+            <a:r>
+              <a:rPr lang="en-US" altLang="ko-KR" sz="1200" kern="1200" dirty="0" smtClean="0">
+                <a:solidFill>
+                  <a:schemeClr val="tx1"/>
+                </a:solidFill>
+                <a:latin typeface="Arial" charset="0"/>
+                <a:ea typeface="+mn-ea"/>
+                <a:cs typeface="+mn-cs"/>
+              </a:rPr>
+              <a:t>USB/IP</a:t>
+            </a:r>
+            <a:r>
+              <a:rPr lang="ko-KR" altLang="en-US" sz="1200" kern="1200" dirty="0" smtClean="0">
+                <a:solidFill>
+                  <a:schemeClr val="tx1"/>
+                </a:solidFill>
+                <a:latin typeface="Arial" charset="0"/>
+                <a:ea typeface="+mn-ea"/>
+                <a:cs typeface="+mn-cs"/>
+              </a:rPr>
+              <a:t> 소개</a:t>
+            </a:r>
+            <a:r>
+              <a:rPr lang="en-US" altLang="ko-KR" sz="1200" kern="1200" dirty="0" smtClean="0">
+                <a:solidFill>
+                  <a:schemeClr val="tx1"/>
+                </a:solidFill>
+                <a:latin typeface="Arial" charset="0"/>
+                <a:ea typeface="+mn-ea"/>
+                <a:cs typeface="+mn-cs"/>
+              </a:rPr>
+              <a:t>, </a:t>
+            </a:r>
+            <a:r>
+              <a:rPr lang="ko-KR" altLang="en-US" sz="1200" kern="1200" dirty="0" smtClean="0">
+                <a:solidFill>
+                  <a:schemeClr val="tx1"/>
+                </a:solidFill>
+                <a:latin typeface="Arial" charset="0"/>
+                <a:ea typeface="+mn-ea"/>
+                <a:cs typeface="+mn-cs"/>
+              </a:rPr>
+              <a:t>그리고 저희 프로젝트의 개요와 구조</a:t>
+            </a:r>
+            <a:r>
+              <a:rPr lang="en-US" altLang="ko-KR" sz="1200" kern="1200" dirty="0" smtClean="0">
+                <a:solidFill>
+                  <a:schemeClr val="tx1"/>
+                </a:solidFill>
+                <a:latin typeface="Arial" charset="0"/>
+                <a:ea typeface="+mn-ea"/>
+                <a:cs typeface="+mn-cs"/>
+              </a:rPr>
+              <a:t>, USB/IP</a:t>
+            </a:r>
+            <a:r>
+              <a:rPr lang="ko-KR" altLang="en-US" sz="1200" kern="1200" dirty="0" smtClean="0">
+                <a:solidFill>
+                  <a:schemeClr val="tx1"/>
+                </a:solidFill>
+                <a:latin typeface="Arial" charset="0"/>
+                <a:ea typeface="+mn-ea"/>
+                <a:cs typeface="+mn-cs"/>
+              </a:rPr>
+              <a:t>를 사용하는 이유에 대해 말씀 드리고</a:t>
+            </a:r>
+            <a:r>
+              <a:rPr lang="en-US" altLang="ko-KR" sz="1200" kern="1200" dirty="0" smtClean="0">
+                <a:solidFill>
+                  <a:schemeClr val="tx1"/>
+                </a:solidFill>
+                <a:latin typeface="Arial" charset="0"/>
+                <a:ea typeface="+mn-ea"/>
+                <a:cs typeface="+mn-cs"/>
+              </a:rPr>
+              <a:t>, </a:t>
+            </a:r>
+            <a:r>
+              <a:rPr lang="ko-KR" altLang="en-US" sz="1200" kern="1200" dirty="0" smtClean="0">
+                <a:solidFill>
+                  <a:schemeClr val="tx1"/>
+                </a:solidFill>
+                <a:latin typeface="Arial" charset="0"/>
+                <a:ea typeface="+mn-ea"/>
+                <a:cs typeface="+mn-cs"/>
+              </a:rPr>
+              <a:t>시연할 활용 서비스 </a:t>
+            </a:r>
+            <a:r>
+              <a:rPr lang="en-US" altLang="ko-KR" sz="1200" kern="1200" dirty="0" smtClean="0">
+                <a:solidFill>
+                  <a:schemeClr val="tx1"/>
+                </a:solidFill>
+                <a:latin typeface="Arial" charset="0"/>
+                <a:ea typeface="+mn-ea"/>
+                <a:cs typeface="+mn-cs"/>
+              </a:rPr>
+              <a:t>2</a:t>
+            </a:r>
+            <a:r>
+              <a:rPr lang="ko-KR" altLang="en-US" sz="1200" kern="1200" dirty="0" smtClean="0">
+                <a:solidFill>
+                  <a:schemeClr val="tx1"/>
+                </a:solidFill>
+                <a:latin typeface="Arial" charset="0"/>
+                <a:ea typeface="+mn-ea"/>
+                <a:cs typeface="+mn-cs"/>
+              </a:rPr>
+              <a:t>가지를 말씀 드리겠습니다</a:t>
+            </a:r>
+            <a:r>
+              <a:rPr lang="en-US" altLang="ko-KR" sz="1200" kern="1200" dirty="0" smtClean="0">
+                <a:solidFill>
+                  <a:schemeClr val="tx1"/>
+                </a:solidFill>
+                <a:latin typeface="Arial" charset="0"/>
+                <a:ea typeface="+mn-ea"/>
+                <a:cs typeface="+mn-cs"/>
+              </a:rPr>
+              <a:t>.</a:t>
+            </a:r>
+            <a:endParaRPr lang="ko-KR" altLang="en-US" sz="1200" kern="1200" dirty="0" smtClean="0">
+              <a:solidFill>
+                <a:schemeClr val="tx1"/>
+              </a:solidFill>
+              <a:latin typeface="Arial" charset="0"/>
+              <a:ea typeface="+mn-ea"/>
+              <a:cs typeface="+mn-cs"/>
+            </a:endParaRPr>
           </a:p>
         </p:txBody>
       </p:sp>
@@ -1621,39 +2256,163 @@
           <a:bodyPr/>
           <a:lstStyle/>
           <a:p>
-            <a:r>
-              <a:rPr lang="ko-KR" altLang="en-US" dirty="0" err="1" smtClean="0"/>
-              <a:t>스마트폰의</a:t>
-            </a:r>
-            <a:r>
-              <a:rPr lang="ko-KR" altLang="en-US" dirty="0" smtClean="0"/>
-              <a:t> 많은 서비스들</a:t>
-            </a:r>
-            <a:r>
-              <a:rPr lang="en-US" altLang="ko-KR" dirty="0" smtClean="0"/>
-              <a:t>, </a:t>
-            </a:r>
-            <a:r>
-              <a:rPr lang="ko-KR" altLang="en-US" dirty="0" smtClean="0"/>
-              <a:t>하지만 </a:t>
-            </a:r>
-            <a:r>
-              <a:rPr lang="en-US" altLang="ko-KR" dirty="0" smtClean="0"/>
-              <a:t>PC</a:t>
-            </a:r>
-            <a:r>
-              <a:rPr lang="ko-KR" altLang="en-US" dirty="0" smtClean="0"/>
-              <a:t>와</a:t>
-            </a:r>
-            <a:r>
-              <a:rPr lang="ko-KR" altLang="en-US" baseline="0" dirty="0" smtClean="0"/>
-              <a:t> 연동해 사용되는 기능 적다</a:t>
-            </a:r>
-            <a:r>
-              <a:rPr lang="en-US" altLang="ko-KR" baseline="0" dirty="0" smtClean="0"/>
+            <a:pPr marL="0" marR="0" indent="0" algn="just" defTabSz="914400" rtl="0" eaLnBrk="1" fontAlgn="base" latinLnBrk="0" hangingPunct="1">
+              <a:lnSpc>
+                <a:spcPct val="100000"/>
+              </a:lnSpc>
+              <a:spcBef>
+                <a:spcPct val="30000"/>
+              </a:spcBef>
+              <a:spcAft>
+                <a:spcPct val="0"/>
+              </a:spcAft>
+              <a:buClrTx/>
+              <a:buSzTx/>
+              <a:buFontTx/>
+              <a:buNone/>
+              <a:tabLst/>
+              <a:defRPr/>
+            </a:pPr>
+            <a:r>
+              <a:rPr lang="ko-KR" altLang="en-US" sz="1200" kern="1200" dirty="0" err="1" smtClean="0">
+                <a:solidFill>
+                  <a:schemeClr val="tx1"/>
+                </a:solidFill>
+                <a:latin typeface="Arial" charset="0"/>
+                <a:ea typeface="+mn-ea"/>
+                <a:cs typeface="+mn-cs"/>
+              </a:rPr>
+              <a:t>스마트폰을</a:t>
+            </a:r>
+            <a:r>
+              <a:rPr lang="ko-KR" altLang="en-US" sz="1200" kern="1200" dirty="0" smtClean="0">
+                <a:solidFill>
+                  <a:schemeClr val="tx1"/>
+                </a:solidFill>
+                <a:latin typeface="Arial" charset="0"/>
+                <a:ea typeface="+mn-ea"/>
+                <a:cs typeface="+mn-cs"/>
+              </a:rPr>
+              <a:t> 이렇게 많이 쓰고</a:t>
+            </a:r>
+            <a:r>
+              <a:rPr lang="en-US" altLang="ko-KR" sz="1200" kern="1200" dirty="0" smtClean="0">
+                <a:solidFill>
+                  <a:schemeClr val="tx1"/>
+                </a:solidFill>
+                <a:latin typeface="Arial" charset="0"/>
+                <a:ea typeface="+mn-ea"/>
+                <a:cs typeface="+mn-cs"/>
+              </a:rPr>
+              <a:t>,</a:t>
+            </a:r>
+            <a:r>
+              <a:rPr lang="ko-KR" altLang="en-US" sz="1200" kern="1200" dirty="0" smtClean="0">
+                <a:solidFill>
+                  <a:schemeClr val="tx1"/>
+                </a:solidFill>
+                <a:latin typeface="Arial" charset="0"/>
+                <a:ea typeface="+mn-ea"/>
+                <a:cs typeface="+mn-cs"/>
+              </a:rPr>
+              <a:t> 기능도 이렇게 많지만</a:t>
+            </a:r>
+            <a:r>
+              <a:rPr lang="en-US" altLang="ko-KR" sz="1200" kern="1200" dirty="0" smtClean="0">
+                <a:solidFill>
+                  <a:schemeClr val="tx1"/>
+                </a:solidFill>
+                <a:latin typeface="Arial" charset="0"/>
+                <a:ea typeface="+mn-ea"/>
+                <a:cs typeface="+mn-cs"/>
+              </a:rPr>
+              <a:t>, PC</a:t>
+            </a:r>
+            <a:r>
+              <a:rPr lang="ko-KR" altLang="en-US" sz="1200" kern="1200" dirty="0" smtClean="0">
+                <a:solidFill>
+                  <a:schemeClr val="tx1"/>
+                </a:solidFill>
+                <a:latin typeface="Arial" charset="0"/>
+                <a:ea typeface="+mn-ea"/>
+                <a:cs typeface="+mn-cs"/>
+              </a:rPr>
+              <a:t>와 연결해 사용하는 기능은</a:t>
+            </a:r>
+            <a:r>
+              <a:rPr lang="en-US" altLang="ko-KR" sz="1200" kern="1200" baseline="0" dirty="0" smtClean="0">
+                <a:solidFill>
+                  <a:schemeClr val="tx1"/>
+                </a:solidFill>
+                <a:latin typeface="Arial" charset="0"/>
+                <a:ea typeface="+mn-ea"/>
+                <a:cs typeface="+mn-cs"/>
+              </a:rPr>
+              <a:t> </a:t>
+            </a:r>
+            <a:r>
+              <a:rPr lang="ko-KR" altLang="en-US" sz="1200" kern="1200" dirty="0" smtClean="0">
+                <a:solidFill>
+                  <a:schemeClr val="tx1"/>
+                </a:solidFill>
+                <a:latin typeface="Arial" charset="0"/>
+                <a:ea typeface="+mn-ea"/>
+                <a:cs typeface="+mn-cs"/>
+              </a:rPr>
+              <a:t>자료 옮길 때 </a:t>
+            </a:r>
+            <a:r>
+              <a:rPr lang="en-US" altLang="ko-KR" sz="1200" kern="1200" dirty="0" smtClean="0">
+                <a:solidFill>
+                  <a:schemeClr val="tx1"/>
+                </a:solidFill>
+                <a:latin typeface="Arial" charset="0"/>
+                <a:ea typeface="+mn-ea"/>
+                <a:cs typeface="+mn-cs"/>
+              </a:rPr>
+              <a:t>USB</a:t>
+            </a:r>
+            <a:r>
+              <a:rPr lang="ko-KR" altLang="en-US" sz="1200" kern="1200" dirty="0" smtClean="0">
+                <a:solidFill>
+                  <a:schemeClr val="tx1"/>
+                </a:solidFill>
+                <a:latin typeface="Arial" charset="0"/>
+                <a:ea typeface="+mn-ea"/>
+                <a:cs typeface="+mn-cs"/>
+              </a:rPr>
+              <a:t>메모리 대용으로</a:t>
+            </a:r>
+            <a:r>
+              <a:rPr lang="ko-KR" altLang="en-US" sz="1200" kern="1200" baseline="0" dirty="0" smtClean="0">
+                <a:solidFill>
+                  <a:schemeClr val="tx1"/>
+                </a:solidFill>
+                <a:latin typeface="Arial" charset="0"/>
+                <a:ea typeface="+mn-ea"/>
+                <a:cs typeface="+mn-cs"/>
+              </a:rPr>
+              <a:t> 쓰는 정도밖에 안됩니다</a:t>
+            </a:r>
+            <a:r>
+              <a:rPr lang="en-US" altLang="ko-KR" sz="1200" kern="1200" baseline="0" dirty="0" smtClean="0">
+                <a:solidFill>
+                  <a:schemeClr val="tx1"/>
+                </a:solidFill>
+                <a:latin typeface="Arial" charset="0"/>
+                <a:ea typeface="+mn-ea"/>
+                <a:cs typeface="+mn-cs"/>
+              </a:rPr>
               <a:t>.</a:t>
             </a:r>
-            <a:endParaRPr lang="ko-KR" altLang="en-US" dirty="0"/>
+            <a:endParaRPr lang="ko-KR" altLang="en-US" sz="1200" kern="1200" dirty="0" smtClean="0">
+              <a:solidFill>
+                <a:schemeClr val="tx1"/>
+              </a:solidFill>
+              <a:latin typeface="Arial" charset="0"/>
+              <a:ea typeface="+mn-ea"/>
+              <a:cs typeface="+mn-cs"/>
+            </a:endParaRPr>
           </a:p>
         </p:txBody>
       </p:sp>
@@ -1684,7 +2443,7 @@
     </p:spTree>
     <p:extLst>
       <p:ext uri="{BB962C8B-B14F-4D97-AF65-F5344CB8AC3E}">
-        <p14:creationId xmlns="" xmlns:p14="http://schemas.microsoft.com/office/powerpoint/2010/main" val="483073219"/>
+        <p14:creationId xmlns:p14="http://schemas.microsoft.com/office/powerpoint/2010/main" xmlns="" val="483073219"/>
       </p:ext>
     </p:extLst>
   </p:cSld>
@@ -1740,35 +2499,144 @@
           </a:bodyPr>
           <a:lstStyle/>
           <a:p>
-            <a:r>
-              <a:rPr lang="en-US" altLang="ko-KR" dirty="0" smtClean="0"/>
+            <a:pPr marL="0" marR="0" indent="0" algn="just" defTabSz="914400" rtl="0" eaLnBrk="1" fontAlgn="base" latinLnBrk="0" hangingPunct="1">
+              <a:lnSpc>
+                <a:spcPct val="100000"/>
+              </a:lnSpc>
+              <a:spcBef>
+                <a:spcPct val="30000"/>
+              </a:spcBef>
+              <a:spcAft>
+                <a:spcPct val="0"/>
+              </a:spcAft>
+              <a:buClrTx/>
+              <a:buSzTx/>
+              <a:buFontTx/>
+              <a:buNone/>
+              <a:tabLst/>
+              <a:defRPr/>
+            </a:pPr>
+            <a:r>
+              <a:rPr lang="en-US" altLang="ko-KR" sz="1200" kern="1200" dirty="0" smtClean="0">
+                <a:solidFill>
+                  <a:schemeClr val="tx1"/>
+                </a:solidFill>
+                <a:latin typeface="Arial" charset="0"/>
+                <a:ea typeface="+mn-ea"/>
+                <a:cs typeface="+mn-cs"/>
+              </a:rPr>
               <a:t>PC</a:t>
             </a:r>
             <a:r>
-              <a:rPr lang="ko-KR" altLang="en-US" dirty="0" smtClean="0"/>
-              <a:t>와 연동되지 않아 불편한 점이 많다</a:t>
-            </a:r>
-            <a:r>
-              <a:rPr lang="en-US" altLang="ko-KR" dirty="0" smtClean="0"/>
+              <a:rPr lang="ko-KR" altLang="en-US" sz="1200" kern="1200" dirty="0" smtClean="0">
+                <a:solidFill>
+                  <a:schemeClr val="tx1"/>
+                </a:solidFill>
+                <a:latin typeface="Arial" charset="0"/>
+                <a:ea typeface="+mn-ea"/>
+                <a:cs typeface="+mn-cs"/>
+              </a:rPr>
+              <a:t>는 큰 화면과 편리한 키보드가 있습니다</a:t>
+            </a:r>
+            <a:r>
+              <a:rPr lang="en-US" altLang="ko-KR" sz="1200" kern="1200" dirty="0" smtClean="0">
+                <a:solidFill>
+                  <a:schemeClr val="tx1"/>
+                </a:solidFill>
+                <a:latin typeface="Arial" charset="0"/>
+                <a:ea typeface="+mn-ea"/>
+                <a:cs typeface="+mn-cs"/>
+              </a:rPr>
               <a:t>. </a:t>
             </a:r>
             <a:r>
-              <a:rPr lang="ko-KR" altLang="en-US" dirty="0" smtClean="0"/>
-              <a:t>우리는 </a:t>
-            </a:r>
-            <a:r>
-              <a:rPr lang="en-US" altLang="ko-KR" dirty="0" smtClean="0"/>
+              <a:rPr lang="ko-KR" altLang="en-US" sz="1200" kern="1200" dirty="0" smtClean="0">
+                <a:solidFill>
+                  <a:schemeClr val="tx1"/>
+                </a:solidFill>
+                <a:latin typeface="Arial" charset="0"/>
+                <a:ea typeface="+mn-ea"/>
+                <a:cs typeface="+mn-cs"/>
+              </a:rPr>
+              <a:t>이런 장점들을 활용해서</a:t>
+            </a:r>
+            <a:r>
+              <a:rPr lang="en-US" altLang="ko-KR" sz="1200" kern="1200" dirty="0" smtClean="0">
+                <a:solidFill>
+                  <a:schemeClr val="tx1"/>
+                </a:solidFill>
+                <a:latin typeface="Arial" charset="0"/>
+                <a:ea typeface="+mn-ea"/>
+                <a:cs typeface="+mn-cs"/>
+              </a:rPr>
+              <a:t>,</a:t>
+            </a:r>
+            <a:r>
+              <a:rPr lang="ko-KR" altLang="en-US" sz="1200" kern="1200" dirty="0" smtClean="0">
+                <a:solidFill>
+                  <a:schemeClr val="tx1"/>
+                </a:solidFill>
+                <a:latin typeface="Arial" charset="0"/>
+                <a:ea typeface="+mn-ea"/>
+                <a:cs typeface="+mn-cs"/>
+              </a:rPr>
+              <a:t> </a:t>
+            </a:r>
+            <a:r>
+              <a:rPr lang="en-US" altLang="ko-KR" sz="1200" kern="1200" dirty="0" smtClean="0">
+                <a:solidFill>
+                  <a:schemeClr val="tx1"/>
+                </a:solidFill>
+                <a:latin typeface="Arial" charset="0"/>
+                <a:ea typeface="+mn-ea"/>
+                <a:cs typeface="+mn-cs"/>
+              </a:rPr>
               <a:t>PC</a:t>
             </a:r>
             <a:r>
-              <a:rPr lang="ko-KR" altLang="en-US" dirty="0" smtClean="0"/>
-              <a:t>에서 스마트폰을 사용하고자 한다</a:t>
-            </a:r>
-            <a:r>
-              <a:rPr lang="en-US" altLang="ko-KR" dirty="0" smtClean="0"/>
+              <a:rPr lang="ko-KR" altLang="en-US" sz="1200" kern="1200" dirty="0" smtClean="0">
+                <a:solidFill>
+                  <a:schemeClr val="tx1"/>
+                </a:solidFill>
+                <a:latin typeface="Arial" charset="0"/>
+                <a:ea typeface="+mn-ea"/>
+                <a:cs typeface="+mn-cs"/>
+              </a:rPr>
+              <a:t>가 가능한 환경에서는 스마트폰의 많은 서비스들을 </a:t>
+            </a:r>
+            <a:r>
+              <a:rPr lang="en-US" altLang="ko-KR" sz="1200" kern="1200" dirty="0" smtClean="0">
+                <a:solidFill>
+                  <a:schemeClr val="tx1"/>
+                </a:solidFill>
+                <a:latin typeface="Arial" charset="0"/>
+                <a:ea typeface="+mn-ea"/>
+                <a:cs typeface="+mn-cs"/>
+              </a:rPr>
+              <a:t>PC</a:t>
+            </a:r>
+            <a:r>
+              <a:rPr lang="ko-KR" altLang="en-US" sz="1200" kern="1200" dirty="0" smtClean="0">
+                <a:solidFill>
+                  <a:schemeClr val="tx1"/>
+                </a:solidFill>
+                <a:latin typeface="Arial" charset="0"/>
+                <a:ea typeface="+mn-ea"/>
+                <a:cs typeface="+mn-cs"/>
+              </a:rPr>
+              <a:t>에서 이용해 보자는 것입니다</a:t>
+            </a:r>
+            <a:r>
+              <a:rPr lang="en-US" altLang="ko-KR" sz="1200" kern="1200" dirty="0" smtClean="0">
+                <a:solidFill>
+                  <a:schemeClr val="tx1"/>
+                </a:solidFill>
+                <a:latin typeface="Arial" charset="0"/>
+                <a:ea typeface="+mn-ea"/>
+                <a:cs typeface="+mn-cs"/>
+              </a:rPr>
               <a:t>.</a:t>
             </a:r>
-            <a:endParaRPr lang="ko-KR" altLang="en-US" dirty="0"/>
           </a:p>
         </p:txBody>
       </p:sp>
@@ -1850,56 +2718,166 @@
           </a:bodyPr>
           <a:lstStyle/>
           <a:p>
-            <a:r>
-              <a:rPr lang="en-US" altLang="ko-KR" dirty="0" smtClean="0"/>
-              <a:t>PC - </a:t>
-            </a:r>
-            <a:r>
-              <a:rPr lang="ko-KR" altLang="en-US" dirty="0" err="1" smtClean="0"/>
-              <a:t>스마트폰의</a:t>
-            </a:r>
-            <a:r>
-              <a:rPr lang="ko-KR" altLang="en-US" dirty="0" smtClean="0"/>
-              <a:t> 연결방안으로 </a:t>
-            </a:r>
-            <a:r>
-              <a:rPr lang="en-US" altLang="ko-KR" dirty="0" smtClean="0"/>
-              <a:t>USB/IP </a:t>
-            </a:r>
-            <a:r>
-              <a:rPr lang="ko-KR" altLang="en-US" dirty="0" smtClean="0"/>
-              <a:t>기술 채택했다</a:t>
-            </a:r>
-            <a:r>
-              <a:rPr lang="en-US" altLang="ko-KR" dirty="0" smtClean="0"/>
+            <a:pPr marL="0" marR="0" indent="0" algn="just" defTabSz="914400" rtl="0" eaLnBrk="1" fontAlgn="base" latinLnBrk="0" hangingPunct="1">
+              <a:lnSpc>
+                <a:spcPct val="100000"/>
+              </a:lnSpc>
+              <a:spcBef>
+                <a:spcPct val="30000"/>
+              </a:spcBef>
+              <a:spcAft>
+                <a:spcPct val="0"/>
+              </a:spcAft>
+              <a:buClrTx/>
+              <a:buSzTx/>
+              <a:buFontTx/>
+              <a:buNone/>
+              <a:tabLst/>
+              <a:defRPr/>
+            </a:pPr>
+            <a:r>
+              <a:rPr lang="en-US" altLang="ko-KR" sz="1200" kern="1200" dirty="0" smtClean="0">
+                <a:solidFill>
+                  <a:schemeClr val="tx1"/>
+                </a:solidFill>
+                <a:latin typeface="Arial" charset="0"/>
+                <a:ea typeface="+mn-ea"/>
+                <a:cs typeface="+mn-cs"/>
+              </a:rPr>
+              <a:t>PC</a:t>
+            </a:r>
+            <a:r>
+              <a:rPr lang="ko-KR" altLang="en-US" sz="1200" kern="1200" dirty="0" smtClean="0">
+                <a:solidFill>
+                  <a:schemeClr val="tx1"/>
+                </a:solidFill>
+                <a:latin typeface="Arial" charset="0"/>
+                <a:ea typeface="+mn-ea"/>
+                <a:cs typeface="+mn-cs"/>
+              </a:rPr>
+              <a:t>와 스마트폰의 연결방법으로는 </a:t>
+            </a:r>
+            <a:r>
+              <a:rPr lang="en-US" altLang="ko-KR" sz="1200" kern="1200" dirty="0" smtClean="0">
+                <a:solidFill>
+                  <a:schemeClr val="tx1"/>
+                </a:solidFill>
+                <a:latin typeface="Arial" charset="0"/>
+                <a:ea typeface="+mn-ea"/>
+                <a:cs typeface="+mn-cs"/>
+              </a:rPr>
+              <a:t>USB/IP</a:t>
+            </a:r>
+            <a:r>
+              <a:rPr lang="ko-KR" altLang="en-US" sz="1200" kern="1200" dirty="0" smtClean="0">
+                <a:solidFill>
+                  <a:schemeClr val="tx1"/>
+                </a:solidFill>
+                <a:latin typeface="Arial" charset="0"/>
+                <a:ea typeface="+mn-ea"/>
+                <a:cs typeface="+mn-cs"/>
+              </a:rPr>
+              <a:t>기술을 채택했습니다</a:t>
+            </a:r>
+            <a:r>
+              <a:rPr lang="en-US" altLang="ko-KR" sz="1200" kern="1200" dirty="0" smtClean="0">
+                <a:solidFill>
+                  <a:schemeClr val="tx1"/>
+                </a:solidFill>
+                <a:latin typeface="Arial" charset="0"/>
+                <a:ea typeface="+mn-ea"/>
+                <a:cs typeface="+mn-cs"/>
+              </a:rPr>
+              <a:t>. USB/IP</a:t>
+            </a:r>
+            <a:r>
+              <a:rPr lang="ko-KR" altLang="en-US" sz="1200" kern="1200" dirty="0" smtClean="0">
+                <a:solidFill>
+                  <a:schemeClr val="tx1"/>
+                </a:solidFill>
+                <a:latin typeface="Arial" charset="0"/>
+                <a:ea typeface="+mn-ea"/>
+                <a:cs typeface="+mn-cs"/>
+              </a:rPr>
+              <a:t>는 서버에 연결된 </a:t>
+            </a:r>
+            <a:r>
+              <a:rPr lang="en-US" altLang="ko-KR" sz="1200" kern="1200" dirty="0" smtClean="0">
+                <a:solidFill>
+                  <a:schemeClr val="tx1"/>
+                </a:solidFill>
+                <a:latin typeface="Arial" charset="0"/>
+                <a:ea typeface="+mn-ea"/>
+                <a:cs typeface="+mn-cs"/>
+              </a:rPr>
+              <a:t>USB</a:t>
+            </a:r>
+            <a:r>
+              <a:rPr lang="ko-KR" altLang="en-US" sz="1200" kern="1200" dirty="0" smtClean="0">
+                <a:solidFill>
+                  <a:schemeClr val="tx1"/>
+                </a:solidFill>
+                <a:latin typeface="Arial" charset="0"/>
+                <a:ea typeface="+mn-ea"/>
+                <a:cs typeface="+mn-cs"/>
+              </a:rPr>
+              <a:t>장치를</a:t>
+            </a:r>
+            <a:r>
+              <a:rPr lang="ko-KR" altLang="en-US" sz="1200" kern="1200" baseline="0" dirty="0" smtClean="0">
+                <a:solidFill>
+                  <a:schemeClr val="tx1"/>
+                </a:solidFill>
+                <a:latin typeface="Arial" charset="0"/>
+                <a:ea typeface="+mn-ea"/>
+                <a:cs typeface="+mn-cs"/>
+              </a:rPr>
+              <a:t> </a:t>
+            </a:r>
+            <a:r>
+              <a:rPr lang="en-US" altLang="ko-KR" sz="1200" kern="1200" baseline="0" dirty="0" smtClean="0">
+                <a:solidFill>
+                  <a:schemeClr val="tx1"/>
+                </a:solidFill>
+                <a:latin typeface="Arial" charset="0"/>
+                <a:ea typeface="+mn-ea"/>
+                <a:cs typeface="+mn-cs"/>
+              </a:rPr>
+              <a:t>IP</a:t>
+            </a:r>
+            <a:r>
+              <a:rPr lang="ko-KR" altLang="en-US" sz="1200" kern="1200" baseline="0" dirty="0" smtClean="0">
+                <a:solidFill>
+                  <a:schemeClr val="tx1"/>
+                </a:solidFill>
+                <a:latin typeface="Arial" charset="0"/>
+                <a:ea typeface="+mn-ea"/>
+                <a:cs typeface="+mn-cs"/>
+              </a:rPr>
+              <a:t>네트워크를 통해 클라이언트에 연결할 수 있는 시스템입니다</a:t>
+            </a:r>
+            <a:r>
+              <a:rPr lang="en-US" altLang="ko-KR" sz="1200" kern="1200" baseline="0" dirty="0" smtClean="0">
+                <a:solidFill>
+                  <a:schemeClr val="tx1"/>
+                </a:solidFill>
+                <a:latin typeface="Arial" charset="0"/>
+                <a:ea typeface="+mn-ea"/>
+                <a:cs typeface="+mn-cs"/>
+              </a:rPr>
               <a:t>.</a:t>
             </a:r>
-          </a:p>
-          <a:p>
-            <a:r>
-              <a:rPr lang="ko-KR" altLang="en-US" dirty="0" smtClean="0"/>
-              <a:t>서버에 연결된 </a:t>
-            </a:r>
-            <a:r>
-              <a:rPr lang="en-US" altLang="ko-KR" dirty="0" smtClean="0"/>
-              <a:t>USB</a:t>
-            </a:r>
-            <a:r>
-              <a:rPr lang="ko-KR" altLang="en-US" dirty="0" smtClean="0"/>
-              <a:t>장치를 공유하고</a:t>
-            </a:r>
-            <a:r>
-              <a:rPr lang="en-US" altLang="ko-KR" dirty="0" smtClean="0"/>
-              <a:t>, </a:t>
-            </a:r>
-            <a:r>
-              <a:rPr lang="ko-KR" altLang="en-US" dirty="0" smtClean="0"/>
-              <a:t>클라이언트에서 직접 연결 된 것처럼 사용할 수 있는 기술이다</a:t>
-            </a:r>
-            <a:r>
-              <a:rPr lang="en-US" altLang="ko-KR" dirty="0" smtClean="0"/>
-              <a:t>.</a:t>
-            </a:r>
+            <a:endParaRPr lang="ko-KR" altLang="en-US" sz="1200" kern="1200" dirty="0" smtClean="0">
+              <a:solidFill>
+                <a:schemeClr val="tx1"/>
+              </a:solidFill>
+              <a:latin typeface="Arial" charset="0"/>
+              <a:ea typeface="+mn-ea"/>
+              <a:cs typeface="+mn-cs"/>
+            </a:endParaRPr>
+          </a:p>
+          <a:p>
+            <a:endParaRPr lang="en-US" altLang="ko-KR" dirty="0" smtClean="0"/>
           </a:p>
         </p:txBody>
       </p:sp>
@@ -1981,82 +2959,218 @@
           </a:bodyPr>
           <a:lstStyle/>
           <a:p>
-            <a:r>
-              <a:rPr lang="en-US" altLang="ko-KR" dirty="0" smtClean="0"/>
+            <a:pPr marL="0" marR="0" indent="0" algn="just" defTabSz="914400" rtl="0" eaLnBrk="1" fontAlgn="base" latinLnBrk="0" hangingPunct="1">
+              <a:lnSpc>
+                <a:spcPct val="100000"/>
+              </a:lnSpc>
+              <a:spcBef>
+                <a:spcPct val="30000"/>
+              </a:spcBef>
+              <a:spcAft>
+                <a:spcPct val="0"/>
+              </a:spcAft>
+              <a:buClrTx/>
+              <a:buSzTx/>
+              <a:buFontTx/>
+              <a:buNone/>
+              <a:tabLst/>
+              <a:defRPr/>
+            </a:pPr>
+            <a:r>
+              <a:rPr lang="ko-KR" altLang="en-US" sz="1200" kern="1200" dirty="0" smtClean="0">
+                <a:solidFill>
+                  <a:schemeClr val="tx1"/>
+                </a:solidFill>
+                <a:latin typeface="Arial" charset="0"/>
+                <a:ea typeface="+mn-ea"/>
+                <a:cs typeface="+mn-cs"/>
+              </a:rPr>
+              <a:t>그래서 이 </a:t>
+            </a:r>
+            <a:r>
+              <a:rPr lang="en-US" altLang="ko-KR" sz="1200" kern="1200" dirty="0" smtClean="0">
+                <a:solidFill>
+                  <a:schemeClr val="tx1"/>
+                </a:solidFill>
+                <a:latin typeface="Arial" charset="0"/>
+                <a:ea typeface="+mn-ea"/>
+                <a:cs typeface="+mn-cs"/>
+              </a:rPr>
               <a:t>USB/IP</a:t>
             </a:r>
             <a:r>
-              <a:rPr lang="ko-KR" altLang="en-US" dirty="0" smtClean="0"/>
-              <a:t>를 통한</a:t>
-            </a:r>
-            <a:r>
-              <a:rPr lang="en-US" altLang="ko-KR" baseline="0" dirty="0" smtClean="0"/>
-              <a:t> </a:t>
-            </a:r>
-            <a:r>
-              <a:rPr lang="ko-KR" altLang="en-US" baseline="0" dirty="0" smtClean="0"/>
-              <a:t>공유를 위해 </a:t>
-            </a:r>
-            <a:r>
-              <a:rPr lang="ko-KR" altLang="en-US" baseline="0" dirty="0" err="1" smtClean="0"/>
-              <a:t>안드로이드의</a:t>
-            </a:r>
-            <a:r>
-              <a:rPr lang="ko-KR" altLang="en-US" baseline="0" dirty="0" smtClean="0"/>
-              <a:t> 서비스들이 </a:t>
-            </a:r>
-            <a:r>
-              <a:rPr lang="en-US" altLang="ko-KR" baseline="0" dirty="0" smtClean="0"/>
+              <a:rPr lang="ko-KR" altLang="en-US" sz="1200" kern="1200" dirty="0" smtClean="0">
+                <a:solidFill>
+                  <a:schemeClr val="tx1"/>
+                </a:solidFill>
+                <a:latin typeface="Arial" charset="0"/>
+                <a:ea typeface="+mn-ea"/>
+                <a:cs typeface="+mn-cs"/>
+              </a:rPr>
+              <a:t>의 서버 부분을 안드로이드에 포팅하고</a:t>
+            </a:r>
+            <a:r>
+              <a:rPr lang="en-US" altLang="ko-KR" sz="1200" kern="1200" dirty="0" smtClean="0">
+                <a:solidFill>
+                  <a:schemeClr val="tx1"/>
+                </a:solidFill>
+                <a:latin typeface="Arial" charset="0"/>
+                <a:ea typeface="+mn-ea"/>
+                <a:cs typeface="+mn-cs"/>
+              </a:rPr>
+              <a:t>, </a:t>
+            </a:r>
+            <a:r>
+              <a:rPr lang="ko-KR" altLang="en-US" sz="1200" kern="1200" dirty="0" smtClean="0">
+                <a:solidFill>
+                  <a:schemeClr val="tx1"/>
+                </a:solidFill>
+                <a:latin typeface="Arial" charset="0"/>
+                <a:ea typeface="+mn-ea"/>
+                <a:cs typeface="+mn-cs"/>
+              </a:rPr>
+              <a:t>어플리케이션을 </a:t>
+            </a:r>
+            <a:r>
+              <a:rPr lang="en-US" altLang="ko-KR" sz="1200" kern="1200" dirty="0" smtClean="0">
+                <a:solidFill>
+                  <a:schemeClr val="tx1"/>
+                </a:solidFill>
+                <a:latin typeface="Arial" charset="0"/>
+                <a:ea typeface="+mn-ea"/>
+                <a:cs typeface="+mn-cs"/>
+              </a:rPr>
               <a:t>USB</a:t>
             </a:r>
             <a:r>
-              <a:rPr lang="ko-KR" altLang="en-US" baseline="0" dirty="0" smtClean="0"/>
-              <a:t>장치가 되어야 함</a:t>
-            </a:r>
-            <a:r>
-              <a:rPr lang="en-US" altLang="ko-KR" baseline="0" dirty="0" smtClean="0"/>
+              <a:rPr lang="ko-KR" altLang="en-US" sz="1200" kern="1200" dirty="0" smtClean="0">
+                <a:solidFill>
+                  <a:schemeClr val="tx1"/>
+                </a:solidFill>
+                <a:latin typeface="Arial" charset="0"/>
+                <a:ea typeface="+mn-ea"/>
+                <a:cs typeface="+mn-cs"/>
+              </a:rPr>
+              <a:t>장치처럼 보이도록 할 </a:t>
+            </a:r>
+            <a:r>
+              <a:rPr lang="en-US" altLang="ko-KR" sz="1200" kern="1200" dirty="0" smtClean="0">
+                <a:solidFill>
+                  <a:schemeClr val="tx1"/>
+                </a:solidFill>
+                <a:latin typeface="Arial" charset="0"/>
+                <a:ea typeface="+mn-ea"/>
+                <a:cs typeface="+mn-cs"/>
+              </a:rPr>
+              <a:t>VHCI</a:t>
+            </a:r>
+            <a:r>
+              <a:rPr lang="ko-KR" altLang="en-US" sz="1200" kern="1200" dirty="0" smtClean="0">
+                <a:solidFill>
+                  <a:schemeClr val="tx1"/>
+                </a:solidFill>
+                <a:latin typeface="Arial" charset="0"/>
+                <a:ea typeface="+mn-ea"/>
+                <a:cs typeface="+mn-cs"/>
+              </a:rPr>
+              <a:t>드라이버를 만들면</a:t>
+            </a:r>
+            <a:r>
+              <a:rPr lang="en-US" altLang="ko-KR" sz="1200" kern="1200" dirty="0" smtClean="0">
+                <a:solidFill>
+                  <a:schemeClr val="tx1"/>
+                </a:solidFill>
+                <a:latin typeface="Arial" charset="0"/>
+                <a:ea typeface="+mn-ea"/>
+                <a:cs typeface="+mn-cs"/>
+              </a:rPr>
+              <a:t>,</a:t>
+            </a:r>
+            <a:r>
+              <a:rPr lang="ko-KR" altLang="en-US" sz="1200" kern="1200" dirty="0" smtClean="0">
+                <a:solidFill>
+                  <a:schemeClr val="tx1"/>
+                </a:solidFill>
+                <a:latin typeface="Arial" charset="0"/>
+                <a:ea typeface="+mn-ea"/>
+                <a:cs typeface="+mn-cs"/>
+              </a:rPr>
+              <a:t> 어플리케이션이 </a:t>
+            </a:r>
+            <a:r>
+              <a:rPr lang="en-US" altLang="ko-KR" sz="1200" kern="1200" dirty="0" smtClean="0">
+                <a:solidFill>
+                  <a:schemeClr val="tx1"/>
+                </a:solidFill>
+                <a:latin typeface="Arial" charset="0"/>
+                <a:ea typeface="+mn-ea"/>
+                <a:cs typeface="+mn-cs"/>
+              </a:rPr>
+              <a:t>USB</a:t>
+            </a:r>
+            <a:r>
+              <a:rPr lang="ko-KR" altLang="en-US" sz="1200" kern="1200" dirty="0" smtClean="0">
+                <a:solidFill>
+                  <a:schemeClr val="tx1"/>
+                </a:solidFill>
+                <a:latin typeface="Arial" charset="0"/>
+                <a:ea typeface="+mn-ea"/>
+                <a:cs typeface="+mn-cs"/>
+              </a:rPr>
+              <a:t>장치로 </a:t>
+            </a:r>
+            <a:r>
+              <a:rPr lang="en-US" altLang="ko-KR" sz="1200" kern="1200" dirty="0" smtClean="0">
+                <a:solidFill>
+                  <a:schemeClr val="tx1"/>
+                </a:solidFill>
+                <a:latin typeface="Arial" charset="0"/>
+                <a:ea typeface="+mn-ea"/>
+                <a:cs typeface="+mn-cs"/>
+              </a:rPr>
+              <a:t>PC</a:t>
+            </a:r>
+            <a:r>
+              <a:rPr lang="ko-KR" altLang="en-US" sz="1200" kern="1200" dirty="0" smtClean="0">
+                <a:solidFill>
+                  <a:schemeClr val="tx1"/>
+                </a:solidFill>
+                <a:latin typeface="Arial" charset="0"/>
+                <a:ea typeface="+mn-ea"/>
+                <a:cs typeface="+mn-cs"/>
+              </a:rPr>
+              <a:t>에</a:t>
+            </a:r>
+            <a:r>
+              <a:rPr lang="ko-KR" altLang="en-US" sz="1200" kern="1200" baseline="0" dirty="0" smtClean="0">
+                <a:solidFill>
+                  <a:schemeClr val="tx1"/>
+                </a:solidFill>
+                <a:latin typeface="Arial" charset="0"/>
+                <a:ea typeface="+mn-ea"/>
+                <a:cs typeface="+mn-cs"/>
+              </a:rPr>
+              <a:t> 꽂히게 되는 것입니다</a:t>
+            </a:r>
+            <a:r>
+              <a:rPr lang="en-US" altLang="ko-KR" sz="1200" kern="1200" baseline="0" dirty="0" smtClean="0">
+                <a:solidFill>
+                  <a:schemeClr val="tx1"/>
+                </a:solidFill>
+                <a:latin typeface="Arial" charset="0"/>
+                <a:ea typeface="+mn-ea"/>
+                <a:cs typeface="+mn-cs"/>
+              </a:rPr>
               <a:t>.</a:t>
             </a:r>
-          </a:p>
-          <a:p>
-            <a:r>
-              <a:rPr lang="ko-KR" altLang="en-US" baseline="0" dirty="0" err="1" smtClean="0"/>
-              <a:t>안드로이드</a:t>
-            </a:r>
-            <a:r>
-              <a:rPr lang="ko-KR" altLang="en-US" baseline="0" dirty="0" smtClean="0"/>
-              <a:t> 서비스를 </a:t>
-            </a:r>
-            <a:r>
-              <a:rPr lang="en-US" altLang="ko-KR" baseline="0" dirty="0" smtClean="0"/>
-              <a:t>USB</a:t>
-            </a:r>
-            <a:r>
-              <a:rPr lang="ko-KR" altLang="en-US" baseline="0" dirty="0" smtClean="0"/>
-              <a:t>장치처럼 보이게 할 드라이브 개발</a:t>
-            </a:r>
-            <a:r>
-              <a:rPr lang="en-US" altLang="ko-KR" baseline="0" dirty="0" smtClean="0"/>
-              <a:t>.</a:t>
-            </a:r>
-          </a:p>
-          <a:p>
-            <a:r>
-              <a:rPr lang="en-US" altLang="ko-KR" baseline="0" dirty="0" smtClean="0"/>
-              <a:t>USB/IP</a:t>
-            </a:r>
-            <a:r>
-              <a:rPr lang="ko-KR" altLang="en-US" baseline="0" dirty="0" smtClean="0"/>
-              <a:t>는 안드로이드에 </a:t>
-            </a:r>
-            <a:r>
-              <a:rPr lang="ko-KR" altLang="en-US" baseline="0" dirty="0" err="1" smtClean="0"/>
-              <a:t>포팅</a:t>
-            </a:r>
-            <a:r>
-              <a:rPr lang="en-US" altLang="ko-KR" baseline="0" dirty="0" smtClean="0"/>
-              <a:t>.</a:t>
-            </a:r>
+            <a:endParaRPr lang="ko-KR" altLang="en-US" sz="1200" kern="1200" dirty="0" smtClean="0">
+              <a:solidFill>
+                <a:schemeClr val="tx1"/>
+              </a:solidFill>
+              <a:latin typeface="Arial" charset="0"/>
+              <a:ea typeface="+mn-ea"/>
+              <a:cs typeface="+mn-cs"/>
+            </a:endParaRPr>
           </a:p>
         </p:txBody>
       </p:sp>
@@ -2138,10 +3252,187 @@
           </a:bodyPr>
           <a:lstStyle/>
           <a:p>
-            <a:r>
-              <a:rPr lang="ko-KR" altLang="en-US" dirty="0" smtClean="0"/>
-              <a:t>프로젝트 구조</a:t>
-            </a:r>
+            <a:pPr marL="0" marR="0" indent="0" algn="just" defTabSz="914400" rtl="0" eaLnBrk="1" fontAlgn="base" latinLnBrk="0" hangingPunct="1">
+              <a:lnSpc>
+                <a:spcPct val="100000"/>
+              </a:lnSpc>
+              <a:spcBef>
+                <a:spcPct val="30000"/>
+              </a:spcBef>
+              <a:spcAft>
+                <a:spcPct val="0"/>
+              </a:spcAft>
+              <a:buClrTx/>
+              <a:buSzTx/>
+              <a:buFontTx/>
+              <a:buNone/>
+              <a:tabLst/>
+              <a:defRPr/>
+            </a:pPr>
+            <a:r>
+              <a:rPr lang="ko-KR" altLang="en-US" sz="1200" kern="1200" dirty="0" smtClean="0">
+                <a:solidFill>
+                  <a:schemeClr val="tx1"/>
+                </a:solidFill>
+                <a:latin typeface="Arial" charset="0"/>
+                <a:ea typeface="+mn-ea"/>
+                <a:cs typeface="+mn-cs"/>
+              </a:rPr>
+              <a:t>예를 들어 좌측 구조가 윈도우 </a:t>
+            </a:r>
+            <a:r>
+              <a:rPr lang="ko-KR" altLang="en-US" sz="1200" kern="1200" dirty="0" err="1" smtClean="0">
+                <a:solidFill>
+                  <a:schemeClr val="tx1"/>
+                </a:solidFill>
+                <a:latin typeface="Arial" charset="0"/>
+                <a:ea typeface="+mn-ea"/>
+                <a:cs typeface="+mn-cs"/>
+              </a:rPr>
+              <a:t>앱에</a:t>
+            </a:r>
+            <a:r>
+              <a:rPr lang="ko-KR" altLang="en-US" sz="1200" kern="1200" dirty="0" smtClean="0">
+                <a:solidFill>
+                  <a:schemeClr val="tx1"/>
+                </a:solidFill>
+                <a:latin typeface="Arial" charset="0"/>
+                <a:ea typeface="+mn-ea"/>
+                <a:cs typeface="+mn-cs"/>
+              </a:rPr>
+              <a:t> </a:t>
+            </a:r>
+            <a:r>
+              <a:rPr lang="en-US" altLang="ko-KR" sz="1200" kern="1200" dirty="0" smtClean="0">
+                <a:solidFill>
+                  <a:schemeClr val="tx1"/>
+                </a:solidFill>
+                <a:latin typeface="Arial" charset="0"/>
+                <a:ea typeface="+mn-ea"/>
+                <a:cs typeface="+mn-cs"/>
+              </a:rPr>
+              <a:t>USB</a:t>
+            </a:r>
+            <a:r>
+              <a:rPr lang="ko-KR" altLang="en-US" sz="1200" kern="1200" dirty="0" smtClean="0">
+                <a:solidFill>
+                  <a:schemeClr val="tx1"/>
+                </a:solidFill>
+                <a:latin typeface="Arial" charset="0"/>
+                <a:ea typeface="+mn-ea"/>
+                <a:cs typeface="+mn-cs"/>
+              </a:rPr>
+              <a:t>카메라를 꽂은 모습이라면</a:t>
+            </a:r>
+            <a:r>
+              <a:rPr lang="en-US" altLang="ko-KR" sz="1200" kern="1200" dirty="0" smtClean="0">
+                <a:solidFill>
+                  <a:schemeClr val="tx1"/>
+                </a:solidFill>
+                <a:latin typeface="Arial" charset="0"/>
+                <a:ea typeface="+mn-ea"/>
+                <a:cs typeface="+mn-cs"/>
+              </a:rPr>
+              <a:t>, </a:t>
+            </a:r>
+            <a:r>
+              <a:rPr lang="ko-KR" altLang="en-US" sz="1200" kern="1200" dirty="0" smtClean="0">
+                <a:solidFill>
+                  <a:schemeClr val="tx1"/>
+                </a:solidFill>
+                <a:latin typeface="Arial" charset="0"/>
+                <a:ea typeface="+mn-ea"/>
+                <a:cs typeface="+mn-cs"/>
+              </a:rPr>
+              <a:t>우측의 카메라 어플리케이션도 </a:t>
+            </a:r>
+            <a:r>
+              <a:rPr lang="en-US" altLang="ko-KR" sz="1200" kern="1200" dirty="0" smtClean="0">
+                <a:solidFill>
+                  <a:schemeClr val="tx1"/>
+                </a:solidFill>
+                <a:latin typeface="Arial" charset="0"/>
+                <a:ea typeface="+mn-ea"/>
+                <a:cs typeface="+mn-cs"/>
+              </a:rPr>
+              <a:t>VHCI</a:t>
+            </a:r>
+            <a:r>
+              <a:rPr lang="ko-KR" altLang="en-US" sz="1200" kern="1200" dirty="0" smtClean="0">
+                <a:solidFill>
+                  <a:schemeClr val="tx1"/>
+                </a:solidFill>
+                <a:latin typeface="Arial" charset="0"/>
+                <a:ea typeface="+mn-ea"/>
+                <a:cs typeface="+mn-cs"/>
+              </a:rPr>
+              <a:t>드라이버와 </a:t>
+            </a:r>
+            <a:r>
+              <a:rPr lang="en-US" altLang="ko-KR" sz="1200" kern="1200" dirty="0" smtClean="0">
+                <a:solidFill>
+                  <a:schemeClr val="tx1"/>
+                </a:solidFill>
+                <a:latin typeface="Arial" charset="0"/>
+                <a:ea typeface="+mn-ea"/>
+                <a:cs typeface="+mn-cs"/>
+              </a:rPr>
+              <a:t>USB/IP</a:t>
+            </a:r>
+            <a:r>
+              <a:rPr lang="ko-KR" altLang="en-US" sz="1200" kern="1200" dirty="0" smtClean="0">
+                <a:solidFill>
+                  <a:schemeClr val="tx1"/>
+                </a:solidFill>
+                <a:latin typeface="Arial" charset="0"/>
+                <a:ea typeface="+mn-ea"/>
+                <a:cs typeface="+mn-cs"/>
+              </a:rPr>
+              <a:t>를 거쳐서 좌측과 동일하게 </a:t>
+            </a:r>
+            <a:r>
+              <a:rPr lang="en-US" altLang="ko-KR" sz="1200" kern="1200" dirty="0" smtClean="0">
+                <a:solidFill>
+                  <a:schemeClr val="tx1"/>
+                </a:solidFill>
+                <a:latin typeface="Arial" charset="0"/>
+                <a:ea typeface="+mn-ea"/>
+                <a:cs typeface="+mn-cs"/>
+              </a:rPr>
+              <a:t>USB </a:t>
+            </a:r>
+            <a:r>
+              <a:rPr lang="ko-KR" altLang="en-US" sz="1200" kern="1200" dirty="0" smtClean="0">
+                <a:solidFill>
+                  <a:schemeClr val="tx1"/>
+                </a:solidFill>
+                <a:latin typeface="Arial" charset="0"/>
+                <a:ea typeface="+mn-ea"/>
+                <a:cs typeface="+mn-cs"/>
+              </a:rPr>
+              <a:t>카메라가 된 모습입니다</a:t>
+            </a:r>
+            <a:r>
+              <a:rPr lang="en-US" altLang="ko-KR" sz="1200" kern="1200" dirty="0" smtClean="0">
+                <a:solidFill>
+                  <a:schemeClr val="tx1"/>
+                </a:solidFill>
+                <a:latin typeface="Arial" charset="0"/>
+                <a:ea typeface="+mn-ea"/>
+                <a:cs typeface="+mn-cs"/>
+              </a:rPr>
+              <a:t>.</a:t>
+            </a:r>
+            <a:endParaRPr lang="ko-KR" altLang="en-US" sz="1200" kern="1200" dirty="0" smtClean="0">
+              <a:solidFill>
+                <a:schemeClr val="tx1"/>
+              </a:solidFill>
+              <a:latin typeface="Arial" charset="0"/>
+              <a:ea typeface="+mn-ea"/>
+              <a:cs typeface="+mn-cs"/>
+            </a:endParaRPr>
+          </a:p>
+          <a:p>
             <a:endParaRPr lang="ko-KR" altLang="en-US" dirty="0"/>
           </a:p>
         </p:txBody>
@@ -2224,19 +3515,108 @@
           </a:bodyPr>
           <a:lstStyle/>
           <a:p>
-            <a:r>
-              <a:rPr lang="en-US" altLang="ko-KR" dirty="0" smtClean="0"/>
+            <a:pPr marL="0" marR="0" indent="0" algn="just" defTabSz="914400" rtl="0" eaLnBrk="1" fontAlgn="base" latinLnBrk="0" hangingPunct="1">
+              <a:lnSpc>
+                <a:spcPct val="100000"/>
+              </a:lnSpc>
+              <a:spcBef>
+                <a:spcPct val="30000"/>
+              </a:spcBef>
+              <a:spcAft>
+                <a:spcPct val="0"/>
+              </a:spcAft>
+              <a:buClrTx/>
+              <a:buSzTx/>
+              <a:buFontTx/>
+              <a:buNone/>
+              <a:tabLst/>
+              <a:defRPr/>
+            </a:pPr>
+            <a:r>
+              <a:rPr lang="en-US" altLang="ko-KR" sz="1200" kern="1200" dirty="0" smtClean="0">
+                <a:solidFill>
+                  <a:schemeClr val="tx1"/>
+                </a:solidFill>
+                <a:latin typeface="Arial" charset="0"/>
+                <a:ea typeface="+mn-ea"/>
+                <a:cs typeface="+mn-cs"/>
+              </a:rPr>
               <a:t>USB/IP</a:t>
             </a:r>
             <a:r>
-              <a:rPr lang="en-US" altLang="ko-KR" baseline="0" dirty="0" smtClean="0"/>
-              <a:t> </a:t>
-            </a:r>
-            <a:r>
-              <a:rPr lang="ko-KR" altLang="en-US" baseline="0" dirty="0" smtClean="0"/>
-              <a:t>사용하는 이유</a:t>
-            </a:r>
-            <a:endParaRPr lang="ko-KR" altLang="en-US" dirty="0"/>
+              <a:rPr lang="ko-KR" altLang="en-US" sz="1200" kern="1200" dirty="0" smtClean="0">
+                <a:solidFill>
+                  <a:schemeClr val="tx1"/>
+                </a:solidFill>
+                <a:latin typeface="Arial" charset="0"/>
+                <a:ea typeface="+mn-ea"/>
+                <a:cs typeface="+mn-cs"/>
+              </a:rPr>
+              <a:t>는 방금 </a:t>
+            </a:r>
+            <a:r>
+              <a:rPr lang="en-US" altLang="ko-KR" sz="1200" kern="1200" dirty="0" smtClean="0">
+                <a:solidFill>
+                  <a:schemeClr val="tx1"/>
+                </a:solidFill>
+                <a:latin typeface="Arial" charset="0"/>
+                <a:ea typeface="+mn-ea"/>
+                <a:cs typeface="+mn-cs"/>
+              </a:rPr>
+              <a:t>USB</a:t>
+            </a:r>
+            <a:r>
+              <a:rPr lang="ko-KR" altLang="en-US" sz="1200" kern="1200" dirty="0" smtClean="0">
+                <a:solidFill>
+                  <a:schemeClr val="tx1"/>
+                </a:solidFill>
+                <a:latin typeface="Arial" charset="0"/>
+                <a:ea typeface="+mn-ea"/>
+                <a:cs typeface="+mn-cs"/>
+              </a:rPr>
+              <a:t>카메라의 경우처럼 기존에 그 장치를 사용하던 프로그램들을 수정 없이 그대로 사용할 수 있다는 장점을 갖습니다</a:t>
+            </a:r>
+            <a:r>
+              <a:rPr lang="en-US" altLang="ko-KR" sz="1200" kern="1200" dirty="0" smtClean="0">
+                <a:solidFill>
+                  <a:schemeClr val="tx1"/>
+                </a:solidFill>
+                <a:latin typeface="Arial" charset="0"/>
+                <a:ea typeface="+mn-ea"/>
+                <a:cs typeface="+mn-cs"/>
+              </a:rPr>
+              <a:t>. TCP/IP</a:t>
+            </a:r>
+            <a:r>
+              <a:rPr lang="ko-KR" altLang="en-US" sz="1200" kern="1200" dirty="0" smtClean="0">
+                <a:solidFill>
+                  <a:schemeClr val="tx1"/>
+                </a:solidFill>
+                <a:latin typeface="Arial" charset="0"/>
+                <a:ea typeface="+mn-ea"/>
+                <a:cs typeface="+mn-cs"/>
+              </a:rPr>
+              <a:t>로 만든다면 프로그램은 수정돼야 합니다</a:t>
+            </a:r>
+            <a:r>
+              <a:rPr lang="en-US" altLang="ko-KR" sz="1200" kern="1200" dirty="0" smtClean="0">
+                <a:solidFill>
+                  <a:schemeClr val="tx1"/>
+                </a:solidFill>
+                <a:latin typeface="Arial" charset="0"/>
+                <a:ea typeface="+mn-ea"/>
+                <a:cs typeface="+mn-cs"/>
+              </a:rPr>
+              <a:t>.</a:t>
+            </a:r>
+            <a:endParaRPr lang="ko-KR" altLang="en-US" sz="1200" kern="1200" dirty="0" smtClean="0">
+              <a:solidFill>
+                <a:schemeClr val="tx1"/>
+              </a:solidFill>
+              <a:latin typeface="Arial" charset="0"/>
+              <a:ea typeface="+mn-ea"/>
+              <a:cs typeface="+mn-cs"/>
+            </a:endParaRPr>
           </a:p>
         </p:txBody>
       </p:sp>
@@ -2318,10 +3698,165 @@
           </a:bodyPr>
           <a:lstStyle/>
           <a:p>
-            <a:r>
-              <a:rPr lang="ko-KR" altLang="en-US" dirty="0" smtClean="0"/>
-              <a:t>프로젝트 활용해서 가능한 서비스</a:t>
-            </a:r>
+            <a:pPr marL="0" marR="0" indent="0" algn="just" defTabSz="914400" rtl="0" eaLnBrk="1" fontAlgn="base" latinLnBrk="0" hangingPunct="1">
+              <a:lnSpc>
+                <a:spcPct val="100000"/>
+              </a:lnSpc>
+              <a:spcBef>
+                <a:spcPct val="30000"/>
+              </a:spcBef>
+              <a:spcAft>
+                <a:spcPct val="0"/>
+              </a:spcAft>
+              <a:buClrTx/>
+              <a:buSzTx/>
+              <a:buFontTx/>
+              <a:buNone/>
+              <a:tabLst/>
+              <a:defRPr/>
+            </a:pPr>
+            <a:r>
+              <a:rPr lang="en-US" altLang="ko-KR" sz="1200" kern="1200" dirty="0" smtClean="0">
+                <a:solidFill>
+                  <a:schemeClr val="tx1"/>
+                </a:solidFill>
+                <a:latin typeface="Arial" charset="0"/>
+                <a:ea typeface="+mn-ea"/>
+                <a:cs typeface="+mn-cs"/>
+              </a:rPr>
+              <a:t>Android-USB </a:t>
+            </a:r>
+            <a:r>
+              <a:rPr lang="ko-KR" altLang="en-US" sz="1200" kern="1200" dirty="0" smtClean="0">
+                <a:solidFill>
+                  <a:schemeClr val="tx1"/>
+                </a:solidFill>
+                <a:latin typeface="Arial" charset="0"/>
+                <a:ea typeface="+mn-ea"/>
+                <a:cs typeface="+mn-cs"/>
+              </a:rPr>
+              <a:t>프로젝트를 활용 하면</a:t>
+            </a:r>
+            <a:r>
+              <a:rPr lang="en-US" altLang="ko-KR" sz="1200" kern="1200" dirty="0" smtClean="0">
+                <a:solidFill>
+                  <a:schemeClr val="tx1"/>
+                </a:solidFill>
+                <a:latin typeface="Arial" charset="0"/>
+                <a:ea typeface="+mn-ea"/>
+                <a:cs typeface="+mn-cs"/>
+              </a:rPr>
+              <a:t>, PC</a:t>
+            </a:r>
+            <a:r>
+              <a:rPr lang="ko-KR" altLang="en-US" sz="1200" kern="1200" dirty="0" smtClean="0">
+                <a:solidFill>
+                  <a:schemeClr val="tx1"/>
+                </a:solidFill>
+                <a:latin typeface="Arial" charset="0"/>
+                <a:ea typeface="+mn-ea"/>
+                <a:cs typeface="+mn-cs"/>
+              </a:rPr>
+              <a:t>에서 카카오톡</a:t>
+            </a:r>
+            <a:r>
+              <a:rPr lang="en-US" altLang="ko-KR" sz="1200" kern="1200" dirty="0" smtClean="0">
+                <a:solidFill>
+                  <a:schemeClr val="tx1"/>
+                </a:solidFill>
+                <a:latin typeface="Arial" charset="0"/>
+                <a:ea typeface="+mn-ea"/>
+                <a:cs typeface="+mn-cs"/>
+              </a:rPr>
+              <a:t>, </a:t>
+            </a:r>
+            <a:r>
+              <a:rPr lang="ko-KR" altLang="en-US" sz="1200" kern="1200" dirty="0" smtClean="0">
+                <a:solidFill>
+                  <a:schemeClr val="tx1"/>
+                </a:solidFill>
+                <a:latin typeface="Arial" charset="0"/>
+                <a:ea typeface="+mn-ea"/>
+                <a:cs typeface="+mn-cs"/>
+              </a:rPr>
+              <a:t>문자메시지</a:t>
+            </a:r>
+            <a:r>
+              <a:rPr lang="en-US" altLang="ko-KR" sz="1200" kern="1200" dirty="0" smtClean="0">
+                <a:solidFill>
+                  <a:schemeClr val="tx1"/>
+                </a:solidFill>
+                <a:latin typeface="Arial" charset="0"/>
+                <a:ea typeface="+mn-ea"/>
+                <a:cs typeface="+mn-cs"/>
+              </a:rPr>
+              <a:t>, </a:t>
+            </a:r>
+            <a:r>
+              <a:rPr lang="ko-KR" altLang="en-US" sz="1200" kern="1200" dirty="0" smtClean="0">
+                <a:solidFill>
+                  <a:schemeClr val="tx1"/>
+                </a:solidFill>
+                <a:latin typeface="Arial" charset="0"/>
+                <a:ea typeface="+mn-ea"/>
+                <a:cs typeface="+mn-cs"/>
+              </a:rPr>
+              <a:t>카메라를 사용하는 서비스를 만들 수 있고</a:t>
+            </a:r>
+            <a:r>
+              <a:rPr lang="en-US" altLang="ko-KR" sz="1200" kern="1200" dirty="0" smtClean="0">
+                <a:solidFill>
+                  <a:schemeClr val="tx1"/>
+                </a:solidFill>
+                <a:latin typeface="Arial" charset="0"/>
+                <a:ea typeface="+mn-ea"/>
+                <a:cs typeface="+mn-cs"/>
+              </a:rPr>
+              <a:t>, </a:t>
+            </a:r>
+            <a:r>
+              <a:rPr lang="ko-KR" altLang="en-US" sz="1200" kern="1200" dirty="0" err="1" smtClean="0">
+                <a:solidFill>
+                  <a:schemeClr val="tx1"/>
+                </a:solidFill>
+                <a:latin typeface="Arial" charset="0"/>
+                <a:ea typeface="+mn-ea"/>
+                <a:cs typeface="+mn-cs"/>
+              </a:rPr>
+              <a:t>스마트폰을</a:t>
+            </a:r>
+            <a:r>
+              <a:rPr lang="ko-KR" altLang="en-US" sz="1200" kern="1200" dirty="0" smtClean="0">
+                <a:solidFill>
+                  <a:schemeClr val="tx1"/>
+                </a:solidFill>
+                <a:latin typeface="Arial" charset="0"/>
+                <a:ea typeface="+mn-ea"/>
+                <a:cs typeface="+mn-cs"/>
+              </a:rPr>
+              <a:t> 터치패드로 쓸 수도 있습니다</a:t>
+            </a:r>
+            <a:r>
+              <a:rPr lang="en-US" altLang="ko-KR" sz="1200" kern="1200" dirty="0" smtClean="0">
+                <a:solidFill>
+                  <a:schemeClr val="tx1"/>
+                </a:solidFill>
+                <a:latin typeface="Arial" charset="0"/>
+                <a:ea typeface="+mn-ea"/>
+                <a:cs typeface="+mn-cs"/>
+              </a:rPr>
+              <a:t>.</a:t>
+            </a:r>
+            <a:endParaRPr lang="ko-KR" altLang="en-US" sz="1200" kern="1200" dirty="0" smtClean="0">
+              <a:solidFill>
+                <a:schemeClr val="tx1"/>
+              </a:solidFill>
+              <a:latin typeface="Arial" charset="0"/>
+              <a:ea typeface="+mn-ea"/>
+              <a:cs typeface="+mn-cs"/>
+            </a:endParaRPr>
+          </a:p>
+          <a:p>
             <a:endParaRPr lang="ko-KR" altLang="en-US" dirty="0"/>
           </a:p>
         </p:txBody>
@@ -2404,7 +3939,7 @@
           </a:xfrm>
           <a:extLst>
             <a:ext uri="{AF507438-7753-43E0-B8FC-AC1667EBCBE1}">
-              <a14:hiddenEffects xmlns="" xmlns:a14="http://schemas.microsoft.com/office/drawing/2010/main">
+              <a14:hiddenEffects xmlns:a14="http://schemas.microsoft.com/office/drawing/2010/main" xmlns="">
                 <a:effectLst>
                   <a:outerShdw dist="17961" dir="2700000" algn="ctr" rotWithShape="0">
                     <a:schemeClr val="bg1"/>
@@ -2448,7 +3983,7 @@
           </a:xfrm>
           <a:extLst>
             <a:ext uri="{AF507438-7753-43E0-B8FC-AC1667EBCBE1}">
-              <a14:hiddenEffects xmlns="" xmlns:a14="http://schemas.microsoft.com/office/drawing/2010/main">
+              <a14:hiddenEffects xmlns:a14="http://schemas.microsoft.com/office/drawing/2010/main" xmlns="">
                 <a:effectLst>
                   <a:outerShdw dist="17961" dir="2700000" algn="ctr" rotWithShape="0">
                     <a:schemeClr val="bg1"/>
@@ -2584,7 +4119,7 @@
     </p:spTree>
     <p:extLst>
       <p:ext uri="{BB962C8B-B14F-4D97-AF65-F5344CB8AC3E}">
-        <p14:creationId xmlns="" xmlns:p14="http://schemas.microsoft.com/office/powerpoint/2010/main" val="3191849363"/>
+        <p14:creationId xmlns:p14="http://schemas.microsoft.com/office/powerpoint/2010/main" xmlns="" val="3191849363"/>
       </p:ext>
     </p:extLst>
   </p:cSld>
@@ -2699,7 +4234,7 @@
     </p:spTree>
     <p:extLst>
       <p:ext uri="{BB962C8B-B14F-4D97-AF65-F5344CB8AC3E}">
-        <p14:creationId xmlns="" xmlns:p14="http://schemas.microsoft.com/office/powerpoint/2010/main" val="1524186507"/>
+        <p14:creationId xmlns:p14="http://schemas.microsoft.com/office/powerpoint/2010/main" xmlns="" val="1524186507"/>
       </p:ext>
     </p:extLst>
   </p:cSld>
@@ -2804,7 +4339,7 @@
     </p:spTree>
     <p:extLst>
       <p:ext uri="{BB962C8B-B14F-4D97-AF65-F5344CB8AC3E}">
-        <p14:creationId xmlns="" xmlns:p14="http://schemas.microsoft.com/office/powerpoint/2010/main" val="3261712152"/>
+        <p14:creationId xmlns:p14="http://schemas.microsoft.com/office/powerpoint/2010/main" xmlns="" val="3261712152"/>
       </p:ext>
     </p:extLst>
   </p:cSld>
@@ -2931,7 +4466,7 @@
     </p:spTree>
     <p:extLst>
       <p:ext uri="{BB962C8B-B14F-4D97-AF65-F5344CB8AC3E}">
-        <p14:creationId xmlns="" xmlns:p14="http://schemas.microsoft.com/office/powerpoint/2010/main" val="346190723"/>
+        <p14:creationId xmlns:p14="http://schemas.microsoft.com/office/powerpoint/2010/main" xmlns="" val="346190723"/>
       </p:ext>
     </p:extLst>
   </p:cSld>
@@ -3154,7 +4689,7 @@
     </p:spTree>
     <p:extLst>
       <p:ext uri="{BB962C8B-B14F-4D97-AF65-F5344CB8AC3E}">
-        <p14:creationId xmlns="" xmlns:p14="http://schemas.microsoft.com/office/powerpoint/2010/main" val="4255224362"/>
+        <p14:creationId xmlns:p14="http://schemas.microsoft.com/office/powerpoint/2010/main" xmlns="" val="4255224362"/>
       </p:ext>
     </p:extLst>
   </p:cSld>
@@ -3516,7 +5051,7 @@
     </p:spTree>
     <p:extLst>
       <p:ext uri="{BB962C8B-B14F-4D97-AF65-F5344CB8AC3E}">
-        <p14:creationId xmlns="" xmlns:p14="http://schemas.microsoft.com/office/powerpoint/2010/main" val="234523478"/>
+        <p14:creationId xmlns:p14="http://schemas.microsoft.com/office/powerpoint/2010/main" xmlns="" val="234523478"/>
       </p:ext>
     </p:extLst>
   </p:cSld>
@@ -3569,7 +5104,7 @@
     </p:spTree>
     <p:extLst>
       <p:ext uri="{BB962C8B-B14F-4D97-AF65-F5344CB8AC3E}">
-        <p14:creationId xmlns="" xmlns:p14="http://schemas.microsoft.com/office/powerpoint/2010/main" val="4170126094"/>
+        <p14:creationId xmlns:p14="http://schemas.microsoft.com/office/powerpoint/2010/main" xmlns="" val="4170126094"/>
       </p:ext>
     </p:extLst>
   </p:cSld>
@@ -3599,7 +5134,7 @@
     </p:spTree>
     <p:extLst>
       <p:ext uri="{BB962C8B-B14F-4D97-AF65-F5344CB8AC3E}">
-        <p14:creationId xmlns="" xmlns:p14="http://schemas.microsoft.com/office/powerpoint/2010/main" val="3131819388"/>
+        <p14:creationId xmlns:p14="http://schemas.microsoft.com/office/powerpoint/2010/main" xmlns="" val="3131819388"/>
       </p:ext>
     </p:extLst>
   </p:cSld>
@@ -3811,7 +5346,7 @@
     </p:spTree>
     <p:extLst>
       <p:ext uri="{BB962C8B-B14F-4D97-AF65-F5344CB8AC3E}">
-        <p14:creationId xmlns="" xmlns:p14="http://schemas.microsoft.com/office/powerpoint/2010/main" val="1266256783"/>
+        <p14:creationId xmlns:p14="http://schemas.microsoft.com/office/powerpoint/2010/main" xmlns="" val="1266256783"/>
       </p:ext>
     </p:extLst>
   </p:cSld>
@@ -4003,7 +5538,7 @@
     </p:spTree>
     <p:extLst>
       <p:ext uri="{BB962C8B-B14F-4D97-AF65-F5344CB8AC3E}">
-        <p14:creationId xmlns="" xmlns:p14="http://schemas.microsoft.com/office/powerpoint/2010/main" val="511494401"/>
+        <p14:creationId xmlns:p14="http://schemas.microsoft.com/office/powerpoint/2010/main" xmlns="" val="511494401"/>
       </p:ext>
     </p:extLst>
   </p:cSld>
@@ -4067,14 +5602,14 @@
           <a:effectLst/>
           <a:extLst>
             <a:ext uri="{909E8E84-426E-40DD-AFC4-6F175D3DCCD1}">
-              <a14:hiddenFill xmlns="" xmlns:a14="http://schemas.microsoft.com/office/drawing/2010/main">
+              <a14:hiddenFill xmlns:a14="http://schemas.microsoft.com/office/drawing/2010/main" xmlns="">
                 <a:solidFill>
                   <a:schemeClr val="accent1"/>
                 </a:solidFill>
               </a14:hiddenFill>
             </a:ext>
             <a:ext uri="{91240B29-F687-4F45-9708-019B960494DF}">
-              <a14:hiddenLine xmlns="" xmlns:a14="http://schemas.microsoft.com/office/drawing/2010/main" w="9525">
+              <a14:hiddenLine xmlns:a14="http://schemas.microsoft.com/office/drawing/2010/main" xmlns="" w="9525">
                 <a:solidFill>
                   <a:schemeClr val="tx1"/>
                 </a:solidFill>
@@ -4084,7 +5619,7 @@
               </a14:hiddenLine>
             </a:ext>
             <a:ext uri="{AF507438-7753-43E0-B8FC-AC1667EBCBE1}">
-              <a14:hiddenEffects xmlns="" xmlns:a14="http://schemas.microsoft.com/office/drawing/2010/main">
+              <a14:hiddenEffects xmlns:a14="http://schemas.microsoft.com/office/drawing/2010/main" xmlns="">
                 <a:effectLst>
                   <a:outerShdw dist="35921" dir="2700000" algn="ctr" rotWithShape="0">
                     <a:schemeClr val="bg2"/>
@@ -4136,14 +5671,14 @@
           <a:effectLst/>
           <a:extLst>
             <a:ext uri="{909E8E84-426E-40DD-AFC4-6F175D3DCCD1}">
-              <a14:hiddenFill xmlns="" xmlns:a14="http://schemas.microsoft.com/office/drawing/2010/main">
+              <a14:hiddenFill xmlns:a14="http://schemas.microsoft.com/office/drawing/2010/main" xmlns="">
                 <a:solidFill>
                   <a:schemeClr val="accent1"/>
                 </a:solidFill>
               </a14:hiddenFill>
             </a:ext>
             <a:ext uri="{91240B29-F687-4F45-9708-019B960494DF}">
-              <a14:hiddenLine xmlns="" xmlns:a14="http://schemas.microsoft.com/office/drawing/2010/main" w="9525">
+              <a14:hiddenLine xmlns:a14="http://schemas.microsoft.com/office/drawing/2010/main" xmlns="" w="9525">
                 <a:solidFill>
                   <a:schemeClr val="tx1"/>
                 </a:solidFill>
@@ -4153,7 +5688,7 @@
               </a14:hiddenLine>
             </a:ext>
             <a:ext uri="{AF507438-7753-43E0-B8FC-AC1667EBCBE1}">
-              <a14:hiddenEffects xmlns="" xmlns:a14="http://schemas.microsoft.com/office/drawing/2010/main">
+              <a14:hiddenEffects xmlns:a14="http://schemas.microsoft.com/office/drawing/2010/main" xmlns="">
                 <a:effectLst>
                   <a:outerShdw dist="35921" dir="2700000" algn="ctr" rotWithShape="0">
                     <a:schemeClr val="bg2"/>
@@ -4746,7 +6281,7 @@
           <p:nvPr>
             <p:extLst>
               <p:ext uri="{D42A27DB-BD31-4B8C-83A1-F6EECF244321}">
-                <p14:modId xmlns="" xmlns:p14="http://schemas.microsoft.com/office/powerpoint/2010/main" val="3019215210"/>
+                <p14:modId xmlns:p14="http://schemas.microsoft.com/office/powerpoint/2010/main" xmlns="" val="3019215210"/>
               </p:ext>
             </p:extLst>
           </p:nvPr>
@@ -5455,13 +6990,14 @@
     </p:spTree>
     <p:extLst>
       <p:ext uri="{BB962C8B-B14F-4D97-AF65-F5344CB8AC3E}">
-        <p14:creationId xmlns="" xmlns:p14="http://schemas.microsoft.com/office/powerpoint/2010/main" val="3872289296"/>
+        <p14:creationId xmlns:p14="http://schemas.microsoft.com/office/powerpoint/2010/main" xmlns="" val="3872289296"/>
       </p:ext>
     </p:extLst>
   </p:cSld>
   <p:clrMapOvr>
     <a:masterClrMapping/>
   </p:clrMapOvr>
+  <p:transition advTm="15000"/>
   <p:timing>
     <p:tnLst>
       <p:par>
@@ -5506,7 +7042,7 @@
           <a:p>
             <a:pPr marL="914400" indent="-914400">
               <a:buFont typeface="+mj-lt"/>
-              <a:buAutoNum type="arabicPeriod" startAt="3"/>
+              <a:buAutoNum type="arabicPeriod" startAt="4"/>
             </a:pPr>
             <a:r>
               <a:rPr lang="ko-KR" altLang="en-US" sz="5400" spc="600" dirty="0" smtClean="0">
@@ -5663,8 +7199,8 @@
         </p:blipFill>
         <p:spPr bwMode="auto">
           <a:xfrm>
-            <a:off x="1907704" y="1988839"/>
-            <a:ext cx="3168352" cy="3975233"/>
+            <a:off x="1259632" y="1988840"/>
+            <a:ext cx="3816424" cy="3975233"/>
           </a:xfrm>
           <a:prstGeom prst="rect">
             <a:avLst/>
@@ -5695,7 +7231,7 @@
         </p:blipFill>
         <p:spPr bwMode="auto">
           <a:xfrm>
-            <a:off x="5470580" y="1988839"/>
+            <a:off x="5652120" y="1988840"/>
             <a:ext cx="2413788" cy="4022981"/>
           </a:xfrm>
           <a:prstGeom prst="rect">
@@ -5758,7 +7294,7 @@
           <a:p>
             <a:pPr marL="914400" indent="-914400">
               <a:buFont typeface="+mj-lt"/>
-              <a:buAutoNum type="arabicPeriod" startAt="3"/>
+              <a:buAutoNum type="arabicPeriod" startAt="4"/>
             </a:pPr>
             <a:r>
               <a:rPr lang="ko-KR" altLang="en-US" sz="5400" spc="600" dirty="0" smtClean="0">
@@ -6210,7 +7746,7 @@
           <a:effectLst/>
           <a:extLst>
             <a:ext uri="{AF507438-7753-43E0-B8FC-AC1667EBCBE1}">
-              <a14:hiddenEffects xmlns="" xmlns:a14="http://schemas.microsoft.com/office/drawing/2010/main">
+              <a14:hiddenEffects xmlns:a14="http://schemas.microsoft.com/office/drawing/2010/main" xmlns="">
                 <a:effectLst>
                   <a:outerShdw dist="35921" dir="2700000" algn="ctr" rotWithShape="0">
                     <a:schemeClr val="bg2"/>
@@ -6638,7 +8174,7 @@
           <a:effectLst/>
           <a:extLst>
             <a:ext uri="{AF507438-7753-43E0-B8FC-AC1667EBCBE1}">
-              <a14:hiddenEffects xmlns="" xmlns:a14="http://schemas.microsoft.com/office/drawing/2010/main">
+              <a14:hiddenEffects xmlns:a14="http://schemas.microsoft.com/office/drawing/2010/main" xmlns="">
                 <a:effectLst>
                   <a:outerShdw dist="35921" dir="2700000" algn="ctr" rotWithShape="0">
                     <a:schemeClr val="bg2"/>
@@ -6695,7 +8231,7 @@
           <a:effectLst/>
           <a:extLst>
             <a:ext uri="{AF507438-7753-43E0-B8FC-AC1667EBCBE1}">
-              <a14:hiddenEffects xmlns="" xmlns:a14="http://schemas.microsoft.com/office/drawing/2010/main">
+              <a14:hiddenEffects xmlns:a14="http://schemas.microsoft.com/office/drawing/2010/main" xmlns="">
                 <a:effectLst>
                   <a:outerShdw dist="35921" dir="2700000" algn="ctr" rotWithShape="0">
                     <a:schemeClr val="bg2"/>
@@ -6821,7 +8357,7 @@
           <a:p>
             <a:pPr algn="ctr"/>
             <a:r>
-              <a:rPr lang="en-US" altLang="ko-KR" sz="1600" b="1" dirty="0" smtClean="0">
+              <a:rPr lang="en-US" altLang="ko-KR" sz="1800" b="1" dirty="0" smtClean="0">
                 <a:solidFill>
                   <a:schemeClr val="tx1"/>
                 </a:solidFill>
@@ -6830,7 +8366,7 @@
               </a:rPr>
               <a:t>Text Data</a:t>
             </a:r>
-            <a:endParaRPr lang="ko-KR" altLang="en-US" sz="1600" b="1" dirty="0">
+            <a:endParaRPr lang="ko-KR" altLang="en-US" sz="1800" b="1" dirty="0">
               <a:solidFill>
                 <a:schemeClr val="tx1"/>
               </a:solidFill>
@@ -6886,7 +8422,7 @@
           <a:effectLst/>
           <a:extLst>
             <a:ext uri="{AF507438-7753-43E0-B8FC-AC1667EBCBE1}">
-              <a14:hiddenEffects xmlns="" xmlns:a14="http://schemas.microsoft.com/office/drawing/2010/main">
+              <a14:hiddenEffects xmlns:a14="http://schemas.microsoft.com/office/drawing/2010/main" xmlns="">
                 <a:effectLst>
                   <a:outerShdw dist="35921" dir="2700000" algn="ctr" rotWithShape="0">
                     <a:schemeClr val="bg2"/>
@@ -7001,7 +8537,7 @@
           <a:p>
             <a:pPr algn="ctr"/>
             <a:r>
-              <a:rPr lang="en-US" altLang="ko-KR" sz="2000" b="1" dirty="0" smtClean="0">
+              <a:rPr lang="en-US" altLang="ko-KR" sz="1800" b="1" dirty="0" smtClean="0">
                 <a:solidFill>
                   <a:schemeClr val="tx1"/>
                 </a:solidFill>
@@ -7010,7 +8546,7 @@
               </a:rPr>
               <a:t>Text Input</a:t>
             </a:r>
-            <a:endParaRPr lang="ko-KR" altLang="en-US" sz="2000" b="1" dirty="0">
+            <a:endParaRPr lang="ko-KR" altLang="en-US" sz="1800" b="1" dirty="0">
               <a:solidFill>
                 <a:schemeClr val="tx1"/>
               </a:solidFill>
@@ -7066,7 +8602,7 @@
           <a:effectLst/>
           <a:extLst>
             <a:ext uri="{AF507438-7753-43E0-B8FC-AC1667EBCBE1}">
-              <a14:hiddenEffects xmlns="" xmlns:a14="http://schemas.microsoft.com/office/drawing/2010/main">
+              <a14:hiddenEffects xmlns:a14="http://schemas.microsoft.com/office/drawing/2010/main" xmlns="">
                 <a:effectLst>
                   <a:outerShdw dist="35921" dir="2700000" algn="ctr" rotWithShape="0">
                     <a:schemeClr val="bg2"/>
@@ -7181,7 +8717,7 @@
           <a:p>
             <a:pPr algn="ctr"/>
             <a:r>
-              <a:rPr lang="en-US" altLang="ko-KR" sz="2000" b="1" dirty="0" smtClean="0">
+              <a:rPr lang="en-US" altLang="ko-KR" sz="1800" b="1" dirty="0" smtClean="0">
                 <a:solidFill>
                   <a:schemeClr val="tx1"/>
                 </a:solidFill>
@@ -7190,7 +8726,7 @@
               </a:rPr>
               <a:t>Capture</a:t>
             </a:r>
-            <a:endParaRPr lang="ko-KR" altLang="en-US" sz="2000" b="1" dirty="0">
+            <a:endParaRPr lang="ko-KR" altLang="en-US" sz="1800" b="1" dirty="0">
               <a:solidFill>
                 <a:schemeClr val="tx1"/>
               </a:solidFill>
@@ -7315,7 +8851,7 @@
           <a:p>
             <a:pPr algn="ctr"/>
             <a:r>
-              <a:rPr lang="en-US" altLang="ko-KR" sz="1600" b="1" dirty="0" smtClean="0">
+              <a:rPr lang="en-US" altLang="ko-KR" sz="1800" b="1" dirty="0" smtClean="0">
                 <a:solidFill>
                   <a:schemeClr val="tx1"/>
                 </a:solidFill>
@@ -7324,7 +8860,7 @@
               </a:rPr>
               <a:t>Capture  Data</a:t>
             </a:r>
-            <a:endParaRPr lang="ko-KR" altLang="en-US" sz="1600" b="1" dirty="0">
+            <a:endParaRPr lang="ko-KR" altLang="en-US" sz="1800" b="1" dirty="0">
               <a:solidFill>
                 <a:schemeClr val="tx1"/>
               </a:solidFill>
@@ -7504,7 +9040,7 @@
           <a:p>
             <a:pPr marL="914400" indent="-914400">
               <a:buFont typeface="+mj-lt"/>
-              <a:buAutoNum type="arabicPeriod" startAt="3"/>
+              <a:buAutoNum type="arabicPeriod" startAt="4"/>
             </a:pPr>
             <a:r>
               <a:rPr lang="ko-KR" altLang="en-US" sz="5400" spc="600" dirty="0" smtClean="0">
@@ -7558,7 +9094,7 @@
                 <a:latin typeface="HY동녘M" pitchFamily="18" charset="-127"/>
                 <a:ea typeface="HY동녘M" pitchFamily="18" charset="-127"/>
               </a:rPr>
-              <a:t>터치 마우스 서비스</a:t>
+              <a:t>터치패드 서비스</a:t>
             </a:r>
             <a:endParaRPr lang="en-US" altLang="ko-KR" dirty="0" smtClean="0">
               <a:solidFill>
@@ -7742,6 +9278,52 @@
               </a:rPr>
               <a:t>프로젝트 배경</a:t>
             </a:r>
+            <a:endParaRPr lang="en-US" altLang="ko-KR" sz="2800" dirty="0" smtClean="0">
+              <a:solidFill>
+                <a:srgbClr val="000000"/>
+              </a:solidFill>
+              <a:latin typeface="HY동녘M" pitchFamily="18" charset="-127"/>
+              <a:ea typeface="HY동녘M" pitchFamily="18" charset="-127"/>
+            </a:endParaRPr>
+          </a:p>
+          <a:p>
+            <a:pPr lvl="0">
+              <a:buFont typeface="+mj-lt"/>
+              <a:buAutoNum type="arabicPeriod"/>
+            </a:pPr>
+            <a:r>
+              <a:rPr lang="ko-KR" altLang="en-US" sz="2800" dirty="0" smtClean="0">
+                <a:solidFill>
+                  <a:srgbClr val="000000"/>
+                </a:solidFill>
+                <a:latin typeface="HY동녘M" pitchFamily="18" charset="-127"/>
+                <a:ea typeface="HY동녘M" pitchFamily="18" charset="-127"/>
+              </a:rPr>
+              <a:t>관련기술 소개</a:t>
+            </a:r>
+            <a:endParaRPr lang="en-US" altLang="ko-KR" sz="2800" dirty="0" smtClean="0">
+              <a:solidFill>
+                <a:srgbClr val="000000"/>
+              </a:solidFill>
+              <a:latin typeface="HY동녘M" pitchFamily="18" charset="-127"/>
+              <a:ea typeface="HY동녘M" pitchFamily="18" charset="-127"/>
+            </a:endParaRPr>
+          </a:p>
+          <a:p>
+            <a:pPr marL="914400" lvl="1" indent="-457200">
+              <a:buFont typeface="+mj-lt"/>
+              <a:buAutoNum type="alphaUcPeriod"/>
+            </a:pPr>
+            <a:r>
+              <a:rPr lang="en-US" altLang="ko-KR" sz="2400" dirty="0" smtClean="0">
+                <a:solidFill>
+                  <a:srgbClr val="000000"/>
+                </a:solidFill>
+                <a:latin typeface="HY동녘M" pitchFamily="18" charset="-127"/>
+                <a:ea typeface="HY동녘M" pitchFamily="18" charset="-127"/>
+              </a:rPr>
+              <a:t> USB/IP</a:t>
+            </a:r>
             <a:endParaRPr lang="ko-KR" altLang="ko-KR" sz="2800" dirty="0" smtClean="0">
               <a:solidFill>
                 <a:srgbClr val="000000"/>
@@ -7786,22 +9368,6 @@
                 <a:latin typeface="HY동녘M" pitchFamily="18" charset="-127"/>
                 <a:ea typeface="HY동녘M" pitchFamily="18" charset="-127"/>
               </a:rPr>
-              <a:t> USB/IP</a:t>
-            </a:r>
-          </a:p>
-          <a:p>
-            <a:pPr marL="800100" lvl="1" indent="-342900">
-              <a:buFont typeface="+mj-lt"/>
-              <a:buAutoNum type="alphaUcPeriod"/>
-            </a:pPr>
-            <a:r>
-              <a:rPr lang="en-US" altLang="ko-KR" sz="2400" dirty="0" smtClean="0">
-                <a:solidFill>
-                  <a:srgbClr val="000000"/>
-                </a:solidFill>
-                <a:latin typeface="HY동녘M" pitchFamily="18" charset="-127"/>
-                <a:ea typeface="HY동녘M" pitchFamily="18" charset="-127"/>
-              </a:rPr>
               <a:t> Android-USB</a:t>
             </a:r>
           </a:p>
@@ -8000,7 +9566,7 @@
                 <a:latin typeface="HY동녘M" pitchFamily="18" charset="-127"/>
                 <a:ea typeface="HY동녘M" pitchFamily="18" charset="-127"/>
               </a:rPr>
-              <a:t>터치 마우스 서비스</a:t>
+              <a:t>터치패드 서비스</a:t>
             </a:r>
             <a:endParaRPr lang="en-US" altLang="ko-KR" sz="2400" dirty="0" smtClean="0">
               <a:solidFill>
@@ -8015,7 +9581,7 @@
     </p:spTree>
     <p:extLst>
       <p:ext uri="{BB962C8B-B14F-4D97-AF65-F5344CB8AC3E}">
-        <p14:creationId xmlns="" xmlns:p14="http://schemas.microsoft.com/office/powerpoint/2010/main" val="417403148"/>
+        <p14:creationId xmlns:p14="http://schemas.microsoft.com/office/powerpoint/2010/main" xmlns="" val="417403148"/>
       </p:ext>
     </p:extLst>
   </p:cSld>
@@ -8095,7 +9661,7 @@
           <p:nvPr>
             <p:extLst>
               <p:ext uri="{D42A27DB-BD31-4B8C-83A1-F6EECF244321}">
-                <p14:modId xmlns="" xmlns:p14="http://schemas.microsoft.com/office/powerpoint/2010/main" val="864912804"/>
+                <p14:modId xmlns:p14="http://schemas.microsoft.com/office/powerpoint/2010/main" xmlns="" val="864912804"/>
               </p:ext>
             </p:extLst>
           </p:nvPr>
@@ -8117,7 +9683,7 @@
           <p:nvPr>
             <p:extLst>
               <p:ext uri="{D42A27DB-BD31-4B8C-83A1-F6EECF244321}">
-                <p14:modId xmlns="" xmlns:p14="http://schemas.microsoft.com/office/powerpoint/2010/main" val="550831738"/>
+                <p14:modId xmlns:p14="http://schemas.microsoft.com/office/powerpoint/2010/main" xmlns="" val="550831738"/>
               </p:ext>
             </p:extLst>
           </p:nvPr>
@@ -8229,7 +9795,7 @@
     </p:spTree>
     <p:extLst>
       <p:ext uri="{BB962C8B-B14F-4D97-AF65-F5344CB8AC3E}">
-        <p14:creationId xmlns="" xmlns:p14="http://schemas.microsoft.com/office/powerpoint/2010/main" val="3723977454"/>
+        <p14:creationId xmlns:p14="http://schemas.microsoft.com/office/powerpoint/2010/main" xmlns="" val="3723977454"/>
       </p:ext>
     </p:extLst>
   </p:cSld>
@@ -8388,7 +9954,7 @@
           <a:blip r:embed="rId3" cstate="print">
             <a:extLst>
               <a:ext uri="{28A0092B-C50C-407E-A947-70E740481C1C}">
-                <a14:useLocalDpi xmlns="" xmlns:a14="http://schemas.microsoft.com/office/drawing/2010/main" val="0"/>
+                <a14:useLocalDpi xmlns:a14="http://schemas.microsoft.com/office/drawing/2010/main" xmlns="" val="0"/>
               </a:ext>
             </a:extLst>
           </a:blip>
@@ -8418,7 +9984,7 @@
           <a:blip r:embed="rId4" cstate="print">
             <a:extLst>
               <a:ext uri="{28A0092B-C50C-407E-A947-70E740481C1C}">
-                <a14:useLocalDpi xmlns="" xmlns:a14="http://schemas.microsoft.com/office/drawing/2010/main" val="0"/>
+                <a14:useLocalDpi xmlns:a14="http://schemas.microsoft.com/office/drawing/2010/main" xmlns="" val="0"/>
               </a:ext>
             </a:extLst>
           </a:blip>
@@ -8438,7 +10004,7 @@
           <a:noFill/>
           <a:extLst>
             <a:ext uri="{909E8E84-426E-40DD-AFC4-6F175D3DCCD1}">
-              <a14:hiddenFill xmlns="" xmlns:a14="http://schemas.microsoft.com/office/drawing/2010/main">
+              <a14:hiddenFill xmlns:a14="http://schemas.microsoft.com/office/drawing/2010/main" xmlns="">
                 <a:solidFill>
                   <a:srgbClr val="FFFFFF"/>
                 </a:solidFill>
@@ -8544,7 +10110,7 @@
           <a:blip r:embed="rId5" cstate="print">
             <a:extLst>
               <a:ext uri="{28A0092B-C50C-407E-A947-70E740481C1C}">
-                <a14:useLocalDpi xmlns="" xmlns:a14="http://schemas.microsoft.com/office/drawing/2010/main" val="0"/>
+                <a14:useLocalDpi xmlns:a14="http://schemas.microsoft.com/office/drawing/2010/main" xmlns="" val="0"/>
               </a:ext>
             </a:extLst>
           </a:blip>
@@ -8564,7 +10130,7 @@
           <a:noFill/>
           <a:extLst>
             <a:ext uri="{909E8E84-426E-40DD-AFC4-6F175D3DCCD1}">
-              <a14:hiddenFill xmlns="" xmlns:a14="http://schemas.microsoft.com/office/drawing/2010/main">
+              <a14:hiddenFill xmlns:a14="http://schemas.microsoft.com/office/drawing/2010/main" xmlns="">
                 <a:solidFill>
                   <a:srgbClr val="FFFFFF"/>
                 </a:solidFill>
@@ -8585,7 +10151,7 @@
           <a:blip r:embed="rId6" cstate="print">
             <a:extLst>
               <a:ext uri="{28A0092B-C50C-407E-A947-70E740481C1C}">
-                <a14:useLocalDpi xmlns="" xmlns:a14="http://schemas.microsoft.com/office/drawing/2010/main" val="0"/>
+                <a14:useLocalDpi xmlns:a14="http://schemas.microsoft.com/office/drawing/2010/main" xmlns="" val="0"/>
               </a:ext>
             </a:extLst>
           </a:blip>
@@ -8605,7 +10171,7 @@
           <a:noFill/>
           <a:extLst>
             <a:ext uri="{909E8E84-426E-40DD-AFC4-6F175D3DCCD1}">
-              <a14:hiddenFill xmlns="" xmlns:a14="http://schemas.microsoft.com/office/drawing/2010/main">
+              <a14:hiddenFill xmlns:a14="http://schemas.microsoft.com/office/drawing/2010/main" xmlns="">
                 <a:solidFill>
                   <a:srgbClr val="FFFFFF"/>
                 </a:solidFill>
@@ -8626,7 +10192,7 @@
           <a:blip r:embed="rId7" cstate="print">
             <a:extLst>
               <a:ext uri="{28A0092B-C50C-407E-A947-70E740481C1C}">
-                <a14:useLocalDpi xmlns="" xmlns:a14="http://schemas.microsoft.com/office/drawing/2010/main" val="0"/>
+                <a14:useLocalDpi xmlns:a14="http://schemas.microsoft.com/office/drawing/2010/main" xmlns="" val="0"/>
               </a:ext>
             </a:extLst>
           </a:blip>
@@ -8646,7 +10212,7 @@
           <a:noFill/>
           <a:extLst>
             <a:ext uri="{909E8E84-426E-40DD-AFC4-6F175D3DCCD1}">
-              <a14:hiddenFill xmlns="" xmlns:a14="http://schemas.microsoft.com/office/drawing/2010/main">
+              <a14:hiddenFill xmlns:a14="http://schemas.microsoft.com/office/drawing/2010/main" xmlns="">
                 <a:solidFill>
                   <a:srgbClr val="FFFFFF"/>
                 </a:solidFill>
@@ -8658,7 +10224,7 @@
     </p:spTree>
     <p:extLst>
       <p:ext uri="{BB962C8B-B14F-4D97-AF65-F5344CB8AC3E}">
-        <p14:creationId xmlns="" xmlns:p14="http://schemas.microsoft.com/office/powerpoint/2010/main" val="26222973"/>
+        <p14:creationId xmlns:p14="http://schemas.microsoft.com/office/powerpoint/2010/main" xmlns="" val="26222973"/>
       </p:ext>
     </p:extLst>
   </p:cSld>
@@ -8755,7 +10321,7 @@
                 <a:latin typeface="HY동녘M" pitchFamily="18" charset="-127"/>
                 <a:ea typeface="HY동녘M" pitchFamily="18" charset="-127"/>
               </a:rPr>
-              <a:t>프로젝트 소개</a:t>
+              <a:t>관련기술 소개</a:t>
             </a:r>
             <a:endParaRPr lang="ko-KR" altLang="en-US" sz="5400" dirty="0">
               <a:solidFill>
@@ -8779,7 +10345,7 @@
           <a:blip r:embed="rId3" cstate="print">
             <a:extLst>
               <a:ext uri="{28A0092B-C50C-407E-A947-70E740481C1C}">
-                <a14:useLocalDpi xmlns="" xmlns:a14="http://schemas.microsoft.com/office/drawing/2010/main" val="0"/>
+                <a14:useLocalDpi xmlns:a14="http://schemas.microsoft.com/office/drawing/2010/main" xmlns="" val="0"/>
               </a:ext>
             </a:extLst>
           </a:blip>
@@ -8799,7 +10365,7 @@
           <a:noFill/>
           <a:extLst>
             <a:ext uri="{909E8E84-426E-40DD-AFC4-6F175D3DCCD1}">
-              <a14:hiddenFill xmlns="" xmlns:a14="http://schemas.microsoft.com/office/drawing/2010/main">
+              <a14:hiddenFill xmlns:a14="http://schemas.microsoft.com/office/drawing/2010/main" xmlns="">
                 <a:solidFill>
                   <a:srgbClr val="FFFFFF"/>
                 </a:solidFill>
@@ -8820,7 +10386,7 @@
           <a:blip r:embed="rId3" cstate="print">
             <a:extLst>
               <a:ext uri="{28A0092B-C50C-407E-A947-70E740481C1C}">
-                <a14:useLocalDpi xmlns="" xmlns:a14="http://schemas.microsoft.com/office/drawing/2010/main" val="0"/>
+                <a14:useLocalDpi xmlns:a14="http://schemas.microsoft.com/office/drawing/2010/main" xmlns="" val="0"/>
               </a:ext>
             </a:extLst>
           </a:blip>
@@ -8840,7 +10406,7 @@
           <a:noFill/>
           <a:extLst>
             <a:ext uri="{909E8E84-426E-40DD-AFC4-6F175D3DCCD1}">
-              <a14:hiddenFill xmlns="" xmlns:a14="http://schemas.microsoft.com/office/drawing/2010/main">
+              <a14:hiddenFill xmlns:a14="http://schemas.microsoft.com/office/drawing/2010/main" xmlns="">
                 <a:solidFill>
                   <a:srgbClr val="FFFFFF"/>
                 </a:solidFill>
@@ -8861,7 +10427,7 @@
           <a:blip r:embed="rId4" cstate="print">
             <a:extLst>
               <a:ext uri="{28A0092B-C50C-407E-A947-70E740481C1C}">
-                <a14:useLocalDpi xmlns="" xmlns:a14="http://schemas.microsoft.com/office/drawing/2010/main" val="0"/>
+                <a14:useLocalDpi xmlns:a14="http://schemas.microsoft.com/office/drawing/2010/main" xmlns="" val="0"/>
               </a:ext>
             </a:extLst>
           </a:blip>
@@ -8881,7 +10447,7 @@
           <a:noFill/>
           <a:extLst>
             <a:ext uri="{909E8E84-426E-40DD-AFC4-6F175D3DCCD1}">
-              <a14:hiddenFill xmlns="" xmlns:a14="http://schemas.microsoft.com/office/drawing/2010/main">
+              <a14:hiddenFill xmlns:a14="http://schemas.microsoft.com/office/drawing/2010/main" xmlns="">
                 <a:solidFill>
                   <a:srgbClr val="FFFFFF"/>
                 </a:solidFill>
@@ -9108,14 +10674,14 @@
           <a:effectLst/>
           <a:extLst>
             <a:ext uri="{909E8E84-426E-40DD-AFC4-6F175D3DCCD1}">
-              <a14:hiddenFill xmlns="" xmlns:a14="http://schemas.microsoft.com/office/drawing/2010/main">
+              <a14:hiddenFill xmlns:a14="http://schemas.microsoft.com/office/drawing/2010/main" xmlns="">
                 <a:solidFill>
                   <a:schemeClr val="accent1"/>
                 </a:solidFill>
               </a14:hiddenFill>
             </a:ext>
             <a:ext uri="{91240B29-F687-4F45-9708-019B960494DF}">
-              <a14:hiddenLine xmlns="" xmlns:a14="http://schemas.microsoft.com/office/drawing/2010/main" w="9525">
+              <a14:hiddenLine xmlns:a14="http://schemas.microsoft.com/office/drawing/2010/main" xmlns="" w="9525">
                 <a:solidFill>
                   <a:schemeClr val="tx1"/>
                 </a:solidFill>
@@ -9125,7 +10691,7 @@
               </a14:hiddenLine>
             </a:ext>
             <a:ext uri="{AF507438-7753-43E0-B8FC-AC1667EBCBE1}">
-              <a14:hiddenEffects xmlns="" xmlns:a14="http://schemas.microsoft.com/office/drawing/2010/main">
+              <a14:hiddenEffects xmlns:a14="http://schemas.microsoft.com/office/drawing/2010/main" xmlns="">
                 <a:effectLst>
                   <a:outerShdw dist="35921" dir="2700000" algn="ctr" rotWithShape="0">
                     <a:schemeClr val="bg2"/>
@@ -9240,7 +10806,7 @@
     </p:spTree>
     <p:extLst>
       <p:ext uri="{BB962C8B-B14F-4D97-AF65-F5344CB8AC3E}">
-        <p14:creationId xmlns="" xmlns:p14="http://schemas.microsoft.com/office/powerpoint/2010/main" val="2437256557"/>
+        <p14:creationId xmlns:p14="http://schemas.microsoft.com/office/powerpoint/2010/main" xmlns="" val="2437256557"/>
       </p:ext>
     </p:extLst>
   </p:cSld>
@@ -9274,49 +10840,47 @@
           <a:chExt cx="0" cy="0"/>
         </a:xfrm>
       </p:grpSpPr>
-      <p:sp>
-        <p:nvSpPr>
-          <p:cNvPr id="5" name="모서리가 둥근 직사각형 4"/>
-          <p:cNvSpPr/>
+      <p:pic>
+        <p:nvPicPr>
+          <p:cNvPr id="24" name="Picture 2" descr="N:\설계프로젝트\임시저장\ㅊㅊ.png"/>
+          <p:cNvPicPr>
+            <a:picLocks noChangeAspect="1" noChangeArrowheads="1"/>
+          </p:cNvPicPr>
           <p:nvPr/>
-        </p:nvSpPr>
-        <p:spPr>
+        </p:nvPicPr>
+        <p:blipFill>
+          <a:blip r:embed="rId3" cstate="print">
+            <a:extLst>
+              <a:ext uri="{28A0092B-C50C-407E-A947-70E740481C1C}">
+                <a14:useLocalDpi xmlns:a14="http://schemas.microsoft.com/office/drawing/2010/main" xmlns="" val="0"/>
+              </a:ext>
+            </a:extLst>
+          </a:blip>
+          <a:srcRect/>
+          <a:stretch>
+            <a:fillRect/>
+          </a:stretch>
+        </p:blipFill>
+        <p:spPr bwMode="auto">
           <a:xfrm>
-            <a:off x="6228184" y="4773641"/>
-            <a:ext cx="2664296" cy="2039735"/>
+            <a:off x="7441697" y="4493822"/>
+            <a:ext cx="1018156" cy="1570626"/>
           </a:xfrm>
-          <a:prstGeom prst="roundRect">
+          <a:prstGeom prst="rect">
             <a:avLst/>
           </a:prstGeom>
-          <a:ln/>
+          <a:noFill/>
+          <a:extLst>
+            <a:ext uri="{909E8E84-426E-40DD-AFC4-6F175D3DCCD1}">
+              <a14:hiddenFill xmlns:a14="http://schemas.microsoft.com/office/drawing/2010/main" xmlns="">
+                <a:solidFill>
+                  <a:srgbClr val="FFFFFF"/>
+                </a:solidFill>
+              </a14:hiddenFill>
+            </a:ext>
+          </a:extLst>
         </p:spPr>
-        <p:style>
-          <a:lnRef idx="0">
-            <a:schemeClr val="accent1"/>
-          </a:lnRef>
-          <a:fillRef idx="3">
-            <a:schemeClr val="accent1"/>
-          </a:fillRef>
-          <a:effectRef idx="3">
-            <a:schemeClr val="accent1"/>
-          </a:effectRef>
-          <a:fontRef idx="minor">
-            <a:schemeClr val="lt1"/>
-          </a:fontRef>
-        </p:style>
-        <p:txBody>
-          <a:bodyPr rtlCol="0" anchor="ctr"/>
-          <a:lstStyle/>
-          <a:p>
-            <a:pPr algn="ctr"/>
-            <a:endParaRPr lang="ko-KR" altLang="en-US" dirty="0">
-              <a:solidFill>
-                <a:schemeClr val="tx1"/>
-              </a:solidFill>
-            </a:endParaRPr>
-          </a:p>
-        </p:txBody>
-      </p:sp>
+      </p:pic>
       <p:sp>
         <p:nvSpPr>
           <p:cNvPr id="2" name="제목 1"/>
@@ -9334,7 +10898,7 @@
           <a:p>
             <a:pPr marL="914400" indent="-914400">
               <a:buFont typeface="+mj-lt"/>
-              <a:buAutoNum type="arabicPeriod" startAt="2"/>
+              <a:buAutoNum type="arabicPeriod" startAt="3"/>
             </a:pPr>
             <a:r>
               <a:rPr lang="ko-KR" altLang="en-US" sz="5400" spc="600" dirty="0" smtClean="0">
@@ -9401,10 +10965,10 @@
           <p:nvPr/>
         </p:nvPicPr>
         <p:blipFill>
-          <a:blip r:embed="rId3" cstate="print">
+          <a:blip r:embed="rId4" cstate="print">
             <a:extLst>
               <a:ext uri="{28A0092B-C50C-407E-A947-70E740481C1C}">
-                <a14:useLocalDpi xmlns="" xmlns:a14="http://schemas.microsoft.com/office/drawing/2010/main" val="0"/>
+                <a14:useLocalDpi xmlns:a14="http://schemas.microsoft.com/office/drawing/2010/main" xmlns="" val="0"/>
               </a:ext>
             </a:extLst>
           </a:blip>
@@ -9424,7 +10988,7 @@
           <a:noFill/>
           <a:extLst>
             <a:ext uri="{909E8E84-426E-40DD-AFC4-6F175D3DCCD1}">
-              <a14:hiddenFill xmlns="" xmlns:a14="http://schemas.microsoft.com/office/drawing/2010/main">
+              <a14:hiddenFill xmlns:a14="http://schemas.microsoft.com/office/drawing/2010/main" xmlns="">
                 <a:solidFill>
                   <a:srgbClr val="FFFFFF"/>
                 </a:solidFill>
@@ -9442,10 +11006,10 @@
           <p:nvPr/>
         </p:nvPicPr>
         <p:blipFill>
-          <a:blip r:embed="rId4" cstate="print">
+          <a:blip r:embed="rId5" cstate="print">
             <a:extLst>
               <a:ext uri="{28A0092B-C50C-407E-A947-70E740481C1C}">
-                <a14:useLocalDpi xmlns="" xmlns:a14="http://schemas.microsoft.com/office/drawing/2010/main" val="0"/>
+                <a14:useLocalDpi xmlns:a14="http://schemas.microsoft.com/office/drawing/2010/main" xmlns="" val="0"/>
               </a:ext>
             </a:extLst>
           </a:blip>
@@ -9455,8 +11019,8 @@
         </p:blipFill>
         <p:spPr>
           <a:xfrm>
-            <a:off x="6660232" y="1484784"/>
-            <a:ext cx="1700153" cy="3219986"/>
+            <a:off x="6300192" y="1327531"/>
+            <a:ext cx="1976786" cy="3228565"/>
           </a:xfrm>
           <a:prstGeom prst="rect">
             <a:avLst/>
@@ -9604,7 +11168,7 @@
         </p:nvSpPr>
         <p:spPr>
           <a:xfrm>
-            <a:off x="6937875" y="2706053"/>
+            <a:off x="6732240" y="2720237"/>
             <a:ext cx="1144865" cy="461665"/>
           </a:xfrm>
           <a:prstGeom prst="rect">
@@ -9634,47 +11198,105 @@
           </a:p>
         </p:txBody>
       </p:sp>
-      <p:pic>
-        <p:nvPicPr>
-          <p:cNvPr id="22" name="Picture 3" descr="C:\Documents and Settings\XP\바탕 화면\무제-1.png"/>
-          <p:cNvPicPr>
-            <a:picLocks noChangeAspect="1" noChangeArrowheads="1"/>
-          </p:cNvPicPr>
+      <p:grpSp>
+        <p:nvGrpSpPr>
+          <p:cNvPr id="7" name="그룹 6"/>
+          <p:cNvGrpSpPr/>
           <p:nvPr/>
-        </p:nvPicPr>
-        <p:blipFill>
-          <a:blip r:embed="rId5" cstate="print">
+        </p:nvGrpSpPr>
+        <p:grpSpPr>
+          <a:xfrm>
+            <a:off x="5724128" y="5076740"/>
+            <a:ext cx="1120073" cy="1089508"/>
+            <a:chOff x="7556383" y="5191610"/>
+            <a:chExt cx="1120073" cy="1026696"/>
+          </a:xfrm>
+        </p:grpSpPr>
+        <p:sp>
+          <p:nvSpPr>
+            <p:cNvPr id="5" name="모서리가 둥근 직사각형 4"/>
+            <p:cNvSpPr/>
+            <p:nvPr/>
+          </p:nvSpPr>
+          <p:spPr>
+            <a:xfrm>
+              <a:off x="7556383" y="5191610"/>
+              <a:ext cx="1120073" cy="1026696"/>
+            </a:xfrm>
+            <a:prstGeom prst="roundRect">
+              <a:avLst/>
+            </a:prstGeom>
+            <a:ln/>
+          </p:spPr>
+          <p:style>
+            <a:lnRef idx="0">
+              <a:schemeClr val="accent1"/>
+            </a:lnRef>
+            <a:fillRef idx="3">
+              <a:schemeClr val="accent1"/>
+            </a:fillRef>
+            <a:effectRef idx="3">
+              <a:schemeClr val="accent1"/>
+            </a:effectRef>
+            <a:fontRef idx="minor">
+              <a:schemeClr val="lt1"/>
+            </a:fontRef>
+          </p:style>
+          <p:txBody>
+            <a:bodyPr rtlCol="0" anchor="ctr"/>
+            <a:lstStyle/>
+            <a:p>
+              <a:pPr algn="ctr"/>
+              <a:endParaRPr lang="ko-KR" altLang="en-US" dirty="0">
+                <a:solidFill>
+                  <a:schemeClr val="tx1"/>
+                </a:solidFill>
+              </a:endParaRPr>
+            </a:p>
+          </p:txBody>
+        </p:sp>
+        <p:pic>
+          <p:nvPicPr>
+            <p:cNvPr id="22" name="Picture 3" descr="C:\Documents and Settings\XP\바탕 화면\무제-1.png"/>
+            <p:cNvPicPr>
+              <a:picLocks noChangeAspect="1" noChangeArrowheads="1"/>
+            </p:cNvPicPr>
+            <p:nvPr/>
+          </p:nvPicPr>
+          <p:blipFill>
+            <a:blip r:embed="rId6" cstate="print">
+              <a:extLst>
+                <a:ext uri="{28A0092B-C50C-407E-A947-70E740481C1C}">
+                  <a14:useLocalDpi xmlns:a14="http://schemas.microsoft.com/office/drawing/2010/main" xmlns="" val="0"/>
+                </a:ext>
+              </a:extLst>
+            </a:blip>
+            <a:srcRect/>
+            <a:stretch>
+              <a:fillRect/>
+            </a:stretch>
+          </p:blipFill>
+          <p:spPr bwMode="auto">
+            <a:xfrm>
+              <a:off x="7596336" y="5300212"/>
+              <a:ext cx="1025968" cy="821232"/>
+            </a:xfrm>
+            <a:prstGeom prst="rect">
+              <a:avLst/>
+            </a:prstGeom>
+            <a:noFill/>
             <a:extLst>
-              <a:ext uri="{28A0092B-C50C-407E-A947-70E740481C1C}">
-                <a14:useLocalDpi xmlns="" xmlns:a14="http://schemas.microsoft.com/office/drawing/2010/main" val="0"/>
+              <a:ext uri="{909E8E84-426E-40DD-AFC4-6F175D3DCCD1}">
+                <a14:hiddenFill xmlns:a14="http://schemas.microsoft.com/office/drawing/2010/main" xmlns="">
+                  <a:solidFill>
+                    <a:srgbClr val="FFFFFF"/>
+                  </a:solidFill>
+                </a14:hiddenFill>
               </a:ext>
             </a:extLst>
-          </a:blip>
-          <a:srcRect/>
-          <a:stretch>
-            <a:fillRect/>
-          </a:stretch>
-        </p:blipFill>
-        <p:spPr bwMode="auto">
-          <a:xfrm>
-            <a:off x="7932988" y="5382518"/>
-            <a:ext cx="854794" cy="854794"/>
-          </a:xfrm>
-          <a:prstGeom prst="rect">
-            <a:avLst/>
-          </a:prstGeom>
-          <a:noFill/>
-          <a:extLst>
-            <a:ext uri="{909E8E84-426E-40DD-AFC4-6F175D3DCCD1}">
-              <a14:hiddenFill xmlns="" xmlns:a14="http://schemas.microsoft.com/office/drawing/2010/main">
-                <a:solidFill>
-                  <a:srgbClr val="FFFFFF"/>
-                </a:solidFill>
-              </a14:hiddenFill>
-            </a:ext>
-          </a:extLst>
-        </p:spPr>
-      </p:pic>
+          </p:spPr>
+        </p:pic>
+      </p:grpSp>
       <p:sp>
         <p:nvSpPr>
           <p:cNvPr id="23" name="덧셈 기호 22"/>
@@ -9683,8 +11305,8 @@
         </p:nvSpPr>
         <p:spPr>
           <a:xfrm>
-            <a:off x="7020272" y="5410496"/>
-            <a:ext cx="903307" cy="920457"/>
+            <a:off x="6876256" y="5284512"/>
+            <a:ext cx="705855" cy="736776"/>
           </a:xfrm>
           <a:prstGeom prst="mathPlus">
             <a:avLst/>
@@ -9729,47 +11351,6 @@
           </a:p>
         </p:txBody>
       </p:sp>
-      <p:pic>
-        <p:nvPicPr>
-          <p:cNvPr id="24" name="Picture 2" descr="N:\설계프로젝트\임시저장\ㅊㅊ.png"/>
-          <p:cNvPicPr>
-            <a:picLocks noChangeAspect="1" noChangeArrowheads="1"/>
-          </p:cNvPicPr>
-          <p:nvPr/>
-        </p:nvPicPr>
-        <p:blipFill>
-          <a:blip r:embed="rId6" cstate="print">
-            <a:extLst>
-              <a:ext uri="{28A0092B-C50C-407E-A947-70E740481C1C}">
-                <a14:useLocalDpi xmlns="" xmlns:a14="http://schemas.microsoft.com/office/drawing/2010/main" val="0"/>
-              </a:ext>
-            </a:extLst>
-          </a:blip>
-          <a:srcRect/>
-          <a:stretch>
-            <a:fillRect/>
-          </a:stretch>
-        </p:blipFill>
-        <p:spPr bwMode="auto">
-          <a:xfrm>
-            <a:off x="6259016" y="5025800"/>
-            <a:ext cx="1018156" cy="1689850"/>
-          </a:xfrm>
-          <a:prstGeom prst="rect">
-            <a:avLst/>
-          </a:prstGeom>
-          <a:noFill/>
-          <a:extLst>
-            <a:ext uri="{909E8E84-426E-40DD-AFC4-6F175D3DCCD1}">
-              <a14:hiddenFill xmlns="" xmlns:a14="http://schemas.microsoft.com/office/drawing/2010/main">
-                <a:solidFill>
-                  <a:srgbClr val="FFFFFF"/>
-                </a:solidFill>
-              </a14:hiddenFill>
-            </a:ext>
-          </a:extLst>
-        </p:spPr>
-      </p:pic>
       <p:cxnSp>
         <p:nvCxnSpPr>
           <p:cNvPr id="25" name="직선 화살표 연결선 24"/>
@@ -9778,8 +11359,8 @@
         </p:nvCxnSpPr>
         <p:spPr>
           <a:xfrm flipH="1" flipV="1">
-            <a:off x="3563888" y="3861048"/>
-            <a:ext cx="2540602" cy="1397482"/>
+            <a:off x="3563888" y="3861050"/>
+            <a:ext cx="1960340" cy="1512166"/>
           </a:xfrm>
           <a:prstGeom prst="straightConnector1">
             <a:avLst/>
@@ -9827,14 +11408,14 @@
           <a:effectLst/>
           <a:extLst>
             <a:ext uri="{909E8E84-426E-40DD-AFC4-6F175D3DCCD1}">
-              <a14:hiddenFill xmlns="" xmlns:a14="http://schemas.microsoft.com/office/drawing/2010/main">
+              <a14:hiddenFill xmlns:a14="http://schemas.microsoft.com/office/drawing/2010/main" xmlns="">
                 <a:solidFill>
                   <a:schemeClr val="accent1"/>
                 </a:solidFill>
               </a14:hiddenFill>
             </a:ext>
             <a:ext uri="{91240B29-F687-4F45-9708-019B960494DF}">
-              <a14:hiddenLine xmlns="" xmlns:a14="http://schemas.microsoft.com/office/drawing/2010/main" w="9525">
+              <a14:hiddenLine xmlns:a14="http://schemas.microsoft.com/office/drawing/2010/main" xmlns="" w="9525">
                 <a:solidFill>
                   <a:schemeClr val="tx1"/>
                 </a:solidFill>
@@ -9844,7 +11425,7 @@
               </a14:hiddenLine>
             </a:ext>
             <a:ext uri="{AF507438-7753-43E0-B8FC-AC1667EBCBE1}">
-              <a14:hiddenEffects xmlns="" xmlns:a14="http://schemas.microsoft.com/office/drawing/2010/main">
+              <a14:hiddenEffects xmlns:a14="http://schemas.microsoft.com/office/drawing/2010/main" xmlns="">
                 <a:effectLst>
                   <a:outerShdw dist="35921" dir="2700000" algn="ctr" rotWithShape="0">
                     <a:schemeClr val="bg2"/>
@@ -9875,7 +11456,7 @@
               <a:buClrTx/>
               <a:buSzTx/>
               <a:buFont typeface="+mj-lt"/>
-              <a:buAutoNum type="alphaUcPeriod" startAt="2"/>
+              <a:buAutoNum type="alphaUcPeriod"/>
               <a:tabLst/>
               <a:defRPr/>
             </a:pPr>
@@ -9932,10 +11513,64 @@
           </a:p>
         </p:txBody>
       </p:sp>
+      <p:sp>
+        <p:nvSpPr>
+          <p:cNvPr id="29" name="모서리가 둥근 직사각형 28"/>
+          <p:cNvSpPr/>
+          <p:nvPr/>
+        </p:nvSpPr>
+        <p:spPr>
+          <a:xfrm>
+            <a:off x="7596336" y="5076740"/>
+            <a:ext cx="1224136" cy="1044704"/>
+          </a:xfrm>
+          <a:prstGeom prst="roundRect">
+            <a:avLst/>
+          </a:prstGeom>
+          <a:solidFill>
+            <a:srgbClr val="78ADCD"/>
+          </a:solidFill>
+          <a:ln/>
+        </p:spPr>
+        <p:style>
+          <a:lnRef idx="0">
+            <a:schemeClr val="accent1"/>
+          </a:lnRef>
+          <a:fillRef idx="3">
+            <a:schemeClr val="accent1"/>
+          </a:fillRef>
+          <a:effectRef idx="3">
+            <a:schemeClr val="accent1"/>
+          </a:effectRef>
+          <a:fontRef idx="minor">
+            <a:schemeClr val="lt1"/>
+          </a:fontRef>
+        </p:style>
+        <p:txBody>
+          <a:bodyPr rtlCol="0" anchor="ctr"/>
+          <a:lstStyle/>
+          <a:p>
+            <a:pPr algn="ctr"/>
+            <a:r>
+              <a:rPr lang="en-US" altLang="ko-KR" dirty="0" smtClean="0">
+                <a:solidFill>
+                  <a:sysClr val="windowText" lastClr="000000"/>
+                </a:solidFill>
+              </a:rPr>
+              <a:t>VHCI Driver</a:t>
+            </a:r>
+            <a:endParaRPr lang="ko-KR" altLang="en-US" dirty="0">
+              <a:solidFill>
+                <a:sysClr val="windowText" lastClr="000000"/>
+              </a:solidFill>
+            </a:endParaRPr>
+          </a:p>
+        </p:txBody>
+      </p:sp>
     </p:spTree>
     <p:extLst>
       <p:ext uri="{BB962C8B-B14F-4D97-AF65-F5344CB8AC3E}">
-        <p14:creationId xmlns="" xmlns:p14="http://schemas.microsoft.com/office/powerpoint/2010/main" val="1709874429"/>
+        <p14:creationId xmlns:p14="http://schemas.microsoft.com/office/powerpoint/2010/main" xmlns="" val="1709874429"/>
       </p:ext>
     </p:extLst>
   </p:cSld>
@@ -9986,7 +11621,7 @@
           <a:p>
             <a:pPr marL="914400" indent="-914400">
               <a:buFont typeface="+mj-lt"/>
-              <a:buAutoNum type="arabicPeriod" startAt="2"/>
+              <a:buAutoNum type="arabicPeriod" startAt="3"/>
             </a:pPr>
             <a:r>
               <a:rPr lang="ko-KR" altLang="en-US" sz="5400" spc="600" dirty="0">
@@ -10040,7 +11675,7 @@
           <a:p>
             <a:pPr marL="571500" indent="-514350">
               <a:buFont typeface="+mj-lt"/>
-              <a:buAutoNum type="alphaUcPeriod" startAt="3"/>
+              <a:buAutoNum type="alphaUcPeriod" startAt="2"/>
             </a:pPr>
             <a:r>
               <a:rPr lang="en-US" altLang="ko-KR" dirty="0" smtClean="0">
@@ -10092,7 +11727,7 @@
         </p:nvCxnSpPr>
         <p:spPr>
           <a:xfrm>
-            <a:off x="6372200" y="2132856"/>
+            <a:off x="6372200" y="1988840"/>
             <a:ext cx="0" cy="4536504"/>
           </a:xfrm>
           <a:prstGeom prst="line">
@@ -10128,7 +11763,7 @@
         </p:nvSpPr>
         <p:spPr>
           <a:xfrm>
-            <a:off x="4067944" y="2494057"/>
+            <a:off x="4067944" y="2350041"/>
             <a:ext cx="1773241" cy="430887"/>
           </a:xfrm>
           <a:prstGeom prst="rect">
@@ -10163,7 +11798,7 @@
         </p:nvSpPr>
         <p:spPr>
           <a:xfrm>
-            <a:off x="6516216" y="2494057"/>
+            <a:off x="6516216" y="2350041"/>
             <a:ext cx="2304256" cy="430887"/>
           </a:xfrm>
           <a:prstGeom prst="rect">
@@ -10198,7 +11833,7 @@
         </p:nvSpPr>
         <p:spPr>
           <a:xfrm>
-            <a:off x="6588224" y="4077072"/>
+            <a:off x="6588224" y="3933056"/>
             <a:ext cx="2150641" cy="1079999"/>
           </a:xfrm>
           <a:prstGeom prst="rect">
@@ -10251,7 +11886,7 @@
         </p:nvSpPr>
         <p:spPr>
           <a:xfrm>
-            <a:off x="3995936" y="5157192"/>
+            <a:off x="3995936" y="5013176"/>
             <a:ext cx="4740352" cy="1080150"/>
           </a:xfrm>
           <a:prstGeom prst="rect">
@@ -10318,7 +11953,7 @@
         </p:nvSpPr>
         <p:spPr>
           <a:xfrm>
-            <a:off x="4005535" y="2997073"/>
+            <a:off x="4005535" y="2853057"/>
             <a:ext cx="2150641" cy="2160119"/>
           </a:xfrm>
           <a:prstGeom prst="rect">
@@ -10384,7 +12019,7 @@
         </p:nvSpPr>
         <p:spPr>
           <a:xfrm>
-            <a:off x="6588224" y="2997073"/>
+            <a:off x="6588224" y="2852936"/>
             <a:ext cx="2150641" cy="1079999"/>
           </a:xfrm>
           <a:prstGeom prst="rect">
@@ -10443,7 +12078,7 @@
         </p:blipFill>
         <p:spPr bwMode="auto">
           <a:xfrm>
-            <a:off x="6660232" y="3087086"/>
+            <a:off x="6660232" y="2943070"/>
             <a:ext cx="1944216" cy="897590"/>
           </a:xfrm>
           <a:prstGeom prst="rect">
@@ -10466,7 +12101,7 @@
         </p:nvSpPr>
         <p:spPr>
           <a:xfrm>
-            <a:off x="539552" y="2493936"/>
+            <a:off x="539552" y="2349920"/>
             <a:ext cx="1773241" cy="430887"/>
           </a:xfrm>
           <a:prstGeom prst="rect">
@@ -10501,7 +12136,7 @@
         </p:nvSpPr>
         <p:spPr>
           <a:xfrm>
-            <a:off x="323528" y="2996952"/>
+            <a:off x="323528" y="2852936"/>
             <a:ext cx="2150641" cy="2160119"/>
           </a:xfrm>
           <a:prstGeom prst="rect">
@@ -10567,7 +12202,7 @@
         </p:nvSpPr>
         <p:spPr>
           <a:xfrm rot="16200000">
-            <a:off x="2880616" y="4112272"/>
+            <a:off x="2880616" y="3968256"/>
             <a:ext cx="718472" cy="1080120"/>
           </a:xfrm>
           <a:prstGeom prst="downArrow">
@@ -10620,7 +12255,7 @@
         </p:nvGrpSpPr>
         <p:grpSpPr>
           <a:xfrm>
-            <a:off x="3995936" y="2996952"/>
+            <a:off x="3995936" y="2852936"/>
             <a:ext cx="4752528" cy="3240360"/>
             <a:chOff x="3851920" y="2996952"/>
             <a:chExt cx="4752528" cy="3240360"/>
@@ -10664,19 +12299,8 @@
             </a:ln>
             <a:effectLst/>
             <a:extLst>
-              <a:ext uri="{91240B29-F687-4F45-9708-019B960494DF}">
-                <a14:hiddenLine xmlns="" xmlns:a14="http://schemas.microsoft.com/office/drawing/2010/main" w="9525" cap="flat" cmpd="sng" algn="ctr">
-                  <a:solidFill>
-                    <a:schemeClr val="tx1"/>
-                  </a:solidFill>
-                  <a:prstDash val="solid"/>
-                  <a:round/>
-                  <a:headEnd type="none" w="med" len="med"/>
-                  <a:tailEnd type="none" w="med" len="med"/>
-                </a14:hiddenLine>
-              </a:ext>
               <a:ext uri="{AF507438-7753-43E0-B8FC-AC1667EBCBE1}">
-                <a14:hiddenEffects xmlns="" xmlns:a14="http://schemas.microsoft.com/office/drawing/2010/main">
+                <a14:hiddenEffects xmlns:a14="http://schemas.microsoft.com/office/drawing/2010/main" xmlns="">
                   <a:effectLst>
                     <a:outerShdw dist="35921" dir="2700000" algn="ctr" rotWithShape="0">
                       <a:schemeClr val="bg2"/>
@@ -10725,19 +12349,8 @@
             </a:ln>
             <a:effectLst/>
             <a:extLst>
-              <a:ext uri="{91240B29-F687-4F45-9708-019B960494DF}">
-                <a14:hiddenLine xmlns="" xmlns:a14="http://schemas.microsoft.com/office/drawing/2010/main" w="9525" cap="flat" cmpd="sng" algn="ctr">
-                  <a:solidFill>
-                    <a:schemeClr val="tx1"/>
-                  </a:solidFill>
-                  <a:prstDash val="solid"/>
-                  <a:round/>
-                  <a:headEnd type="none" w="med" len="med"/>
-                  <a:tailEnd type="none" w="med" len="med"/>
-                </a14:hiddenLine>
-              </a:ext>
               <a:ext uri="{AF507438-7753-43E0-B8FC-AC1667EBCBE1}">
-                <a14:hiddenEffects xmlns="" xmlns:a14="http://schemas.microsoft.com/office/drawing/2010/main">
+                <a14:hiddenEffects xmlns:a14="http://schemas.microsoft.com/office/drawing/2010/main" xmlns="">
                   <a:effectLst>
                     <a:outerShdw dist="35921" dir="2700000" algn="ctr" rotWithShape="0">
                       <a:schemeClr val="bg2"/>
@@ -10786,19 +12399,8 @@
             </a:ln>
             <a:effectLst/>
             <a:extLst>
-              <a:ext uri="{91240B29-F687-4F45-9708-019B960494DF}">
-                <a14:hiddenLine xmlns="" xmlns:a14="http://schemas.microsoft.com/office/drawing/2010/main" w="9525" cap="flat" cmpd="sng" algn="ctr">
-                  <a:solidFill>
-                    <a:schemeClr val="tx1"/>
-                  </a:solidFill>
-                  <a:prstDash val="solid"/>
-                  <a:round/>
-                  <a:headEnd type="none" w="med" len="med"/>
-                  <a:tailEnd type="none" w="med" len="med"/>
-                </a14:hiddenLine>
-              </a:ext>
               <a:ext uri="{AF507438-7753-43E0-B8FC-AC1667EBCBE1}">
-                <a14:hiddenEffects xmlns="" xmlns:a14="http://schemas.microsoft.com/office/drawing/2010/main">
+                <a14:hiddenEffects xmlns:a14="http://schemas.microsoft.com/office/drawing/2010/main" xmlns="">
                   <a:effectLst>
                     <a:outerShdw dist="35921" dir="2700000" algn="ctr" rotWithShape="0">
                       <a:schemeClr val="bg2"/>
@@ -10847,19 +12449,8 @@
             </a:ln>
             <a:effectLst/>
             <a:extLst>
-              <a:ext uri="{91240B29-F687-4F45-9708-019B960494DF}">
-                <a14:hiddenLine xmlns="" xmlns:a14="http://schemas.microsoft.com/office/drawing/2010/main" w="9525" cap="flat" cmpd="sng" algn="ctr">
-                  <a:solidFill>
-                    <a:schemeClr val="tx1"/>
-                  </a:solidFill>
-                  <a:prstDash val="solid"/>
-                  <a:round/>
-                  <a:headEnd type="none" w="med" len="med"/>
-                  <a:tailEnd type="none" w="med" len="med"/>
-                </a14:hiddenLine>
-              </a:ext>
               <a:ext uri="{AF507438-7753-43E0-B8FC-AC1667EBCBE1}">
-                <a14:hiddenEffects xmlns="" xmlns:a14="http://schemas.microsoft.com/office/drawing/2010/main">
+                <a14:hiddenEffects xmlns:a14="http://schemas.microsoft.com/office/drawing/2010/main" xmlns="">
                   <a:effectLst>
                     <a:outerShdw dist="35921" dir="2700000" algn="ctr" rotWithShape="0">
                       <a:schemeClr val="bg2"/>
@@ -10908,19 +12499,8 @@
             </a:ln>
             <a:effectLst/>
             <a:extLst>
-              <a:ext uri="{91240B29-F687-4F45-9708-019B960494DF}">
-                <a14:hiddenLine xmlns="" xmlns:a14="http://schemas.microsoft.com/office/drawing/2010/main" w="9525" cap="flat" cmpd="sng" algn="ctr">
-                  <a:solidFill>
-                    <a:schemeClr val="tx1"/>
-                  </a:solidFill>
-                  <a:prstDash val="solid"/>
-                  <a:round/>
-                  <a:headEnd type="none" w="med" len="med"/>
-                  <a:tailEnd type="none" w="med" len="med"/>
-                </a14:hiddenLine>
-              </a:ext>
               <a:ext uri="{AF507438-7753-43E0-B8FC-AC1667EBCBE1}">
-                <a14:hiddenEffects xmlns="" xmlns:a14="http://schemas.microsoft.com/office/drawing/2010/main">
+                <a14:hiddenEffects xmlns:a14="http://schemas.microsoft.com/office/drawing/2010/main" xmlns="">
                   <a:effectLst>
                     <a:outerShdw dist="35921" dir="2700000" algn="ctr" rotWithShape="0">
                       <a:schemeClr val="bg2"/>
@@ -10969,19 +12549,8 @@
             </a:ln>
             <a:effectLst/>
             <a:extLst>
-              <a:ext uri="{91240B29-F687-4F45-9708-019B960494DF}">
-                <a14:hiddenLine xmlns="" xmlns:a14="http://schemas.microsoft.com/office/drawing/2010/main" w="9525" cap="flat" cmpd="sng" algn="ctr">
-                  <a:solidFill>
-                    <a:schemeClr val="tx1"/>
-                  </a:solidFill>
-                  <a:prstDash val="solid"/>
-                  <a:round/>
-                  <a:headEnd type="none" w="med" len="med"/>
-                  <a:tailEnd type="none" w="med" len="med"/>
-                </a14:hiddenLine>
-              </a:ext>
               <a:ext uri="{AF507438-7753-43E0-B8FC-AC1667EBCBE1}">
-                <a14:hiddenEffects xmlns="" xmlns:a14="http://schemas.microsoft.com/office/drawing/2010/main">
+                <a14:hiddenEffects xmlns:a14="http://schemas.microsoft.com/office/drawing/2010/main" xmlns="">
                   <a:effectLst>
                     <a:outerShdw dist="35921" dir="2700000" algn="ctr" rotWithShape="0">
                       <a:schemeClr val="bg2"/>
@@ -11001,7 +12570,7 @@
         </p:nvSpPr>
         <p:spPr>
           <a:xfrm>
-            <a:off x="333127" y="5157192"/>
+            <a:off x="333127" y="5013176"/>
             <a:ext cx="2150641" cy="1079999"/>
           </a:xfrm>
           <a:prstGeom prst="rect">
@@ -11053,7 +12622,7 @@
     </p:spTree>
     <p:extLst>
       <p:ext uri="{BB962C8B-B14F-4D97-AF65-F5344CB8AC3E}">
-        <p14:creationId xmlns="" xmlns:p14="http://schemas.microsoft.com/office/powerpoint/2010/main" val="1532431054"/>
+        <p14:creationId xmlns:p14="http://schemas.microsoft.com/office/powerpoint/2010/main" xmlns="" val="1532431054"/>
       </p:ext>
     </p:extLst>
   </p:cSld>
@@ -11109,7 +12678,7 @@
           <a:p>
             <a:pPr marL="914400" indent="-914400">
               <a:buFont typeface="+mj-lt"/>
-              <a:buAutoNum type="arabicPeriod" startAt="2"/>
+              <a:buAutoNum type="arabicPeriod" startAt="3"/>
             </a:pPr>
             <a:r>
               <a:rPr lang="ko-KR" altLang="en-US" sz="5400" spc="600" dirty="0" smtClean="0">
@@ -11991,13 +13560,6 @@
               </a:rPr>
               <a:t>.</a:t>
             </a:r>
-            <a:endParaRPr lang="en-US" altLang="ko-KR" sz="2000" dirty="0" smtClean="0">
-              <a:solidFill>
-                <a:srgbClr val="000000"/>
-              </a:solidFill>
-              <a:latin typeface="HY동녘M" pitchFamily="18" charset="-127"/>
-              <a:ea typeface="HY동녘M" pitchFamily="18" charset="-127"/>
-            </a:endParaRPr>
           </a:p>
           <a:p>
             <a:pPr marL="342900" indent="-342900" algn="l">
@@ -12012,17 +13574,7 @@
                 <a:latin typeface="HY동녘M" pitchFamily="18" charset="-127"/>
                 <a:ea typeface="HY동녘M" pitchFamily="18" charset="-127"/>
               </a:rPr>
-              <a:t>윈도우 </a:t>
-            </a:r>
-            <a:r>
-              <a:rPr lang="ko-KR" altLang="en-US" sz="2000" dirty="0" smtClean="0">
-                <a:solidFill>
-                  <a:srgbClr val="000000"/>
-                </a:solidFill>
-                <a:latin typeface="HY동녘M" pitchFamily="18" charset="-127"/>
-                <a:ea typeface="HY동녘M" pitchFamily="18" charset="-127"/>
-              </a:rPr>
-              <a:t>프로그램을 수정 없이 사용이 가능</a:t>
+              <a:t>윈도우 프로그램을 수정 없이 사용이 가능</a:t>
             </a:r>
             <a:r>
               <a:rPr lang="en-US" altLang="ko-KR" sz="2000" dirty="0" smtClean="0">
@@ -12187,10 +13739,15 @@
           <a:p>
             <a:pPr marL="571500" indent="-514350">
               <a:buFont typeface="+mj-lt"/>
-              <a:buAutoNum type="alphaUcPeriod" startAt="4"/>
+              <a:buAutoNum type="alphaUcPeriod" startAt="3"/>
             </a:pPr>
             <a:r>
               <a:rPr lang="ko-KR" altLang="en-US" dirty="0" smtClean="0">
+                <a:solidFill>
+                  <a:schemeClr val="tx1">
+                    <a:lumMod val="50000"/>
+                  </a:schemeClr>
+                </a:solidFill>
                 <a:latin typeface="HY동녘M" pitchFamily="18" charset="-127"/>
                 <a:ea typeface="HY동녘M" pitchFamily="18" charset="-127"/>
               </a:rPr>
@@ -12198,6 +13755,11 @@
             </a:r>
             <a:r>
               <a:rPr lang="en-US" altLang="ko-KR" dirty="0" smtClean="0">
+                <a:solidFill>
+                  <a:schemeClr val="tx1">
+                    <a:lumMod val="50000"/>
+                  </a:schemeClr>
+                </a:solidFill>
                 <a:latin typeface="HY동녘M" pitchFamily="18" charset="-127"/>
                 <a:ea typeface="HY동녘M" pitchFamily="18" charset="-127"/>
               </a:rPr>
@@ -12205,6 +13767,11 @@
             </a:r>
             <a:r>
               <a:rPr lang="ko-KR" altLang="en-US" dirty="0" smtClean="0">
+                <a:solidFill>
+                  <a:schemeClr val="tx1">
+                    <a:lumMod val="50000"/>
+                  </a:schemeClr>
+                </a:solidFill>
                 <a:latin typeface="HY동녘M" pitchFamily="18" charset="-127"/>
                 <a:ea typeface="HY동녘M" pitchFamily="18" charset="-127"/>
               </a:rPr>
@@ -12212,6 +13779,11 @@
             </a:r>
             <a:r>
               <a:rPr lang="en-US" altLang="ko-KR" dirty="0" smtClean="0">
+                <a:solidFill>
+                  <a:schemeClr val="tx1">
+                    <a:lumMod val="50000"/>
+                  </a:schemeClr>
+                </a:solidFill>
                 <a:latin typeface="HY동녘M" pitchFamily="18" charset="-127"/>
                 <a:ea typeface="HY동녘M" pitchFamily="18" charset="-127"/>
               </a:rPr>
@@ -12296,7 +13868,7 @@
     </p:spTree>
     <p:extLst>
       <p:ext uri="{BB962C8B-B14F-4D97-AF65-F5344CB8AC3E}">
-        <p14:creationId xmlns="" xmlns:p14="http://schemas.microsoft.com/office/powerpoint/2010/main" val="1410092498"/>
+        <p14:creationId xmlns:p14="http://schemas.microsoft.com/office/powerpoint/2010/main" xmlns="" val="1410092498"/>
       </p:ext>
     </p:extLst>
   </p:cSld>
@@ -12383,7 +13955,7 @@
           <a:p>
             <a:pPr marL="914400" indent="-914400">
               <a:buFont typeface="+mj-lt"/>
-              <a:buAutoNum type="arabicPeriod" startAt="3"/>
+              <a:buAutoNum type="arabicPeriod" startAt="4"/>
             </a:pPr>
             <a:r>
               <a:rPr lang="ko-KR" altLang="en-US" sz="5400" spc="600" dirty="0" smtClean="0">
@@ -12443,10 +14015,10 @@
         </p:nvGrpSpPr>
         <p:grpSpPr>
           <a:xfrm>
-            <a:off x="3563887" y="3337356"/>
-            <a:ext cx="2320717" cy="1222528"/>
+            <a:off x="3347864" y="3337356"/>
+            <a:ext cx="3096344" cy="1222528"/>
             <a:chOff x="3511961" y="3632546"/>
-            <a:chExt cx="1754782" cy="936104"/>
+            <a:chExt cx="1921661" cy="936104"/>
           </a:xfrm>
         </p:grpSpPr>
         <p:sp>
@@ -12495,8 +14067,8 @@
           </p:nvSpPr>
           <p:spPr>
             <a:xfrm>
-              <a:off x="4056442" y="3894436"/>
-              <a:ext cx="1028096" cy="400636"/>
+              <a:off x="3707361" y="3894436"/>
+              <a:ext cx="1726261" cy="400636"/>
             </a:xfrm>
             <a:prstGeom prst="rect">
               <a:avLst/>
@@ -12517,7 +14089,7 @@
                     </a:schemeClr>
                   </a:solidFill>
                 </a:rPr>
-                <a:t>USB/IP</a:t>
+                <a:t>Android-USB</a:t>
               </a:r>
               <a:endParaRPr lang="ko-KR" altLang="en-US" sz="2800" dirty="0">
                 <a:solidFill>
@@ -13293,7 +14865,7 @@
         <a:effectLst/>
         <a:extLst>
           <a:ext uri="{91240B29-F687-4F45-9708-019B960494DF}">
-            <a14:hiddenLine xmlns="" xmlns:a14="http://schemas.microsoft.com/office/drawing/2010/main" w="9525" cap="flat" cmpd="sng" algn="ctr">
+            <a14:hiddenLine xmlns:a14="http://schemas.microsoft.com/office/drawing/2010/main" xmlns="" w="9525" cap="flat" cmpd="sng" algn="ctr">
               <a:solidFill>
                 <a:schemeClr val="tx1"/>
               </a:solidFill>
@@ -13304,7 +14876,7 @@
             </a14:hiddenLine>
           </a:ext>
           <a:ext uri="{AF507438-7753-43E0-B8FC-AC1667EBCBE1}">
-            <a14:hiddenEffects xmlns="" xmlns:a14="http://schemas.microsoft.com/office/drawing/2010/main">
+            <a14:hiddenEffects xmlns:a14="http://schemas.microsoft.com/office/drawing/2010/main" xmlns="">
               <a:effectLst>
                 <a:outerShdw dist="35921" dir="2700000" algn="ctr" rotWithShape="0">
                   <a:schemeClr val="bg2"/>
